--- a/docs/Diagnosis unbox 230907.pptx
+++ b/docs/Diagnosis unbox 230907.pptx
@@ -34,6 +34,8 @@
     <p:sldId id="268" r:id="rId28"/>
     <p:sldId id="291" r:id="rId29"/>
     <p:sldId id="289" r:id="rId30"/>
+    <p:sldId id="305" r:id="rId31"/>
+    <p:sldId id="306" r:id="rId32"/>
   </p:sldIdLst>
   <p:sldSz cx="12192000" cy="6858000"/>
   <p:notesSz cx="6858000" cy="9144000"/>
@@ -5282,7 +5284,7 @@
           <a:p>
             <a:fld id="{029D6229-E10E-4C76-A75C-B4819F42F1BB}" type="datetimeFigureOut">
               <a:rPr lang="en-GB" smtClean="0"/>
-              <a:t>07/09/2023</a:t>
+              <a:t>13/09/2023</a:t>
             </a:fld>
             <a:endParaRPr lang="en-GB"/>
           </a:p>
@@ -5482,7 +5484,7 @@
           <a:p>
             <a:fld id="{029D6229-E10E-4C76-A75C-B4819F42F1BB}" type="datetimeFigureOut">
               <a:rPr lang="en-GB" smtClean="0"/>
-              <a:t>07/09/2023</a:t>
+              <a:t>13/09/2023</a:t>
             </a:fld>
             <a:endParaRPr lang="en-GB"/>
           </a:p>
@@ -5692,7 +5694,7 @@
           <a:p>
             <a:fld id="{029D6229-E10E-4C76-A75C-B4819F42F1BB}" type="datetimeFigureOut">
               <a:rPr lang="en-GB" smtClean="0"/>
-              <a:t>07/09/2023</a:t>
+              <a:t>13/09/2023</a:t>
             </a:fld>
             <a:endParaRPr lang="en-GB"/>
           </a:p>
@@ -5892,7 +5894,7 @@
           <a:p>
             <a:fld id="{029D6229-E10E-4C76-A75C-B4819F42F1BB}" type="datetimeFigureOut">
               <a:rPr lang="en-GB" smtClean="0"/>
-              <a:t>07/09/2023</a:t>
+              <a:t>13/09/2023</a:t>
             </a:fld>
             <a:endParaRPr lang="en-GB"/>
           </a:p>
@@ -6168,7 +6170,7 @@
           <a:p>
             <a:fld id="{029D6229-E10E-4C76-A75C-B4819F42F1BB}" type="datetimeFigureOut">
               <a:rPr lang="en-GB" smtClean="0"/>
-              <a:t>07/09/2023</a:t>
+              <a:t>13/09/2023</a:t>
             </a:fld>
             <a:endParaRPr lang="en-GB"/>
           </a:p>
@@ -6436,7 +6438,7 @@
           <a:p>
             <a:fld id="{029D6229-E10E-4C76-A75C-B4819F42F1BB}" type="datetimeFigureOut">
               <a:rPr lang="en-GB" smtClean="0"/>
-              <a:t>07/09/2023</a:t>
+              <a:t>13/09/2023</a:t>
             </a:fld>
             <a:endParaRPr lang="en-GB"/>
           </a:p>
@@ -6851,7 +6853,7 @@
           <a:p>
             <a:fld id="{029D6229-E10E-4C76-A75C-B4819F42F1BB}" type="datetimeFigureOut">
               <a:rPr lang="en-GB" smtClean="0"/>
-              <a:t>07/09/2023</a:t>
+              <a:t>13/09/2023</a:t>
             </a:fld>
             <a:endParaRPr lang="en-GB"/>
           </a:p>
@@ -6993,7 +6995,7 @@
           <a:p>
             <a:fld id="{029D6229-E10E-4C76-A75C-B4819F42F1BB}" type="datetimeFigureOut">
               <a:rPr lang="en-GB" smtClean="0"/>
-              <a:t>07/09/2023</a:t>
+              <a:t>13/09/2023</a:t>
             </a:fld>
             <a:endParaRPr lang="en-GB"/>
           </a:p>
@@ -7106,7 +7108,7 @@
           <a:p>
             <a:fld id="{029D6229-E10E-4C76-A75C-B4819F42F1BB}" type="datetimeFigureOut">
               <a:rPr lang="en-GB" smtClean="0"/>
-              <a:t>07/09/2023</a:t>
+              <a:t>13/09/2023</a:t>
             </a:fld>
             <a:endParaRPr lang="en-GB"/>
           </a:p>
@@ -7419,7 +7421,7 @@
           <a:p>
             <a:fld id="{029D6229-E10E-4C76-A75C-B4819F42F1BB}" type="datetimeFigureOut">
               <a:rPr lang="en-GB" smtClean="0"/>
-              <a:t>07/09/2023</a:t>
+              <a:t>13/09/2023</a:t>
             </a:fld>
             <a:endParaRPr lang="en-GB"/>
           </a:p>
@@ -7708,7 +7710,7 @@
           <a:p>
             <a:fld id="{029D6229-E10E-4C76-A75C-B4819F42F1BB}" type="datetimeFigureOut">
               <a:rPr lang="en-GB" smtClean="0"/>
-              <a:t>07/09/2023</a:t>
+              <a:t>13/09/2023</a:t>
             </a:fld>
             <a:endParaRPr lang="en-GB"/>
           </a:p>
@@ -7951,7 +7953,7 @@
           <a:p>
             <a:fld id="{029D6229-E10E-4C76-A75C-B4819F42F1BB}" type="datetimeFigureOut">
               <a:rPr lang="en-GB" smtClean="0"/>
-              <a:t>07/09/2023</a:t>
+              <a:t>13/09/2023</a:t>
             </a:fld>
             <a:endParaRPr lang="en-GB"/>
           </a:p>
@@ -37056,6 +37058,7266 @@
     <p:extLst>
       <p:ext uri="{BB962C8B-B14F-4D97-AF65-F5344CB8AC3E}">
         <p14:creationId xmlns:p14="http://schemas.microsoft.com/office/powerpoint/2010/main" val="1946911767"/>
+      </p:ext>
+    </p:extLst>
+  </p:cSld>
+  <p:clrMapOvr>
+    <a:masterClrMapping/>
+  </p:clrMapOvr>
+</p:sld>
+</file>
+
+<file path=ppt/slides/slide30.xml><?xml version="1.0" encoding="utf-8"?>
+<p:sld xmlns:a="http://schemas.openxmlformats.org/drawingml/2006/main" xmlns:r="http://schemas.openxmlformats.org/officeDocument/2006/relationships" xmlns:p="http://schemas.openxmlformats.org/presentationml/2006/main">
+  <p:cSld>
+    <p:spTree>
+      <p:nvGrpSpPr>
+        <p:cNvPr id="1" name=""/>
+        <p:cNvGrpSpPr/>
+        <p:nvPr/>
+      </p:nvGrpSpPr>
+      <p:grpSpPr>
+        <a:xfrm>
+          <a:off x="0" y="0"/>
+          <a:ext cx="0" cy="0"/>
+          <a:chOff x="0" y="0"/>
+          <a:chExt cx="0" cy="0"/>
+        </a:xfrm>
+      </p:grpSpPr>
+      <p:sp>
+        <p:nvSpPr>
+          <p:cNvPr id="58" name="Rectangle 57">
+            <a:extLst>
+              <a:ext uri="{FF2B5EF4-FFF2-40B4-BE49-F238E27FC236}">
+                <a16:creationId xmlns:a16="http://schemas.microsoft.com/office/drawing/2014/main" id="{5A3B7A0D-58EE-18A2-8D72-252675C39B82}"/>
+              </a:ext>
+            </a:extLst>
+          </p:cNvPr>
+          <p:cNvSpPr/>
+          <p:nvPr/>
+        </p:nvSpPr>
+        <p:spPr>
+          <a:xfrm>
+            <a:off x="3954794" y="182685"/>
+            <a:ext cx="1210733" cy="617966"/>
+          </a:xfrm>
+          <a:prstGeom prst="rect">
+            <a:avLst/>
+          </a:prstGeom>
+        </p:spPr>
+        <p:style>
+          <a:lnRef idx="2">
+            <a:schemeClr val="accent1">
+              <a:shade val="15000"/>
+            </a:schemeClr>
+          </a:lnRef>
+          <a:fillRef idx="1">
+            <a:schemeClr val="accent1"/>
+          </a:fillRef>
+          <a:effectRef idx="0">
+            <a:schemeClr val="accent1"/>
+          </a:effectRef>
+          <a:fontRef idx="minor">
+            <a:schemeClr val="lt1"/>
+          </a:fontRef>
+        </p:style>
+        <p:txBody>
+          <a:bodyPr rtlCol="0" anchor="ctr"/>
+          <a:lstStyle>
+            <a:defPPr>
+              <a:defRPr lang="en-US"/>
+            </a:defPPr>
+            <a:lvl1pPr marL="0" algn="l" defTabSz="914400" rtl="0" eaLnBrk="1" latinLnBrk="0" hangingPunct="1">
+              <a:defRPr sz="1800" kern="1200">
+                <a:solidFill>
+                  <a:schemeClr val="lt1"/>
+                </a:solidFill>
+                <a:latin typeface="+mn-lt"/>
+                <a:ea typeface="+mn-ea"/>
+                <a:cs typeface="+mn-cs"/>
+              </a:defRPr>
+            </a:lvl1pPr>
+            <a:lvl2pPr marL="457200" algn="l" defTabSz="914400" rtl="0" eaLnBrk="1" latinLnBrk="0" hangingPunct="1">
+              <a:defRPr sz="1800" kern="1200">
+                <a:solidFill>
+                  <a:schemeClr val="lt1"/>
+                </a:solidFill>
+                <a:latin typeface="+mn-lt"/>
+                <a:ea typeface="+mn-ea"/>
+                <a:cs typeface="+mn-cs"/>
+              </a:defRPr>
+            </a:lvl2pPr>
+            <a:lvl3pPr marL="914400" algn="l" defTabSz="914400" rtl="0" eaLnBrk="1" latinLnBrk="0" hangingPunct="1">
+              <a:defRPr sz="1800" kern="1200">
+                <a:solidFill>
+                  <a:schemeClr val="lt1"/>
+                </a:solidFill>
+                <a:latin typeface="+mn-lt"/>
+                <a:ea typeface="+mn-ea"/>
+                <a:cs typeface="+mn-cs"/>
+              </a:defRPr>
+            </a:lvl3pPr>
+            <a:lvl4pPr marL="1371600" algn="l" defTabSz="914400" rtl="0" eaLnBrk="1" latinLnBrk="0" hangingPunct="1">
+              <a:defRPr sz="1800" kern="1200">
+                <a:solidFill>
+                  <a:schemeClr val="lt1"/>
+                </a:solidFill>
+                <a:latin typeface="+mn-lt"/>
+                <a:ea typeface="+mn-ea"/>
+                <a:cs typeface="+mn-cs"/>
+              </a:defRPr>
+            </a:lvl4pPr>
+            <a:lvl5pPr marL="1828800" algn="l" defTabSz="914400" rtl="0" eaLnBrk="1" latinLnBrk="0" hangingPunct="1">
+              <a:defRPr sz="1800" kern="1200">
+                <a:solidFill>
+                  <a:schemeClr val="lt1"/>
+                </a:solidFill>
+                <a:latin typeface="+mn-lt"/>
+                <a:ea typeface="+mn-ea"/>
+                <a:cs typeface="+mn-cs"/>
+              </a:defRPr>
+            </a:lvl5pPr>
+            <a:lvl6pPr marL="2286000" algn="l" defTabSz="914400" rtl="0" eaLnBrk="1" latinLnBrk="0" hangingPunct="1">
+              <a:defRPr sz="1800" kern="1200">
+                <a:solidFill>
+                  <a:schemeClr val="lt1"/>
+                </a:solidFill>
+                <a:latin typeface="+mn-lt"/>
+                <a:ea typeface="+mn-ea"/>
+                <a:cs typeface="+mn-cs"/>
+              </a:defRPr>
+            </a:lvl6pPr>
+            <a:lvl7pPr marL="2743200" algn="l" defTabSz="914400" rtl="0" eaLnBrk="1" latinLnBrk="0" hangingPunct="1">
+              <a:defRPr sz="1800" kern="1200">
+                <a:solidFill>
+                  <a:schemeClr val="lt1"/>
+                </a:solidFill>
+                <a:latin typeface="+mn-lt"/>
+                <a:ea typeface="+mn-ea"/>
+                <a:cs typeface="+mn-cs"/>
+              </a:defRPr>
+            </a:lvl7pPr>
+            <a:lvl8pPr marL="3200400" algn="l" defTabSz="914400" rtl="0" eaLnBrk="1" latinLnBrk="0" hangingPunct="1">
+              <a:defRPr sz="1800" kern="1200">
+                <a:solidFill>
+                  <a:schemeClr val="lt1"/>
+                </a:solidFill>
+                <a:latin typeface="+mn-lt"/>
+                <a:ea typeface="+mn-ea"/>
+                <a:cs typeface="+mn-cs"/>
+              </a:defRPr>
+            </a:lvl8pPr>
+            <a:lvl9pPr marL="3657600" algn="l" defTabSz="914400" rtl="0" eaLnBrk="1" latinLnBrk="0" hangingPunct="1">
+              <a:defRPr sz="1800" kern="1200">
+                <a:solidFill>
+                  <a:schemeClr val="lt1"/>
+                </a:solidFill>
+                <a:latin typeface="+mn-lt"/>
+                <a:ea typeface="+mn-ea"/>
+                <a:cs typeface="+mn-cs"/>
+              </a:defRPr>
+            </a:lvl9pPr>
+          </a:lstStyle>
+          <a:p>
+            <a:pPr algn="ctr"/>
+            <a:r>
+              <a:rPr lang="en-GB" sz="1200" dirty="0"/>
+              <a:t>Microbiological test</a:t>
+            </a:r>
+            <a:endParaRPr lang="en-US" sz="1200" dirty="0"/>
+          </a:p>
+        </p:txBody>
+      </p:sp>
+      <p:sp>
+        <p:nvSpPr>
+          <p:cNvPr id="59" name="Rectangle 58">
+            <a:extLst>
+              <a:ext uri="{FF2B5EF4-FFF2-40B4-BE49-F238E27FC236}">
+                <a16:creationId xmlns:a16="http://schemas.microsoft.com/office/drawing/2014/main" id="{AB3A5D25-03EB-8D2B-CB7C-CD8619FEA669}"/>
+              </a:ext>
+            </a:extLst>
+          </p:cNvPr>
+          <p:cNvSpPr/>
+          <p:nvPr/>
+        </p:nvSpPr>
+        <p:spPr>
+          <a:xfrm>
+            <a:off x="3911049" y="225298"/>
+            <a:ext cx="1210733" cy="617966"/>
+          </a:xfrm>
+          <a:prstGeom prst="rect">
+            <a:avLst/>
+          </a:prstGeom>
+        </p:spPr>
+        <p:style>
+          <a:lnRef idx="2">
+            <a:schemeClr val="accent1">
+              <a:shade val="15000"/>
+            </a:schemeClr>
+          </a:lnRef>
+          <a:fillRef idx="1">
+            <a:schemeClr val="accent1"/>
+          </a:fillRef>
+          <a:effectRef idx="0">
+            <a:schemeClr val="accent1"/>
+          </a:effectRef>
+          <a:fontRef idx="minor">
+            <a:schemeClr val="lt1"/>
+          </a:fontRef>
+        </p:style>
+        <p:txBody>
+          <a:bodyPr rtlCol="0" anchor="ctr"/>
+          <a:lstStyle>
+            <a:defPPr>
+              <a:defRPr lang="en-US"/>
+            </a:defPPr>
+            <a:lvl1pPr marL="0" algn="l" defTabSz="914400" rtl="0" eaLnBrk="1" latinLnBrk="0" hangingPunct="1">
+              <a:defRPr sz="1800" kern="1200">
+                <a:solidFill>
+                  <a:schemeClr val="lt1"/>
+                </a:solidFill>
+                <a:latin typeface="+mn-lt"/>
+                <a:ea typeface="+mn-ea"/>
+                <a:cs typeface="+mn-cs"/>
+              </a:defRPr>
+            </a:lvl1pPr>
+            <a:lvl2pPr marL="457200" algn="l" defTabSz="914400" rtl="0" eaLnBrk="1" latinLnBrk="0" hangingPunct="1">
+              <a:defRPr sz="1800" kern="1200">
+                <a:solidFill>
+                  <a:schemeClr val="lt1"/>
+                </a:solidFill>
+                <a:latin typeface="+mn-lt"/>
+                <a:ea typeface="+mn-ea"/>
+                <a:cs typeface="+mn-cs"/>
+              </a:defRPr>
+            </a:lvl2pPr>
+            <a:lvl3pPr marL="914400" algn="l" defTabSz="914400" rtl="0" eaLnBrk="1" latinLnBrk="0" hangingPunct="1">
+              <a:defRPr sz="1800" kern="1200">
+                <a:solidFill>
+                  <a:schemeClr val="lt1"/>
+                </a:solidFill>
+                <a:latin typeface="+mn-lt"/>
+                <a:ea typeface="+mn-ea"/>
+                <a:cs typeface="+mn-cs"/>
+              </a:defRPr>
+            </a:lvl3pPr>
+            <a:lvl4pPr marL="1371600" algn="l" defTabSz="914400" rtl="0" eaLnBrk="1" latinLnBrk="0" hangingPunct="1">
+              <a:defRPr sz="1800" kern="1200">
+                <a:solidFill>
+                  <a:schemeClr val="lt1"/>
+                </a:solidFill>
+                <a:latin typeface="+mn-lt"/>
+                <a:ea typeface="+mn-ea"/>
+                <a:cs typeface="+mn-cs"/>
+              </a:defRPr>
+            </a:lvl4pPr>
+            <a:lvl5pPr marL="1828800" algn="l" defTabSz="914400" rtl="0" eaLnBrk="1" latinLnBrk="0" hangingPunct="1">
+              <a:defRPr sz="1800" kern="1200">
+                <a:solidFill>
+                  <a:schemeClr val="lt1"/>
+                </a:solidFill>
+                <a:latin typeface="+mn-lt"/>
+                <a:ea typeface="+mn-ea"/>
+                <a:cs typeface="+mn-cs"/>
+              </a:defRPr>
+            </a:lvl5pPr>
+            <a:lvl6pPr marL="2286000" algn="l" defTabSz="914400" rtl="0" eaLnBrk="1" latinLnBrk="0" hangingPunct="1">
+              <a:defRPr sz="1800" kern="1200">
+                <a:solidFill>
+                  <a:schemeClr val="lt1"/>
+                </a:solidFill>
+                <a:latin typeface="+mn-lt"/>
+                <a:ea typeface="+mn-ea"/>
+                <a:cs typeface="+mn-cs"/>
+              </a:defRPr>
+            </a:lvl6pPr>
+            <a:lvl7pPr marL="2743200" algn="l" defTabSz="914400" rtl="0" eaLnBrk="1" latinLnBrk="0" hangingPunct="1">
+              <a:defRPr sz="1800" kern="1200">
+                <a:solidFill>
+                  <a:schemeClr val="lt1"/>
+                </a:solidFill>
+                <a:latin typeface="+mn-lt"/>
+                <a:ea typeface="+mn-ea"/>
+                <a:cs typeface="+mn-cs"/>
+              </a:defRPr>
+            </a:lvl7pPr>
+            <a:lvl8pPr marL="3200400" algn="l" defTabSz="914400" rtl="0" eaLnBrk="1" latinLnBrk="0" hangingPunct="1">
+              <a:defRPr sz="1800" kern="1200">
+                <a:solidFill>
+                  <a:schemeClr val="lt1"/>
+                </a:solidFill>
+                <a:latin typeface="+mn-lt"/>
+                <a:ea typeface="+mn-ea"/>
+                <a:cs typeface="+mn-cs"/>
+              </a:defRPr>
+            </a:lvl8pPr>
+            <a:lvl9pPr marL="3657600" algn="l" defTabSz="914400" rtl="0" eaLnBrk="1" latinLnBrk="0" hangingPunct="1">
+              <a:defRPr sz="1800" kern="1200">
+                <a:solidFill>
+                  <a:schemeClr val="lt1"/>
+                </a:solidFill>
+                <a:latin typeface="+mn-lt"/>
+                <a:ea typeface="+mn-ea"/>
+                <a:cs typeface="+mn-cs"/>
+              </a:defRPr>
+            </a:lvl9pPr>
+          </a:lstStyle>
+          <a:p>
+            <a:pPr algn="ctr"/>
+            <a:r>
+              <a:rPr lang="en-GB" sz="1200" dirty="0"/>
+              <a:t>Microbiological test</a:t>
+            </a:r>
+            <a:endParaRPr lang="en-US" sz="1200" dirty="0"/>
+          </a:p>
+        </p:txBody>
+      </p:sp>
+      <p:sp>
+        <p:nvSpPr>
+          <p:cNvPr id="4" name="Rectangle 3">
+            <a:extLst>
+              <a:ext uri="{FF2B5EF4-FFF2-40B4-BE49-F238E27FC236}">
+                <a16:creationId xmlns:a16="http://schemas.microsoft.com/office/drawing/2014/main" id="{198763AE-0622-8209-6CC4-DBD7342EF2D0}"/>
+              </a:ext>
+            </a:extLst>
+          </p:cNvPr>
+          <p:cNvSpPr/>
+          <p:nvPr/>
+        </p:nvSpPr>
+        <p:spPr>
+          <a:xfrm>
+            <a:off x="607806" y="270102"/>
+            <a:ext cx="996593" cy="622378"/>
+          </a:xfrm>
+          <a:prstGeom prst="rect">
+            <a:avLst/>
+          </a:prstGeom>
+        </p:spPr>
+        <p:style>
+          <a:lnRef idx="2">
+            <a:schemeClr val="accent1">
+              <a:shade val="15000"/>
+            </a:schemeClr>
+          </a:lnRef>
+          <a:fillRef idx="1">
+            <a:schemeClr val="accent1"/>
+          </a:fillRef>
+          <a:effectRef idx="0">
+            <a:schemeClr val="accent1"/>
+          </a:effectRef>
+          <a:fontRef idx="minor">
+            <a:schemeClr val="lt1"/>
+          </a:fontRef>
+        </p:style>
+        <p:txBody>
+          <a:bodyPr rtlCol="0" anchor="ctr"/>
+          <a:lstStyle>
+            <a:defPPr>
+              <a:defRPr lang="en-US"/>
+            </a:defPPr>
+            <a:lvl1pPr marL="0" algn="l" defTabSz="914400" rtl="0" eaLnBrk="1" latinLnBrk="0" hangingPunct="1">
+              <a:defRPr sz="1800" kern="1200">
+                <a:solidFill>
+                  <a:schemeClr val="lt1"/>
+                </a:solidFill>
+                <a:latin typeface="+mn-lt"/>
+                <a:ea typeface="+mn-ea"/>
+                <a:cs typeface="+mn-cs"/>
+              </a:defRPr>
+            </a:lvl1pPr>
+            <a:lvl2pPr marL="457200" algn="l" defTabSz="914400" rtl="0" eaLnBrk="1" latinLnBrk="0" hangingPunct="1">
+              <a:defRPr sz="1800" kern="1200">
+                <a:solidFill>
+                  <a:schemeClr val="lt1"/>
+                </a:solidFill>
+                <a:latin typeface="+mn-lt"/>
+                <a:ea typeface="+mn-ea"/>
+                <a:cs typeface="+mn-cs"/>
+              </a:defRPr>
+            </a:lvl2pPr>
+            <a:lvl3pPr marL="914400" algn="l" defTabSz="914400" rtl="0" eaLnBrk="1" latinLnBrk="0" hangingPunct="1">
+              <a:defRPr sz="1800" kern="1200">
+                <a:solidFill>
+                  <a:schemeClr val="lt1"/>
+                </a:solidFill>
+                <a:latin typeface="+mn-lt"/>
+                <a:ea typeface="+mn-ea"/>
+                <a:cs typeface="+mn-cs"/>
+              </a:defRPr>
+            </a:lvl3pPr>
+            <a:lvl4pPr marL="1371600" algn="l" defTabSz="914400" rtl="0" eaLnBrk="1" latinLnBrk="0" hangingPunct="1">
+              <a:defRPr sz="1800" kern="1200">
+                <a:solidFill>
+                  <a:schemeClr val="lt1"/>
+                </a:solidFill>
+                <a:latin typeface="+mn-lt"/>
+                <a:ea typeface="+mn-ea"/>
+                <a:cs typeface="+mn-cs"/>
+              </a:defRPr>
+            </a:lvl4pPr>
+            <a:lvl5pPr marL="1828800" algn="l" defTabSz="914400" rtl="0" eaLnBrk="1" latinLnBrk="0" hangingPunct="1">
+              <a:defRPr sz="1800" kern="1200">
+                <a:solidFill>
+                  <a:schemeClr val="lt1"/>
+                </a:solidFill>
+                <a:latin typeface="+mn-lt"/>
+                <a:ea typeface="+mn-ea"/>
+                <a:cs typeface="+mn-cs"/>
+              </a:defRPr>
+            </a:lvl5pPr>
+            <a:lvl6pPr marL="2286000" algn="l" defTabSz="914400" rtl="0" eaLnBrk="1" latinLnBrk="0" hangingPunct="1">
+              <a:defRPr sz="1800" kern="1200">
+                <a:solidFill>
+                  <a:schemeClr val="lt1"/>
+                </a:solidFill>
+                <a:latin typeface="+mn-lt"/>
+                <a:ea typeface="+mn-ea"/>
+                <a:cs typeface="+mn-cs"/>
+              </a:defRPr>
+            </a:lvl6pPr>
+            <a:lvl7pPr marL="2743200" algn="l" defTabSz="914400" rtl="0" eaLnBrk="1" latinLnBrk="0" hangingPunct="1">
+              <a:defRPr sz="1800" kern="1200">
+                <a:solidFill>
+                  <a:schemeClr val="lt1"/>
+                </a:solidFill>
+                <a:latin typeface="+mn-lt"/>
+                <a:ea typeface="+mn-ea"/>
+                <a:cs typeface="+mn-cs"/>
+              </a:defRPr>
+            </a:lvl7pPr>
+            <a:lvl8pPr marL="3200400" algn="l" defTabSz="914400" rtl="0" eaLnBrk="1" latinLnBrk="0" hangingPunct="1">
+              <a:defRPr sz="1800" kern="1200">
+                <a:solidFill>
+                  <a:schemeClr val="lt1"/>
+                </a:solidFill>
+                <a:latin typeface="+mn-lt"/>
+                <a:ea typeface="+mn-ea"/>
+                <a:cs typeface="+mn-cs"/>
+              </a:defRPr>
+            </a:lvl8pPr>
+            <a:lvl9pPr marL="3657600" algn="l" defTabSz="914400" rtl="0" eaLnBrk="1" latinLnBrk="0" hangingPunct="1">
+              <a:defRPr sz="1800" kern="1200">
+                <a:solidFill>
+                  <a:schemeClr val="lt1"/>
+                </a:solidFill>
+                <a:latin typeface="+mn-lt"/>
+                <a:ea typeface="+mn-ea"/>
+                <a:cs typeface="+mn-cs"/>
+              </a:defRPr>
+            </a:lvl9pPr>
+          </a:lstStyle>
+          <a:p>
+            <a:pPr algn="ctr"/>
+            <a:r>
+              <a:rPr lang="en-US" sz="1200" dirty="0"/>
+              <a:t>Present for diagnosis</a:t>
+            </a:r>
+          </a:p>
+        </p:txBody>
+      </p:sp>
+      <p:sp>
+        <p:nvSpPr>
+          <p:cNvPr id="5" name="Rectangle 4">
+            <a:extLst>
+              <a:ext uri="{FF2B5EF4-FFF2-40B4-BE49-F238E27FC236}">
+                <a16:creationId xmlns:a16="http://schemas.microsoft.com/office/drawing/2014/main" id="{15A99A4A-964B-D82F-2AA5-89E85A5F0F65}"/>
+              </a:ext>
+            </a:extLst>
+          </p:cNvPr>
+          <p:cNvSpPr/>
+          <p:nvPr/>
+        </p:nvSpPr>
+        <p:spPr>
+          <a:xfrm>
+            <a:off x="6020148" y="1619577"/>
+            <a:ext cx="1063151" cy="636998"/>
+          </a:xfrm>
+          <a:prstGeom prst="rect">
+            <a:avLst/>
+          </a:prstGeom>
+        </p:spPr>
+        <p:style>
+          <a:lnRef idx="2">
+            <a:schemeClr val="accent1">
+              <a:shade val="15000"/>
+            </a:schemeClr>
+          </a:lnRef>
+          <a:fillRef idx="1">
+            <a:schemeClr val="accent1"/>
+          </a:fillRef>
+          <a:effectRef idx="0">
+            <a:schemeClr val="accent1"/>
+          </a:effectRef>
+          <a:fontRef idx="minor">
+            <a:schemeClr val="lt1"/>
+          </a:fontRef>
+        </p:style>
+        <p:txBody>
+          <a:bodyPr rtlCol="0" anchor="ctr"/>
+          <a:lstStyle>
+            <a:defPPr>
+              <a:defRPr lang="en-US"/>
+            </a:defPPr>
+            <a:lvl1pPr marL="0" algn="l" defTabSz="914400" rtl="0" eaLnBrk="1" latinLnBrk="0" hangingPunct="1">
+              <a:defRPr sz="1800" kern="1200">
+                <a:solidFill>
+                  <a:schemeClr val="lt1"/>
+                </a:solidFill>
+                <a:latin typeface="+mn-lt"/>
+                <a:ea typeface="+mn-ea"/>
+                <a:cs typeface="+mn-cs"/>
+              </a:defRPr>
+            </a:lvl1pPr>
+            <a:lvl2pPr marL="457200" algn="l" defTabSz="914400" rtl="0" eaLnBrk="1" latinLnBrk="0" hangingPunct="1">
+              <a:defRPr sz="1800" kern="1200">
+                <a:solidFill>
+                  <a:schemeClr val="lt1"/>
+                </a:solidFill>
+                <a:latin typeface="+mn-lt"/>
+                <a:ea typeface="+mn-ea"/>
+                <a:cs typeface="+mn-cs"/>
+              </a:defRPr>
+            </a:lvl2pPr>
+            <a:lvl3pPr marL="914400" algn="l" defTabSz="914400" rtl="0" eaLnBrk="1" latinLnBrk="0" hangingPunct="1">
+              <a:defRPr sz="1800" kern="1200">
+                <a:solidFill>
+                  <a:schemeClr val="lt1"/>
+                </a:solidFill>
+                <a:latin typeface="+mn-lt"/>
+                <a:ea typeface="+mn-ea"/>
+                <a:cs typeface="+mn-cs"/>
+              </a:defRPr>
+            </a:lvl3pPr>
+            <a:lvl4pPr marL="1371600" algn="l" defTabSz="914400" rtl="0" eaLnBrk="1" latinLnBrk="0" hangingPunct="1">
+              <a:defRPr sz="1800" kern="1200">
+                <a:solidFill>
+                  <a:schemeClr val="lt1"/>
+                </a:solidFill>
+                <a:latin typeface="+mn-lt"/>
+                <a:ea typeface="+mn-ea"/>
+                <a:cs typeface="+mn-cs"/>
+              </a:defRPr>
+            </a:lvl4pPr>
+            <a:lvl5pPr marL="1828800" algn="l" defTabSz="914400" rtl="0" eaLnBrk="1" latinLnBrk="0" hangingPunct="1">
+              <a:defRPr sz="1800" kern="1200">
+                <a:solidFill>
+                  <a:schemeClr val="lt1"/>
+                </a:solidFill>
+                <a:latin typeface="+mn-lt"/>
+                <a:ea typeface="+mn-ea"/>
+                <a:cs typeface="+mn-cs"/>
+              </a:defRPr>
+            </a:lvl5pPr>
+            <a:lvl6pPr marL="2286000" algn="l" defTabSz="914400" rtl="0" eaLnBrk="1" latinLnBrk="0" hangingPunct="1">
+              <a:defRPr sz="1800" kern="1200">
+                <a:solidFill>
+                  <a:schemeClr val="lt1"/>
+                </a:solidFill>
+                <a:latin typeface="+mn-lt"/>
+                <a:ea typeface="+mn-ea"/>
+                <a:cs typeface="+mn-cs"/>
+              </a:defRPr>
+            </a:lvl6pPr>
+            <a:lvl7pPr marL="2743200" algn="l" defTabSz="914400" rtl="0" eaLnBrk="1" latinLnBrk="0" hangingPunct="1">
+              <a:defRPr sz="1800" kern="1200">
+                <a:solidFill>
+                  <a:schemeClr val="lt1"/>
+                </a:solidFill>
+                <a:latin typeface="+mn-lt"/>
+                <a:ea typeface="+mn-ea"/>
+                <a:cs typeface="+mn-cs"/>
+              </a:defRPr>
+            </a:lvl7pPr>
+            <a:lvl8pPr marL="3200400" algn="l" defTabSz="914400" rtl="0" eaLnBrk="1" latinLnBrk="0" hangingPunct="1">
+              <a:defRPr sz="1800" kern="1200">
+                <a:solidFill>
+                  <a:schemeClr val="lt1"/>
+                </a:solidFill>
+                <a:latin typeface="+mn-lt"/>
+                <a:ea typeface="+mn-ea"/>
+                <a:cs typeface="+mn-cs"/>
+              </a:defRPr>
+            </a:lvl8pPr>
+            <a:lvl9pPr marL="3657600" algn="l" defTabSz="914400" rtl="0" eaLnBrk="1" latinLnBrk="0" hangingPunct="1">
+              <a:defRPr sz="1800" kern="1200">
+                <a:solidFill>
+                  <a:schemeClr val="lt1"/>
+                </a:solidFill>
+                <a:latin typeface="+mn-lt"/>
+                <a:ea typeface="+mn-ea"/>
+                <a:cs typeface="+mn-cs"/>
+              </a:defRPr>
+            </a:lvl9pPr>
+          </a:lstStyle>
+          <a:p>
+            <a:pPr algn="ctr"/>
+            <a:r>
+              <a:rPr lang="en-US" sz="1200" dirty="0"/>
+              <a:t>Clinical Dx</a:t>
+            </a:r>
+          </a:p>
+        </p:txBody>
+      </p:sp>
+      <p:sp>
+        <p:nvSpPr>
+          <p:cNvPr id="6" name="Rectangle 5">
+            <a:extLst>
+              <a:ext uri="{FF2B5EF4-FFF2-40B4-BE49-F238E27FC236}">
+                <a16:creationId xmlns:a16="http://schemas.microsoft.com/office/drawing/2014/main" id="{F70A6E7B-D3FA-60B5-BD6F-7DD68D00BE5A}"/>
+              </a:ext>
+            </a:extLst>
+          </p:cNvPr>
+          <p:cNvSpPr/>
+          <p:nvPr/>
+        </p:nvSpPr>
+        <p:spPr>
+          <a:xfrm>
+            <a:off x="2217816" y="263500"/>
+            <a:ext cx="996593" cy="622378"/>
+          </a:xfrm>
+          <a:prstGeom prst="rect">
+            <a:avLst/>
+          </a:prstGeom>
+        </p:spPr>
+        <p:style>
+          <a:lnRef idx="2">
+            <a:schemeClr val="accent1">
+              <a:shade val="15000"/>
+            </a:schemeClr>
+          </a:lnRef>
+          <a:fillRef idx="1">
+            <a:schemeClr val="accent1"/>
+          </a:fillRef>
+          <a:effectRef idx="0">
+            <a:schemeClr val="accent1"/>
+          </a:effectRef>
+          <a:fontRef idx="minor">
+            <a:schemeClr val="lt1"/>
+          </a:fontRef>
+        </p:style>
+        <p:txBody>
+          <a:bodyPr rtlCol="0" anchor="ctr"/>
+          <a:lstStyle>
+            <a:defPPr>
+              <a:defRPr lang="en-US"/>
+            </a:defPPr>
+            <a:lvl1pPr marL="0" algn="l" defTabSz="914400" rtl="0" eaLnBrk="1" latinLnBrk="0" hangingPunct="1">
+              <a:defRPr sz="1800" kern="1200">
+                <a:solidFill>
+                  <a:schemeClr val="lt1"/>
+                </a:solidFill>
+                <a:latin typeface="+mn-lt"/>
+                <a:ea typeface="+mn-ea"/>
+                <a:cs typeface="+mn-cs"/>
+              </a:defRPr>
+            </a:lvl1pPr>
+            <a:lvl2pPr marL="457200" algn="l" defTabSz="914400" rtl="0" eaLnBrk="1" latinLnBrk="0" hangingPunct="1">
+              <a:defRPr sz="1800" kern="1200">
+                <a:solidFill>
+                  <a:schemeClr val="lt1"/>
+                </a:solidFill>
+                <a:latin typeface="+mn-lt"/>
+                <a:ea typeface="+mn-ea"/>
+                <a:cs typeface="+mn-cs"/>
+              </a:defRPr>
+            </a:lvl2pPr>
+            <a:lvl3pPr marL="914400" algn="l" defTabSz="914400" rtl="0" eaLnBrk="1" latinLnBrk="0" hangingPunct="1">
+              <a:defRPr sz="1800" kern="1200">
+                <a:solidFill>
+                  <a:schemeClr val="lt1"/>
+                </a:solidFill>
+                <a:latin typeface="+mn-lt"/>
+                <a:ea typeface="+mn-ea"/>
+                <a:cs typeface="+mn-cs"/>
+              </a:defRPr>
+            </a:lvl3pPr>
+            <a:lvl4pPr marL="1371600" algn="l" defTabSz="914400" rtl="0" eaLnBrk="1" latinLnBrk="0" hangingPunct="1">
+              <a:defRPr sz="1800" kern="1200">
+                <a:solidFill>
+                  <a:schemeClr val="lt1"/>
+                </a:solidFill>
+                <a:latin typeface="+mn-lt"/>
+                <a:ea typeface="+mn-ea"/>
+                <a:cs typeface="+mn-cs"/>
+              </a:defRPr>
+            </a:lvl4pPr>
+            <a:lvl5pPr marL="1828800" algn="l" defTabSz="914400" rtl="0" eaLnBrk="1" latinLnBrk="0" hangingPunct="1">
+              <a:defRPr sz="1800" kern="1200">
+                <a:solidFill>
+                  <a:schemeClr val="lt1"/>
+                </a:solidFill>
+                <a:latin typeface="+mn-lt"/>
+                <a:ea typeface="+mn-ea"/>
+                <a:cs typeface="+mn-cs"/>
+              </a:defRPr>
+            </a:lvl5pPr>
+            <a:lvl6pPr marL="2286000" algn="l" defTabSz="914400" rtl="0" eaLnBrk="1" latinLnBrk="0" hangingPunct="1">
+              <a:defRPr sz="1800" kern="1200">
+                <a:solidFill>
+                  <a:schemeClr val="lt1"/>
+                </a:solidFill>
+                <a:latin typeface="+mn-lt"/>
+                <a:ea typeface="+mn-ea"/>
+                <a:cs typeface="+mn-cs"/>
+              </a:defRPr>
+            </a:lvl6pPr>
+            <a:lvl7pPr marL="2743200" algn="l" defTabSz="914400" rtl="0" eaLnBrk="1" latinLnBrk="0" hangingPunct="1">
+              <a:defRPr sz="1800" kern="1200">
+                <a:solidFill>
+                  <a:schemeClr val="lt1"/>
+                </a:solidFill>
+                <a:latin typeface="+mn-lt"/>
+                <a:ea typeface="+mn-ea"/>
+                <a:cs typeface="+mn-cs"/>
+              </a:defRPr>
+            </a:lvl7pPr>
+            <a:lvl8pPr marL="3200400" algn="l" defTabSz="914400" rtl="0" eaLnBrk="1" latinLnBrk="0" hangingPunct="1">
+              <a:defRPr sz="1800" kern="1200">
+                <a:solidFill>
+                  <a:schemeClr val="lt1"/>
+                </a:solidFill>
+                <a:latin typeface="+mn-lt"/>
+                <a:ea typeface="+mn-ea"/>
+                <a:cs typeface="+mn-cs"/>
+              </a:defRPr>
+            </a:lvl8pPr>
+            <a:lvl9pPr marL="3657600" algn="l" defTabSz="914400" rtl="0" eaLnBrk="1" latinLnBrk="0" hangingPunct="1">
+              <a:defRPr sz="1800" kern="1200">
+                <a:solidFill>
+                  <a:schemeClr val="lt1"/>
+                </a:solidFill>
+                <a:latin typeface="+mn-lt"/>
+                <a:ea typeface="+mn-ea"/>
+                <a:cs typeface="+mn-cs"/>
+              </a:defRPr>
+            </a:lvl9pPr>
+          </a:lstStyle>
+          <a:p>
+            <a:pPr algn="ctr"/>
+            <a:r>
+              <a:rPr lang="en-US" sz="1200" dirty="0"/>
+              <a:t>Intend to test for TB</a:t>
+            </a:r>
+          </a:p>
+        </p:txBody>
+      </p:sp>
+      <p:sp>
+        <p:nvSpPr>
+          <p:cNvPr id="8" name="Rectangle 7">
+            <a:extLst>
+              <a:ext uri="{FF2B5EF4-FFF2-40B4-BE49-F238E27FC236}">
+                <a16:creationId xmlns:a16="http://schemas.microsoft.com/office/drawing/2014/main" id="{02343275-93EB-E4E8-DBDE-A5DA2F14D434}"/>
+              </a:ext>
+            </a:extLst>
+          </p:cNvPr>
+          <p:cNvSpPr/>
+          <p:nvPr/>
+        </p:nvSpPr>
+        <p:spPr>
+          <a:xfrm>
+            <a:off x="3867304" y="267912"/>
+            <a:ext cx="1210733" cy="617966"/>
+          </a:xfrm>
+          <a:prstGeom prst="rect">
+            <a:avLst/>
+          </a:prstGeom>
+        </p:spPr>
+        <p:style>
+          <a:lnRef idx="2">
+            <a:schemeClr val="accent1">
+              <a:shade val="15000"/>
+            </a:schemeClr>
+          </a:lnRef>
+          <a:fillRef idx="1">
+            <a:schemeClr val="accent1"/>
+          </a:fillRef>
+          <a:effectRef idx="0">
+            <a:schemeClr val="accent1"/>
+          </a:effectRef>
+          <a:fontRef idx="minor">
+            <a:schemeClr val="lt1"/>
+          </a:fontRef>
+        </p:style>
+        <p:txBody>
+          <a:bodyPr rtlCol="0" anchor="ctr"/>
+          <a:lstStyle>
+            <a:defPPr>
+              <a:defRPr lang="en-US"/>
+            </a:defPPr>
+            <a:lvl1pPr marL="0" algn="l" defTabSz="914400" rtl="0" eaLnBrk="1" latinLnBrk="0" hangingPunct="1">
+              <a:defRPr sz="1800" kern="1200">
+                <a:solidFill>
+                  <a:schemeClr val="lt1"/>
+                </a:solidFill>
+                <a:latin typeface="+mn-lt"/>
+                <a:ea typeface="+mn-ea"/>
+                <a:cs typeface="+mn-cs"/>
+              </a:defRPr>
+            </a:lvl1pPr>
+            <a:lvl2pPr marL="457200" algn="l" defTabSz="914400" rtl="0" eaLnBrk="1" latinLnBrk="0" hangingPunct="1">
+              <a:defRPr sz="1800" kern="1200">
+                <a:solidFill>
+                  <a:schemeClr val="lt1"/>
+                </a:solidFill>
+                <a:latin typeface="+mn-lt"/>
+                <a:ea typeface="+mn-ea"/>
+                <a:cs typeface="+mn-cs"/>
+              </a:defRPr>
+            </a:lvl2pPr>
+            <a:lvl3pPr marL="914400" algn="l" defTabSz="914400" rtl="0" eaLnBrk="1" latinLnBrk="0" hangingPunct="1">
+              <a:defRPr sz="1800" kern="1200">
+                <a:solidFill>
+                  <a:schemeClr val="lt1"/>
+                </a:solidFill>
+                <a:latin typeface="+mn-lt"/>
+                <a:ea typeface="+mn-ea"/>
+                <a:cs typeface="+mn-cs"/>
+              </a:defRPr>
+            </a:lvl3pPr>
+            <a:lvl4pPr marL="1371600" algn="l" defTabSz="914400" rtl="0" eaLnBrk="1" latinLnBrk="0" hangingPunct="1">
+              <a:defRPr sz="1800" kern="1200">
+                <a:solidFill>
+                  <a:schemeClr val="lt1"/>
+                </a:solidFill>
+                <a:latin typeface="+mn-lt"/>
+                <a:ea typeface="+mn-ea"/>
+                <a:cs typeface="+mn-cs"/>
+              </a:defRPr>
+            </a:lvl4pPr>
+            <a:lvl5pPr marL="1828800" algn="l" defTabSz="914400" rtl="0" eaLnBrk="1" latinLnBrk="0" hangingPunct="1">
+              <a:defRPr sz="1800" kern="1200">
+                <a:solidFill>
+                  <a:schemeClr val="lt1"/>
+                </a:solidFill>
+                <a:latin typeface="+mn-lt"/>
+                <a:ea typeface="+mn-ea"/>
+                <a:cs typeface="+mn-cs"/>
+              </a:defRPr>
+            </a:lvl5pPr>
+            <a:lvl6pPr marL="2286000" algn="l" defTabSz="914400" rtl="0" eaLnBrk="1" latinLnBrk="0" hangingPunct="1">
+              <a:defRPr sz="1800" kern="1200">
+                <a:solidFill>
+                  <a:schemeClr val="lt1"/>
+                </a:solidFill>
+                <a:latin typeface="+mn-lt"/>
+                <a:ea typeface="+mn-ea"/>
+                <a:cs typeface="+mn-cs"/>
+              </a:defRPr>
+            </a:lvl6pPr>
+            <a:lvl7pPr marL="2743200" algn="l" defTabSz="914400" rtl="0" eaLnBrk="1" latinLnBrk="0" hangingPunct="1">
+              <a:defRPr sz="1800" kern="1200">
+                <a:solidFill>
+                  <a:schemeClr val="lt1"/>
+                </a:solidFill>
+                <a:latin typeface="+mn-lt"/>
+                <a:ea typeface="+mn-ea"/>
+                <a:cs typeface="+mn-cs"/>
+              </a:defRPr>
+            </a:lvl7pPr>
+            <a:lvl8pPr marL="3200400" algn="l" defTabSz="914400" rtl="0" eaLnBrk="1" latinLnBrk="0" hangingPunct="1">
+              <a:defRPr sz="1800" kern="1200">
+                <a:solidFill>
+                  <a:schemeClr val="lt1"/>
+                </a:solidFill>
+                <a:latin typeface="+mn-lt"/>
+                <a:ea typeface="+mn-ea"/>
+                <a:cs typeface="+mn-cs"/>
+              </a:defRPr>
+            </a:lvl8pPr>
+            <a:lvl9pPr marL="3657600" algn="l" defTabSz="914400" rtl="0" eaLnBrk="1" latinLnBrk="0" hangingPunct="1">
+              <a:defRPr sz="1800" kern="1200">
+                <a:solidFill>
+                  <a:schemeClr val="lt1"/>
+                </a:solidFill>
+                <a:latin typeface="+mn-lt"/>
+                <a:ea typeface="+mn-ea"/>
+                <a:cs typeface="+mn-cs"/>
+              </a:defRPr>
+            </a:lvl9pPr>
+          </a:lstStyle>
+          <a:p>
+            <a:pPr algn="ctr"/>
+            <a:r>
+              <a:rPr lang="en-GB" sz="1200" dirty="0"/>
+              <a:t>Microbiological test</a:t>
+            </a:r>
+            <a:endParaRPr lang="en-US" sz="1200" dirty="0"/>
+          </a:p>
+        </p:txBody>
+      </p:sp>
+      <p:sp>
+        <p:nvSpPr>
+          <p:cNvPr id="13" name="Rectangle 12">
+            <a:extLst>
+              <a:ext uri="{FF2B5EF4-FFF2-40B4-BE49-F238E27FC236}">
+                <a16:creationId xmlns:a16="http://schemas.microsoft.com/office/drawing/2014/main" id="{DD364E74-A1EB-9CB7-5BAD-DAC9DDA0F080}"/>
+              </a:ext>
+            </a:extLst>
+          </p:cNvPr>
+          <p:cNvSpPr/>
+          <p:nvPr/>
+        </p:nvSpPr>
+        <p:spPr>
+          <a:xfrm>
+            <a:off x="10185804" y="2625337"/>
+            <a:ext cx="1063151" cy="636998"/>
+          </a:xfrm>
+          <a:prstGeom prst="rect">
+            <a:avLst/>
+          </a:prstGeom>
+          <a:solidFill>
+            <a:srgbClr val="C00000"/>
+          </a:solidFill>
+        </p:spPr>
+        <p:style>
+          <a:lnRef idx="2">
+            <a:schemeClr val="accent1">
+              <a:shade val="15000"/>
+            </a:schemeClr>
+          </a:lnRef>
+          <a:fillRef idx="1">
+            <a:schemeClr val="accent1"/>
+          </a:fillRef>
+          <a:effectRef idx="0">
+            <a:schemeClr val="accent1"/>
+          </a:effectRef>
+          <a:fontRef idx="minor">
+            <a:schemeClr val="lt1"/>
+          </a:fontRef>
+        </p:style>
+        <p:txBody>
+          <a:bodyPr rtlCol="0" anchor="ctr"/>
+          <a:lstStyle>
+            <a:defPPr>
+              <a:defRPr lang="en-US"/>
+            </a:defPPr>
+            <a:lvl1pPr marL="0" algn="l" defTabSz="914400" rtl="0" eaLnBrk="1" latinLnBrk="0" hangingPunct="1">
+              <a:defRPr sz="1800" kern="1200">
+                <a:solidFill>
+                  <a:schemeClr val="lt1"/>
+                </a:solidFill>
+                <a:latin typeface="+mn-lt"/>
+                <a:ea typeface="+mn-ea"/>
+                <a:cs typeface="+mn-cs"/>
+              </a:defRPr>
+            </a:lvl1pPr>
+            <a:lvl2pPr marL="457200" algn="l" defTabSz="914400" rtl="0" eaLnBrk="1" latinLnBrk="0" hangingPunct="1">
+              <a:defRPr sz="1800" kern="1200">
+                <a:solidFill>
+                  <a:schemeClr val="lt1"/>
+                </a:solidFill>
+                <a:latin typeface="+mn-lt"/>
+                <a:ea typeface="+mn-ea"/>
+                <a:cs typeface="+mn-cs"/>
+              </a:defRPr>
+            </a:lvl2pPr>
+            <a:lvl3pPr marL="914400" algn="l" defTabSz="914400" rtl="0" eaLnBrk="1" latinLnBrk="0" hangingPunct="1">
+              <a:defRPr sz="1800" kern="1200">
+                <a:solidFill>
+                  <a:schemeClr val="lt1"/>
+                </a:solidFill>
+                <a:latin typeface="+mn-lt"/>
+                <a:ea typeface="+mn-ea"/>
+                <a:cs typeface="+mn-cs"/>
+              </a:defRPr>
+            </a:lvl3pPr>
+            <a:lvl4pPr marL="1371600" algn="l" defTabSz="914400" rtl="0" eaLnBrk="1" latinLnBrk="0" hangingPunct="1">
+              <a:defRPr sz="1800" kern="1200">
+                <a:solidFill>
+                  <a:schemeClr val="lt1"/>
+                </a:solidFill>
+                <a:latin typeface="+mn-lt"/>
+                <a:ea typeface="+mn-ea"/>
+                <a:cs typeface="+mn-cs"/>
+              </a:defRPr>
+            </a:lvl4pPr>
+            <a:lvl5pPr marL="1828800" algn="l" defTabSz="914400" rtl="0" eaLnBrk="1" latinLnBrk="0" hangingPunct="1">
+              <a:defRPr sz="1800" kern="1200">
+                <a:solidFill>
+                  <a:schemeClr val="lt1"/>
+                </a:solidFill>
+                <a:latin typeface="+mn-lt"/>
+                <a:ea typeface="+mn-ea"/>
+                <a:cs typeface="+mn-cs"/>
+              </a:defRPr>
+            </a:lvl5pPr>
+            <a:lvl6pPr marL="2286000" algn="l" defTabSz="914400" rtl="0" eaLnBrk="1" latinLnBrk="0" hangingPunct="1">
+              <a:defRPr sz="1800" kern="1200">
+                <a:solidFill>
+                  <a:schemeClr val="lt1"/>
+                </a:solidFill>
+                <a:latin typeface="+mn-lt"/>
+                <a:ea typeface="+mn-ea"/>
+                <a:cs typeface="+mn-cs"/>
+              </a:defRPr>
+            </a:lvl6pPr>
+            <a:lvl7pPr marL="2743200" algn="l" defTabSz="914400" rtl="0" eaLnBrk="1" latinLnBrk="0" hangingPunct="1">
+              <a:defRPr sz="1800" kern="1200">
+                <a:solidFill>
+                  <a:schemeClr val="lt1"/>
+                </a:solidFill>
+                <a:latin typeface="+mn-lt"/>
+                <a:ea typeface="+mn-ea"/>
+                <a:cs typeface="+mn-cs"/>
+              </a:defRPr>
+            </a:lvl7pPr>
+            <a:lvl8pPr marL="3200400" algn="l" defTabSz="914400" rtl="0" eaLnBrk="1" latinLnBrk="0" hangingPunct="1">
+              <a:defRPr sz="1800" kern="1200">
+                <a:solidFill>
+                  <a:schemeClr val="lt1"/>
+                </a:solidFill>
+                <a:latin typeface="+mn-lt"/>
+                <a:ea typeface="+mn-ea"/>
+                <a:cs typeface="+mn-cs"/>
+              </a:defRPr>
+            </a:lvl8pPr>
+            <a:lvl9pPr marL="3657600" algn="l" defTabSz="914400" rtl="0" eaLnBrk="1" latinLnBrk="0" hangingPunct="1">
+              <a:defRPr sz="1800" kern="1200">
+                <a:solidFill>
+                  <a:schemeClr val="lt1"/>
+                </a:solidFill>
+                <a:latin typeface="+mn-lt"/>
+                <a:ea typeface="+mn-ea"/>
+                <a:cs typeface="+mn-cs"/>
+              </a:defRPr>
+            </a:lvl9pPr>
+          </a:lstStyle>
+          <a:p>
+            <a:pPr algn="ctr"/>
+            <a:r>
+              <a:rPr lang="en-US" sz="1200" dirty="0"/>
+              <a:t>Non-TB diagnosis</a:t>
+            </a:r>
+          </a:p>
+        </p:txBody>
+      </p:sp>
+      <p:sp>
+        <p:nvSpPr>
+          <p:cNvPr id="16" name="Rectangle 15">
+            <a:extLst>
+              <a:ext uri="{FF2B5EF4-FFF2-40B4-BE49-F238E27FC236}">
+                <a16:creationId xmlns:a16="http://schemas.microsoft.com/office/drawing/2014/main" id="{CBDC8C8E-E503-95F4-1C8D-F44A40240B4E}"/>
+              </a:ext>
+            </a:extLst>
+          </p:cNvPr>
+          <p:cNvSpPr/>
+          <p:nvPr/>
+        </p:nvSpPr>
+        <p:spPr>
+          <a:xfrm>
+            <a:off x="10185805" y="1447512"/>
+            <a:ext cx="1063151" cy="636998"/>
+          </a:xfrm>
+          <a:prstGeom prst="rect">
+            <a:avLst/>
+          </a:prstGeom>
+          <a:solidFill>
+            <a:srgbClr val="C00000"/>
+          </a:solidFill>
+        </p:spPr>
+        <p:style>
+          <a:lnRef idx="2">
+            <a:schemeClr val="accent1">
+              <a:shade val="15000"/>
+            </a:schemeClr>
+          </a:lnRef>
+          <a:fillRef idx="1">
+            <a:schemeClr val="accent1"/>
+          </a:fillRef>
+          <a:effectRef idx="0">
+            <a:schemeClr val="accent1"/>
+          </a:effectRef>
+          <a:fontRef idx="minor">
+            <a:schemeClr val="lt1"/>
+          </a:fontRef>
+        </p:style>
+        <p:txBody>
+          <a:bodyPr rtlCol="0" anchor="ctr"/>
+          <a:lstStyle>
+            <a:defPPr>
+              <a:defRPr lang="en-US"/>
+            </a:defPPr>
+            <a:lvl1pPr marL="0" algn="l" defTabSz="914400" rtl="0" eaLnBrk="1" latinLnBrk="0" hangingPunct="1">
+              <a:defRPr sz="1800" kern="1200">
+                <a:solidFill>
+                  <a:schemeClr val="lt1"/>
+                </a:solidFill>
+                <a:latin typeface="+mn-lt"/>
+                <a:ea typeface="+mn-ea"/>
+                <a:cs typeface="+mn-cs"/>
+              </a:defRPr>
+            </a:lvl1pPr>
+            <a:lvl2pPr marL="457200" algn="l" defTabSz="914400" rtl="0" eaLnBrk="1" latinLnBrk="0" hangingPunct="1">
+              <a:defRPr sz="1800" kern="1200">
+                <a:solidFill>
+                  <a:schemeClr val="lt1"/>
+                </a:solidFill>
+                <a:latin typeface="+mn-lt"/>
+                <a:ea typeface="+mn-ea"/>
+                <a:cs typeface="+mn-cs"/>
+              </a:defRPr>
+            </a:lvl2pPr>
+            <a:lvl3pPr marL="914400" algn="l" defTabSz="914400" rtl="0" eaLnBrk="1" latinLnBrk="0" hangingPunct="1">
+              <a:defRPr sz="1800" kern="1200">
+                <a:solidFill>
+                  <a:schemeClr val="lt1"/>
+                </a:solidFill>
+                <a:latin typeface="+mn-lt"/>
+                <a:ea typeface="+mn-ea"/>
+                <a:cs typeface="+mn-cs"/>
+              </a:defRPr>
+            </a:lvl3pPr>
+            <a:lvl4pPr marL="1371600" algn="l" defTabSz="914400" rtl="0" eaLnBrk="1" latinLnBrk="0" hangingPunct="1">
+              <a:defRPr sz="1800" kern="1200">
+                <a:solidFill>
+                  <a:schemeClr val="lt1"/>
+                </a:solidFill>
+                <a:latin typeface="+mn-lt"/>
+                <a:ea typeface="+mn-ea"/>
+                <a:cs typeface="+mn-cs"/>
+              </a:defRPr>
+            </a:lvl4pPr>
+            <a:lvl5pPr marL="1828800" algn="l" defTabSz="914400" rtl="0" eaLnBrk="1" latinLnBrk="0" hangingPunct="1">
+              <a:defRPr sz="1800" kern="1200">
+                <a:solidFill>
+                  <a:schemeClr val="lt1"/>
+                </a:solidFill>
+                <a:latin typeface="+mn-lt"/>
+                <a:ea typeface="+mn-ea"/>
+                <a:cs typeface="+mn-cs"/>
+              </a:defRPr>
+            </a:lvl5pPr>
+            <a:lvl6pPr marL="2286000" algn="l" defTabSz="914400" rtl="0" eaLnBrk="1" latinLnBrk="0" hangingPunct="1">
+              <a:defRPr sz="1800" kern="1200">
+                <a:solidFill>
+                  <a:schemeClr val="lt1"/>
+                </a:solidFill>
+                <a:latin typeface="+mn-lt"/>
+                <a:ea typeface="+mn-ea"/>
+                <a:cs typeface="+mn-cs"/>
+              </a:defRPr>
+            </a:lvl6pPr>
+            <a:lvl7pPr marL="2743200" algn="l" defTabSz="914400" rtl="0" eaLnBrk="1" latinLnBrk="0" hangingPunct="1">
+              <a:defRPr sz="1800" kern="1200">
+                <a:solidFill>
+                  <a:schemeClr val="lt1"/>
+                </a:solidFill>
+                <a:latin typeface="+mn-lt"/>
+                <a:ea typeface="+mn-ea"/>
+                <a:cs typeface="+mn-cs"/>
+              </a:defRPr>
+            </a:lvl7pPr>
+            <a:lvl8pPr marL="3200400" algn="l" defTabSz="914400" rtl="0" eaLnBrk="1" latinLnBrk="0" hangingPunct="1">
+              <a:defRPr sz="1800" kern="1200">
+                <a:solidFill>
+                  <a:schemeClr val="lt1"/>
+                </a:solidFill>
+                <a:latin typeface="+mn-lt"/>
+                <a:ea typeface="+mn-ea"/>
+                <a:cs typeface="+mn-cs"/>
+              </a:defRPr>
+            </a:lvl8pPr>
+            <a:lvl9pPr marL="3657600" algn="l" defTabSz="914400" rtl="0" eaLnBrk="1" latinLnBrk="0" hangingPunct="1">
+              <a:defRPr sz="1800" kern="1200">
+                <a:solidFill>
+                  <a:schemeClr val="lt1"/>
+                </a:solidFill>
+                <a:latin typeface="+mn-lt"/>
+                <a:ea typeface="+mn-ea"/>
+                <a:cs typeface="+mn-cs"/>
+              </a:defRPr>
+            </a:lvl9pPr>
+          </a:lstStyle>
+          <a:p>
+            <a:pPr algn="ctr"/>
+            <a:r>
+              <a:rPr lang="en-US" sz="1200" dirty="0"/>
+              <a:t>Pre-treatment LTFU</a:t>
+            </a:r>
+          </a:p>
+        </p:txBody>
+      </p:sp>
+      <p:sp>
+        <p:nvSpPr>
+          <p:cNvPr id="17" name="Rectangle 16">
+            <a:extLst>
+              <a:ext uri="{FF2B5EF4-FFF2-40B4-BE49-F238E27FC236}">
+                <a16:creationId xmlns:a16="http://schemas.microsoft.com/office/drawing/2014/main" id="{27F7A20C-5517-DA9E-4FE6-1731C65ADD16}"/>
+              </a:ext>
+            </a:extLst>
+          </p:cNvPr>
+          <p:cNvSpPr/>
+          <p:nvPr/>
+        </p:nvSpPr>
+        <p:spPr>
+          <a:xfrm>
+            <a:off x="10188059" y="267912"/>
+            <a:ext cx="1063151" cy="636998"/>
+          </a:xfrm>
+          <a:prstGeom prst="rect">
+            <a:avLst/>
+          </a:prstGeom>
+          <a:solidFill>
+            <a:schemeClr val="accent6"/>
+          </a:solidFill>
+        </p:spPr>
+        <p:style>
+          <a:lnRef idx="2">
+            <a:schemeClr val="accent1">
+              <a:shade val="15000"/>
+            </a:schemeClr>
+          </a:lnRef>
+          <a:fillRef idx="1">
+            <a:schemeClr val="accent1"/>
+          </a:fillRef>
+          <a:effectRef idx="0">
+            <a:schemeClr val="accent1"/>
+          </a:effectRef>
+          <a:fontRef idx="minor">
+            <a:schemeClr val="lt1"/>
+          </a:fontRef>
+        </p:style>
+        <p:txBody>
+          <a:bodyPr rtlCol="0" anchor="ctr"/>
+          <a:lstStyle>
+            <a:defPPr>
+              <a:defRPr lang="en-US"/>
+            </a:defPPr>
+            <a:lvl1pPr marL="0" algn="l" defTabSz="914400" rtl="0" eaLnBrk="1" latinLnBrk="0" hangingPunct="1">
+              <a:defRPr sz="1800" kern="1200">
+                <a:solidFill>
+                  <a:schemeClr val="lt1"/>
+                </a:solidFill>
+                <a:latin typeface="+mn-lt"/>
+                <a:ea typeface="+mn-ea"/>
+                <a:cs typeface="+mn-cs"/>
+              </a:defRPr>
+            </a:lvl1pPr>
+            <a:lvl2pPr marL="457200" algn="l" defTabSz="914400" rtl="0" eaLnBrk="1" latinLnBrk="0" hangingPunct="1">
+              <a:defRPr sz="1800" kern="1200">
+                <a:solidFill>
+                  <a:schemeClr val="lt1"/>
+                </a:solidFill>
+                <a:latin typeface="+mn-lt"/>
+                <a:ea typeface="+mn-ea"/>
+                <a:cs typeface="+mn-cs"/>
+              </a:defRPr>
+            </a:lvl2pPr>
+            <a:lvl3pPr marL="914400" algn="l" defTabSz="914400" rtl="0" eaLnBrk="1" latinLnBrk="0" hangingPunct="1">
+              <a:defRPr sz="1800" kern="1200">
+                <a:solidFill>
+                  <a:schemeClr val="lt1"/>
+                </a:solidFill>
+                <a:latin typeface="+mn-lt"/>
+                <a:ea typeface="+mn-ea"/>
+                <a:cs typeface="+mn-cs"/>
+              </a:defRPr>
+            </a:lvl3pPr>
+            <a:lvl4pPr marL="1371600" algn="l" defTabSz="914400" rtl="0" eaLnBrk="1" latinLnBrk="0" hangingPunct="1">
+              <a:defRPr sz="1800" kern="1200">
+                <a:solidFill>
+                  <a:schemeClr val="lt1"/>
+                </a:solidFill>
+                <a:latin typeface="+mn-lt"/>
+                <a:ea typeface="+mn-ea"/>
+                <a:cs typeface="+mn-cs"/>
+              </a:defRPr>
+            </a:lvl4pPr>
+            <a:lvl5pPr marL="1828800" algn="l" defTabSz="914400" rtl="0" eaLnBrk="1" latinLnBrk="0" hangingPunct="1">
+              <a:defRPr sz="1800" kern="1200">
+                <a:solidFill>
+                  <a:schemeClr val="lt1"/>
+                </a:solidFill>
+                <a:latin typeface="+mn-lt"/>
+                <a:ea typeface="+mn-ea"/>
+                <a:cs typeface="+mn-cs"/>
+              </a:defRPr>
+            </a:lvl5pPr>
+            <a:lvl6pPr marL="2286000" algn="l" defTabSz="914400" rtl="0" eaLnBrk="1" latinLnBrk="0" hangingPunct="1">
+              <a:defRPr sz="1800" kern="1200">
+                <a:solidFill>
+                  <a:schemeClr val="lt1"/>
+                </a:solidFill>
+                <a:latin typeface="+mn-lt"/>
+                <a:ea typeface="+mn-ea"/>
+                <a:cs typeface="+mn-cs"/>
+              </a:defRPr>
+            </a:lvl6pPr>
+            <a:lvl7pPr marL="2743200" algn="l" defTabSz="914400" rtl="0" eaLnBrk="1" latinLnBrk="0" hangingPunct="1">
+              <a:defRPr sz="1800" kern="1200">
+                <a:solidFill>
+                  <a:schemeClr val="lt1"/>
+                </a:solidFill>
+                <a:latin typeface="+mn-lt"/>
+                <a:ea typeface="+mn-ea"/>
+                <a:cs typeface="+mn-cs"/>
+              </a:defRPr>
+            </a:lvl7pPr>
+            <a:lvl8pPr marL="3200400" algn="l" defTabSz="914400" rtl="0" eaLnBrk="1" latinLnBrk="0" hangingPunct="1">
+              <a:defRPr sz="1800" kern="1200">
+                <a:solidFill>
+                  <a:schemeClr val="lt1"/>
+                </a:solidFill>
+                <a:latin typeface="+mn-lt"/>
+                <a:ea typeface="+mn-ea"/>
+                <a:cs typeface="+mn-cs"/>
+              </a:defRPr>
+            </a:lvl8pPr>
+            <a:lvl9pPr marL="3657600" algn="l" defTabSz="914400" rtl="0" eaLnBrk="1" latinLnBrk="0" hangingPunct="1">
+              <a:defRPr sz="1800" kern="1200">
+                <a:solidFill>
+                  <a:schemeClr val="lt1"/>
+                </a:solidFill>
+                <a:latin typeface="+mn-lt"/>
+                <a:ea typeface="+mn-ea"/>
+                <a:cs typeface="+mn-cs"/>
+              </a:defRPr>
+            </a:lvl9pPr>
+          </a:lstStyle>
+          <a:p>
+            <a:pPr algn="ctr"/>
+            <a:r>
+              <a:rPr lang="en-US" sz="1200" dirty="0"/>
+              <a:t>Treatment initiation</a:t>
+            </a:r>
+          </a:p>
+        </p:txBody>
+      </p:sp>
+      <p:cxnSp>
+        <p:nvCxnSpPr>
+          <p:cNvPr id="25" name="Straight Arrow Connector 24">
+            <a:extLst>
+              <a:ext uri="{FF2B5EF4-FFF2-40B4-BE49-F238E27FC236}">
+                <a16:creationId xmlns:a16="http://schemas.microsoft.com/office/drawing/2014/main" id="{29D40C94-0EF0-AE71-4C77-B0864E31CCE2}"/>
+              </a:ext>
+            </a:extLst>
+          </p:cNvPr>
+          <p:cNvCxnSpPr>
+            <a:cxnSpLocks/>
+            <a:stCxn id="8" idx="3"/>
+            <a:endCxn id="469" idx="1"/>
+          </p:cNvCxnSpPr>
+          <p:nvPr/>
+        </p:nvCxnSpPr>
+        <p:spPr>
+          <a:xfrm flipV="1">
+            <a:off x="5078037" y="576894"/>
+            <a:ext cx="3054519" cy="1"/>
+          </a:xfrm>
+          <a:prstGeom prst="straightConnector1">
+            <a:avLst/>
+          </a:prstGeom>
+          <a:ln>
+            <a:tailEnd type="triangle"/>
+          </a:ln>
+        </p:spPr>
+        <p:style>
+          <a:lnRef idx="2">
+            <a:schemeClr val="accent6"/>
+          </a:lnRef>
+          <a:fillRef idx="0">
+            <a:schemeClr val="accent6"/>
+          </a:fillRef>
+          <a:effectRef idx="1">
+            <a:schemeClr val="accent6"/>
+          </a:effectRef>
+          <a:fontRef idx="minor">
+            <a:schemeClr val="tx1"/>
+          </a:fontRef>
+        </p:style>
+      </p:cxnSp>
+      <p:cxnSp>
+        <p:nvCxnSpPr>
+          <p:cNvPr id="28" name="Straight Arrow Connector 27">
+            <a:extLst>
+              <a:ext uri="{FF2B5EF4-FFF2-40B4-BE49-F238E27FC236}">
+                <a16:creationId xmlns:a16="http://schemas.microsoft.com/office/drawing/2014/main" id="{159D3CEF-8CA0-3C73-27F5-EAD85A60B5F5}"/>
+              </a:ext>
+            </a:extLst>
+          </p:cNvPr>
+          <p:cNvCxnSpPr>
+            <a:cxnSpLocks/>
+            <a:stCxn id="469" idx="3"/>
+            <a:endCxn id="17" idx="1"/>
+          </p:cNvCxnSpPr>
+          <p:nvPr/>
+        </p:nvCxnSpPr>
+        <p:spPr>
+          <a:xfrm>
+            <a:off x="9129149" y="576894"/>
+            <a:ext cx="1058910" cy="9517"/>
+          </a:xfrm>
+          <a:prstGeom prst="straightConnector1">
+            <a:avLst/>
+          </a:prstGeom>
+          <a:ln>
+            <a:tailEnd type="triangle"/>
+          </a:ln>
+        </p:spPr>
+        <p:style>
+          <a:lnRef idx="2">
+            <a:schemeClr val="accent6"/>
+          </a:lnRef>
+          <a:fillRef idx="0">
+            <a:schemeClr val="accent6"/>
+          </a:fillRef>
+          <a:effectRef idx="1">
+            <a:schemeClr val="accent6"/>
+          </a:effectRef>
+          <a:fontRef idx="minor">
+            <a:schemeClr val="tx1"/>
+          </a:fontRef>
+        </p:style>
+      </p:cxnSp>
+      <p:sp>
+        <p:nvSpPr>
+          <p:cNvPr id="469" name="Rectangle 468">
+            <a:extLst>
+              <a:ext uri="{FF2B5EF4-FFF2-40B4-BE49-F238E27FC236}">
+                <a16:creationId xmlns:a16="http://schemas.microsoft.com/office/drawing/2014/main" id="{FC9F9628-3469-76C1-C549-E763AD0FA4F6}"/>
+              </a:ext>
+            </a:extLst>
+          </p:cNvPr>
+          <p:cNvSpPr/>
+          <p:nvPr/>
+        </p:nvSpPr>
+        <p:spPr>
+          <a:xfrm>
+            <a:off x="8132556" y="267911"/>
+            <a:ext cx="996593" cy="617966"/>
+          </a:xfrm>
+          <a:prstGeom prst="rect">
+            <a:avLst/>
+          </a:prstGeom>
+        </p:spPr>
+        <p:style>
+          <a:lnRef idx="2">
+            <a:schemeClr val="accent1">
+              <a:shade val="15000"/>
+            </a:schemeClr>
+          </a:lnRef>
+          <a:fillRef idx="1">
+            <a:schemeClr val="accent1"/>
+          </a:fillRef>
+          <a:effectRef idx="0">
+            <a:schemeClr val="accent1"/>
+          </a:effectRef>
+          <a:fontRef idx="minor">
+            <a:schemeClr val="lt1"/>
+          </a:fontRef>
+        </p:style>
+        <p:txBody>
+          <a:bodyPr rtlCol="0" anchor="ctr"/>
+          <a:lstStyle>
+            <a:defPPr>
+              <a:defRPr lang="en-US"/>
+            </a:defPPr>
+            <a:lvl1pPr marL="0" algn="l" defTabSz="914400" rtl="0" eaLnBrk="1" latinLnBrk="0" hangingPunct="1">
+              <a:defRPr sz="1800" kern="1200">
+                <a:solidFill>
+                  <a:schemeClr val="lt1"/>
+                </a:solidFill>
+                <a:latin typeface="+mn-lt"/>
+                <a:ea typeface="+mn-ea"/>
+                <a:cs typeface="+mn-cs"/>
+              </a:defRPr>
+            </a:lvl1pPr>
+            <a:lvl2pPr marL="457200" algn="l" defTabSz="914400" rtl="0" eaLnBrk="1" latinLnBrk="0" hangingPunct="1">
+              <a:defRPr sz="1800" kern="1200">
+                <a:solidFill>
+                  <a:schemeClr val="lt1"/>
+                </a:solidFill>
+                <a:latin typeface="+mn-lt"/>
+                <a:ea typeface="+mn-ea"/>
+                <a:cs typeface="+mn-cs"/>
+              </a:defRPr>
+            </a:lvl2pPr>
+            <a:lvl3pPr marL="914400" algn="l" defTabSz="914400" rtl="0" eaLnBrk="1" latinLnBrk="0" hangingPunct="1">
+              <a:defRPr sz="1800" kern="1200">
+                <a:solidFill>
+                  <a:schemeClr val="lt1"/>
+                </a:solidFill>
+                <a:latin typeface="+mn-lt"/>
+                <a:ea typeface="+mn-ea"/>
+                <a:cs typeface="+mn-cs"/>
+              </a:defRPr>
+            </a:lvl3pPr>
+            <a:lvl4pPr marL="1371600" algn="l" defTabSz="914400" rtl="0" eaLnBrk="1" latinLnBrk="0" hangingPunct="1">
+              <a:defRPr sz="1800" kern="1200">
+                <a:solidFill>
+                  <a:schemeClr val="lt1"/>
+                </a:solidFill>
+                <a:latin typeface="+mn-lt"/>
+                <a:ea typeface="+mn-ea"/>
+                <a:cs typeface="+mn-cs"/>
+              </a:defRPr>
+            </a:lvl4pPr>
+            <a:lvl5pPr marL="1828800" algn="l" defTabSz="914400" rtl="0" eaLnBrk="1" latinLnBrk="0" hangingPunct="1">
+              <a:defRPr sz="1800" kern="1200">
+                <a:solidFill>
+                  <a:schemeClr val="lt1"/>
+                </a:solidFill>
+                <a:latin typeface="+mn-lt"/>
+                <a:ea typeface="+mn-ea"/>
+                <a:cs typeface="+mn-cs"/>
+              </a:defRPr>
+            </a:lvl5pPr>
+            <a:lvl6pPr marL="2286000" algn="l" defTabSz="914400" rtl="0" eaLnBrk="1" latinLnBrk="0" hangingPunct="1">
+              <a:defRPr sz="1800" kern="1200">
+                <a:solidFill>
+                  <a:schemeClr val="lt1"/>
+                </a:solidFill>
+                <a:latin typeface="+mn-lt"/>
+                <a:ea typeface="+mn-ea"/>
+                <a:cs typeface="+mn-cs"/>
+              </a:defRPr>
+            </a:lvl6pPr>
+            <a:lvl7pPr marL="2743200" algn="l" defTabSz="914400" rtl="0" eaLnBrk="1" latinLnBrk="0" hangingPunct="1">
+              <a:defRPr sz="1800" kern="1200">
+                <a:solidFill>
+                  <a:schemeClr val="lt1"/>
+                </a:solidFill>
+                <a:latin typeface="+mn-lt"/>
+                <a:ea typeface="+mn-ea"/>
+                <a:cs typeface="+mn-cs"/>
+              </a:defRPr>
+            </a:lvl7pPr>
+            <a:lvl8pPr marL="3200400" algn="l" defTabSz="914400" rtl="0" eaLnBrk="1" latinLnBrk="0" hangingPunct="1">
+              <a:defRPr sz="1800" kern="1200">
+                <a:solidFill>
+                  <a:schemeClr val="lt1"/>
+                </a:solidFill>
+                <a:latin typeface="+mn-lt"/>
+                <a:ea typeface="+mn-ea"/>
+                <a:cs typeface="+mn-cs"/>
+              </a:defRPr>
+            </a:lvl8pPr>
+            <a:lvl9pPr marL="3657600" algn="l" defTabSz="914400" rtl="0" eaLnBrk="1" latinLnBrk="0" hangingPunct="1">
+              <a:defRPr sz="1800" kern="1200">
+                <a:solidFill>
+                  <a:schemeClr val="lt1"/>
+                </a:solidFill>
+                <a:latin typeface="+mn-lt"/>
+                <a:ea typeface="+mn-ea"/>
+                <a:cs typeface="+mn-cs"/>
+              </a:defRPr>
+            </a:lvl9pPr>
+          </a:lstStyle>
+          <a:p>
+            <a:pPr algn="ctr"/>
+            <a:r>
+              <a:rPr lang="en-US" sz="1200" dirty="0"/>
+              <a:t>Notification/</a:t>
+            </a:r>
+          </a:p>
+          <a:p>
+            <a:pPr algn="ctr"/>
+            <a:r>
+              <a:rPr lang="en-US" sz="1200" dirty="0"/>
+              <a:t>Treatment attempts </a:t>
+            </a:r>
+          </a:p>
+        </p:txBody>
+      </p:sp>
+      <p:cxnSp>
+        <p:nvCxnSpPr>
+          <p:cNvPr id="510" name="Straight Arrow Connector 509">
+            <a:extLst>
+              <a:ext uri="{FF2B5EF4-FFF2-40B4-BE49-F238E27FC236}">
+                <a16:creationId xmlns:a16="http://schemas.microsoft.com/office/drawing/2014/main" id="{54C57817-494F-A916-FAB4-3370C1CA4174}"/>
+              </a:ext>
+            </a:extLst>
+          </p:cNvPr>
+          <p:cNvCxnSpPr>
+            <a:cxnSpLocks/>
+          </p:cNvCxnSpPr>
+          <p:nvPr/>
+        </p:nvCxnSpPr>
+        <p:spPr>
+          <a:xfrm>
+            <a:off x="3236691" y="591153"/>
+            <a:ext cx="652895" cy="2206"/>
+          </a:xfrm>
+          <a:prstGeom prst="straightConnector1">
+            <a:avLst/>
+          </a:prstGeom>
+          <a:ln>
+            <a:tailEnd type="triangle"/>
+          </a:ln>
+        </p:spPr>
+        <p:style>
+          <a:lnRef idx="2">
+            <a:schemeClr val="accent6"/>
+          </a:lnRef>
+          <a:fillRef idx="0">
+            <a:schemeClr val="accent6"/>
+          </a:fillRef>
+          <a:effectRef idx="1">
+            <a:schemeClr val="accent6"/>
+          </a:effectRef>
+          <a:fontRef idx="minor">
+            <a:schemeClr val="tx1"/>
+          </a:fontRef>
+        </p:style>
+      </p:cxnSp>
+      <p:cxnSp>
+        <p:nvCxnSpPr>
+          <p:cNvPr id="550" name="Straight Arrow Connector 549">
+            <a:extLst>
+              <a:ext uri="{FF2B5EF4-FFF2-40B4-BE49-F238E27FC236}">
+                <a16:creationId xmlns:a16="http://schemas.microsoft.com/office/drawing/2014/main" id="{FA48E1D1-C93D-34D4-9DB0-099FA1907F4A}"/>
+              </a:ext>
+            </a:extLst>
+          </p:cNvPr>
+          <p:cNvCxnSpPr>
+            <a:cxnSpLocks/>
+            <a:stCxn id="5" idx="3"/>
+            <a:endCxn id="469" idx="1"/>
+          </p:cNvCxnSpPr>
+          <p:nvPr/>
+        </p:nvCxnSpPr>
+        <p:spPr>
+          <a:xfrm flipV="1">
+            <a:off x="7083299" y="576894"/>
+            <a:ext cx="1049257" cy="1361182"/>
+          </a:xfrm>
+          <a:prstGeom prst="straightConnector1">
+            <a:avLst/>
+          </a:prstGeom>
+          <a:ln>
+            <a:tailEnd type="triangle"/>
+          </a:ln>
+        </p:spPr>
+        <p:style>
+          <a:lnRef idx="2">
+            <a:schemeClr val="accent6"/>
+          </a:lnRef>
+          <a:fillRef idx="0">
+            <a:schemeClr val="accent6"/>
+          </a:fillRef>
+          <a:effectRef idx="1">
+            <a:schemeClr val="accent6"/>
+          </a:effectRef>
+          <a:fontRef idx="minor">
+            <a:schemeClr val="tx1"/>
+          </a:fontRef>
+        </p:style>
+      </p:cxnSp>
+      <p:cxnSp>
+        <p:nvCxnSpPr>
+          <p:cNvPr id="562" name="Straight Arrow Connector 561">
+            <a:extLst>
+              <a:ext uri="{FF2B5EF4-FFF2-40B4-BE49-F238E27FC236}">
+                <a16:creationId xmlns:a16="http://schemas.microsoft.com/office/drawing/2014/main" id="{9B360D16-4CFF-683C-6ECC-0C4A2FAC8994}"/>
+              </a:ext>
+            </a:extLst>
+          </p:cNvPr>
+          <p:cNvCxnSpPr>
+            <a:cxnSpLocks/>
+            <a:stCxn id="5" idx="3"/>
+            <a:endCxn id="13" idx="1"/>
+          </p:cNvCxnSpPr>
+          <p:nvPr/>
+        </p:nvCxnSpPr>
+        <p:spPr>
+          <a:xfrm>
+            <a:off x="7083299" y="1938076"/>
+            <a:ext cx="3102505" cy="1005760"/>
+          </a:xfrm>
+          <a:prstGeom prst="straightConnector1">
+            <a:avLst/>
+          </a:prstGeom>
+          <a:ln>
+            <a:tailEnd type="triangle"/>
+          </a:ln>
+        </p:spPr>
+        <p:style>
+          <a:lnRef idx="1">
+            <a:schemeClr val="accent2"/>
+          </a:lnRef>
+          <a:fillRef idx="0">
+            <a:schemeClr val="accent2"/>
+          </a:fillRef>
+          <a:effectRef idx="0">
+            <a:schemeClr val="accent2"/>
+          </a:effectRef>
+          <a:fontRef idx="minor">
+            <a:schemeClr val="tx1"/>
+          </a:fontRef>
+        </p:style>
+      </p:cxnSp>
+      <mc:AlternateContent xmlns:mc="http://schemas.openxmlformats.org/markup-compatibility/2006">
+        <mc:Choice xmlns:a14="http://schemas.microsoft.com/office/drawing/2010/main" Requires="a14">
+          <p:sp>
+            <p:nvSpPr>
+              <p:cNvPr id="576" name="TextBox 575">
+                <a:extLst>
+                  <a:ext uri="{FF2B5EF4-FFF2-40B4-BE49-F238E27FC236}">
+                    <a16:creationId xmlns:a16="http://schemas.microsoft.com/office/drawing/2014/main" id="{AD162133-8C23-8519-39E4-7DA9DF1DAB3A}"/>
+                  </a:ext>
+                </a:extLst>
+              </p:cNvPr>
+              <p:cNvSpPr txBox="1"/>
+              <p:nvPr/>
+            </p:nvSpPr>
+            <p:spPr>
+              <a:xfrm>
+                <a:off x="4472670" y="1095270"/>
+                <a:ext cx="2540255" cy="490262"/>
+              </a:xfrm>
+              <a:prstGeom prst="rect">
+                <a:avLst/>
+              </a:prstGeom>
+              <a:noFill/>
+            </p:spPr>
+            <p:txBody>
+              <a:bodyPr wrap="square">
+                <a:spAutoFit/>
+              </a:bodyPr>
+              <a:lstStyle/>
+              <a:p>
+                <a:r>
+                  <a:rPr lang="en-US" sz="1200" dirty="0"/>
+                  <a:t>Fail to collect sample: </a:t>
+                </a:r>
+                <a14:m>
+                  <m:oMath xmlns:m="http://schemas.openxmlformats.org/officeDocument/2006/math">
+                    <m:sSub>
+                      <m:sSubPr>
+                        <m:ctrlPr>
+                          <a:rPr lang="en-GB" sz="1200" b="0" i="1" smtClean="0">
+                            <a:latin typeface="Cambria Math" panose="02040503050406030204" pitchFamily="18" charset="0"/>
+                          </a:rPr>
+                        </m:ctrlPr>
+                      </m:sSubPr>
+                      <m:e>
+                        <m:r>
+                          <a:rPr lang="en-GB" sz="1200" b="0" i="1" smtClean="0">
+                            <a:latin typeface="Cambria Math" panose="02040503050406030204" pitchFamily="18" charset="0"/>
+                          </a:rPr>
+                          <m:t>1−</m:t>
+                        </m:r>
+                        <m:r>
+                          <a:rPr lang="en-GB" sz="1200" b="0" i="1" smtClean="0">
+                            <a:latin typeface="Cambria Math" panose="02040503050406030204" pitchFamily="18" charset="0"/>
+                          </a:rPr>
+                          <m:t>𝑃</m:t>
+                        </m:r>
+                      </m:e>
+                      <m:sub>
+                        <m:r>
+                          <a:rPr lang="en-GB" sz="1200" b="0" i="1" smtClean="0">
+                            <a:latin typeface="Cambria Math" panose="02040503050406030204" pitchFamily="18" charset="0"/>
+                          </a:rPr>
+                          <m:t>𝑠𝑝𝑢𝑡𝑢𝑚</m:t>
+                        </m:r>
+                      </m:sub>
+                    </m:sSub>
+                  </m:oMath>
+                </a14:m>
+                <a:endParaRPr lang="en-US" sz="1200" dirty="0"/>
+              </a:p>
+              <a:p>
+                <a:r>
+                  <a:rPr lang="en-US" sz="1200" dirty="0"/>
+                  <a:t>Test negative:</a:t>
+                </a:r>
+                <a14:m>
+                  <m:oMath xmlns:m="http://schemas.openxmlformats.org/officeDocument/2006/math">
+                    <m:sSub>
+                      <m:sSubPr>
+                        <m:ctrlPr>
+                          <a:rPr lang="en-GB" sz="1200" i="1">
+                            <a:latin typeface="Cambria Math" panose="02040503050406030204" pitchFamily="18" charset="0"/>
+                          </a:rPr>
+                        </m:ctrlPr>
+                      </m:sSubPr>
+                      <m:e>
+                        <m:r>
+                          <a:rPr lang="en-GB" sz="1200" b="0" i="1" smtClean="0">
+                            <a:latin typeface="Cambria Math" panose="02040503050406030204" pitchFamily="18" charset="0"/>
+                          </a:rPr>
+                          <m:t> </m:t>
+                        </m:r>
+                        <m:r>
+                          <a:rPr lang="en-GB" sz="1200" i="1">
+                            <a:latin typeface="Cambria Math" panose="02040503050406030204" pitchFamily="18" charset="0"/>
+                          </a:rPr>
+                          <m:t>𝑃</m:t>
+                        </m:r>
+                      </m:e>
+                      <m:sub>
+                        <m:r>
+                          <a:rPr lang="en-GB" sz="1200" i="1">
+                            <a:latin typeface="Cambria Math" panose="02040503050406030204" pitchFamily="18" charset="0"/>
+                          </a:rPr>
+                          <m:t>𝑠𝑝𝑢𝑡𝑢𝑚</m:t>
+                        </m:r>
+                      </m:sub>
+                    </m:sSub>
+                    <m:r>
+                      <a:rPr lang="en-GB" sz="1200" b="0" i="0" smtClean="0">
+                        <a:latin typeface="Cambria Math" panose="02040503050406030204" pitchFamily="18" charset="0"/>
+                      </a:rPr>
+                      <m:t>(</m:t>
+                    </m:r>
+                    <m:r>
+                      <a:rPr lang="en-GB" sz="1200" b="0" i="1" smtClean="0">
+                        <a:latin typeface="Cambria Math" panose="02040503050406030204" pitchFamily="18" charset="0"/>
+                      </a:rPr>
+                      <m:t>1−</m:t>
+                    </m:r>
+                    <m:sSub>
+                      <m:sSubPr>
+                        <m:ctrlPr>
+                          <a:rPr lang="en-GB" sz="1200" b="0" i="1" smtClean="0">
+                            <a:latin typeface="Cambria Math" panose="02040503050406030204" pitchFamily="18" charset="0"/>
+                          </a:rPr>
+                        </m:ctrlPr>
+                      </m:sSubPr>
+                      <m:e>
+                        <m:r>
+                          <a:rPr lang="en-GB" sz="1200" b="0" i="1" smtClean="0">
+                            <a:latin typeface="Cambria Math" panose="02040503050406030204" pitchFamily="18" charset="0"/>
+                          </a:rPr>
+                          <m:t>𝑃</m:t>
+                        </m:r>
+                      </m:e>
+                      <m:sub>
+                        <m:r>
+                          <a:rPr lang="en-GB" sz="1200" b="0" i="1" smtClean="0">
+                            <a:latin typeface="Cambria Math" panose="02040503050406030204" pitchFamily="18" charset="0"/>
+                          </a:rPr>
+                          <m:t>3</m:t>
+                        </m:r>
+                      </m:sub>
+                    </m:sSub>
+                    <m:r>
+                      <a:rPr lang="en-GB" sz="1200" b="0" i="1" smtClean="0">
+                        <a:latin typeface="Cambria Math" panose="02040503050406030204" pitchFamily="18" charset="0"/>
+                      </a:rPr>
+                      <m:t>)</m:t>
+                    </m:r>
+                  </m:oMath>
+                </a14:m>
+                <a:endParaRPr lang="en-US" sz="1200" dirty="0"/>
+              </a:p>
+            </p:txBody>
+          </p:sp>
+        </mc:Choice>
+        <mc:Fallback>
+          <p:sp>
+            <p:nvSpPr>
+              <p:cNvPr id="576" name="TextBox 575">
+                <a:extLst>
+                  <a:ext uri="{FF2B5EF4-FFF2-40B4-BE49-F238E27FC236}">
+                    <a16:creationId xmlns:a16="http://schemas.microsoft.com/office/drawing/2014/main" id="{AD162133-8C23-8519-39E4-7DA9DF1DAB3A}"/>
+                  </a:ext>
+                </a:extLst>
+              </p:cNvPr>
+              <p:cNvSpPr txBox="1">
+                <a:spLocks noRot="1" noChangeAspect="1" noMove="1" noResize="1" noEditPoints="1" noAdjustHandles="1" noChangeArrowheads="1" noChangeShapeType="1" noTextEdit="1"/>
+              </p:cNvSpPr>
+              <p:nvPr/>
+            </p:nvSpPr>
+            <p:spPr>
+              <a:xfrm>
+                <a:off x="4472670" y="1095270"/>
+                <a:ext cx="2540255" cy="490262"/>
+              </a:xfrm>
+              <a:prstGeom prst="rect">
+                <a:avLst/>
+              </a:prstGeom>
+              <a:blipFill>
+                <a:blip r:embed="rId2"/>
+                <a:stretch>
+                  <a:fillRect l="-240" b="-7500"/>
+                </a:stretch>
+              </a:blipFill>
+            </p:spPr>
+            <p:txBody>
+              <a:bodyPr/>
+              <a:lstStyle/>
+              <a:p>
+                <a:r>
+                  <a:rPr lang="en-GB">
+                    <a:noFill/>
+                  </a:rPr>
+                  <a:t> </a:t>
+                </a:r>
+              </a:p>
+            </p:txBody>
+          </p:sp>
+        </mc:Fallback>
+      </mc:AlternateContent>
+      <mc:AlternateContent xmlns:mc="http://schemas.openxmlformats.org/markup-compatibility/2006">
+        <mc:Choice xmlns:a14="http://schemas.microsoft.com/office/drawing/2010/main" Requires="a14">
+          <p:sp>
+            <p:nvSpPr>
+              <p:cNvPr id="582" name="TextBox 581">
+                <a:extLst>
+                  <a:ext uri="{FF2B5EF4-FFF2-40B4-BE49-F238E27FC236}">
+                    <a16:creationId xmlns:a16="http://schemas.microsoft.com/office/drawing/2014/main" id="{96CC357D-B28D-B59E-1DA2-0E0E722A7491}"/>
+                  </a:ext>
+                </a:extLst>
+              </p:cNvPr>
+              <p:cNvSpPr txBox="1"/>
+              <p:nvPr/>
+            </p:nvSpPr>
+            <p:spPr>
+              <a:xfrm>
+                <a:off x="5639926" y="354821"/>
+                <a:ext cx="1744654" cy="291298"/>
+              </a:xfrm>
+              <a:prstGeom prst="rect">
+                <a:avLst/>
+              </a:prstGeom>
+              <a:noFill/>
+            </p:spPr>
+            <p:txBody>
+              <a:bodyPr wrap="square">
+                <a:spAutoFit/>
+              </a:bodyPr>
+              <a:lstStyle/>
+              <a:p>
+                <a:pPr algn="ctr"/>
+                <a:r>
+                  <a:rPr lang="en-US" sz="1200" dirty="0"/>
+                  <a:t>Test positive: </a:t>
+                </a:r>
+                <a14:m>
+                  <m:oMath xmlns:m="http://schemas.openxmlformats.org/officeDocument/2006/math">
+                    <m:sSub>
+                      <m:sSubPr>
+                        <m:ctrlPr>
+                          <a:rPr lang="en-GB" sz="1200" i="1">
+                            <a:latin typeface="Cambria Math" panose="02040503050406030204" pitchFamily="18" charset="0"/>
+                          </a:rPr>
+                        </m:ctrlPr>
+                      </m:sSubPr>
+                      <m:e>
+                        <m:r>
+                          <a:rPr lang="en-GB" sz="1200" i="1">
+                            <a:latin typeface="Cambria Math" panose="02040503050406030204" pitchFamily="18" charset="0"/>
+                          </a:rPr>
+                          <m:t>𝑃</m:t>
+                        </m:r>
+                      </m:e>
+                      <m:sub>
+                        <m:r>
+                          <a:rPr lang="en-GB" sz="1200" i="1">
+                            <a:latin typeface="Cambria Math" panose="02040503050406030204" pitchFamily="18" charset="0"/>
+                          </a:rPr>
+                          <m:t>𝑠𝑝𝑢𝑡𝑢𝑚</m:t>
+                        </m:r>
+                      </m:sub>
+                    </m:sSub>
+                    <m:r>
+                      <a:rPr lang="en-GB" sz="1200" i="1">
+                        <a:latin typeface="Cambria Math" panose="02040503050406030204" pitchFamily="18" charset="0"/>
+                      </a:rPr>
+                      <m:t> </m:t>
+                    </m:r>
+                    <m:sSub>
+                      <m:sSubPr>
+                        <m:ctrlPr>
+                          <a:rPr lang="en-GB" sz="1200" b="0" i="1" smtClean="0">
+                            <a:latin typeface="Cambria Math" panose="02040503050406030204" pitchFamily="18" charset="0"/>
+                          </a:rPr>
+                        </m:ctrlPr>
+                      </m:sSubPr>
+                      <m:e>
+                        <m:r>
+                          <a:rPr lang="en-GB" sz="1200" b="0" i="1" smtClean="0">
+                            <a:latin typeface="Cambria Math" panose="02040503050406030204" pitchFamily="18" charset="0"/>
+                          </a:rPr>
+                          <m:t>𝑃</m:t>
+                        </m:r>
+                      </m:e>
+                      <m:sub>
+                        <m:r>
+                          <a:rPr lang="en-GB" sz="1200" b="0" i="1" smtClean="0">
+                            <a:latin typeface="Cambria Math" panose="02040503050406030204" pitchFamily="18" charset="0"/>
+                          </a:rPr>
+                          <m:t>3</m:t>
+                        </m:r>
+                      </m:sub>
+                    </m:sSub>
+                  </m:oMath>
+                </a14:m>
+                <a:endParaRPr lang="en-US" sz="1200" dirty="0"/>
+              </a:p>
+            </p:txBody>
+          </p:sp>
+        </mc:Choice>
+        <mc:Fallback>
+          <p:sp>
+            <p:nvSpPr>
+              <p:cNvPr id="582" name="TextBox 581">
+                <a:extLst>
+                  <a:ext uri="{FF2B5EF4-FFF2-40B4-BE49-F238E27FC236}">
+                    <a16:creationId xmlns:a16="http://schemas.microsoft.com/office/drawing/2014/main" id="{96CC357D-B28D-B59E-1DA2-0E0E722A7491}"/>
+                  </a:ext>
+                </a:extLst>
+              </p:cNvPr>
+              <p:cNvSpPr txBox="1">
+                <a:spLocks noRot="1" noChangeAspect="1" noMove="1" noResize="1" noEditPoints="1" noAdjustHandles="1" noChangeArrowheads="1" noChangeShapeType="1" noTextEdit="1"/>
+              </p:cNvSpPr>
+              <p:nvPr/>
+            </p:nvSpPr>
+            <p:spPr>
+              <a:xfrm>
+                <a:off x="5639926" y="354821"/>
+                <a:ext cx="1744654" cy="291298"/>
+              </a:xfrm>
+              <a:prstGeom prst="rect">
+                <a:avLst/>
+              </a:prstGeom>
+              <a:blipFill>
+                <a:blip r:embed="rId3"/>
+                <a:stretch>
+                  <a:fillRect b="-12500"/>
+                </a:stretch>
+              </a:blipFill>
+            </p:spPr>
+            <p:txBody>
+              <a:bodyPr/>
+              <a:lstStyle/>
+              <a:p>
+                <a:r>
+                  <a:rPr lang="en-GB">
+                    <a:noFill/>
+                  </a:rPr>
+                  <a:t> </a:t>
+                </a:r>
+              </a:p>
+            </p:txBody>
+          </p:sp>
+        </mc:Fallback>
+      </mc:AlternateContent>
+      <p:cxnSp>
+        <p:nvCxnSpPr>
+          <p:cNvPr id="588" name="Straight Arrow Connector 587">
+            <a:extLst>
+              <a:ext uri="{FF2B5EF4-FFF2-40B4-BE49-F238E27FC236}">
+                <a16:creationId xmlns:a16="http://schemas.microsoft.com/office/drawing/2014/main" id="{A9EAD699-4D0E-5C7B-9BAD-6470D0F8F0EF}"/>
+              </a:ext>
+            </a:extLst>
+          </p:cNvPr>
+          <p:cNvCxnSpPr>
+            <a:cxnSpLocks/>
+            <a:stCxn id="4" idx="3"/>
+            <a:endCxn id="6" idx="1"/>
+          </p:cNvCxnSpPr>
+          <p:nvPr/>
+        </p:nvCxnSpPr>
+        <p:spPr>
+          <a:xfrm flipV="1">
+            <a:off x="1604399" y="574689"/>
+            <a:ext cx="613417" cy="6602"/>
+          </a:xfrm>
+          <a:prstGeom prst="straightConnector1">
+            <a:avLst/>
+          </a:prstGeom>
+          <a:ln>
+            <a:tailEnd type="triangle"/>
+          </a:ln>
+        </p:spPr>
+        <p:style>
+          <a:lnRef idx="2">
+            <a:schemeClr val="accent6"/>
+          </a:lnRef>
+          <a:fillRef idx="0">
+            <a:schemeClr val="accent6"/>
+          </a:fillRef>
+          <a:effectRef idx="1">
+            <a:schemeClr val="accent6"/>
+          </a:effectRef>
+          <a:fontRef idx="minor">
+            <a:schemeClr val="tx1"/>
+          </a:fontRef>
+        </p:style>
+      </p:cxnSp>
+      <mc:AlternateContent xmlns:mc="http://schemas.openxmlformats.org/markup-compatibility/2006">
+        <mc:Choice xmlns:a14="http://schemas.microsoft.com/office/drawing/2010/main" Requires="a14">
+          <p:sp>
+            <p:nvSpPr>
+              <p:cNvPr id="600" name="TextBox 599">
+                <a:extLst>
+                  <a:ext uri="{FF2B5EF4-FFF2-40B4-BE49-F238E27FC236}">
+                    <a16:creationId xmlns:a16="http://schemas.microsoft.com/office/drawing/2014/main" id="{9AF9DA2A-5813-4D56-F777-D4B1AFC76C8D}"/>
+                  </a:ext>
+                </a:extLst>
+              </p:cNvPr>
+              <p:cNvSpPr txBox="1"/>
+              <p:nvPr/>
+            </p:nvSpPr>
+            <p:spPr>
+              <a:xfrm>
+                <a:off x="1614886" y="354820"/>
+                <a:ext cx="461934" cy="276999"/>
+              </a:xfrm>
+              <a:prstGeom prst="rect">
+                <a:avLst/>
+              </a:prstGeom>
+              <a:noFill/>
+            </p:spPr>
+            <p:txBody>
+              <a:bodyPr wrap="square">
+                <a:spAutoFit/>
+              </a:bodyPr>
+              <a:lstStyle/>
+              <a:p>
+                <a:pPr algn="ctr"/>
+                <a14:m>
+                  <m:oMathPara xmlns:m="http://schemas.openxmlformats.org/officeDocument/2006/math">
+                    <m:oMathParaPr>
+                      <m:jc m:val="centerGroup"/>
+                    </m:oMathParaPr>
+                    <m:oMath xmlns:m="http://schemas.openxmlformats.org/officeDocument/2006/math">
+                      <m:sSub>
+                        <m:sSubPr>
+                          <m:ctrlPr>
+                            <a:rPr lang="en-GB" sz="1200" b="0" i="1" dirty="0" smtClean="0">
+                              <a:latin typeface="Cambria Math" panose="02040503050406030204" pitchFamily="18" charset="0"/>
+                            </a:rPr>
+                          </m:ctrlPr>
+                        </m:sSubPr>
+                        <m:e>
+                          <m:r>
+                            <a:rPr lang="en-US" sz="1200" i="1" dirty="0" smtClean="0">
+                              <a:latin typeface="Cambria Math" panose="02040503050406030204" pitchFamily="18" charset="0"/>
+                            </a:rPr>
+                            <m:t>𝑃</m:t>
+                          </m:r>
+                        </m:e>
+                        <m:sub>
+                          <m:r>
+                            <a:rPr lang="en-GB" sz="1200" b="0" i="1" dirty="0" smtClean="0">
+                              <a:latin typeface="Cambria Math" panose="02040503050406030204" pitchFamily="18" charset="0"/>
+                            </a:rPr>
+                            <m:t>1</m:t>
+                          </m:r>
+                        </m:sub>
+                      </m:sSub>
+                    </m:oMath>
+                  </m:oMathPara>
+                </a14:m>
+                <a:endParaRPr lang="en-US" sz="1200" dirty="0"/>
+              </a:p>
+            </p:txBody>
+          </p:sp>
+        </mc:Choice>
+        <mc:Fallback>
+          <p:sp>
+            <p:nvSpPr>
+              <p:cNvPr id="600" name="TextBox 599">
+                <a:extLst>
+                  <a:ext uri="{FF2B5EF4-FFF2-40B4-BE49-F238E27FC236}">
+                    <a16:creationId xmlns:a16="http://schemas.microsoft.com/office/drawing/2014/main" id="{9AF9DA2A-5813-4D56-F777-D4B1AFC76C8D}"/>
+                  </a:ext>
+                </a:extLst>
+              </p:cNvPr>
+              <p:cNvSpPr txBox="1">
+                <a:spLocks noRot="1" noChangeAspect="1" noMove="1" noResize="1" noEditPoints="1" noAdjustHandles="1" noChangeArrowheads="1" noChangeShapeType="1" noTextEdit="1"/>
+              </p:cNvSpPr>
+              <p:nvPr/>
+            </p:nvSpPr>
+            <p:spPr>
+              <a:xfrm>
+                <a:off x="1614886" y="354820"/>
+                <a:ext cx="461934" cy="276999"/>
+              </a:xfrm>
+              <a:prstGeom prst="rect">
+                <a:avLst/>
+              </a:prstGeom>
+              <a:blipFill>
+                <a:blip r:embed="rId4"/>
+                <a:stretch>
+                  <a:fillRect/>
+                </a:stretch>
+              </a:blipFill>
+            </p:spPr>
+            <p:txBody>
+              <a:bodyPr/>
+              <a:lstStyle/>
+              <a:p>
+                <a:r>
+                  <a:rPr lang="en-GB">
+                    <a:noFill/>
+                  </a:rPr>
+                  <a:t> </a:t>
+                </a:r>
+              </a:p>
+            </p:txBody>
+          </p:sp>
+        </mc:Fallback>
+      </mc:AlternateContent>
+      <mc:AlternateContent xmlns:mc="http://schemas.openxmlformats.org/markup-compatibility/2006">
+        <mc:Choice xmlns:a14="http://schemas.microsoft.com/office/drawing/2010/main" Requires="a14">
+          <p:sp>
+            <p:nvSpPr>
+              <p:cNvPr id="601" name="TextBox 600">
+                <a:extLst>
+                  <a:ext uri="{FF2B5EF4-FFF2-40B4-BE49-F238E27FC236}">
+                    <a16:creationId xmlns:a16="http://schemas.microsoft.com/office/drawing/2014/main" id="{51B26D5A-A8DF-8DAC-227B-2BE6494FDE76}"/>
+                  </a:ext>
+                </a:extLst>
+              </p:cNvPr>
+              <p:cNvSpPr txBox="1"/>
+              <p:nvPr/>
+            </p:nvSpPr>
+            <p:spPr>
+              <a:xfrm>
+                <a:off x="943045" y="2654217"/>
+                <a:ext cx="3027822" cy="276999"/>
+              </a:xfrm>
+              <a:prstGeom prst="rect">
+                <a:avLst/>
+              </a:prstGeom>
+              <a:noFill/>
+            </p:spPr>
+            <p:txBody>
+              <a:bodyPr wrap="square">
+                <a:spAutoFit/>
+              </a:bodyPr>
+              <a:lstStyle/>
+              <a:p>
+                <a:pPr algn="ctr"/>
+                <a:r>
+                  <a:rPr lang="en-US" sz="1200" dirty="0"/>
+                  <a:t>Incorrect patient management: </a:t>
+                </a:r>
+                <a14:m>
+                  <m:oMath xmlns:m="http://schemas.openxmlformats.org/officeDocument/2006/math">
+                    <m:r>
+                      <a:rPr lang="en-US" sz="1200" i="1" dirty="0" smtClean="0">
+                        <a:latin typeface="Cambria Math" panose="02040503050406030204" pitchFamily="18" charset="0"/>
+                      </a:rPr>
+                      <m:t>(1 − </m:t>
+                    </m:r>
+                    <m:sSub>
+                      <m:sSubPr>
+                        <m:ctrlPr>
+                          <a:rPr lang="en-GB" sz="1200" b="0" i="1" dirty="0" smtClean="0">
+                            <a:latin typeface="Cambria Math" panose="02040503050406030204" pitchFamily="18" charset="0"/>
+                          </a:rPr>
+                        </m:ctrlPr>
+                      </m:sSubPr>
+                      <m:e>
+                        <m:r>
+                          <a:rPr lang="en-US" sz="1200" i="1" dirty="0" smtClean="0">
+                            <a:latin typeface="Cambria Math" panose="02040503050406030204" pitchFamily="18" charset="0"/>
+                          </a:rPr>
+                          <m:t>𝑃</m:t>
+                        </m:r>
+                      </m:e>
+                      <m:sub>
+                        <m:r>
+                          <a:rPr lang="en-GB" sz="1200" b="0" i="1" dirty="0" smtClean="0">
+                            <a:latin typeface="Cambria Math" panose="02040503050406030204" pitchFamily="18" charset="0"/>
+                          </a:rPr>
+                          <m:t>1</m:t>
+                        </m:r>
+                      </m:sub>
+                    </m:sSub>
+                    <m:r>
+                      <a:rPr lang="en-US" sz="1200" i="1" dirty="0" smtClean="0">
+                        <a:latin typeface="Cambria Math" panose="02040503050406030204" pitchFamily="18" charset="0"/>
+                      </a:rPr>
+                      <m:t>)</m:t>
+                    </m:r>
+                  </m:oMath>
+                </a14:m>
+                <a:endParaRPr lang="en-US" sz="1200" dirty="0"/>
+              </a:p>
+            </p:txBody>
+          </p:sp>
+        </mc:Choice>
+        <mc:Fallback>
+          <p:sp>
+            <p:nvSpPr>
+              <p:cNvPr id="601" name="TextBox 600">
+                <a:extLst>
+                  <a:ext uri="{FF2B5EF4-FFF2-40B4-BE49-F238E27FC236}">
+                    <a16:creationId xmlns:a16="http://schemas.microsoft.com/office/drawing/2014/main" id="{51B26D5A-A8DF-8DAC-227B-2BE6494FDE76}"/>
+                  </a:ext>
+                </a:extLst>
+              </p:cNvPr>
+              <p:cNvSpPr txBox="1">
+                <a:spLocks noRot="1" noChangeAspect="1" noMove="1" noResize="1" noEditPoints="1" noAdjustHandles="1" noChangeArrowheads="1" noChangeShapeType="1" noTextEdit="1"/>
+              </p:cNvSpPr>
+              <p:nvPr/>
+            </p:nvSpPr>
+            <p:spPr>
+              <a:xfrm>
+                <a:off x="943045" y="2654217"/>
+                <a:ext cx="3027822" cy="276999"/>
+              </a:xfrm>
+              <a:prstGeom prst="rect">
+                <a:avLst/>
+              </a:prstGeom>
+              <a:blipFill>
+                <a:blip r:embed="rId5"/>
+                <a:stretch>
+                  <a:fillRect b="-15217"/>
+                </a:stretch>
+              </a:blipFill>
+            </p:spPr>
+            <p:txBody>
+              <a:bodyPr/>
+              <a:lstStyle/>
+              <a:p>
+                <a:r>
+                  <a:rPr lang="en-GB">
+                    <a:noFill/>
+                  </a:rPr>
+                  <a:t> </a:t>
+                </a:r>
+              </a:p>
+            </p:txBody>
+          </p:sp>
+        </mc:Fallback>
+      </mc:AlternateContent>
+      <mc:AlternateContent xmlns:mc="http://schemas.openxmlformats.org/markup-compatibility/2006">
+        <mc:Choice xmlns:a14="http://schemas.microsoft.com/office/drawing/2010/main" Requires="a14">
+          <p:sp>
+            <p:nvSpPr>
+              <p:cNvPr id="602" name="TextBox 601">
+                <a:extLst>
+                  <a:ext uri="{FF2B5EF4-FFF2-40B4-BE49-F238E27FC236}">
+                    <a16:creationId xmlns:a16="http://schemas.microsoft.com/office/drawing/2014/main" id="{7BB5A236-7B1B-8C6A-DC1F-6F4AC28F1CBE}"/>
+                  </a:ext>
+                </a:extLst>
+              </p:cNvPr>
+              <p:cNvSpPr txBox="1"/>
+              <p:nvPr/>
+            </p:nvSpPr>
+            <p:spPr>
+              <a:xfrm>
+                <a:off x="3394970" y="326256"/>
+                <a:ext cx="461934" cy="276999"/>
+              </a:xfrm>
+              <a:prstGeom prst="rect">
+                <a:avLst/>
+              </a:prstGeom>
+              <a:noFill/>
+            </p:spPr>
+            <p:txBody>
+              <a:bodyPr wrap="square">
+                <a:spAutoFit/>
+              </a:bodyPr>
+              <a:lstStyle/>
+              <a:p>
+                <a:pPr algn="ctr"/>
+                <a14:m>
+                  <m:oMathPara xmlns:m="http://schemas.openxmlformats.org/officeDocument/2006/math">
+                    <m:oMathParaPr>
+                      <m:jc m:val="centerGroup"/>
+                    </m:oMathParaPr>
+                    <m:oMath xmlns:m="http://schemas.openxmlformats.org/officeDocument/2006/math">
+                      <m:sSub>
+                        <m:sSubPr>
+                          <m:ctrlPr>
+                            <a:rPr lang="en-GB" sz="1200" b="0" i="1" dirty="0" smtClean="0">
+                              <a:latin typeface="Cambria Math" panose="02040503050406030204" pitchFamily="18" charset="0"/>
+                            </a:rPr>
+                          </m:ctrlPr>
+                        </m:sSubPr>
+                        <m:e>
+                          <m:r>
+                            <a:rPr lang="en-US" sz="1200" i="1" dirty="0" smtClean="0">
+                              <a:latin typeface="Cambria Math" panose="02040503050406030204" pitchFamily="18" charset="0"/>
+                            </a:rPr>
+                            <m:t>𝑃</m:t>
+                          </m:r>
+                        </m:e>
+                        <m:sub>
+                          <m:r>
+                            <a:rPr lang="en-GB" sz="1200" b="0" i="1" dirty="0" smtClean="0">
+                              <a:latin typeface="Cambria Math" panose="02040503050406030204" pitchFamily="18" charset="0"/>
+                            </a:rPr>
+                            <m:t>2</m:t>
+                          </m:r>
+                        </m:sub>
+                      </m:sSub>
+                    </m:oMath>
+                  </m:oMathPara>
+                </a14:m>
+                <a:endParaRPr lang="en-US" sz="1200" dirty="0"/>
+              </a:p>
+            </p:txBody>
+          </p:sp>
+        </mc:Choice>
+        <mc:Fallback>
+          <p:sp>
+            <p:nvSpPr>
+              <p:cNvPr id="602" name="TextBox 601">
+                <a:extLst>
+                  <a:ext uri="{FF2B5EF4-FFF2-40B4-BE49-F238E27FC236}">
+                    <a16:creationId xmlns:a16="http://schemas.microsoft.com/office/drawing/2014/main" id="{7BB5A236-7B1B-8C6A-DC1F-6F4AC28F1CBE}"/>
+                  </a:ext>
+                </a:extLst>
+              </p:cNvPr>
+              <p:cNvSpPr txBox="1">
+                <a:spLocks noRot="1" noChangeAspect="1" noMove="1" noResize="1" noEditPoints="1" noAdjustHandles="1" noChangeArrowheads="1" noChangeShapeType="1" noTextEdit="1"/>
+              </p:cNvSpPr>
+              <p:nvPr/>
+            </p:nvSpPr>
+            <p:spPr>
+              <a:xfrm>
+                <a:off x="3394970" y="326256"/>
+                <a:ext cx="461934" cy="276999"/>
+              </a:xfrm>
+              <a:prstGeom prst="rect">
+                <a:avLst/>
+              </a:prstGeom>
+              <a:blipFill>
+                <a:blip r:embed="rId6"/>
+                <a:stretch>
+                  <a:fillRect/>
+                </a:stretch>
+              </a:blipFill>
+            </p:spPr>
+            <p:txBody>
+              <a:bodyPr/>
+              <a:lstStyle/>
+              <a:p>
+                <a:r>
+                  <a:rPr lang="en-GB">
+                    <a:noFill/>
+                  </a:rPr>
+                  <a:t> </a:t>
+                </a:r>
+              </a:p>
+            </p:txBody>
+          </p:sp>
+        </mc:Fallback>
+      </mc:AlternateContent>
+      <mc:AlternateContent xmlns:mc="http://schemas.openxmlformats.org/markup-compatibility/2006">
+        <mc:Choice xmlns:a14="http://schemas.microsoft.com/office/drawing/2010/main" Requires="a14">
+          <p:sp>
+            <p:nvSpPr>
+              <p:cNvPr id="604" name="TextBox 603">
+                <a:extLst>
+                  <a:ext uri="{FF2B5EF4-FFF2-40B4-BE49-F238E27FC236}">
+                    <a16:creationId xmlns:a16="http://schemas.microsoft.com/office/drawing/2014/main" id="{D795E8D9-5AC7-4A28-338B-FDDBA36EAB1E}"/>
+                  </a:ext>
+                </a:extLst>
+              </p:cNvPr>
+              <p:cNvSpPr txBox="1"/>
+              <p:nvPr/>
+            </p:nvSpPr>
+            <p:spPr>
+              <a:xfrm>
+                <a:off x="7330176" y="1355334"/>
+                <a:ext cx="1230303" cy="276999"/>
+              </a:xfrm>
+              <a:prstGeom prst="rect">
+                <a:avLst/>
+              </a:prstGeom>
+              <a:noFill/>
+            </p:spPr>
+            <p:txBody>
+              <a:bodyPr wrap="square">
+                <a:spAutoFit/>
+              </a:bodyPr>
+              <a:lstStyle/>
+              <a:p>
+                <a:pPr algn="ctr"/>
+                <a:r>
+                  <a:rPr lang="en-US" sz="1200" dirty="0"/>
+                  <a:t>Test positive: </a:t>
+                </a:r>
+                <a14:m>
+                  <m:oMath xmlns:m="http://schemas.openxmlformats.org/officeDocument/2006/math">
+                    <m:sSub>
+                      <m:sSubPr>
+                        <m:ctrlPr>
+                          <a:rPr lang="en-GB" sz="1200" b="0" i="1" smtClean="0">
+                            <a:latin typeface="Cambria Math" panose="02040503050406030204" pitchFamily="18" charset="0"/>
+                          </a:rPr>
+                        </m:ctrlPr>
+                      </m:sSubPr>
+                      <m:e>
+                        <m:r>
+                          <a:rPr lang="en-GB" sz="1200" b="0" i="1" smtClean="0">
+                            <a:latin typeface="Cambria Math" panose="02040503050406030204" pitchFamily="18" charset="0"/>
+                          </a:rPr>
+                          <m:t>𝑃</m:t>
+                        </m:r>
+                      </m:e>
+                      <m:sub>
+                        <m:r>
+                          <a:rPr lang="en-GB" sz="1200" b="0" i="1" smtClean="0">
+                            <a:latin typeface="Cambria Math" panose="02040503050406030204" pitchFamily="18" charset="0"/>
+                          </a:rPr>
+                          <m:t>4</m:t>
+                        </m:r>
+                      </m:sub>
+                    </m:sSub>
+                  </m:oMath>
+                </a14:m>
+                <a:endParaRPr lang="en-US" sz="1200" dirty="0"/>
+              </a:p>
+            </p:txBody>
+          </p:sp>
+        </mc:Choice>
+        <mc:Fallback>
+          <p:sp>
+            <p:nvSpPr>
+              <p:cNvPr id="604" name="TextBox 603">
+                <a:extLst>
+                  <a:ext uri="{FF2B5EF4-FFF2-40B4-BE49-F238E27FC236}">
+                    <a16:creationId xmlns:a16="http://schemas.microsoft.com/office/drawing/2014/main" id="{D795E8D9-5AC7-4A28-338B-FDDBA36EAB1E}"/>
+                  </a:ext>
+                </a:extLst>
+              </p:cNvPr>
+              <p:cNvSpPr txBox="1">
+                <a:spLocks noRot="1" noChangeAspect="1" noMove="1" noResize="1" noEditPoints="1" noAdjustHandles="1" noChangeArrowheads="1" noChangeShapeType="1" noTextEdit="1"/>
+              </p:cNvSpPr>
+              <p:nvPr/>
+            </p:nvSpPr>
+            <p:spPr>
+              <a:xfrm>
+                <a:off x="7330176" y="1355334"/>
+                <a:ext cx="1230303" cy="276999"/>
+              </a:xfrm>
+              <a:prstGeom prst="rect">
+                <a:avLst/>
+              </a:prstGeom>
+              <a:blipFill>
+                <a:blip r:embed="rId7"/>
+                <a:stretch>
+                  <a:fillRect b="-15217"/>
+                </a:stretch>
+              </a:blipFill>
+            </p:spPr>
+            <p:txBody>
+              <a:bodyPr/>
+              <a:lstStyle/>
+              <a:p>
+                <a:r>
+                  <a:rPr lang="en-GB">
+                    <a:noFill/>
+                  </a:rPr>
+                  <a:t> </a:t>
+                </a:r>
+              </a:p>
+            </p:txBody>
+          </p:sp>
+        </mc:Fallback>
+      </mc:AlternateContent>
+      <mc:AlternateContent xmlns:mc="http://schemas.openxmlformats.org/markup-compatibility/2006">
+        <mc:Choice xmlns:a14="http://schemas.microsoft.com/office/drawing/2010/main" Requires="a14">
+          <p:sp>
+            <p:nvSpPr>
+              <p:cNvPr id="613" name="TextBox 612">
+                <a:extLst>
+                  <a:ext uri="{FF2B5EF4-FFF2-40B4-BE49-F238E27FC236}">
+                    <a16:creationId xmlns:a16="http://schemas.microsoft.com/office/drawing/2014/main" id="{B4CB8C9F-F4A4-8A32-A1EB-E10F6DA9805A}"/>
+                  </a:ext>
+                </a:extLst>
+              </p:cNvPr>
+              <p:cNvSpPr txBox="1"/>
+              <p:nvPr/>
+            </p:nvSpPr>
+            <p:spPr>
+              <a:xfrm>
+                <a:off x="9156061" y="316249"/>
+                <a:ext cx="977515" cy="276999"/>
+              </a:xfrm>
+              <a:prstGeom prst="rect">
+                <a:avLst/>
+              </a:prstGeom>
+              <a:noFill/>
+            </p:spPr>
+            <p:txBody>
+              <a:bodyPr wrap="square">
+                <a:spAutoFit/>
+              </a:bodyPr>
+              <a:lstStyle/>
+              <a:p>
+                <a:pPr algn="ctr"/>
+                <a:r>
+                  <a:rPr lang="en-US" sz="1200" dirty="0"/>
+                  <a:t>Initiated:</a:t>
+                </a:r>
+                <a:r>
+                  <a:rPr lang="en-GB" sz="1200" b="0" dirty="0"/>
+                  <a:t> </a:t>
+                </a:r>
+                <a14:m>
+                  <m:oMath xmlns:m="http://schemas.openxmlformats.org/officeDocument/2006/math">
+                    <m:sSub>
+                      <m:sSubPr>
+                        <m:ctrlPr>
+                          <a:rPr lang="en-GB" sz="1200" b="0" i="1" smtClean="0">
+                            <a:latin typeface="Cambria Math" panose="02040503050406030204" pitchFamily="18" charset="0"/>
+                          </a:rPr>
+                        </m:ctrlPr>
+                      </m:sSubPr>
+                      <m:e>
+                        <m:r>
+                          <a:rPr lang="en-GB" sz="1200" b="0" i="1" smtClean="0">
+                            <a:latin typeface="Cambria Math" panose="02040503050406030204" pitchFamily="18" charset="0"/>
+                          </a:rPr>
+                          <m:t>𝑃</m:t>
+                        </m:r>
+                      </m:e>
+                      <m:sub>
+                        <m:r>
+                          <a:rPr lang="en-GB" sz="1200" b="0" i="1" smtClean="0">
+                            <a:latin typeface="Cambria Math" panose="02040503050406030204" pitchFamily="18" charset="0"/>
+                          </a:rPr>
+                          <m:t>5</m:t>
+                        </m:r>
+                      </m:sub>
+                    </m:sSub>
+                  </m:oMath>
+                </a14:m>
+                <a:r>
+                  <a:rPr lang="en-US" sz="1200" dirty="0"/>
+                  <a:t> </a:t>
+                </a:r>
+              </a:p>
+            </p:txBody>
+          </p:sp>
+        </mc:Choice>
+        <mc:Fallback>
+          <p:sp>
+            <p:nvSpPr>
+              <p:cNvPr id="613" name="TextBox 612">
+                <a:extLst>
+                  <a:ext uri="{FF2B5EF4-FFF2-40B4-BE49-F238E27FC236}">
+                    <a16:creationId xmlns:a16="http://schemas.microsoft.com/office/drawing/2014/main" id="{B4CB8C9F-F4A4-8A32-A1EB-E10F6DA9805A}"/>
+                  </a:ext>
+                </a:extLst>
+              </p:cNvPr>
+              <p:cNvSpPr txBox="1">
+                <a:spLocks noRot="1" noChangeAspect="1" noMove="1" noResize="1" noEditPoints="1" noAdjustHandles="1" noChangeArrowheads="1" noChangeShapeType="1" noTextEdit="1"/>
+              </p:cNvSpPr>
+              <p:nvPr/>
+            </p:nvSpPr>
+            <p:spPr>
+              <a:xfrm>
+                <a:off x="9156061" y="316249"/>
+                <a:ext cx="977515" cy="276999"/>
+              </a:xfrm>
+              <a:prstGeom prst="rect">
+                <a:avLst/>
+              </a:prstGeom>
+              <a:blipFill>
+                <a:blip r:embed="rId8"/>
+                <a:stretch>
+                  <a:fillRect t="-2222" b="-17778"/>
+                </a:stretch>
+              </a:blipFill>
+            </p:spPr>
+            <p:txBody>
+              <a:bodyPr/>
+              <a:lstStyle/>
+              <a:p>
+                <a:r>
+                  <a:rPr lang="en-GB">
+                    <a:noFill/>
+                  </a:rPr>
+                  <a:t> </a:t>
+                </a:r>
+              </a:p>
+            </p:txBody>
+          </p:sp>
+        </mc:Fallback>
+      </mc:AlternateContent>
+      <mc:AlternateContent xmlns:mc="http://schemas.openxmlformats.org/markup-compatibility/2006">
+        <mc:Choice xmlns:a14="http://schemas.microsoft.com/office/drawing/2010/main" Requires="a14">
+          <p:sp>
+            <p:nvSpPr>
+              <p:cNvPr id="614" name="TextBox 613">
+                <a:extLst>
+                  <a:ext uri="{FF2B5EF4-FFF2-40B4-BE49-F238E27FC236}">
+                    <a16:creationId xmlns:a16="http://schemas.microsoft.com/office/drawing/2014/main" id="{1DA579F7-F467-0890-D593-8732E8ECF247}"/>
+                  </a:ext>
+                </a:extLst>
+              </p:cNvPr>
+              <p:cNvSpPr txBox="1"/>
+              <p:nvPr/>
+            </p:nvSpPr>
+            <p:spPr>
+              <a:xfrm>
+                <a:off x="9058775" y="1397823"/>
+                <a:ext cx="598132" cy="276999"/>
+              </a:xfrm>
+              <a:prstGeom prst="rect">
+                <a:avLst/>
+              </a:prstGeom>
+              <a:noFill/>
+            </p:spPr>
+            <p:txBody>
+              <a:bodyPr wrap="square">
+                <a:spAutoFit/>
+              </a:bodyPr>
+              <a:lstStyle/>
+              <a:p>
+                <a:pPr algn="ctr"/>
+                <a14:m>
+                  <m:oMathPara xmlns:m="http://schemas.openxmlformats.org/officeDocument/2006/math">
+                    <m:oMathParaPr>
+                      <m:jc m:val="centerGroup"/>
+                    </m:oMathParaPr>
+                    <m:oMath xmlns:m="http://schemas.openxmlformats.org/officeDocument/2006/math">
+                      <m:sSub>
+                        <m:sSubPr>
+                          <m:ctrlPr>
+                            <a:rPr lang="en-GB" sz="1200" b="0" i="1" smtClean="0">
+                              <a:latin typeface="Cambria Math" panose="02040503050406030204" pitchFamily="18" charset="0"/>
+                            </a:rPr>
+                          </m:ctrlPr>
+                        </m:sSubPr>
+                        <m:e>
+                          <m:r>
+                            <a:rPr lang="en-GB" sz="1200" b="0" i="1" smtClean="0">
+                              <a:latin typeface="Cambria Math" panose="02040503050406030204" pitchFamily="18" charset="0"/>
+                            </a:rPr>
+                            <m:t>1−</m:t>
+                          </m:r>
+                          <m:r>
+                            <a:rPr lang="en-GB" sz="1200" b="0" i="1" smtClean="0">
+                              <a:latin typeface="Cambria Math" panose="02040503050406030204" pitchFamily="18" charset="0"/>
+                            </a:rPr>
+                            <m:t>𝑃</m:t>
+                          </m:r>
+                        </m:e>
+                        <m:sub>
+                          <m:r>
+                            <a:rPr lang="en-GB" sz="1200" b="0" i="1" smtClean="0">
+                              <a:latin typeface="Cambria Math" panose="02040503050406030204" pitchFamily="18" charset="0"/>
+                            </a:rPr>
+                            <m:t>5</m:t>
+                          </m:r>
+                        </m:sub>
+                      </m:sSub>
+                    </m:oMath>
+                  </m:oMathPara>
+                </a14:m>
+                <a:endParaRPr lang="en-US" sz="1200" dirty="0"/>
+              </a:p>
+            </p:txBody>
+          </p:sp>
+        </mc:Choice>
+        <mc:Fallback>
+          <p:sp>
+            <p:nvSpPr>
+              <p:cNvPr id="614" name="TextBox 613">
+                <a:extLst>
+                  <a:ext uri="{FF2B5EF4-FFF2-40B4-BE49-F238E27FC236}">
+                    <a16:creationId xmlns:a16="http://schemas.microsoft.com/office/drawing/2014/main" id="{1DA579F7-F467-0890-D593-8732E8ECF247}"/>
+                  </a:ext>
+                </a:extLst>
+              </p:cNvPr>
+              <p:cNvSpPr txBox="1">
+                <a:spLocks noRot="1" noChangeAspect="1" noMove="1" noResize="1" noEditPoints="1" noAdjustHandles="1" noChangeArrowheads="1" noChangeShapeType="1" noTextEdit="1"/>
+              </p:cNvSpPr>
+              <p:nvPr/>
+            </p:nvSpPr>
+            <p:spPr>
+              <a:xfrm>
+                <a:off x="9058775" y="1397823"/>
+                <a:ext cx="598132" cy="276999"/>
+              </a:xfrm>
+              <a:prstGeom prst="rect">
+                <a:avLst/>
+              </a:prstGeom>
+              <a:blipFill>
+                <a:blip r:embed="rId9"/>
+                <a:stretch>
+                  <a:fillRect/>
+                </a:stretch>
+              </a:blipFill>
+            </p:spPr>
+            <p:txBody>
+              <a:bodyPr/>
+              <a:lstStyle/>
+              <a:p>
+                <a:r>
+                  <a:rPr lang="en-GB">
+                    <a:noFill/>
+                  </a:rPr>
+                  <a:t> </a:t>
+                </a:r>
+              </a:p>
+            </p:txBody>
+          </p:sp>
+        </mc:Fallback>
+      </mc:AlternateContent>
+      <p:cxnSp>
+        <p:nvCxnSpPr>
+          <p:cNvPr id="9" name="Connector: Elbow 8">
+            <a:extLst>
+              <a:ext uri="{FF2B5EF4-FFF2-40B4-BE49-F238E27FC236}">
+                <a16:creationId xmlns:a16="http://schemas.microsoft.com/office/drawing/2014/main" id="{B7987024-C2CB-FC7B-A558-AD072A45D501}"/>
+              </a:ext>
+            </a:extLst>
+          </p:cNvPr>
+          <p:cNvCxnSpPr>
+            <a:cxnSpLocks/>
+          </p:cNvCxnSpPr>
+          <p:nvPr/>
+        </p:nvCxnSpPr>
+        <p:spPr>
+          <a:xfrm rot="16200000" flipH="1">
+            <a:off x="4720311" y="638239"/>
+            <a:ext cx="1052198" cy="1547477"/>
+          </a:xfrm>
+          <a:prstGeom prst="bentConnector2">
+            <a:avLst/>
+          </a:prstGeom>
+          <a:ln>
+            <a:tailEnd type="triangle"/>
+          </a:ln>
+        </p:spPr>
+        <p:style>
+          <a:lnRef idx="1">
+            <a:schemeClr val="accent2"/>
+          </a:lnRef>
+          <a:fillRef idx="0">
+            <a:schemeClr val="accent2"/>
+          </a:fillRef>
+          <a:effectRef idx="0">
+            <a:schemeClr val="accent2"/>
+          </a:effectRef>
+          <a:fontRef idx="minor">
+            <a:schemeClr val="tx1"/>
+          </a:fontRef>
+        </p:style>
+      </p:cxnSp>
+      <p:cxnSp>
+        <p:nvCxnSpPr>
+          <p:cNvPr id="24" name="Connector: Elbow 23">
+            <a:extLst>
+              <a:ext uri="{FF2B5EF4-FFF2-40B4-BE49-F238E27FC236}">
+                <a16:creationId xmlns:a16="http://schemas.microsoft.com/office/drawing/2014/main" id="{1E07F909-E4AD-465C-F9FC-C9392A0825DD}"/>
+              </a:ext>
+            </a:extLst>
+          </p:cNvPr>
+          <p:cNvCxnSpPr>
+            <a:stCxn id="6" idx="2"/>
+            <a:endCxn id="5" idx="1"/>
+          </p:cNvCxnSpPr>
+          <p:nvPr/>
+        </p:nvCxnSpPr>
+        <p:spPr>
+          <a:xfrm rot="16200000" flipH="1">
+            <a:off x="3842031" y="-240041"/>
+            <a:ext cx="1052198" cy="3304035"/>
+          </a:xfrm>
+          <a:prstGeom prst="bentConnector2">
+            <a:avLst/>
+          </a:prstGeom>
+          <a:ln>
+            <a:tailEnd type="triangle"/>
+          </a:ln>
+        </p:spPr>
+        <p:style>
+          <a:lnRef idx="1">
+            <a:schemeClr val="accent2"/>
+          </a:lnRef>
+          <a:fillRef idx="0">
+            <a:schemeClr val="accent2"/>
+          </a:fillRef>
+          <a:effectRef idx="0">
+            <a:schemeClr val="accent2"/>
+          </a:effectRef>
+          <a:fontRef idx="minor">
+            <a:schemeClr val="tx1"/>
+          </a:fontRef>
+        </p:style>
+      </p:cxnSp>
+      <mc:AlternateContent xmlns:mc="http://schemas.openxmlformats.org/markup-compatibility/2006">
+        <mc:Choice xmlns:a14="http://schemas.microsoft.com/office/drawing/2010/main" Requires="a14">
+          <p:sp>
+            <p:nvSpPr>
+              <p:cNvPr id="27" name="TextBox 26">
+                <a:extLst>
+                  <a:ext uri="{FF2B5EF4-FFF2-40B4-BE49-F238E27FC236}">
+                    <a16:creationId xmlns:a16="http://schemas.microsoft.com/office/drawing/2014/main" id="{EEDD671E-C112-E1E0-9E89-3419B51C6AD3}"/>
+                  </a:ext>
+                </a:extLst>
+              </p:cNvPr>
+              <p:cNvSpPr txBox="1"/>
+              <p:nvPr/>
+            </p:nvSpPr>
+            <p:spPr>
+              <a:xfrm>
+                <a:off x="2716112" y="1996077"/>
+                <a:ext cx="2060395" cy="276999"/>
+              </a:xfrm>
+              <a:prstGeom prst="rect">
+                <a:avLst/>
+              </a:prstGeom>
+              <a:noFill/>
+            </p:spPr>
+            <p:txBody>
+              <a:bodyPr wrap="square">
+                <a:spAutoFit/>
+              </a:bodyPr>
+              <a:lstStyle/>
+              <a:p>
+                <a:r>
+                  <a:rPr lang="en-US" sz="1200" dirty="0"/>
+                  <a:t>Test unavailable: </a:t>
+                </a:r>
+                <a14:m>
+                  <m:oMath xmlns:m="http://schemas.openxmlformats.org/officeDocument/2006/math">
+                    <m:r>
+                      <a:rPr lang="en-US" sz="1200" i="1" dirty="0" smtClean="0">
+                        <a:latin typeface="Cambria Math" panose="02040503050406030204" pitchFamily="18" charset="0"/>
+                      </a:rPr>
+                      <m:t>(1−</m:t>
+                    </m:r>
+                    <m:sSub>
+                      <m:sSubPr>
+                        <m:ctrlPr>
+                          <a:rPr lang="en-GB" sz="1200" b="0" i="1" dirty="0" smtClean="0">
+                            <a:latin typeface="Cambria Math" panose="02040503050406030204" pitchFamily="18" charset="0"/>
+                          </a:rPr>
+                        </m:ctrlPr>
+                      </m:sSubPr>
+                      <m:e>
+                        <m:r>
+                          <a:rPr lang="en-US" sz="1200" i="1" dirty="0" smtClean="0">
+                            <a:latin typeface="Cambria Math" panose="02040503050406030204" pitchFamily="18" charset="0"/>
+                          </a:rPr>
+                          <m:t>𝑃</m:t>
+                        </m:r>
+                      </m:e>
+                      <m:sub>
+                        <m:r>
+                          <a:rPr lang="en-GB" sz="1200" b="0" i="1" dirty="0" smtClean="0">
+                            <a:latin typeface="Cambria Math" panose="02040503050406030204" pitchFamily="18" charset="0"/>
+                          </a:rPr>
+                          <m:t>2</m:t>
+                        </m:r>
+                      </m:sub>
+                    </m:sSub>
+                    <m:r>
+                      <a:rPr lang="en-US" sz="1200" i="1" dirty="0" smtClean="0">
+                        <a:latin typeface="Cambria Math" panose="02040503050406030204" pitchFamily="18" charset="0"/>
+                      </a:rPr>
+                      <m:t>)</m:t>
+                    </m:r>
+                  </m:oMath>
+                </a14:m>
+                <a:endParaRPr lang="en-US" sz="1200" dirty="0"/>
+              </a:p>
+            </p:txBody>
+          </p:sp>
+        </mc:Choice>
+        <mc:Fallback>
+          <p:sp>
+            <p:nvSpPr>
+              <p:cNvPr id="27" name="TextBox 26">
+                <a:extLst>
+                  <a:ext uri="{FF2B5EF4-FFF2-40B4-BE49-F238E27FC236}">
+                    <a16:creationId xmlns:a16="http://schemas.microsoft.com/office/drawing/2014/main" id="{EEDD671E-C112-E1E0-9E89-3419B51C6AD3}"/>
+                  </a:ext>
+                </a:extLst>
+              </p:cNvPr>
+              <p:cNvSpPr txBox="1">
+                <a:spLocks noRot="1" noChangeAspect="1" noMove="1" noResize="1" noEditPoints="1" noAdjustHandles="1" noChangeArrowheads="1" noChangeShapeType="1" noTextEdit="1"/>
+              </p:cNvSpPr>
+              <p:nvPr/>
+            </p:nvSpPr>
+            <p:spPr>
+              <a:xfrm>
+                <a:off x="2716112" y="1996077"/>
+                <a:ext cx="2060395" cy="276999"/>
+              </a:xfrm>
+              <a:prstGeom prst="rect">
+                <a:avLst/>
+              </a:prstGeom>
+              <a:blipFill>
+                <a:blip r:embed="rId10"/>
+                <a:stretch>
+                  <a:fillRect l="-296" b="-15217"/>
+                </a:stretch>
+              </a:blipFill>
+            </p:spPr>
+            <p:txBody>
+              <a:bodyPr/>
+              <a:lstStyle/>
+              <a:p>
+                <a:r>
+                  <a:rPr lang="en-GB">
+                    <a:noFill/>
+                  </a:rPr>
+                  <a:t> </a:t>
+                </a:r>
+              </a:p>
+            </p:txBody>
+          </p:sp>
+        </mc:Fallback>
+      </mc:AlternateContent>
+      <p:cxnSp>
+        <p:nvCxnSpPr>
+          <p:cNvPr id="33" name="Connector: Elbow 32">
+            <a:extLst>
+              <a:ext uri="{FF2B5EF4-FFF2-40B4-BE49-F238E27FC236}">
+                <a16:creationId xmlns:a16="http://schemas.microsoft.com/office/drawing/2014/main" id="{465964A7-E615-E6E5-B3B2-E14E8E3749BA}"/>
+              </a:ext>
+            </a:extLst>
+          </p:cNvPr>
+          <p:cNvCxnSpPr>
+            <a:stCxn id="4" idx="2"/>
+            <a:endCxn id="13" idx="1"/>
+          </p:cNvCxnSpPr>
+          <p:nvPr/>
+        </p:nvCxnSpPr>
+        <p:spPr>
+          <a:xfrm rot="16200000" flipH="1">
+            <a:off x="4620275" y="-2621693"/>
+            <a:ext cx="2051356" cy="9079701"/>
+          </a:xfrm>
+          <a:prstGeom prst="bentConnector2">
+            <a:avLst/>
+          </a:prstGeom>
+          <a:ln>
+            <a:tailEnd type="triangle"/>
+          </a:ln>
+        </p:spPr>
+        <p:style>
+          <a:lnRef idx="1">
+            <a:schemeClr val="accent2"/>
+          </a:lnRef>
+          <a:fillRef idx="0">
+            <a:schemeClr val="accent2"/>
+          </a:fillRef>
+          <a:effectRef idx="0">
+            <a:schemeClr val="accent2"/>
+          </a:effectRef>
+          <a:fontRef idx="minor">
+            <a:schemeClr val="tx1"/>
+          </a:fontRef>
+        </p:style>
+      </p:cxnSp>
+      <mc:AlternateContent xmlns:mc="http://schemas.openxmlformats.org/markup-compatibility/2006">
+        <mc:Choice xmlns:a14="http://schemas.microsoft.com/office/drawing/2010/main" Requires="a14">
+          <p:sp>
+            <p:nvSpPr>
+              <p:cNvPr id="41" name="TextBox 40">
+                <a:extLst>
+                  <a:ext uri="{FF2B5EF4-FFF2-40B4-BE49-F238E27FC236}">
+                    <a16:creationId xmlns:a16="http://schemas.microsoft.com/office/drawing/2014/main" id="{BCB3E9E4-3E78-70FD-EB34-7EB97A5EAD55}"/>
+                  </a:ext>
+                </a:extLst>
+              </p:cNvPr>
+              <p:cNvSpPr txBox="1"/>
+              <p:nvPr/>
+            </p:nvSpPr>
+            <p:spPr>
+              <a:xfrm>
+                <a:off x="7336239" y="1857577"/>
+                <a:ext cx="1544293" cy="276999"/>
+              </a:xfrm>
+              <a:prstGeom prst="rect">
+                <a:avLst/>
+              </a:prstGeom>
+              <a:noFill/>
+            </p:spPr>
+            <p:txBody>
+              <a:bodyPr wrap="square">
+                <a:spAutoFit/>
+              </a:bodyPr>
+              <a:lstStyle/>
+              <a:p>
+                <a:pPr algn="ctr"/>
+                <a:r>
+                  <a:rPr lang="en-US" sz="1200" dirty="0"/>
+                  <a:t>Test negative: </a:t>
+                </a:r>
+                <a14:m>
+                  <m:oMath xmlns:m="http://schemas.openxmlformats.org/officeDocument/2006/math">
+                    <m:sSub>
+                      <m:sSubPr>
+                        <m:ctrlPr>
+                          <a:rPr lang="en-GB" sz="1200" b="0" i="1" smtClean="0">
+                            <a:latin typeface="Cambria Math" panose="02040503050406030204" pitchFamily="18" charset="0"/>
+                          </a:rPr>
+                        </m:ctrlPr>
+                      </m:sSubPr>
+                      <m:e>
+                        <m:r>
+                          <a:rPr lang="en-GB" sz="1200" b="0" i="1" smtClean="0">
+                            <a:latin typeface="Cambria Math" panose="02040503050406030204" pitchFamily="18" charset="0"/>
+                          </a:rPr>
+                          <m:t>1−</m:t>
+                        </m:r>
+                        <m:r>
+                          <a:rPr lang="en-GB" sz="1200" b="0" i="1" smtClean="0">
+                            <a:latin typeface="Cambria Math" panose="02040503050406030204" pitchFamily="18" charset="0"/>
+                          </a:rPr>
+                          <m:t>𝑃</m:t>
+                        </m:r>
+                      </m:e>
+                      <m:sub>
+                        <m:r>
+                          <a:rPr lang="en-GB" sz="1200" b="0" i="1" smtClean="0">
+                            <a:latin typeface="Cambria Math" panose="02040503050406030204" pitchFamily="18" charset="0"/>
+                          </a:rPr>
+                          <m:t>4</m:t>
+                        </m:r>
+                      </m:sub>
+                    </m:sSub>
+                  </m:oMath>
+                </a14:m>
+                <a:endParaRPr lang="en-US" sz="1200" dirty="0"/>
+              </a:p>
+            </p:txBody>
+          </p:sp>
+        </mc:Choice>
+        <mc:Fallback>
+          <p:sp>
+            <p:nvSpPr>
+              <p:cNvPr id="41" name="TextBox 40">
+                <a:extLst>
+                  <a:ext uri="{FF2B5EF4-FFF2-40B4-BE49-F238E27FC236}">
+                    <a16:creationId xmlns:a16="http://schemas.microsoft.com/office/drawing/2014/main" id="{BCB3E9E4-3E78-70FD-EB34-7EB97A5EAD55}"/>
+                  </a:ext>
+                </a:extLst>
+              </p:cNvPr>
+              <p:cNvSpPr txBox="1">
+                <a:spLocks noRot="1" noChangeAspect="1" noMove="1" noResize="1" noEditPoints="1" noAdjustHandles="1" noChangeArrowheads="1" noChangeShapeType="1" noTextEdit="1"/>
+              </p:cNvSpPr>
+              <p:nvPr/>
+            </p:nvSpPr>
+            <p:spPr>
+              <a:xfrm>
+                <a:off x="7336239" y="1857577"/>
+                <a:ext cx="1544293" cy="276999"/>
+              </a:xfrm>
+              <a:prstGeom prst="rect">
+                <a:avLst/>
+              </a:prstGeom>
+              <a:blipFill>
+                <a:blip r:embed="rId11"/>
+                <a:stretch>
+                  <a:fillRect t="-2222" b="-17778"/>
+                </a:stretch>
+              </a:blipFill>
+            </p:spPr>
+            <p:txBody>
+              <a:bodyPr/>
+              <a:lstStyle/>
+              <a:p>
+                <a:r>
+                  <a:rPr lang="en-GB">
+                    <a:noFill/>
+                  </a:rPr>
+                  <a:t> </a:t>
+                </a:r>
+              </a:p>
+            </p:txBody>
+          </p:sp>
+        </mc:Fallback>
+      </mc:AlternateContent>
+      <p:cxnSp>
+        <p:nvCxnSpPr>
+          <p:cNvPr id="50" name="Connector: Elbow 49">
+            <a:extLst>
+              <a:ext uri="{FF2B5EF4-FFF2-40B4-BE49-F238E27FC236}">
+                <a16:creationId xmlns:a16="http://schemas.microsoft.com/office/drawing/2014/main" id="{5553F07D-D065-F791-105D-36A1FE8B3F63}"/>
+              </a:ext>
+            </a:extLst>
+          </p:cNvPr>
+          <p:cNvCxnSpPr>
+            <a:cxnSpLocks/>
+            <a:stCxn id="469" idx="2"/>
+            <a:endCxn id="16" idx="1"/>
+          </p:cNvCxnSpPr>
+          <p:nvPr/>
+        </p:nvCxnSpPr>
+        <p:spPr>
+          <a:xfrm rot="16200000" flipH="1">
+            <a:off x="8968262" y="548468"/>
+            <a:ext cx="880134" cy="1554952"/>
+          </a:xfrm>
+          <a:prstGeom prst="bentConnector2">
+            <a:avLst/>
+          </a:prstGeom>
+          <a:ln>
+            <a:tailEnd type="triangle"/>
+          </a:ln>
+        </p:spPr>
+        <p:style>
+          <a:lnRef idx="1">
+            <a:schemeClr val="accent2"/>
+          </a:lnRef>
+          <a:fillRef idx="0">
+            <a:schemeClr val="accent2"/>
+          </a:fillRef>
+          <a:effectRef idx="0">
+            <a:schemeClr val="accent2"/>
+          </a:effectRef>
+          <a:fontRef idx="minor">
+            <a:schemeClr val="tx1"/>
+          </a:fontRef>
+        </p:style>
+      </p:cxnSp>
+    </p:spTree>
+    <p:extLst>
+      <p:ext uri="{BB962C8B-B14F-4D97-AF65-F5344CB8AC3E}">
+        <p14:creationId xmlns:p14="http://schemas.microsoft.com/office/powerpoint/2010/main" val="1851984210"/>
+      </p:ext>
+    </p:extLst>
+  </p:cSld>
+  <p:clrMapOvr>
+    <a:masterClrMapping/>
+  </p:clrMapOvr>
+</p:sld>
+</file>
+
+<file path=ppt/slides/slide31.xml><?xml version="1.0" encoding="utf-8"?>
+<p:sld xmlns:a="http://schemas.openxmlformats.org/drawingml/2006/main" xmlns:r="http://schemas.openxmlformats.org/officeDocument/2006/relationships" xmlns:p="http://schemas.openxmlformats.org/presentationml/2006/main">
+  <p:cSld>
+    <p:spTree>
+      <p:nvGrpSpPr>
+        <p:cNvPr id="1" name=""/>
+        <p:cNvGrpSpPr/>
+        <p:nvPr/>
+      </p:nvGrpSpPr>
+      <p:grpSpPr>
+        <a:xfrm>
+          <a:off x="0" y="0"/>
+          <a:ext cx="0" cy="0"/>
+          <a:chOff x="0" y="0"/>
+          <a:chExt cx="0" cy="0"/>
+        </a:xfrm>
+      </p:grpSpPr>
+      <p:sp>
+        <p:nvSpPr>
+          <p:cNvPr id="37" name="Rectangle 36">
+            <a:extLst>
+              <a:ext uri="{FF2B5EF4-FFF2-40B4-BE49-F238E27FC236}">
+                <a16:creationId xmlns:a16="http://schemas.microsoft.com/office/drawing/2014/main" id="{ADC98A57-F1FB-C6CD-F8E2-53025C8007C7}"/>
+              </a:ext>
+            </a:extLst>
+          </p:cNvPr>
+          <p:cNvSpPr/>
+          <p:nvPr/>
+        </p:nvSpPr>
+        <p:spPr>
+          <a:xfrm>
+            <a:off x="1509989" y="1540924"/>
+            <a:ext cx="9172021" cy="4599096"/>
+          </a:xfrm>
+          <a:prstGeom prst="rect">
+            <a:avLst/>
+          </a:prstGeom>
+          <a:noFill/>
+        </p:spPr>
+        <p:style>
+          <a:lnRef idx="2">
+            <a:schemeClr val="accent1"/>
+          </a:lnRef>
+          <a:fillRef idx="1">
+            <a:schemeClr val="lt1"/>
+          </a:fillRef>
+          <a:effectRef idx="0">
+            <a:schemeClr val="accent1"/>
+          </a:effectRef>
+          <a:fontRef idx="minor">
+            <a:schemeClr val="dk1"/>
+          </a:fontRef>
+        </p:style>
+        <p:txBody>
+          <a:bodyPr rtlCol="0" anchor="ctr"/>
+          <a:lstStyle/>
+          <a:p>
+            <a:pPr algn="ctr"/>
+            <a:endParaRPr lang="en-GB"/>
+          </a:p>
+        </p:txBody>
+      </p:sp>
+      <p:sp>
+        <p:nvSpPr>
+          <p:cNvPr id="448" name="Rectangle 447">
+            <a:extLst>
+              <a:ext uri="{FF2B5EF4-FFF2-40B4-BE49-F238E27FC236}">
+                <a16:creationId xmlns:a16="http://schemas.microsoft.com/office/drawing/2014/main" id="{1491C2DC-798F-9D2B-57CC-F2C38D52D5BD}"/>
+              </a:ext>
+            </a:extLst>
+          </p:cNvPr>
+          <p:cNvSpPr/>
+          <p:nvPr/>
+        </p:nvSpPr>
+        <p:spPr>
+          <a:xfrm>
+            <a:off x="1276321" y="1085240"/>
+            <a:ext cx="1210733" cy="617966"/>
+          </a:xfrm>
+          <a:prstGeom prst="rect">
+            <a:avLst/>
+          </a:prstGeom>
+        </p:spPr>
+        <p:style>
+          <a:lnRef idx="2">
+            <a:schemeClr val="accent1">
+              <a:shade val="15000"/>
+            </a:schemeClr>
+          </a:lnRef>
+          <a:fillRef idx="1">
+            <a:schemeClr val="accent1"/>
+          </a:fillRef>
+          <a:effectRef idx="0">
+            <a:schemeClr val="accent1"/>
+          </a:effectRef>
+          <a:fontRef idx="minor">
+            <a:schemeClr val="lt1"/>
+          </a:fontRef>
+        </p:style>
+        <p:txBody>
+          <a:bodyPr rtlCol="0" anchor="ctr"/>
+          <a:lstStyle>
+            <a:defPPr>
+              <a:defRPr lang="en-US"/>
+            </a:defPPr>
+            <a:lvl1pPr marL="0" algn="l" defTabSz="914400" rtl="0" eaLnBrk="1" latinLnBrk="0" hangingPunct="1">
+              <a:defRPr sz="1800" kern="1200">
+                <a:solidFill>
+                  <a:schemeClr val="lt1"/>
+                </a:solidFill>
+                <a:latin typeface="+mn-lt"/>
+                <a:ea typeface="+mn-ea"/>
+                <a:cs typeface="+mn-cs"/>
+              </a:defRPr>
+            </a:lvl1pPr>
+            <a:lvl2pPr marL="457200" algn="l" defTabSz="914400" rtl="0" eaLnBrk="1" latinLnBrk="0" hangingPunct="1">
+              <a:defRPr sz="1800" kern="1200">
+                <a:solidFill>
+                  <a:schemeClr val="lt1"/>
+                </a:solidFill>
+                <a:latin typeface="+mn-lt"/>
+                <a:ea typeface="+mn-ea"/>
+                <a:cs typeface="+mn-cs"/>
+              </a:defRPr>
+            </a:lvl2pPr>
+            <a:lvl3pPr marL="914400" algn="l" defTabSz="914400" rtl="0" eaLnBrk="1" latinLnBrk="0" hangingPunct="1">
+              <a:defRPr sz="1800" kern="1200">
+                <a:solidFill>
+                  <a:schemeClr val="lt1"/>
+                </a:solidFill>
+                <a:latin typeface="+mn-lt"/>
+                <a:ea typeface="+mn-ea"/>
+                <a:cs typeface="+mn-cs"/>
+              </a:defRPr>
+            </a:lvl3pPr>
+            <a:lvl4pPr marL="1371600" algn="l" defTabSz="914400" rtl="0" eaLnBrk="1" latinLnBrk="0" hangingPunct="1">
+              <a:defRPr sz="1800" kern="1200">
+                <a:solidFill>
+                  <a:schemeClr val="lt1"/>
+                </a:solidFill>
+                <a:latin typeface="+mn-lt"/>
+                <a:ea typeface="+mn-ea"/>
+                <a:cs typeface="+mn-cs"/>
+              </a:defRPr>
+            </a:lvl4pPr>
+            <a:lvl5pPr marL="1828800" algn="l" defTabSz="914400" rtl="0" eaLnBrk="1" latinLnBrk="0" hangingPunct="1">
+              <a:defRPr sz="1800" kern="1200">
+                <a:solidFill>
+                  <a:schemeClr val="lt1"/>
+                </a:solidFill>
+                <a:latin typeface="+mn-lt"/>
+                <a:ea typeface="+mn-ea"/>
+                <a:cs typeface="+mn-cs"/>
+              </a:defRPr>
+            </a:lvl5pPr>
+            <a:lvl6pPr marL="2286000" algn="l" defTabSz="914400" rtl="0" eaLnBrk="1" latinLnBrk="0" hangingPunct="1">
+              <a:defRPr sz="1800" kern="1200">
+                <a:solidFill>
+                  <a:schemeClr val="lt1"/>
+                </a:solidFill>
+                <a:latin typeface="+mn-lt"/>
+                <a:ea typeface="+mn-ea"/>
+                <a:cs typeface="+mn-cs"/>
+              </a:defRPr>
+            </a:lvl6pPr>
+            <a:lvl7pPr marL="2743200" algn="l" defTabSz="914400" rtl="0" eaLnBrk="1" latinLnBrk="0" hangingPunct="1">
+              <a:defRPr sz="1800" kern="1200">
+                <a:solidFill>
+                  <a:schemeClr val="lt1"/>
+                </a:solidFill>
+                <a:latin typeface="+mn-lt"/>
+                <a:ea typeface="+mn-ea"/>
+                <a:cs typeface="+mn-cs"/>
+              </a:defRPr>
+            </a:lvl7pPr>
+            <a:lvl8pPr marL="3200400" algn="l" defTabSz="914400" rtl="0" eaLnBrk="1" latinLnBrk="0" hangingPunct="1">
+              <a:defRPr sz="1800" kern="1200">
+                <a:solidFill>
+                  <a:schemeClr val="lt1"/>
+                </a:solidFill>
+                <a:latin typeface="+mn-lt"/>
+                <a:ea typeface="+mn-ea"/>
+                <a:cs typeface="+mn-cs"/>
+              </a:defRPr>
+            </a:lvl8pPr>
+            <a:lvl9pPr marL="3657600" algn="l" defTabSz="914400" rtl="0" eaLnBrk="1" latinLnBrk="0" hangingPunct="1">
+              <a:defRPr sz="1800" kern="1200">
+                <a:solidFill>
+                  <a:schemeClr val="lt1"/>
+                </a:solidFill>
+                <a:latin typeface="+mn-lt"/>
+                <a:ea typeface="+mn-ea"/>
+                <a:cs typeface="+mn-cs"/>
+              </a:defRPr>
+            </a:lvl9pPr>
+          </a:lstStyle>
+          <a:p>
+            <a:pPr algn="ctr"/>
+            <a:r>
+              <a:rPr lang="en-GB" sz="1200" dirty="0"/>
+              <a:t>Microbiological test</a:t>
+            </a:r>
+            <a:endParaRPr lang="en-US" sz="1200" dirty="0"/>
+          </a:p>
+        </p:txBody>
+      </p:sp>
+      <p:sp>
+        <p:nvSpPr>
+          <p:cNvPr id="449" name="Rectangle 448">
+            <a:extLst>
+              <a:ext uri="{FF2B5EF4-FFF2-40B4-BE49-F238E27FC236}">
+                <a16:creationId xmlns:a16="http://schemas.microsoft.com/office/drawing/2014/main" id="{4AEF7BF0-FECB-D72E-3A3C-952E8BD00BDC}"/>
+              </a:ext>
+            </a:extLst>
+          </p:cNvPr>
+          <p:cNvSpPr/>
+          <p:nvPr/>
+        </p:nvSpPr>
+        <p:spPr>
+          <a:xfrm>
+            <a:off x="1232576" y="1127853"/>
+            <a:ext cx="1210733" cy="617966"/>
+          </a:xfrm>
+          <a:prstGeom prst="rect">
+            <a:avLst/>
+          </a:prstGeom>
+        </p:spPr>
+        <p:style>
+          <a:lnRef idx="2">
+            <a:schemeClr val="accent1">
+              <a:shade val="15000"/>
+            </a:schemeClr>
+          </a:lnRef>
+          <a:fillRef idx="1">
+            <a:schemeClr val="accent1"/>
+          </a:fillRef>
+          <a:effectRef idx="0">
+            <a:schemeClr val="accent1"/>
+          </a:effectRef>
+          <a:fontRef idx="minor">
+            <a:schemeClr val="lt1"/>
+          </a:fontRef>
+        </p:style>
+        <p:txBody>
+          <a:bodyPr rtlCol="0" anchor="ctr"/>
+          <a:lstStyle>
+            <a:defPPr>
+              <a:defRPr lang="en-US"/>
+            </a:defPPr>
+            <a:lvl1pPr marL="0" algn="l" defTabSz="914400" rtl="0" eaLnBrk="1" latinLnBrk="0" hangingPunct="1">
+              <a:defRPr sz="1800" kern="1200">
+                <a:solidFill>
+                  <a:schemeClr val="lt1"/>
+                </a:solidFill>
+                <a:latin typeface="+mn-lt"/>
+                <a:ea typeface="+mn-ea"/>
+                <a:cs typeface="+mn-cs"/>
+              </a:defRPr>
+            </a:lvl1pPr>
+            <a:lvl2pPr marL="457200" algn="l" defTabSz="914400" rtl="0" eaLnBrk="1" latinLnBrk="0" hangingPunct="1">
+              <a:defRPr sz="1800" kern="1200">
+                <a:solidFill>
+                  <a:schemeClr val="lt1"/>
+                </a:solidFill>
+                <a:latin typeface="+mn-lt"/>
+                <a:ea typeface="+mn-ea"/>
+                <a:cs typeface="+mn-cs"/>
+              </a:defRPr>
+            </a:lvl2pPr>
+            <a:lvl3pPr marL="914400" algn="l" defTabSz="914400" rtl="0" eaLnBrk="1" latinLnBrk="0" hangingPunct="1">
+              <a:defRPr sz="1800" kern="1200">
+                <a:solidFill>
+                  <a:schemeClr val="lt1"/>
+                </a:solidFill>
+                <a:latin typeface="+mn-lt"/>
+                <a:ea typeface="+mn-ea"/>
+                <a:cs typeface="+mn-cs"/>
+              </a:defRPr>
+            </a:lvl3pPr>
+            <a:lvl4pPr marL="1371600" algn="l" defTabSz="914400" rtl="0" eaLnBrk="1" latinLnBrk="0" hangingPunct="1">
+              <a:defRPr sz="1800" kern="1200">
+                <a:solidFill>
+                  <a:schemeClr val="lt1"/>
+                </a:solidFill>
+                <a:latin typeface="+mn-lt"/>
+                <a:ea typeface="+mn-ea"/>
+                <a:cs typeface="+mn-cs"/>
+              </a:defRPr>
+            </a:lvl4pPr>
+            <a:lvl5pPr marL="1828800" algn="l" defTabSz="914400" rtl="0" eaLnBrk="1" latinLnBrk="0" hangingPunct="1">
+              <a:defRPr sz="1800" kern="1200">
+                <a:solidFill>
+                  <a:schemeClr val="lt1"/>
+                </a:solidFill>
+                <a:latin typeface="+mn-lt"/>
+                <a:ea typeface="+mn-ea"/>
+                <a:cs typeface="+mn-cs"/>
+              </a:defRPr>
+            </a:lvl5pPr>
+            <a:lvl6pPr marL="2286000" algn="l" defTabSz="914400" rtl="0" eaLnBrk="1" latinLnBrk="0" hangingPunct="1">
+              <a:defRPr sz="1800" kern="1200">
+                <a:solidFill>
+                  <a:schemeClr val="lt1"/>
+                </a:solidFill>
+                <a:latin typeface="+mn-lt"/>
+                <a:ea typeface="+mn-ea"/>
+                <a:cs typeface="+mn-cs"/>
+              </a:defRPr>
+            </a:lvl6pPr>
+            <a:lvl7pPr marL="2743200" algn="l" defTabSz="914400" rtl="0" eaLnBrk="1" latinLnBrk="0" hangingPunct="1">
+              <a:defRPr sz="1800" kern="1200">
+                <a:solidFill>
+                  <a:schemeClr val="lt1"/>
+                </a:solidFill>
+                <a:latin typeface="+mn-lt"/>
+                <a:ea typeface="+mn-ea"/>
+                <a:cs typeface="+mn-cs"/>
+              </a:defRPr>
+            </a:lvl7pPr>
+            <a:lvl8pPr marL="3200400" algn="l" defTabSz="914400" rtl="0" eaLnBrk="1" latinLnBrk="0" hangingPunct="1">
+              <a:defRPr sz="1800" kern="1200">
+                <a:solidFill>
+                  <a:schemeClr val="lt1"/>
+                </a:solidFill>
+                <a:latin typeface="+mn-lt"/>
+                <a:ea typeface="+mn-ea"/>
+                <a:cs typeface="+mn-cs"/>
+              </a:defRPr>
+            </a:lvl8pPr>
+            <a:lvl9pPr marL="3657600" algn="l" defTabSz="914400" rtl="0" eaLnBrk="1" latinLnBrk="0" hangingPunct="1">
+              <a:defRPr sz="1800" kern="1200">
+                <a:solidFill>
+                  <a:schemeClr val="lt1"/>
+                </a:solidFill>
+                <a:latin typeface="+mn-lt"/>
+                <a:ea typeface="+mn-ea"/>
+                <a:cs typeface="+mn-cs"/>
+              </a:defRPr>
+            </a:lvl9pPr>
+          </a:lstStyle>
+          <a:p>
+            <a:pPr algn="ctr"/>
+            <a:r>
+              <a:rPr lang="en-GB" sz="1200" dirty="0"/>
+              <a:t>Microbiological test</a:t>
+            </a:r>
+            <a:endParaRPr lang="en-US" sz="1200" dirty="0"/>
+          </a:p>
+        </p:txBody>
+      </p:sp>
+      <p:sp>
+        <p:nvSpPr>
+          <p:cNvPr id="450" name="Rectangle 449">
+            <a:extLst>
+              <a:ext uri="{FF2B5EF4-FFF2-40B4-BE49-F238E27FC236}">
+                <a16:creationId xmlns:a16="http://schemas.microsoft.com/office/drawing/2014/main" id="{51D1DF18-442C-2884-9489-F6B16149BEEB}"/>
+              </a:ext>
+            </a:extLst>
+          </p:cNvPr>
+          <p:cNvSpPr/>
+          <p:nvPr/>
+        </p:nvSpPr>
+        <p:spPr>
+          <a:xfrm>
+            <a:off x="1188831" y="1170466"/>
+            <a:ext cx="1210733" cy="617966"/>
+          </a:xfrm>
+          <a:prstGeom prst="rect">
+            <a:avLst/>
+          </a:prstGeom>
+        </p:spPr>
+        <p:style>
+          <a:lnRef idx="2">
+            <a:schemeClr val="accent1">
+              <a:shade val="15000"/>
+            </a:schemeClr>
+          </a:lnRef>
+          <a:fillRef idx="1">
+            <a:schemeClr val="accent1"/>
+          </a:fillRef>
+          <a:effectRef idx="0">
+            <a:schemeClr val="accent1"/>
+          </a:effectRef>
+          <a:fontRef idx="minor">
+            <a:schemeClr val="lt1"/>
+          </a:fontRef>
+        </p:style>
+        <p:txBody>
+          <a:bodyPr rtlCol="0" anchor="ctr"/>
+          <a:lstStyle>
+            <a:defPPr>
+              <a:defRPr lang="en-US"/>
+            </a:defPPr>
+            <a:lvl1pPr marL="0" algn="l" defTabSz="914400" rtl="0" eaLnBrk="1" latinLnBrk="0" hangingPunct="1">
+              <a:defRPr sz="1800" kern="1200">
+                <a:solidFill>
+                  <a:schemeClr val="lt1"/>
+                </a:solidFill>
+                <a:latin typeface="+mn-lt"/>
+                <a:ea typeface="+mn-ea"/>
+                <a:cs typeface="+mn-cs"/>
+              </a:defRPr>
+            </a:lvl1pPr>
+            <a:lvl2pPr marL="457200" algn="l" defTabSz="914400" rtl="0" eaLnBrk="1" latinLnBrk="0" hangingPunct="1">
+              <a:defRPr sz="1800" kern="1200">
+                <a:solidFill>
+                  <a:schemeClr val="lt1"/>
+                </a:solidFill>
+                <a:latin typeface="+mn-lt"/>
+                <a:ea typeface="+mn-ea"/>
+                <a:cs typeface="+mn-cs"/>
+              </a:defRPr>
+            </a:lvl2pPr>
+            <a:lvl3pPr marL="914400" algn="l" defTabSz="914400" rtl="0" eaLnBrk="1" latinLnBrk="0" hangingPunct="1">
+              <a:defRPr sz="1800" kern="1200">
+                <a:solidFill>
+                  <a:schemeClr val="lt1"/>
+                </a:solidFill>
+                <a:latin typeface="+mn-lt"/>
+                <a:ea typeface="+mn-ea"/>
+                <a:cs typeface="+mn-cs"/>
+              </a:defRPr>
+            </a:lvl3pPr>
+            <a:lvl4pPr marL="1371600" algn="l" defTabSz="914400" rtl="0" eaLnBrk="1" latinLnBrk="0" hangingPunct="1">
+              <a:defRPr sz="1800" kern="1200">
+                <a:solidFill>
+                  <a:schemeClr val="lt1"/>
+                </a:solidFill>
+                <a:latin typeface="+mn-lt"/>
+                <a:ea typeface="+mn-ea"/>
+                <a:cs typeface="+mn-cs"/>
+              </a:defRPr>
+            </a:lvl4pPr>
+            <a:lvl5pPr marL="1828800" algn="l" defTabSz="914400" rtl="0" eaLnBrk="1" latinLnBrk="0" hangingPunct="1">
+              <a:defRPr sz="1800" kern="1200">
+                <a:solidFill>
+                  <a:schemeClr val="lt1"/>
+                </a:solidFill>
+                <a:latin typeface="+mn-lt"/>
+                <a:ea typeface="+mn-ea"/>
+                <a:cs typeface="+mn-cs"/>
+              </a:defRPr>
+            </a:lvl5pPr>
+            <a:lvl6pPr marL="2286000" algn="l" defTabSz="914400" rtl="0" eaLnBrk="1" latinLnBrk="0" hangingPunct="1">
+              <a:defRPr sz="1800" kern="1200">
+                <a:solidFill>
+                  <a:schemeClr val="lt1"/>
+                </a:solidFill>
+                <a:latin typeface="+mn-lt"/>
+                <a:ea typeface="+mn-ea"/>
+                <a:cs typeface="+mn-cs"/>
+              </a:defRPr>
+            </a:lvl6pPr>
+            <a:lvl7pPr marL="2743200" algn="l" defTabSz="914400" rtl="0" eaLnBrk="1" latinLnBrk="0" hangingPunct="1">
+              <a:defRPr sz="1800" kern="1200">
+                <a:solidFill>
+                  <a:schemeClr val="lt1"/>
+                </a:solidFill>
+                <a:latin typeface="+mn-lt"/>
+                <a:ea typeface="+mn-ea"/>
+                <a:cs typeface="+mn-cs"/>
+              </a:defRPr>
+            </a:lvl7pPr>
+            <a:lvl8pPr marL="3200400" algn="l" defTabSz="914400" rtl="0" eaLnBrk="1" latinLnBrk="0" hangingPunct="1">
+              <a:defRPr sz="1800" kern="1200">
+                <a:solidFill>
+                  <a:schemeClr val="lt1"/>
+                </a:solidFill>
+                <a:latin typeface="+mn-lt"/>
+                <a:ea typeface="+mn-ea"/>
+                <a:cs typeface="+mn-cs"/>
+              </a:defRPr>
+            </a:lvl8pPr>
+            <a:lvl9pPr marL="3657600" algn="l" defTabSz="914400" rtl="0" eaLnBrk="1" latinLnBrk="0" hangingPunct="1">
+              <a:defRPr sz="1800" kern="1200">
+                <a:solidFill>
+                  <a:schemeClr val="lt1"/>
+                </a:solidFill>
+                <a:latin typeface="+mn-lt"/>
+                <a:ea typeface="+mn-ea"/>
+                <a:cs typeface="+mn-cs"/>
+              </a:defRPr>
+            </a:lvl9pPr>
+          </a:lstStyle>
+          <a:p>
+            <a:pPr algn="ctr"/>
+            <a:r>
+              <a:rPr lang="en-GB" sz="1200" dirty="0"/>
+              <a:t>Microbiological test</a:t>
+            </a:r>
+            <a:endParaRPr lang="en-US" sz="1200" dirty="0"/>
+          </a:p>
+        </p:txBody>
+      </p:sp>
+      <p:sp>
+        <p:nvSpPr>
+          <p:cNvPr id="2" name="Rectangle 1">
+            <a:extLst>
+              <a:ext uri="{FF2B5EF4-FFF2-40B4-BE49-F238E27FC236}">
+                <a16:creationId xmlns:a16="http://schemas.microsoft.com/office/drawing/2014/main" id="{6EABC472-F00D-69CB-60F9-712B8B6F6C3F}"/>
+              </a:ext>
+            </a:extLst>
+          </p:cNvPr>
+          <p:cNvSpPr/>
+          <p:nvPr/>
+        </p:nvSpPr>
+        <p:spPr>
+          <a:xfrm>
+            <a:off x="2680596" y="4828854"/>
+            <a:ext cx="4583334" cy="617966"/>
+          </a:xfrm>
+          <a:prstGeom prst="rect">
+            <a:avLst/>
+          </a:prstGeom>
+          <a:ln>
+            <a:prstDash val="sysDot"/>
+          </a:ln>
+        </p:spPr>
+        <p:style>
+          <a:lnRef idx="2">
+            <a:schemeClr val="accent1"/>
+          </a:lnRef>
+          <a:fillRef idx="1">
+            <a:schemeClr val="lt1"/>
+          </a:fillRef>
+          <a:effectRef idx="0">
+            <a:schemeClr val="accent1"/>
+          </a:effectRef>
+          <a:fontRef idx="minor">
+            <a:schemeClr val="dk1"/>
+          </a:fontRef>
+        </p:style>
+        <p:txBody>
+          <a:bodyPr rtlCol="0" anchor="ctr"/>
+          <a:lstStyle/>
+          <a:p>
+            <a:pPr algn="ctr"/>
+            <a:endParaRPr lang="en-GB"/>
+          </a:p>
+        </p:txBody>
+      </p:sp>
+      <p:sp>
+        <p:nvSpPr>
+          <p:cNvPr id="3" name="Rectangle 2">
+            <a:extLst>
+              <a:ext uri="{FF2B5EF4-FFF2-40B4-BE49-F238E27FC236}">
+                <a16:creationId xmlns:a16="http://schemas.microsoft.com/office/drawing/2014/main" id="{D748246E-21C1-E902-4BA3-C023D890B135}"/>
+              </a:ext>
+            </a:extLst>
+          </p:cNvPr>
+          <p:cNvSpPr/>
+          <p:nvPr/>
+        </p:nvSpPr>
+        <p:spPr>
+          <a:xfrm>
+            <a:off x="6005861" y="4957281"/>
+            <a:ext cx="901936" cy="361112"/>
+          </a:xfrm>
+          <a:prstGeom prst="rect">
+            <a:avLst/>
+          </a:prstGeom>
+        </p:spPr>
+        <p:style>
+          <a:lnRef idx="2">
+            <a:schemeClr val="accent1">
+              <a:shade val="15000"/>
+            </a:schemeClr>
+          </a:lnRef>
+          <a:fillRef idx="1">
+            <a:schemeClr val="accent1"/>
+          </a:fillRef>
+          <a:effectRef idx="0">
+            <a:schemeClr val="accent1"/>
+          </a:effectRef>
+          <a:fontRef idx="minor">
+            <a:schemeClr val="lt1"/>
+          </a:fontRef>
+        </p:style>
+        <p:txBody>
+          <a:bodyPr rtlCol="0" anchor="ctr"/>
+          <a:lstStyle>
+            <a:defPPr>
+              <a:defRPr lang="en-US"/>
+            </a:defPPr>
+            <a:lvl1pPr marL="0" algn="l" defTabSz="914400" rtl="0" eaLnBrk="1" latinLnBrk="0" hangingPunct="1">
+              <a:defRPr sz="1800" kern="1200">
+                <a:solidFill>
+                  <a:schemeClr val="lt1"/>
+                </a:solidFill>
+                <a:latin typeface="+mn-lt"/>
+                <a:ea typeface="+mn-ea"/>
+                <a:cs typeface="+mn-cs"/>
+              </a:defRPr>
+            </a:lvl1pPr>
+            <a:lvl2pPr marL="457200" algn="l" defTabSz="914400" rtl="0" eaLnBrk="1" latinLnBrk="0" hangingPunct="1">
+              <a:defRPr sz="1800" kern="1200">
+                <a:solidFill>
+                  <a:schemeClr val="lt1"/>
+                </a:solidFill>
+                <a:latin typeface="+mn-lt"/>
+                <a:ea typeface="+mn-ea"/>
+                <a:cs typeface="+mn-cs"/>
+              </a:defRPr>
+            </a:lvl2pPr>
+            <a:lvl3pPr marL="914400" algn="l" defTabSz="914400" rtl="0" eaLnBrk="1" latinLnBrk="0" hangingPunct="1">
+              <a:defRPr sz="1800" kern="1200">
+                <a:solidFill>
+                  <a:schemeClr val="lt1"/>
+                </a:solidFill>
+                <a:latin typeface="+mn-lt"/>
+                <a:ea typeface="+mn-ea"/>
+                <a:cs typeface="+mn-cs"/>
+              </a:defRPr>
+            </a:lvl3pPr>
+            <a:lvl4pPr marL="1371600" algn="l" defTabSz="914400" rtl="0" eaLnBrk="1" latinLnBrk="0" hangingPunct="1">
+              <a:defRPr sz="1800" kern="1200">
+                <a:solidFill>
+                  <a:schemeClr val="lt1"/>
+                </a:solidFill>
+                <a:latin typeface="+mn-lt"/>
+                <a:ea typeface="+mn-ea"/>
+                <a:cs typeface="+mn-cs"/>
+              </a:defRPr>
+            </a:lvl4pPr>
+            <a:lvl5pPr marL="1828800" algn="l" defTabSz="914400" rtl="0" eaLnBrk="1" latinLnBrk="0" hangingPunct="1">
+              <a:defRPr sz="1800" kern="1200">
+                <a:solidFill>
+                  <a:schemeClr val="lt1"/>
+                </a:solidFill>
+                <a:latin typeface="+mn-lt"/>
+                <a:ea typeface="+mn-ea"/>
+                <a:cs typeface="+mn-cs"/>
+              </a:defRPr>
+            </a:lvl5pPr>
+            <a:lvl6pPr marL="2286000" algn="l" defTabSz="914400" rtl="0" eaLnBrk="1" latinLnBrk="0" hangingPunct="1">
+              <a:defRPr sz="1800" kern="1200">
+                <a:solidFill>
+                  <a:schemeClr val="lt1"/>
+                </a:solidFill>
+                <a:latin typeface="+mn-lt"/>
+                <a:ea typeface="+mn-ea"/>
+                <a:cs typeface="+mn-cs"/>
+              </a:defRPr>
+            </a:lvl6pPr>
+            <a:lvl7pPr marL="2743200" algn="l" defTabSz="914400" rtl="0" eaLnBrk="1" latinLnBrk="0" hangingPunct="1">
+              <a:defRPr sz="1800" kern="1200">
+                <a:solidFill>
+                  <a:schemeClr val="lt1"/>
+                </a:solidFill>
+                <a:latin typeface="+mn-lt"/>
+                <a:ea typeface="+mn-ea"/>
+                <a:cs typeface="+mn-cs"/>
+              </a:defRPr>
+            </a:lvl7pPr>
+            <a:lvl8pPr marL="3200400" algn="l" defTabSz="914400" rtl="0" eaLnBrk="1" latinLnBrk="0" hangingPunct="1">
+              <a:defRPr sz="1800" kern="1200">
+                <a:solidFill>
+                  <a:schemeClr val="lt1"/>
+                </a:solidFill>
+                <a:latin typeface="+mn-lt"/>
+                <a:ea typeface="+mn-ea"/>
+                <a:cs typeface="+mn-cs"/>
+              </a:defRPr>
+            </a:lvl8pPr>
+            <a:lvl9pPr marL="3657600" algn="l" defTabSz="914400" rtl="0" eaLnBrk="1" latinLnBrk="0" hangingPunct="1">
+              <a:defRPr sz="1800" kern="1200">
+                <a:solidFill>
+                  <a:schemeClr val="lt1"/>
+                </a:solidFill>
+                <a:latin typeface="+mn-lt"/>
+                <a:ea typeface="+mn-ea"/>
+                <a:cs typeface="+mn-cs"/>
+              </a:defRPr>
+            </a:lvl9pPr>
+          </a:lstStyle>
+          <a:p>
+            <a:pPr algn="ctr"/>
+            <a:r>
+              <a:rPr lang="en-US" sz="1200" dirty="0"/>
+              <a:t>CBNAAT</a:t>
+            </a:r>
+          </a:p>
+        </p:txBody>
+      </p:sp>
+      <p:sp>
+        <p:nvSpPr>
+          <p:cNvPr id="7" name="Rectangle 6">
+            <a:extLst>
+              <a:ext uri="{FF2B5EF4-FFF2-40B4-BE49-F238E27FC236}">
+                <a16:creationId xmlns:a16="http://schemas.microsoft.com/office/drawing/2014/main" id="{C1BC1746-0934-4005-6A84-D67B31F34EA8}"/>
+              </a:ext>
+            </a:extLst>
+          </p:cNvPr>
+          <p:cNvSpPr/>
+          <p:nvPr/>
+        </p:nvSpPr>
+        <p:spPr>
+          <a:xfrm>
+            <a:off x="4459161" y="4957281"/>
+            <a:ext cx="901936" cy="361112"/>
+          </a:xfrm>
+          <a:prstGeom prst="rect">
+            <a:avLst/>
+          </a:prstGeom>
+        </p:spPr>
+        <p:style>
+          <a:lnRef idx="2">
+            <a:schemeClr val="accent1">
+              <a:shade val="15000"/>
+            </a:schemeClr>
+          </a:lnRef>
+          <a:fillRef idx="1">
+            <a:schemeClr val="accent1"/>
+          </a:fillRef>
+          <a:effectRef idx="0">
+            <a:schemeClr val="accent1"/>
+          </a:effectRef>
+          <a:fontRef idx="minor">
+            <a:schemeClr val="lt1"/>
+          </a:fontRef>
+        </p:style>
+        <p:txBody>
+          <a:bodyPr rtlCol="0" anchor="ctr"/>
+          <a:lstStyle>
+            <a:defPPr>
+              <a:defRPr lang="en-US"/>
+            </a:defPPr>
+            <a:lvl1pPr marL="0" algn="l" defTabSz="914400" rtl="0" eaLnBrk="1" latinLnBrk="0" hangingPunct="1">
+              <a:defRPr sz="1800" kern="1200">
+                <a:solidFill>
+                  <a:schemeClr val="lt1"/>
+                </a:solidFill>
+                <a:latin typeface="+mn-lt"/>
+                <a:ea typeface="+mn-ea"/>
+                <a:cs typeface="+mn-cs"/>
+              </a:defRPr>
+            </a:lvl1pPr>
+            <a:lvl2pPr marL="457200" algn="l" defTabSz="914400" rtl="0" eaLnBrk="1" latinLnBrk="0" hangingPunct="1">
+              <a:defRPr sz="1800" kern="1200">
+                <a:solidFill>
+                  <a:schemeClr val="lt1"/>
+                </a:solidFill>
+                <a:latin typeface="+mn-lt"/>
+                <a:ea typeface="+mn-ea"/>
+                <a:cs typeface="+mn-cs"/>
+              </a:defRPr>
+            </a:lvl2pPr>
+            <a:lvl3pPr marL="914400" algn="l" defTabSz="914400" rtl="0" eaLnBrk="1" latinLnBrk="0" hangingPunct="1">
+              <a:defRPr sz="1800" kern="1200">
+                <a:solidFill>
+                  <a:schemeClr val="lt1"/>
+                </a:solidFill>
+                <a:latin typeface="+mn-lt"/>
+                <a:ea typeface="+mn-ea"/>
+                <a:cs typeface="+mn-cs"/>
+              </a:defRPr>
+            </a:lvl3pPr>
+            <a:lvl4pPr marL="1371600" algn="l" defTabSz="914400" rtl="0" eaLnBrk="1" latinLnBrk="0" hangingPunct="1">
+              <a:defRPr sz="1800" kern="1200">
+                <a:solidFill>
+                  <a:schemeClr val="lt1"/>
+                </a:solidFill>
+                <a:latin typeface="+mn-lt"/>
+                <a:ea typeface="+mn-ea"/>
+                <a:cs typeface="+mn-cs"/>
+              </a:defRPr>
+            </a:lvl4pPr>
+            <a:lvl5pPr marL="1828800" algn="l" defTabSz="914400" rtl="0" eaLnBrk="1" latinLnBrk="0" hangingPunct="1">
+              <a:defRPr sz="1800" kern="1200">
+                <a:solidFill>
+                  <a:schemeClr val="lt1"/>
+                </a:solidFill>
+                <a:latin typeface="+mn-lt"/>
+                <a:ea typeface="+mn-ea"/>
+                <a:cs typeface="+mn-cs"/>
+              </a:defRPr>
+            </a:lvl5pPr>
+            <a:lvl6pPr marL="2286000" algn="l" defTabSz="914400" rtl="0" eaLnBrk="1" latinLnBrk="0" hangingPunct="1">
+              <a:defRPr sz="1800" kern="1200">
+                <a:solidFill>
+                  <a:schemeClr val="lt1"/>
+                </a:solidFill>
+                <a:latin typeface="+mn-lt"/>
+                <a:ea typeface="+mn-ea"/>
+                <a:cs typeface="+mn-cs"/>
+              </a:defRPr>
+            </a:lvl6pPr>
+            <a:lvl7pPr marL="2743200" algn="l" defTabSz="914400" rtl="0" eaLnBrk="1" latinLnBrk="0" hangingPunct="1">
+              <a:defRPr sz="1800" kern="1200">
+                <a:solidFill>
+                  <a:schemeClr val="lt1"/>
+                </a:solidFill>
+                <a:latin typeface="+mn-lt"/>
+                <a:ea typeface="+mn-ea"/>
+                <a:cs typeface="+mn-cs"/>
+              </a:defRPr>
+            </a:lvl7pPr>
+            <a:lvl8pPr marL="3200400" algn="l" defTabSz="914400" rtl="0" eaLnBrk="1" latinLnBrk="0" hangingPunct="1">
+              <a:defRPr sz="1800" kern="1200">
+                <a:solidFill>
+                  <a:schemeClr val="lt1"/>
+                </a:solidFill>
+                <a:latin typeface="+mn-lt"/>
+                <a:ea typeface="+mn-ea"/>
+                <a:cs typeface="+mn-cs"/>
+              </a:defRPr>
+            </a:lvl8pPr>
+            <a:lvl9pPr marL="3657600" algn="l" defTabSz="914400" rtl="0" eaLnBrk="1" latinLnBrk="0" hangingPunct="1">
+              <a:defRPr sz="1800" kern="1200">
+                <a:solidFill>
+                  <a:schemeClr val="lt1"/>
+                </a:solidFill>
+                <a:latin typeface="+mn-lt"/>
+                <a:ea typeface="+mn-ea"/>
+                <a:cs typeface="+mn-cs"/>
+              </a:defRPr>
+            </a:lvl9pPr>
+          </a:lstStyle>
+          <a:p>
+            <a:pPr algn="ctr"/>
+            <a:r>
+              <a:rPr lang="en-US" sz="1200" dirty="0"/>
+              <a:t>SSM</a:t>
+            </a:r>
+          </a:p>
+        </p:txBody>
+      </p:sp>
+      <p:sp>
+        <p:nvSpPr>
+          <p:cNvPr id="10" name="Rectangle 9">
+            <a:extLst>
+              <a:ext uri="{FF2B5EF4-FFF2-40B4-BE49-F238E27FC236}">
+                <a16:creationId xmlns:a16="http://schemas.microsoft.com/office/drawing/2014/main" id="{8590C0D6-7F58-F912-6A88-A1ECEC9AA18E}"/>
+              </a:ext>
+            </a:extLst>
+          </p:cNvPr>
+          <p:cNvSpPr/>
+          <p:nvPr/>
+        </p:nvSpPr>
+        <p:spPr>
+          <a:xfrm>
+            <a:off x="2993886" y="4957281"/>
+            <a:ext cx="901936" cy="361112"/>
+          </a:xfrm>
+          <a:prstGeom prst="rect">
+            <a:avLst/>
+          </a:prstGeom>
+        </p:spPr>
+        <p:style>
+          <a:lnRef idx="2">
+            <a:schemeClr val="accent1">
+              <a:shade val="15000"/>
+            </a:schemeClr>
+          </a:lnRef>
+          <a:fillRef idx="1">
+            <a:schemeClr val="accent1"/>
+          </a:fillRef>
+          <a:effectRef idx="0">
+            <a:schemeClr val="accent1"/>
+          </a:effectRef>
+          <a:fontRef idx="minor">
+            <a:schemeClr val="lt1"/>
+          </a:fontRef>
+        </p:style>
+        <p:txBody>
+          <a:bodyPr rtlCol="0" anchor="ctr"/>
+          <a:lstStyle>
+            <a:defPPr>
+              <a:defRPr lang="en-US"/>
+            </a:defPPr>
+            <a:lvl1pPr marL="0" algn="l" defTabSz="914400" rtl="0" eaLnBrk="1" latinLnBrk="0" hangingPunct="1">
+              <a:defRPr sz="1800" kern="1200">
+                <a:solidFill>
+                  <a:schemeClr val="lt1"/>
+                </a:solidFill>
+                <a:latin typeface="+mn-lt"/>
+                <a:ea typeface="+mn-ea"/>
+                <a:cs typeface="+mn-cs"/>
+              </a:defRPr>
+            </a:lvl1pPr>
+            <a:lvl2pPr marL="457200" algn="l" defTabSz="914400" rtl="0" eaLnBrk="1" latinLnBrk="0" hangingPunct="1">
+              <a:defRPr sz="1800" kern="1200">
+                <a:solidFill>
+                  <a:schemeClr val="lt1"/>
+                </a:solidFill>
+                <a:latin typeface="+mn-lt"/>
+                <a:ea typeface="+mn-ea"/>
+                <a:cs typeface="+mn-cs"/>
+              </a:defRPr>
+            </a:lvl2pPr>
+            <a:lvl3pPr marL="914400" algn="l" defTabSz="914400" rtl="0" eaLnBrk="1" latinLnBrk="0" hangingPunct="1">
+              <a:defRPr sz="1800" kern="1200">
+                <a:solidFill>
+                  <a:schemeClr val="lt1"/>
+                </a:solidFill>
+                <a:latin typeface="+mn-lt"/>
+                <a:ea typeface="+mn-ea"/>
+                <a:cs typeface="+mn-cs"/>
+              </a:defRPr>
+            </a:lvl3pPr>
+            <a:lvl4pPr marL="1371600" algn="l" defTabSz="914400" rtl="0" eaLnBrk="1" latinLnBrk="0" hangingPunct="1">
+              <a:defRPr sz="1800" kern="1200">
+                <a:solidFill>
+                  <a:schemeClr val="lt1"/>
+                </a:solidFill>
+                <a:latin typeface="+mn-lt"/>
+                <a:ea typeface="+mn-ea"/>
+                <a:cs typeface="+mn-cs"/>
+              </a:defRPr>
+            </a:lvl4pPr>
+            <a:lvl5pPr marL="1828800" algn="l" defTabSz="914400" rtl="0" eaLnBrk="1" latinLnBrk="0" hangingPunct="1">
+              <a:defRPr sz="1800" kern="1200">
+                <a:solidFill>
+                  <a:schemeClr val="lt1"/>
+                </a:solidFill>
+                <a:latin typeface="+mn-lt"/>
+                <a:ea typeface="+mn-ea"/>
+                <a:cs typeface="+mn-cs"/>
+              </a:defRPr>
+            </a:lvl5pPr>
+            <a:lvl6pPr marL="2286000" algn="l" defTabSz="914400" rtl="0" eaLnBrk="1" latinLnBrk="0" hangingPunct="1">
+              <a:defRPr sz="1800" kern="1200">
+                <a:solidFill>
+                  <a:schemeClr val="lt1"/>
+                </a:solidFill>
+                <a:latin typeface="+mn-lt"/>
+                <a:ea typeface="+mn-ea"/>
+                <a:cs typeface="+mn-cs"/>
+              </a:defRPr>
+            </a:lvl6pPr>
+            <a:lvl7pPr marL="2743200" algn="l" defTabSz="914400" rtl="0" eaLnBrk="1" latinLnBrk="0" hangingPunct="1">
+              <a:defRPr sz="1800" kern="1200">
+                <a:solidFill>
+                  <a:schemeClr val="lt1"/>
+                </a:solidFill>
+                <a:latin typeface="+mn-lt"/>
+                <a:ea typeface="+mn-ea"/>
+                <a:cs typeface="+mn-cs"/>
+              </a:defRPr>
+            </a:lvl7pPr>
+            <a:lvl8pPr marL="3200400" algn="l" defTabSz="914400" rtl="0" eaLnBrk="1" latinLnBrk="0" hangingPunct="1">
+              <a:defRPr sz="1800" kern="1200">
+                <a:solidFill>
+                  <a:schemeClr val="lt1"/>
+                </a:solidFill>
+                <a:latin typeface="+mn-lt"/>
+                <a:ea typeface="+mn-ea"/>
+                <a:cs typeface="+mn-cs"/>
+              </a:defRPr>
+            </a:lvl8pPr>
+            <a:lvl9pPr marL="3657600" algn="l" defTabSz="914400" rtl="0" eaLnBrk="1" latinLnBrk="0" hangingPunct="1">
+              <a:defRPr sz="1800" kern="1200">
+                <a:solidFill>
+                  <a:schemeClr val="lt1"/>
+                </a:solidFill>
+                <a:latin typeface="+mn-lt"/>
+                <a:ea typeface="+mn-ea"/>
+                <a:cs typeface="+mn-cs"/>
+              </a:defRPr>
+            </a:lvl9pPr>
+          </a:lstStyle>
+          <a:p>
+            <a:pPr algn="ctr"/>
+            <a:r>
+              <a:rPr lang="en-US" sz="1200" dirty="0"/>
+              <a:t>Sample</a:t>
+            </a:r>
+          </a:p>
+        </p:txBody>
+      </p:sp>
+      <p:cxnSp>
+        <p:nvCxnSpPr>
+          <p:cNvPr id="11" name="Straight Arrow Connector 10">
+            <a:extLst>
+              <a:ext uri="{FF2B5EF4-FFF2-40B4-BE49-F238E27FC236}">
+                <a16:creationId xmlns:a16="http://schemas.microsoft.com/office/drawing/2014/main" id="{0ADD6A4A-416F-C836-843C-20686C542036}"/>
+              </a:ext>
+            </a:extLst>
+          </p:cNvPr>
+          <p:cNvCxnSpPr>
+            <a:stCxn id="7" idx="3"/>
+            <a:endCxn id="3" idx="1"/>
+          </p:cNvCxnSpPr>
+          <p:nvPr/>
+        </p:nvCxnSpPr>
+        <p:spPr>
+          <a:xfrm>
+            <a:off x="5361097" y="5137837"/>
+            <a:ext cx="644764" cy="0"/>
+          </a:xfrm>
+          <a:prstGeom prst="straightConnector1">
+            <a:avLst/>
+          </a:prstGeom>
+          <a:ln>
+            <a:tailEnd type="triangle"/>
+          </a:ln>
+        </p:spPr>
+        <p:style>
+          <a:lnRef idx="1">
+            <a:schemeClr val="accent2"/>
+          </a:lnRef>
+          <a:fillRef idx="0">
+            <a:schemeClr val="accent2"/>
+          </a:fillRef>
+          <a:effectRef idx="0">
+            <a:schemeClr val="accent2"/>
+          </a:effectRef>
+          <a:fontRef idx="minor">
+            <a:schemeClr val="tx1"/>
+          </a:fontRef>
+        </p:style>
+      </p:cxnSp>
+      <p:cxnSp>
+        <p:nvCxnSpPr>
+          <p:cNvPr id="12" name="Connector: Elbow 11">
+            <a:extLst>
+              <a:ext uri="{FF2B5EF4-FFF2-40B4-BE49-F238E27FC236}">
+                <a16:creationId xmlns:a16="http://schemas.microsoft.com/office/drawing/2014/main" id="{F1D45330-7112-24F5-B988-E795D2BA28B1}"/>
+              </a:ext>
+            </a:extLst>
+          </p:cNvPr>
+          <p:cNvCxnSpPr>
+            <a:cxnSpLocks/>
+            <a:stCxn id="7" idx="0"/>
+          </p:cNvCxnSpPr>
+          <p:nvPr/>
+        </p:nvCxnSpPr>
+        <p:spPr>
+          <a:xfrm rot="5400000" flipH="1" flipV="1">
+            <a:off x="6081735" y="3575063"/>
+            <a:ext cx="210612" cy="2553825"/>
+          </a:xfrm>
+          <a:prstGeom prst="bentConnector2">
+            <a:avLst/>
+          </a:prstGeom>
+          <a:ln>
+            <a:tailEnd type="triangle"/>
+          </a:ln>
+        </p:spPr>
+        <p:style>
+          <a:lnRef idx="1">
+            <a:schemeClr val="accent6"/>
+          </a:lnRef>
+          <a:fillRef idx="0">
+            <a:schemeClr val="accent6"/>
+          </a:fillRef>
+          <a:effectRef idx="0">
+            <a:schemeClr val="accent6"/>
+          </a:effectRef>
+          <a:fontRef idx="minor">
+            <a:schemeClr val="tx1"/>
+          </a:fontRef>
+        </p:style>
+      </p:cxnSp>
+      <p:cxnSp>
+        <p:nvCxnSpPr>
+          <p:cNvPr id="14" name="Straight Arrow Connector 13">
+            <a:extLst>
+              <a:ext uri="{FF2B5EF4-FFF2-40B4-BE49-F238E27FC236}">
+                <a16:creationId xmlns:a16="http://schemas.microsoft.com/office/drawing/2014/main" id="{8C6E0EE2-917F-18A4-8DAB-801ECBD1E5DF}"/>
+              </a:ext>
+            </a:extLst>
+          </p:cNvPr>
+          <p:cNvCxnSpPr>
+            <a:cxnSpLocks/>
+            <a:stCxn id="10" idx="3"/>
+            <a:endCxn id="7" idx="1"/>
+          </p:cNvCxnSpPr>
+          <p:nvPr/>
+        </p:nvCxnSpPr>
+        <p:spPr>
+          <a:xfrm>
+            <a:off x="3895822" y="5137837"/>
+            <a:ext cx="563339" cy="0"/>
+          </a:xfrm>
+          <a:prstGeom prst="straightConnector1">
+            <a:avLst/>
+          </a:prstGeom>
+          <a:ln>
+            <a:tailEnd type="triangle"/>
+          </a:ln>
+        </p:spPr>
+        <p:style>
+          <a:lnRef idx="1">
+            <a:schemeClr val="accent6"/>
+          </a:lnRef>
+          <a:fillRef idx="0">
+            <a:schemeClr val="accent6"/>
+          </a:fillRef>
+          <a:effectRef idx="0">
+            <a:schemeClr val="accent6"/>
+          </a:effectRef>
+          <a:fontRef idx="minor">
+            <a:schemeClr val="tx1"/>
+          </a:fontRef>
+        </p:style>
+      </p:cxnSp>
+      <p:cxnSp>
+        <p:nvCxnSpPr>
+          <p:cNvPr id="15" name="Connector: Elbow 14">
+            <a:extLst>
+              <a:ext uri="{FF2B5EF4-FFF2-40B4-BE49-F238E27FC236}">
+                <a16:creationId xmlns:a16="http://schemas.microsoft.com/office/drawing/2014/main" id="{CC0CFADA-6611-1B1E-8AD2-1D0C199B458C}"/>
+              </a:ext>
+            </a:extLst>
+          </p:cNvPr>
+          <p:cNvCxnSpPr>
+            <a:cxnSpLocks/>
+            <a:stCxn id="10" idx="2"/>
+          </p:cNvCxnSpPr>
+          <p:nvPr/>
+        </p:nvCxnSpPr>
+        <p:spPr>
+          <a:xfrm rot="16200000" flipH="1">
+            <a:off x="5194607" y="3568640"/>
+            <a:ext cx="519595" cy="4019100"/>
+          </a:xfrm>
+          <a:prstGeom prst="bentConnector2">
+            <a:avLst/>
+          </a:prstGeom>
+          <a:ln>
+            <a:tailEnd type="triangle"/>
+          </a:ln>
+        </p:spPr>
+        <p:style>
+          <a:lnRef idx="1">
+            <a:schemeClr val="accent2"/>
+          </a:lnRef>
+          <a:fillRef idx="0">
+            <a:schemeClr val="accent2"/>
+          </a:fillRef>
+          <a:effectRef idx="0">
+            <a:schemeClr val="accent2"/>
+          </a:effectRef>
+          <a:fontRef idx="minor">
+            <a:schemeClr val="tx1"/>
+          </a:fontRef>
+        </p:style>
+      </p:cxnSp>
+      <p:cxnSp>
+        <p:nvCxnSpPr>
+          <p:cNvPr id="18" name="Straight Arrow Connector 17">
+            <a:extLst>
+              <a:ext uri="{FF2B5EF4-FFF2-40B4-BE49-F238E27FC236}">
+                <a16:creationId xmlns:a16="http://schemas.microsoft.com/office/drawing/2014/main" id="{D783A3F1-BF40-661A-046D-8FF7AAE7CD0B}"/>
+              </a:ext>
+            </a:extLst>
+          </p:cNvPr>
+          <p:cNvCxnSpPr>
+            <a:cxnSpLocks/>
+            <a:stCxn id="3" idx="3"/>
+          </p:cNvCxnSpPr>
+          <p:nvPr/>
+        </p:nvCxnSpPr>
+        <p:spPr>
+          <a:xfrm>
+            <a:off x="6907797" y="5137837"/>
+            <a:ext cx="556157" cy="0"/>
+          </a:xfrm>
+          <a:prstGeom prst="straightConnector1">
+            <a:avLst/>
+          </a:prstGeom>
+          <a:ln>
+            <a:tailEnd type="triangle"/>
+          </a:ln>
+        </p:spPr>
+        <p:style>
+          <a:lnRef idx="1">
+            <a:schemeClr val="accent6"/>
+          </a:lnRef>
+          <a:fillRef idx="0">
+            <a:schemeClr val="accent6"/>
+          </a:fillRef>
+          <a:effectRef idx="0">
+            <a:schemeClr val="accent6"/>
+          </a:effectRef>
+          <a:fontRef idx="minor">
+            <a:schemeClr val="tx1"/>
+          </a:fontRef>
+        </p:style>
+      </p:cxnSp>
+      <p:cxnSp>
+        <p:nvCxnSpPr>
+          <p:cNvPr id="19" name="Connector: Elbow 18">
+            <a:extLst>
+              <a:ext uri="{FF2B5EF4-FFF2-40B4-BE49-F238E27FC236}">
+                <a16:creationId xmlns:a16="http://schemas.microsoft.com/office/drawing/2014/main" id="{5C1244B3-310E-B1E7-B8B1-2B8F2DCEDEC9}"/>
+              </a:ext>
+            </a:extLst>
+          </p:cNvPr>
+          <p:cNvCxnSpPr>
+            <a:cxnSpLocks/>
+            <a:stCxn id="3" idx="2"/>
+          </p:cNvCxnSpPr>
+          <p:nvPr/>
+        </p:nvCxnSpPr>
+        <p:spPr>
+          <a:xfrm rot="16200000" flipH="1">
+            <a:off x="6870114" y="4905107"/>
+            <a:ext cx="180556" cy="1007127"/>
+          </a:xfrm>
+          <a:prstGeom prst="bentConnector2">
+            <a:avLst/>
+          </a:prstGeom>
+          <a:ln>
+            <a:tailEnd type="triangle"/>
+          </a:ln>
+        </p:spPr>
+        <p:style>
+          <a:lnRef idx="1">
+            <a:schemeClr val="accent2"/>
+          </a:lnRef>
+          <a:fillRef idx="0">
+            <a:schemeClr val="accent2"/>
+          </a:fillRef>
+          <a:effectRef idx="0">
+            <a:schemeClr val="accent2"/>
+          </a:effectRef>
+          <a:fontRef idx="minor">
+            <a:schemeClr val="tx1"/>
+          </a:fontRef>
+        </p:style>
+      </p:cxnSp>
+      <mc:AlternateContent xmlns:mc="http://schemas.openxmlformats.org/markup-compatibility/2006">
+        <mc:Choice xmlns:a14="http://schemas.microsoft.com/office/drawing/2010/main" Requires="a14">
+          <p:sp>
+            <p:nvSpPr>
+              <p:cNvPr id="30" name="TextBox 29">
+                <a:extLst>
+                  <a:ext uri="{FF2B5EF4-FFF2-40B4-BE49-F238E27FC236}">
+                    <a16:creationId xmlns:a16="http://schemas.microsoft.com/office/drawing/2014/main" id="{3C547BD1-0D33-75D0-8B89-8974FC10DBFA}"/>
+                  </a:ext>
+                </a:extLst>
+              </p:cNvPr>
+              <p:cNvSpPr txBox="1"/>
+              <p:nvPr/>
+            </p:nvSpPr>
+            <p:spPr>
+              <a:xfrm>
+                <a:off x="3214783" y="5575247"/>
+                <a:ext cx="1362075" cy="291298"/>
+              </a:xfrm>
+              <a:prstGeom prst="rect">
+                <a:avLst/>
+              </a:prstGeom>
+              <a:noFill/>
+            </p:spPr>
+            <p:txBody>
+              <a:bodyPr wrap="square">
+                <a:spAutoFit/>
+              </a:bodyPr>
+              <a:lstStyle/>
+              <a:p>
+                <a:pPr/>
+                <a14:m>
+                  <m:oMathPara xmlns:m="http://schemas.openxmlformats.org/officeDocument/2006/math">
+                    <m:oMathParaPr>
+                      <m:jc m:val="centerGroup"/>
+                    </m:oMathParaPr>
+                    <m:oMath xmlns:m="http://schemas.openxmlformats.org/officeDocument/2006/math">
+                      <m:sSub>
+                        <m:sSubPr>
+                          <m:ctrlPr>
+                            <a:rPr lang="en-GB" sz="1200" b="0" i="1" smtClean="0">
+                              <a:latin typeface="Cambria Math" panose="02040503050406030204" pitchFamily="18" charset="0"/>
+                            </a:rPr>
+                          </m:ctrlPr>
+                        </m:sSubPr>
+                        <m:e>
+                          <m:r>
+                            <a:rPr lang="en-GB" sz="1200" b="0" i="1" smtClean="0">
+                              <a:latin typeface="Cambria Math" panose="02040503050406030204" pitchFamily="18" charset="0"/>
+                            </a:rPr>
+                            <m:t>1−</m:t>
+                          </m:r>
+                          <m:r>
+                            <a:rPr lang="en-GB" sz="1200" b="0" i="1" smtClean="0">
+                              <a:latin typeface="Cambria Math" panose="02040503050406030204" pitchFamily="18" charset="0"/>
+                            </a:rPr>
+                            <m:t>𝑃</m:t>
+                          </m:r>
+                        </m:e>
+                        <m:sub>
+                          <m:r>
+                            <a:rPr lang="en-GB" sz="1200" b="0" i="1" smtClean="0">
+                              <a:latin typeface="Cambria Math" panose="02040503050406030204" pitchFamily="18" charset="0"/>
+                            </a:rPr>
+                            <m:t>𝑠𝑝𝑢𝑡𝑢𝑚</m:t>
+                          </m:r>
+                        </m:sub>
+                      </m:sSub>
+                    </m:oMath>
+                  </m:oMathPara>
+                </a14:m>
+                <a:endParaRPr lang="en-GB" sz="1200" dirty="0"/>
+              </a:p>
+            </p:txBody>
+          </p:sp>
+        </mc:Choice>
+        <mc:Fallback>
+          <p:sp>
+            <p:nvSpPr>
+              <p:cNvPr id="30" name="TextBox 29">
+                <a:extLst>
+                  <a:ext uri="{FF2B5EF4-FFF2-40B4-BE49-F238E27FC236}">
+                    <a16:creationId xmlns:a16="http://schemas.microsoft.com/office/drawing/2014/main" id="{3C547BD1-0D33-75D0-8B89-8974FC10DBFA}"/>
+                  </a:ext>
+                </a:extLst>
+              </p:cNvPr>
+              <p:cNvSpPr txBox="1">
+                <a:spLocks noRot="1" noChangeAspect="1" noMove="1" noResize="1" noEditPoints="1" noAdjustHandles="1" noChangeArrowheads="1" noChangeShapeType="1" noTextEdit="1"/>
+              </p:cNvSpPr>
+              <p:nvPr/>
+            </p:nvSpPr>
+            <p:spPr>
+              <a:xfrm>
+                <a:off x="3214783" y="5575247"/>
+                <a:ext cx="1362075" cy="291298"/>
+              </a:xfrm>
+              <a:prstGeom prst="rect">
+                <a:avLst/>
+              </a:prstGeom>
+              <a:blipFill>
+                <a:blip r:embed="rId2"/>
+                <a:stretch>
+                  <a:fillRect/>
+                </a:stretch>
+              </a:blipFill>
+            </p:spPr>
+            <p:txBody>
+              <a:bodyPr/>
+              <a:lstStyle/>
+              <a:p>
+                <a:r>
+                  <a:rPr lang="en-GB">
+                    <a:noFill/>
+                  </a:rPr>
+                  <a:t> </a:t>
+                </a:r>
+              </a:p>
+            </p:txBody>
+          </p:sp>
+        </mc:Fallback>
+      </mc:AlternateContent>
+      <mc:AlternateContent xmlns:mc="http://schemas.openxmlformats.org/markup-compatibility/2006">
+        <mc:Choice xmlns:a14="http://schemas.microsoft.com/office/drawing/2010/main" Requires="a14">
+          <p:sp>
+            <p:nvSpPr>
+              <p:cNvPr id="34" name="TextBox 33">
+                <a:extLst>
+                  <a:ext uri="{FF2B5EF4-FFF2-40B4-BE49-F238E27FC236}">
+                    <a16:creationId xmlns:a16="http://schemas.microsoft.com/office/drawing/2014/main" id="{073D1C20-E3E2-8C3D-14EF-67EAD3B7B27C}"/>
+                  </a:ext>
+                </a:extLst>
+              </p:cNvPr>
+              <p:cNvSpPr txBox="1"/>
+              <p:nvPr/>
+            </p:nvSpPr>
+            <p:spPr>
+              <a:xfrm>
+                <a:off x="3831540" y="4830710"/>
+                <a:ext cx="665721" cy="291298"/>
+              </a:xfrm>
+              <a:prstGeom prst="rect">
+                <a:avLst/>
+              </a:prstGeom>
+              <a:noFill/>
+            </p:spPr>
+            <p:txBody>
+              <a:bodyPr wrap="square">
+                <a:spAutoFit/>
+              </a:bodyPr>
+              <a:lstStyle/>
+              <a:p>
+                <a:pPr/>
+                <a14:m>
+                  <m:oMathPara xmlns:m="http://schemas.openxmlformats.org/officeDocument/2006/math">
+                    <m:oMathParaPr>
+                      <m:jc m:val="centerGroup"/>
+                    </m:oMathParaPr>
+                    <m:oMath xmlns:m="http://schemas.openxmlformats.org/officeDocument/2006/math">
+                      <m:sSub>
+                        <m:sSubPr>
+                          <m:ctrlPr>
+                            <a:rPr lang="en-GB" sz="1200" i="1">
+                              <a:latin typeface="Cambria Math" panose="02040503050406030204" pitchFamily="18" charset="0"/>
+                            </a:rPr>
+                          </m:ctrlPr>
+                        </m:sSubPr>
+                        <m:e>
+                          <m:r>
+                            <a:rPr lang="en-GB" sz="1200" i="1">
+                              <a:latin typeface="Cambria Math" panose="02040503050406030204" pitchFamily="18" charset="0"/>
+                            </a:rPr>
+                            <m:t>𝑃</m:t>
+                          </m:r>
+                        </m:e>
+                        <m:sub>
+                          <m:r>
+                            <a:rPr lang="en-GB" sz="1200" i="1">
+                              <a:latin typeface="Cambria Math" panose="02040503050406030204" pitchFamily="18" charset="0"/>
+                            </a:rPr>
+                            <m:t>𝑠𝑝𝑢𝑡𝑢𝑚</m:t>
+                          </m:r>
+                        </m:sub>
+                      </m:sSub>
+                    </m:oMath>
+                  </m:oMathPara>
+                </a14:m>
+                <a:endParaRPr lang="en-GB" sz="1200" dirty="0"/>
+              </a:p>
+            </p:txBody>
+          </p:sp>
+        </mc:Choice>
+        <mc:Fallback>
+          <p:sp>
+            <p:nvSpPr>
+              <p:cNvPr id="34" name="TextBox 33">
+                <a:extLst>
+                  <a:ext uri="{FF2B5EF4-FFF2-40B4-BE49-F238E27FC236}">
+                    <a16:creationId xmlns:a16="http://schemas.microsoft.com/office/drawing/2014/main" id="{073D1C20-E3E2-8C3D-14EF-67EAD3B7B27C}"/>
+                  </a:ext>
+                </a:extLst>
+              </p:cNvPr>
+              <p:cNvSpPr txBox="1">
+                <a:spLocks noRot="1" noChangeAspect="1" noMove="1" noResize="1" noEditPoints="1" noAdjustHandles="1" noChangeArrowheads="1" noChangeShapeType="1" noTextEdit="1"/>
+              </p:cNvSpPr>
+              <p:nvPr/>
+            </p:nvSpPr>
+            <p:spPr>
+              <a:xfrm>
+                <a:off x="3831540" y="4830710"/>
+                <a:ext cx="665721" cy="291298"/>
+              </a:xfrm>
+              <a:prstGeom prst="rect">
+                <a:avLst/>
+              </a:prstGeom>
+              <a:blipFill>
+                <a:blip r:embed="rId3"/>
+                <a:stretch>
+                  <a:fillRect/>
+                </a:stretch>
+              </a:blipFill>
+            </p:spPr>
+            <p:txBody>
+              <a:bodyPr/>
+              <a:lstStyle/>
+              <a:p>
+                <a:r>
+                  <a:rPr lang="en-GB">
+                    <a:noFill/>
+                  </a:rPr>
+                  <a:t> </a:t>
+                </a:r>
+              </a:p>
+            </p:txBody>
+          </p:sp>
+        </mc:Fallback>
+      </mc:AlternateContent>
+      <p:sp>
+        <p:nvSpPr>
+          <p:cNvPr id="35" name="Rectangle 34">
+            <a:extLst>
+              <a:ext uri="{FF2B5EF4-FFF2-40B4-BE49-F238E27FC236}">
+                <a16:creationId xmlns:a16="http://schemas.microsoft.com/office/drawing/2014/main" id="{E932D627-D18B-C7E8-49EE-A0C45E5AF440}"/>
+              </a:ext>
+            </a:extLst>
+          </p:cNvPr>
+          <p:cNvSpPr/>
+          <p:nvPr/>
+        </p:nvSpPr>
+        <p:spPr>
+          <a:xfrm>
+            <a:off x="7536858" y="4630155"/>
+            <a:ext cx="1892063" cy="617966"/>
+          </a:xfrm>
+          <a:prstGeom prst="rect">
+            <a:avLst/>
+          </a:prstGeom>
+          <a:ln/>
+        </p:spPr>
+        <p:style>
+          <a:lnRef idx="2">
+            <a:schemeClr val="accent6"/>
+          </a:lnRef>
+          <a:fillRef idx="1">
+            <a:schemeClr val="lt1"/>
+          </a:fillRef>
+          <a:effectRef idx="0">
+            <a:schemeClr val="accent6"/>
+          </a:effectRef>
+          <a:fontRef idx="minor">
+            <a:schemeClr val="dk1"/>
+          </a:fontRef>
+        </p:style>
+        <p:txBody>
+          <a:bodyPr rtlCol="0" anchor="ctr"/>
+          <a:lstStyle/>
+          <a:p>
+            <a:pPr algn="ctr"/>
+            <a:r>
+              <a:rPr lang="en-US" sz="1400" dirty="0"/>
+              <a:t>Test positive</a:t>
+            </a:r>
+            <a:endParaRPr lang="en-GB" sz="1400" dirty="0"/>
+          </a:p>
+        </p:txBody>
+      </p:sp>
+      <p:sp>
+        <p:nvSpPr>
+          <p:cNvPr id="36" name="Rectangle 35">
+            <a:extLst>
+              <a:ext uri="{FF2B5EF4-FFF2-40B4-BE49-F238E27FC236}">
+                <a16:creationId xmlns:a16="http://schemas.microsoft.com/office/drawing/2014/main" id="{D5A26A6E-48CF-8C7F-A792-760B67FBF9F1}"/>
+              </a:ext>
+            </a:extLst>
+          </p:cNvPr>
+          <p:cNvSpPr/>
+          <p:nvPr/>
+        </p:nvSpPr>
+        <p:spPr>
+          <a:xfrm>
+            <a:off x="7536858" y="5318392"/>
+            <a:ext cx="1892063" cy="694344"/>
+          </a:xfrm>
+          <a:prstGeom prst="rect">
+            <a:avLst/>
+          </a:prstGeom>
+          <a:ln/>
+        </p:spPr>
+        <p:style>
+          <a:lnRef idx="2">
+            <a:schemeClr val="accent2"/>
+          </a:lnRef>
+          <a:fillRef idx="1">
+            <a:schemeClr val="lt1"/>
+          </a:fillRef>
+          <a:effectRef idx="0">
+            <a:schemeClr val="accent2"/>
+          </a:effectRef>
+          <a:fontRef idx="minor">
+            <a:schemeClr val="dk1"/>
+          </a:fontRef>
+        </p:style>
+        <p:txBody>
+          <a:bodyPr rtlCol="0" anchor="ctr"/>
+          <a:lstStyle/>
+          <a:p>
+            <a:pPr algn="ctr"/>
+            <a:r>
+              <a:rPr lang="en-US" sz="1400" dirty="0"/>
+              <a:t>Test negative</a:t>
+            </a:r>
+          </a:p>
+          <a:p>
+            <a:pPr algn="ctr"/>
+            <a:endParaRPr lang="en-US" sz="1400" dirty="0"/>
+          </a:p>
+          <a:p>
+            <a:pPr algn="ctr"/>
+            <a:r>
+              <a:rPr lang="en-US" sz="1400" dirty="0"/>
+              <a:t>Fail to collect sample</a:t>
+            </a:r>
+          </a:p>
+        </p:txBody>
+      </p:sp>
+      <p:sp>
+        <p:nvSpPr>
+          <p:cNvPr id="46" name="Rectangle 45">
+            <a:extLst>
+              <a:ext uri="{FF2B5EF4-FFF2-40B4-BE49-F238E27FC236}">
+                <a16:creationId xmlns:a16="http://schemas.microsoft.com/office/drawing/2014/main" id="{7C378566-E57D-5E8F-C6D6-B62EE4B0F803}"/>
+              </a:ext>
+            </a:extLst>
+          </p:cNvPr>
+          <p:cNvSpPr/>
+          <p:nvPr/>
+        </p:nvSpPr>
+        <p:spPr>
+          <a:xfrm>
+            <a:off x="2680596" y="3349804"/>
+            <a:ext cx="4583334" cy="617966"/>
+          </a:xfrm>
+          <a:prstGeom prst="rect">
+            <a:avLst/>
+          </a:prstGeom>
+          <a:ln>
+            <a:prstDash val="sysDot"/>
+          </a:ln>
+        </p:spPr>
+        <p:style>
+          <a:lnRef idx="2">
+            <a:schemeClr val="accent1"/>
+          </a:lnRef>
+          <a:fillRef idx="1">
+            <a:schemeClr val="lt1"/>
+          </a:fillRef>
+          <a:effectRef idx="0">
+            <a:schemeClr val="accent1"/>
+          </a:effectRef>
+          <a:fontRef idx="minor">
+            <a:schemeClr val="dk1"/>
+          </a:fontRef>
+        </p:style>
+        <p:txBody>
+          <a:bodyPr rtlCol="0" anchor="ctr"/>
+          <a:lstStyle/>
+          <a:p>
+            <a:pPr algn="ctr"/>
+            <a:endParaRPr lang="en-GB"/>
+          </a:p>
+        </p:txBody>
+      </p:sp>
+      <p:sp>
+        <p:nvSpPr>
+          <p:cNvPr id="47" name="Rectangle 46">
+            <a:extLst>
+              <a:ext uri="{FF2B5EF4-FFF2-40B4-BE49-F238E27FC236}">
+                <a16:creationId xmlns:a16="http://schemas.microsoft.com/office/drawing/2014/main" id="{F11230FE-A2EB-41B8-2D2D-711DD6B0C5DC}"/>
+              </a:ext>
+            </a:extLst>
+          </p:cNvPr>
+          <p:cNvSpPr/>
+          <p:nvPr/>
+        </p:nvSpPr>
+        <p:spPr>
+          <a:xfrm>
+            <a:off x="6005861" y="3478231"/>
+            <a:ext cx="901936" cy="361112"/>
+          </a:xfrm>
+          <a:prstGeom prst="rect">
+            <a:avLst/>
+          </a:prstGeom>
+        </p:spPr>
+        <p:style>
+          <a:lnRef idx="2">
+            <a:schemeClr val="accent1">
+              <a:shade val="15000"/>
+            </a:schemeClr>
+          </a:lnRef>
+          <a:fillRef idx="1">
+            <a:schemeClr val="accent1"/>
+          </a:fillRef>
+          <a:effectRef idx="0">
+            <a:schemeClr val="accent1"/>
+          </a:effectRef>
+          <a:fontRef idx="minor">
+            <a:schemeClr val="lt1"/>
+          </a:fontRef>
+        </p:style>
+        <p:txBody>
+          <a:bodyPr rtlCol="0" anchor="ctr"/>
+          <a:lstStyle>
+            <a:defPPr>
+              <a:defRPr lang="en-US"/>
+            </a:defPPr>
+            <a:lvl1pPr marL="0" algn="l" defTabSz="914400" rtl="0" eaLnBrk="1" latinLnBrk="0" hangingPunct="1">
+              <a:defRPr sz="1800" kern="1200">
+                <a:solidFill>
+                  <a:schemeClr val="lt1"/>
+                </a:solidFill>
+                <a:latin typeface="+mn-lt"/>
+                <a:ea typeface="+mn-ea"/>
+                <a:cs typeface="+mn-cs"/>
+              </a:defRPr>
+            </a:lvl1pPr>
+            <a:lvl2pPr marL="457200" algn="l" defTabSz="914400" rtl="0" eaLnBrk="1" latinLnBrk="0" hangingPunct="1">
+              <a:defRPr sz="1800" kern="1200">
+                <a:solidFill>
+                  <a:schemeClr val="lt1"/>
+                </a:solidFill>
+                <a:latin typeface="+mn-lt"/>
+                <a:ea typeface="+mn-ea"/>
+                <a:cs typeface="+mn-cs"/>
+              </a:defRPr>
+            </a:lvl2pPr>
+            <a:lvl3pPr marL="914400" algn="l" defTabSz="914400" rtl="0" eaLnBrk="1" latinLnBrk="0" hangingPunct="1">
+              <a:defRPr sz="1800" kern="1200">
+                <a:solidFill>
+                  <a:schemeClr val="lt1"/>
+                </a:solidFill>
+                <a:latin typeface="+mn-lt"/>
+                <a:ea typeface="+mn-ea"/>
+                <a:cs typeface="+mn-cs"/>
+              </a:defRPr>
+            </a:lvl3pPr>
+            <a:lvl4pPr marL="1371600" algn="l" defTabSz="914400" rtl="0" eaLnBrk="1" latinLnBrk="0" hangingPunct="1">
+              <a:defRPr sz="1800" kern="1200">
+                <a:solidFill>
+                  <a:schemeClr val="lt1"/>
+                </a:solidFill>
+                <a:latin typeface="+mn-lt"/>
+                <a:ea typeface="+mn-ea"/>
+                <a:cs typeface="+mn-cs"/>
+              </a:defRPr>
+            </a:lvl4pPr>
+            <a:lvl5pPr marL="1828800" algn="l" defTabSz="914400" rtl="0" eaLnBrk="1" latinLnBrk="0" hangingPunct="1">
+              <a:defRPr sz="1800" kern="1200">
+                <a:solidFill>
+                  <a:schemeClr val="lt1"/>
+                </a:solidFill>
+                <a:latin typeface="+mn-lt"/>
+                <a:ea typeface="+mn-ea"/>
+                <a:cs typeface="+mn-cs"/>
+              </a:defRPr>
+            </a:lvl5pPr>
+            <a:lvl6pPr marL="2286000" algn="l" defTabSz="914400" rtl="0" eaLnBrk="1" latinLnBrk="0" hangingPunct="1">
+              <a:defRPr sz="1800" kern="1200">
+                <a:solidFill>
+                  <a:schemeClr val="lt1"/>
+                </a:solidFill>
+                <a:latin typeface="+mn-lt"/>
+                <a:ea typeface="+mn-ea"/>
+                <a:cs typeface="+mn-cs"/>
+              </a:defRPr>
+            </a:lvl6pPr>
+            <a:lvl7pPr marL="2743200" algn="l" defTabSz="914400" rtl="0" eaLnBrk="1" latinLnBrk="0" hangingPunct="1">
+              <a:defRPr sz="1800" kern="1200">
+                <a:solidFill>
+                  <a:schemeClr val="lt1"/>
+                </a:solidFill>
+                <a:latin typeface="+mn-lt"/>
+                <a:ea typeface="+mn-ea"/>
+                <a:cs typeface="+mn-cs"/>
+              </a:defRPr>
+            </a:lvl7pPr>
+            <a:lvl8pPr marL="3200400" algn="l" defTabSz="914400" rtl="0" eaLnBrk="1" latinLnBrk="0" hangingPunct="1">
+              <a:defRPr sz="1800" kern="1200">
+                <a:solidFill>
+                  <a:schemeClr val="lt1"/>
+                </a:solidFill>
+                <a:latin typeface="+mn-lt"/>
+                <a:ea typeface="+mn-ea"/>
+                <a:cs typeface="+mn-cs"/>
+              </a:defRPr>
+            </a:lvl8pPr>
+            <a:lvl9pPr marL="3657600" algn="l" defTabSz="914400" rtl="0" eaLnBrk="1" latinLnBrk="0" hangingPunct="1">
+              <a:defRPr sz="1800" kern="1200">
+                <a:solidFill>
+                  <a:schemeClr val="lt1"/>
+                </a:solidFill>
+                <a:latin typeface="+mn-lt"/>
+                <a:ea typeface="+mn-ea"/>
+                <a:cs typeface="+mn-cs"/>
+              </a:defRPr>
+            </a:lvl9pPr>
+          </a:lstStyle>
+          <a:p>
+            <a:pPr algn="ctr"/>
+            <a:r>
+              <a:rPr lang="en-US" sz="1200" dirty="0"/>
+              <a:t>CBNAAT</a:t>
+            </a:r>
+          </a:p>
+        </p:txBody>
+      </p:sp>
+      <p:sp>
+        <p:nvSpPr>
+          <p:cNvPr id="49" name="Rectangle 48">
+            <a:extLst>
+              <a:ext uri="{FF2B5EF4-FFF2-40B4-BE49-F238E27FC236}">
+                <a16:creationId xmlns:a16="http://schemas.microsoft.com/office/drawing/2014/main" id="{4E6ADE01-1BBD-6BCD-870F-D931F278E495}"/>
+              </a:ext>
+            </a:extLst>
+          </p:cNvPr>
+          <p:cNvSpPr/>
+          <p:nvPr/>
+        </p:nvSpPr>
+        <p:spPr>
+          <a:xfrm>
+            <a:off x="2993886" y="3478231"/>
+            <a:ext cx="901936" cy="361112"/>
+          </a:xfrm>
+          <a:prstGeom prst="rect">
+            <a:avLst/>
+          </a:prstGeom>
+        </p:spPr>
+        <p:style>
+          <a:lnRef idx="2">
+            <a:schemeClr val="accent1">
+              <a:shade val="15000"/>
+            </a:schemeClr>
+          </a:lnRef>
+          <a:fillRef idx="1">
+            <a:schemeClr val="accent1"/>
+          </a:fillRef>
+          <a:effectRef idx="0">
+            <a:schemeClr val="accent1"/>
+          </a:effectRef>
+          <a:fontRef idx="minor">
+            <a:schemeClr val="lt1"/>
+          </a:fontRef>
+        </p:style>
+        <p:txBody>
+          <a:bodyPr rtlCol="0" anchor="ctr"/>
+          <a:lstStyle>
+            <a:defPPr>
+              <a:defRPr lang="en-US"/>
+            </a:defPPr>
+            <a:lvl1pPr marL="0" algn="l" defTabSz="914400" rtl="0" eaLnBrk="1" latinLnBrk="0" hangingPunct="1">
+              <a:defRPr sz="1800" kern="1200">
+                <a:solidFill>
+                  <a:schemeClr val="lt1"/>
+                </a:solidFill>
+                <a:latin typeface="+mn-lt"/>
+                <a:ea typeface="+mn-ea"/>
+                <a:cs typeface="+mn-cs"/>
+              </a:defRPr>
+            </a:lvl1pPr>
+            <a:lvl2pPr marL="457200" algn="l" defTabSz="914400" rtl="0" eaLnBrk="1" latinLnBrk="0" hangingPunct="1">
+              <a:defRPr sz="1800" kern="1200">
+                <a:solidFill>
+                  <a:schemeClr val="lt1"/>
+                </a:solidFill>
+                <a:latin typeface="+mn-lt"/>
+                <a:ea typeface="+mn-ea"/>
+                <a:cs typeface="+mn-cs"/>
+              </a:defRPr>
+            </a:lvl2pPr>
+            <a:lvl3pPr marL="914400" algn="l" defTabSz="914400" rtl="0" eaLnBrk="1" latinLnBrk="0" hangingPunct="1">
+              <a:defRPr sz="1800" kern="1200">
+                <a:solidFill>
+                  <a:schemeClr val="lt1"/>
+                </a:solidFill>
+                <a:latin typeface="+mn-lt"/>
+                <a:ea typeface="+mn-ea"/>
+                <a:cs typeface="+mn-cs"/>
+              </a:defRPr>
+            </a:lvl3pPr>
+            <a:lvl4pPr marL="1371600" algn="l" defTabSz="914400" rtl="0" eaLnBrk="1" latinLnBrk="0" hangingPunct="1">
+              <a:defRPr sz="1800" kern="1200">
+                <a:solidFill>
+                  <a:schemeClr val="lt1"/>
+                </a:solidFill>
+                <a:latin typeface="+mn-lt"/>
+                <a:ea typeface="+mn-ea"/>
+                <a:cs typeface="+mn-cs"/>
+              </a:defRPr>
+            </a:lvl4pPr>
+            <a:lvl5pPr marL="1828800" algn="l" defTabSz="914400" rtl="0" eaLnBrk="1" latinLnBrk="0" hangingPunct="1">
+              <a:defRPr sz="1800" kern="1200">
+                <a:solidFill>
+                  <a:schemeClr val="lt1"/>
+                </a:solidFill>
+                <a:latin typeface="+mn-lt"/>
+                <a:ea typeface="+mn-ea"/>
+                <a:cs typeface="+mn-cs"/>
+              </a:defRPr>
+            </a:lvl5pPr>
+            <a:lvl6pPr marL="2286000" algn="l" defTabSz="914400" rtl="0" eaLnBrk="1" latinLnBrk="0" hangingPunct="1">
+              <a:defRPr sz="1800" kern="1200">
+                <a:solidFill>
+                  <a:schemeClr val="lt1"/>
+                </a:solidFill>
+                <a:latin typeface="+mn-lt"/>
+                <a:ea typeface="+mn-ea"/>
+                <a:cs typeface="+mn-cs"/>
+              </a:defRPr>
+            </a:lvl6pPr>
+            <a:lvl7pPr marL="2743200" algn="l" defTabSz="914400" rtl="0" eaLnBrk="1" latinLnBrk="0" hangingPunct="1">
+              <a:defRPr sz="1800" kern="1200">
+                <a:solidFill>
+                  <a:schemeClr val="lt1"/>
+                </a:solidFill>
+                <a:latin typeface="+mn-lt"/>
+                <a:ea typeface="+mn-ea"/>
+                <a:cs typeface="+mn-cs"/>
+              </a:defRPr>
+            </a:lvl7pPr>
+            <a:lvl8pPr marL="3200400" algn="l" defTabSz="914400" rtl="0" eaLnBrk="1" latinLnBrk="0" hangingPunct="1">
+              <a:defRPr sz="1800" kern="1200">
+                <a:solidFill>
+                  <a:schemeClr val="lt1"/>
+                </a:solidFill>
+                <a:latin typeface="+mn-lt"/>
+                <a:ea typeface="+mn-ea"/>
+                <a:cs typeface="+mn-cs"/>
+              </a:defRPr>
+            </a:lvl8pPr>
+            <a:lvl9pPr marL="3657600" algn="l" defTabSz="914400" rtl="0" eaLnBrk="1" latinLnBrk="0" hangingPunct="1">
+              <a:defRPr sz="1800" kern="1200">
+                <a:solidFill>
+                  <a:schemeClr val="lt1"/>
+                </a:solidFill>
+                <a:latin typeface="+mn-lt"/>
+                <a:ea typeface="+mn-ea"/>
+                <a:cs typeface="+mn-cs"/>
+              </a:defRPr>
+            </a:lvl9pPr>
+          </a:lstStyle>
+          <a:p>
+            <a:pPr algn="ctr"/>
+            <a:r>
+              <a:rPr lang="en-US" sz="1200" dirty="0"/>
+              <a:t>Sample</a:t>
+            </a:r>
+          </a:p>
+        </p:txBody>
+      </p:sp>
+      <p:cxnSp>
+        <p:nvCxnSpPr>
+          <p:cNvPr id="53" name="Straight Arrow Connector 52">
+            <a:extLst>
+              <a:ext uri="{FF2B5EF4-FFF2-40B4-BE49-F238E27FC236}">
+                <a16:creationId xmlns:a16="http://schemas.microsoft.com/office/drawing/2014/main" id="{E5A2F908-7466-3809-B71C-62515F13FB1E}"/>
+              </a:ext>
+            </a:extLst>
+          </p:cNvPr>
+          <p:cNvCxnSpPr>
+            <a:cxnSpLocks/>
+            <a:stCxn id="49" idx="3"/>
+            <a:endCxn id="47" idx="1"/>
+          </p:cNvCxnSpPr>
+          <p:nvPr/>
+        </p:nvCxnSpPr>
+        <p:spPr>
+          <a:xfrm>
+            <a:off x="3895822" y="3658787"/>
+            <a:ext cx="2110039" cy="0"/>
+          </a:xfrm>
+          <a:prstGeom prst="straightConnector1">
+            <a:avLst/>
+          </a:prstGeom>
+          <a:ln>
+            <a:tailEnd type="triangle"/>
+          </a:ln>
+        </p:spPr>
+        <p:style>
+          <a:lnRef idx="1">
+            <a:schemeClr val="accent6"/>
+          </a:lnRef>
+          <a:fillRef idx="0">
+            <a:schemeClr val="accent6"/>
+          </a:fillRef>
+          <a:effectRef idx="0">
+            <a:schemeClr val="accent6"/>
+          </a:effectRef>
+          <a:fontRef idx="minor">
+            <a:schemeClr val="tx1"/>
+          </a:fontRef>
+        </p:style>
+      </p:cxnSp>
+      <p:cxnSp>
+        <p:nvCxnSpPr>
+          <p:cNvPr id="54" name="Connector: Elbow 53">
+            <a:extLst>
+              <a:ext uri="{FF2B5EF4-FFF2-40B4-BE49-F238E27FC236}">
+                <a16:creationId xmlns:a16="http://schemas.microsoft.com/office/drawing/2014/main" id="{9A1DFE98-33E3-8CED-6E66-9B5413A3E3F4}"/>
+              </a:ext>
+            </a:extLst>
+          </p:cNvPr>
+          <p:cNvCxnSpPr>
+            <a:cxnSpLocks/>
+            <a:stCxn id="49" idx="2"/>
+          </p:cNvCxnSpPr>
+          <p:nvPr/>
+        </p:nvCxnSpPr>
+        <p:spPr>
+          <a:xfrm rot="16200000" flipH="1">
+            <a:off x="5194607" y="2089590"/>
+            <a:ext cx="519595" cy="4019100"/>
+          </a:xfrm>
+          <a:prstGeom prst="bentConnector2">
+            <a:avLst/>
+          </a:prstGeom>
+          <a:ln>
+            <a:tailEnd type="triangle"/>
+          </a:ln>
+        </p:spPr>
+        <p:style>
+          <a:lnRef idx="1">
+            <a:schemeClr val="accent2"/>
+          </a:lnRef>
+          <a:fillRef idx="0">
+            <a:schemeClr val="accent2"/>
+          </a:fillRef>
+          <a:effectRef idx="0">
+            <a:schemeClr val="accent2"/>
+          </a:effectRef>
+          <a:fontRef idx="minor">
+            <a:schemeClr val="tx1"/>
+          </a:fontRef>
+        </p:style>
+      </p:cxnSp>
+      <p:cxnSp>
+        <p:nvCxnSpPr>
+          <p:cNvPr id="55" name="Straight Arrow Connector 54">
+            <a:extLst>
+              <a:ext uri="{FF2B5EF4-FFF2-40B4-BE49-F238E27FC236}">
+                <a16:creationId xmlns:a16="http://schemas.microsoft.com/office/drawing/2014/main" id="{0CC28CF4-4AF7-4EB0-EE10-6CFC0A76B40B}"/>
+              </a:ext>
+            </a:extLst>
+          </p:cNvPr>
+          <p:cNvCxnSpPr>
+            <a:cxnSpLocks/>
+            <a:stCxn id="47" idx="3"/>
+          </p:cNvCxnSpPr>
+          <p:nvPr/>
+        </p:nvCxnSpPr>
+        <p:spPr>
+          <a:xfrm>
+            <a:off x="6907797" y="3658787"/>
+            <a:ext cx="556157" cy="0"/>
+          </a:xfrm>
+          <a:prstGeom prst="straightConnector1">
+            <a:avLst/>
+          </a:prstGeom>
+          <a:ln>
+            <a:tailEnd type="triangle"/>
+          </a:ln>
+        </p:spPr>
+        <p:style>
+          <a:lnRef idx="1">
+            <a:schemeClr val="accent6"/>
+          </a:lnRef>
+          <a:fillRef idx="0">
+            <a:schemeClr val="accent6"/>
+          </a:fillRef>
+          <a:effectRef idx="0">
+            <a:schemeClr val="accent6"/>
+          </a:effectRef>
+          <a:fontRef idx="minor">
+            <a:schemeClr val="tx1"/>
+          </a:fontRef>
+        </p:style>
+      </p:cxnSp>
+      <p:cxnSp>
+        <p:nvCxnSpPr>
+          <p:cNvPr id="56" name="Connector: Elbow 55">
+            <a:extLst>
+              <a:ext uri="{FF2B5EF4-FFF2-40B4-BE49-F238E27FC236}">
+                <a16:creationId xmlns:a16="http://schemas.microsoft.com/office/drawing/2014/main" id="{D73085EC-C83E-B409-D1DF-C4321E7F4931}"/>
+              </a:ext>
+            </a:extLst>
+          </p:cNvPr>
+          <p:cNvCxnSpPr>
+            <a:cxnSpLocks/>
+            <a:stCxn id="47" idx="2"/>
+          </p:cNvCxnSpPr>
+          <p:nvPr/>
+        </p:nvCxnSpPr>
+        <p:spPr>
+          <a:xfrm rot="16200000" flipH="1">
+            <a:off x="6870114" y="3426057"/>
+            <a:ext cx="180556" cy="1007127"/>
+          </a:xfrm>
+          <a:prstGeom prst="bentConnector2">
+            <a:avLst/>
+          </a:prstGeom>
+          <a:ln>
+            <a:tailEnd type="triangle"/>
+          </a:ln>
+        </p:spPr>
+        <p:style>
+          <a:lnRef idx="1">
+            <a:schemeClr val="accent2"/>
+          </a:lnRef>
+          <a:fillRef idx="0">
+            <a:schemeClr val="accent2"/>
+          </a:fillRef>
+          <a:effectRef idx="0">
+            <a:schemeClr val="accent2"/>
+          </a:effectRef>
+          <a:fontRef idx="minor">
+            <a:schemeClr val="tx1"/>
+          </a:fontRef>
+        </p:style>
+      </p:cxnSp>
+      <mc:AlternateContent xmlns:mc="http://schemas.openxmlformats.org/markup-compatibility/2006">
+        <mc:Choice xmlns:a14="http://schemas.microsoft.com/office/drawing/2010/main" Requires="a14">
+          <p:sp>
+            <p:nvSpPr>
+              <p:cNvPr id="57" name="TextBox 56">
+                <a:extLst>
+                  <a:ext uri="{FF2B5EF4-FFF2-40B4-BE49-F238E27FC236}">
+                    <a16:creationId xmlns:a16="http://schemas.microsoft.com/office/drawing/2014/main" id="{387FF9CF-809C-F257-A9D6-F38CCB310669}"/>
+                  </a:ext>
+                </a:extLst>
+              </p:cNvPr>
+              <p:cNvSpPr txBox="1"/>
+              <p:nvPr/>
+            </p:nvSpPr>
+            <p:spPr>
+              <a:xfrm>
+                <a:off x="3214783" y="4096197"/>
+                <a:ext cx="1362075" cy="291298"/>
+              </a:xfrm>
+              <a:prstGeom prst="rect">
+                <a:avLst/>
+              </a:prstGeom>
+              <a:noFill/>
+            </p:spPr>
+            <p:txBody>
+              <a:bodyPr wrap="square">
+                <a:spAutoFit/>
+              </a:bodyPr>
+              <a:lstStyle/>
+              <a:p>
+                <a:pPr/>
+                <a14:m>
+                  <m:oMathPara xmlns:m="http://schemas.openxmlformats.org/officeDocument/2006/math">
+                    <m:oMathParaPr>
+                      <m:jc m:val="centerGroup"/>
+                    </m:oMathParaPr>
+                    <m:oMath xmlns:m="http://schemas.openxmlformats.org/officeDocument/2006/math">
+                      <m:sSub>
+                        <m:sSubPr>
+                          <m:ctrlPr>
+                            <a:rPr lang="en-GB" sz="1200" b="0" i="1" smtClean="0">
+                              <a:latin typeface="Cambria Math" panose="02040503050406030204" pitchFamily="18" charset="0"/>
+                            </a:rPr>
+                          </m:ctrlPr>
+                        </m:sSubPr>
+                        <m:e>
+                          <m:r>
+                            <a:rPr lang="en-GB" sz="1200" b="0" i="1" smtClean="0">
+                              <a:latin typeface="Cambria Math" panose="02040503050406030204" pitchFamily="18" charset="0"/>
+                            </a:rPr>
+                            <m:t>1−</m:t>
+                          </m:r>
+                          <m:r>
+                            <a:rPr lang="en-GB" sz="1200" b="0" i="1" smtClean="0">
+                              <a:latin typeface="Cambria Math" panose="02040503050406030204" pitchFamily="18" charset="0"/>
+                            </a:rPr>
+                            <m:t>𝑃</m:t>
+                          </m:r>
+                        </m:e>
+                        <m:sub>
+                          <m:r>
+                            <a:rPr lang="en-GB" sz="1200" b="0" i="1" smtClean="0">
+                              <a:latin typeface="Cambria Math" panose="02040503050406030204" pitchFamily="18" charset="0"/>
+                            </a:rPr>
+                            <m:t>𝑠𝑝𝑢𝑡𝑢𝑚</m:t>
+                          </m:r>
+                        </m:sub>
+                      </m:sSub>
+                    </m:oMath>
+                  </m:oMathPara>
+                </a14:m>
+                <a:endParaRPr lang="en-GB" sz="1200" dirty="0"/>
+              </a:p>
+            </p:txBody>
+          </p:sp>
+        </mc:Choice>
+        <mc:Fallback>
+          <p:sp>
+            <p:nvSpPr>
+              <p:cNvPr id="57" name="TextBox 56">
+                <a:extLst>
+                  <a:ext uri="{FF2B5EF4-FFF2-40B4-BE49-F238E27FC236}">
+                    <a16:creationId xmlns:a16="http://schemas.microsoft.com/office/drawing/2014/main" id="{387FF9CF-809C-F257-A9D6-F38CCB310669}"/>
+                  </a:ext>
+                </a:extLst>
+              </p:cNvPr>
+              <p:cNvSpPr txBox="1">
+                <a:spLocks noRot="1" noChangeAspect="1" noMove="1" noResize="1" noEditPoints="1" noAdjustHandles="1" noChangeArrowheads="1" noChangeShapeType="1" noTextEdit="1"/>
+              </p:cNvSpPr>
+              <p:nvPr/>
+            </p:nvSpPr>
+            <p:spPr>
+              <a:xfrm>
+                <a:off x="3214783" y="4096197"/>
+                <a:ext cx="1362075" cy="291298"/>
+              </a:xfrm>
+              <a:prstGeom prst="rect">
+                <a:avLst/>
+              </a:prstGeom>
+              <a:blipFill>
+                <a:blip r:embed="rId4"/>
+                <a:stretch>
+                  <a:fillRect/>
+                </a:stretch>
+              </a:blipFill>
+            </p:spPr>
+            <p:txBody>
+              <a:bodyPr/>
+              <a:lstStyle/>
+              <a:p>
+                <a:r>
+                  <a:rPr lang="en-GB">
+                    <a:noFill/>
+                  </a:rPr>
+                  <a:t> </a:t>
+                </a:r>
+              </a:p>
+            </p:txBody>
+          </p:sp>
+        </mc:Fallback>
+      </mc:AlternateContent>
+      <mc:AlternateContent xmlns:mc="http://schemas.openxmlformats.org/markup-compatibility/2006">
+        <mc:Choice xmlns:a14="http://schemas.microsoft.com/office/drawing/2010/main" Requires="a14">
+          <p:sp>
+            <p:nvSpPr>
+              <p:cNvPr id="60" name="TextBox 59">
+                <a:extLst>
+                  <a:ext uri="{FF2B5EF4-FFF2-40B4-BE49-F238E27FC236}">
+                    <a16:creationId xmlns:a16="http://schemas.microsoft.com/office/drawing/2014/main" id="{DDB73559-A739-EEE0-A8CD-4962E51CDF04}"/>
+                  </a:ext>
+                </a:extLst>
+              </p:cNvPr>
+              <p:cNvSpPr txBox="1"/>
+              <p:nvPr/>
+            </p:nvSpPr>
+            <p:spPr>
+              <a:xfrm>
+                <a:off x="3831540" y="3351660"/>
+                <a:ext cx="665721" cy="291298"/>
+              </a:xfrm>
+              <a:prstGeom prst="rect">
+                <a:avLst/>
+              </a:prstGeom>
+              <a:noFill/>
+            </p:spPr>
+            <p:txBody>
+              <a:bodyPr wrap="square">
+                <a:spAutoFit/>
+              </a:bodyPr>
+              <a:lstStyle/>
+              <a:p>
+                <a:pPr/>
+                <a14:m>
+                  <m:oMathPara xmlns:m="http://schemas.openxmlformats.org/officeDocument/2006/math">
+                    <m:oMathParaPr>
+                      <m:jc m:val="centerGroup"/>
+                    </m:oMathParaPr>
+                    <m:oMath xmlns:m="http://schemas.openxmlformats.org/officeDocument/2006/math">
+                      <m:sSub>
+                        <m:sSubPr>
+                          <m:ctrlPr>
+                            <a:rPr lang="en-GB" sz="1200" i="1">
+                              <a:latin typeface="Cambria Math" panose="02040503050406030204" pitchFamily="18" charset="0"/>
+                            </a:rPr>
+                          </m:ctrlPr>
+                        </m:sSubPr>
+                        <m:e>
+                          <m:r>
+                            <a:rPr lang="en-GB" sz="1200" i="1">
+                              <a:latin typeface="Cambria Math" panose="02040503050406030204" pitchFamily="18" charset="0"/>
+                            </a:rPr>
+                            <m:t>𝑃</m:t>
+                          </m:r>
+                        </m:e>
+                        <m:sub>
+                          <m:r>
+                            <a:rPr lang="en-GB" sz="1200" i="1">
+                              <a:latin typeface="Cambria Math" panose="02040503050406030204" pitchFamily="18" charset="0"/>
+                            </a:rPr>
+                            <m:t>𝑠𝑝𝑢𝑡𝑢𝑚</m:t>
+                          </m:r>
+                        </m:sub>
+                      </m:sSub>
+                    </m:oMath>
+                  </m:oMathPara>
+                </a14:m>
+                <a:endParaRPr lang="en-GB" sz="1200" dirty="0"/>
+              </a:p>
+            </p:txBody>
+          </p:sp>
+        </mc:Choice>
+        <mc:Fallback>
+          <p:sp>
+            <p:nvSpPr>
+              <p:cNvPr id="60" name="TextBox 59">
+                <a:extLst>
+                  <a:ext uri="{FF2B5EF4-FFF2-40B4-BE49-F238E27FC236}">
+                    <a16:creationId xmlns:a16="http://schemas.microsoft.com/office/drawing/2014/main" id="{DDB73559-A739-EEE0-A8CD-4962E51CDF04}"/>
+                  </a:ext>
+                </a:extLst>
+              </p:cNvPr>
+              <p:cNvSpPr txBox="1">
+                <a:spLocks noRot="1" noChangeAspect="1" noMove="1" noResize="1" noEditPoints="1" noAdjustHandles="1" noChangeArrowheads="1" noChangeShapeType="1" noTextEdit="1"/>
+              </p:cNvSpPr>
+              <p:nvPr/>
+            </p:nvSpPr>
+            <p:spPr>
+              <a:xfrm>
+                <a:off x="3831540" y="3351660"/>
+                <a:ext cx="665721" cy="291298"/>
+              </a:xfrm>
+              <a:prstGeom prst="rect">
+                <a:avLst/>
+              </a:prstGeom>
+              <a:blipFill>
+                <a:blip r:embed="rId5"/>
+                <a:stretch>
+                  <a:fillRect/>
+                </a:stretch>
+              </a:blipFill>
+            </p:spPr>
+            <p:txBody>
+              <a:bodyPr/>
+              <a:lstStyle/>
+              <a:p>
+                <a:r>
+                  <a:rPr lang="en-GB">
+                    <a:noFill/>
+                  </a:rPr>
+                  <a:t> </a:t>
+                </a:r>
+              </a:p>
+            </p:txBody>
+          </p:sp>
+        </mc:Fallback>
+      </mc:AlternateContent>
+      <p:sp>
+        <p:nvSpPr>
+          <p:cNvPr id="61" name="Rectangle 60">
+            <a:extLst>
+              <a:ext uri="{FF2B5EF4-FFF2-40B4-BE49-F238E27FC236}">
+                <a16:creationId xmlns:a16="http://schemas.microsoft.com/office/drawing/2014/main" id="{17BAA462-D5A3-93AB-A0F7-42A347C188DA}"/>
+              </a:ext>
+            </a:extLst>
+          </p:cNvPr>
+          <p:cNvSpPr/>
+          <p:nvPr/>
+        </p:nvSpPr>
+        <p:spPr>
+          <a:xfrm>
+            <a:off x="7536858" y="3151105"/>
+            <a:ext cx="1892063" cy="617966"/>
+          </a:xfrm>
+          <a:prstGeom prst="rect">
+            <a:avLst/>
+          </a:prstGeom>
+          <a:ln/>
+        </p:spPr>
+        <p:style>
+          <a:lnRef idx="2">
+            <a:schemeClr val="accent6"/>
+          </a:lnRef>
+          <a:fillRef idx="1">
+            <a:schemeClr val="lt1"/>
+          </a:fillRef>
+          <a:effectRef idx="0">
+            <a:schemeClr val="accent6"/>
+          </a:effectRef>
+          <a:fontRef idx="minor">
+            <a:schemeClr val="dk1"/>
+          </a:fontRef>
+        </p:style>
+        <p:txBody>
+          <a:bodyPr rtlCol="0" anchor="ctr"/>
+          <a:lstStyle/>
+          <a:p>
+            <a:pPr algn="ctr"/>
+            <a:r>
+              <a:rPr lang="en-US" sz="1400" dirty="0"/>
+              <a:t>Test positive</a:t>
+            </a:r>
+            <a:endParaRPr lang="en-GB" sz="1400" dirty="0"/>
+          </a:p>
+        </p:txBody>
+      </p:sp>
+      <p:sp>
+        <p:nvSpPr>
+          <p:cNvPr id="62" name="Rectangle 61">
+            <a:extLst>
+              <a:ext uri="{FF2B5EF4-FFF2-40B4-BE49-F238E27FC236}">
+                <a16:creationId xmlns:a16="http://schemas.microsoft.com/office/drawing/2014/main" id="{D9F4CDFA-3A3F-8F02-F9A7-2195A11935FF}"/>
+              </a:ext>
+            </a:extLst>
+          </p:cNvPr>
+          <p:cNvSpPr/>
+          <p:nvPr/>
+        </p:nvSpPr>
+        <p:spPr>
+          <a:xfrm>
+            <a:off x="7536858" y="3839342"/>
+            <a:ext cx="1892063" cy="694344"/>
+          </a:xfrm>
+          <a:prstGeom prst="rect">
+            <a:avLst/>
+          </a:prstGeom>
+          <a:ln/>
+        </p:spPr>
+        <p:style>
+          <a:lnRef idx="2">
+            <a:schemeClr val="accent2"/>
+          </a:lnRef>
+          <a:fillRef idx="1">
+            <a:schemeClr val="lt1"/>
+          </a:fillRef>
+          <a:effectRef idx="0">
+            <a:schemeClr val="accent2"/>
+          </a:effectRef>
+          <a:fontRef idx="minor">
+            <a:schemeClr val="dk1"/>
+          </a:fontRef>
+        </p:style>
+        <p:txBody>
+          <a:bodyPr rtlCol="0" anchor="ctr"/>
+          <a:lstStyle/>
+          <a:p>
+            <a:pPr algn="ctr"/>
+            <a:r>
+              <a:rPr lang="en-US" sz="1400" dirty="0"/>
+              <a:t>Test negative</a:t>
+            </a:r>
+          </a:p>
+          <a:p>
+            <a:pPr algn="ctr"/>
+            <a:endParaRPr lang="en-US" sz="1400" dirty="0"/>
+          </a:p>
+          <a:p>
+            <a:pPr algn="ctr"/>
+            <a:r>
+              <a:rPr lang="en-US" sz="1400" dirty="0"/>
+              <a:t>Fail to collect sample</a:t>
+            </a:r>
+          </a:p>
+        </p:txBody>
+      </p:sp>
+      <p:sp>
+        <p:nvSpPr>
+          <p:cNvPr id="63" name="Rectangle 62">
+            <a:extLst>
+              <a:ext uri="{FF2B5EF4-FFF2-40B4-BE49-F238E27FC236}">
+                <a16:creationId xmlns:a16="http://schemas.microsoft.com/office/drawing/2014/main" id="{8728BAB8-F8A8-42BB-69E3-2CD68281A84F}"/>
+              </a:ext>
+            </a:extLst>
+          </p:cNvPr>
+          <p:cNvSpPr/>
+          <p:nvPr/>
+        </p:nvSpPr>
+        <p:spPr>
+          <a:xfrm>
+            <a:off x="2680596" y="1874869"/>
+            <a:ext cx="4583334" cy="617966"/>
+          </a:xfrm>
+          <a:prstGeom prst="rect">
+            <a:avLst/>
+          </a:prstGeom>
+          <a:ln>
+            <a:prstDash val="sysDot"/>
+          </a:ln>
+        </p:spPr>
+        <p:style>
+          <a:lnRef idx="2">
+            <a:schemeClr val="accent1"/>
+          </a:lnRef>
+          <a:fillRef idx="1">
+            <a:schemeClr val="lt1"/>
+          </a:fillRef>
+          <a:effectRef idx="0">
+            <a:schemeClr val="accent1"/>
+          </a:effectRef>
+          <a:fontRef idx="minor">
+            <a:schemeClr val="dk1"/>
+          </a:fontRef>
+        </p:style>
+        <p:txBody>
+          <a:bodyPr rtlCol="0" anchor="ctr"/>
+          <a:lstStyle/>
+          <a:p>
+            <a:pPr algn="ctr"/>
+            <a:endParaRPr lang="en-GB"/>
+          </a:p>
+        </p:txBody>
+      </p:sp>
+      <p:sp>
+        <p:nvSpPr>
+          <p:cNvPr id="452" name="Rectangle 451">
+            <a:extLst>
+              <a:ext uri="{FF2B5EF4-FFF2-40B4-BE49-F238E27FC236}">
+                <a16:creationId xmlns:a16="http://schemas.microsoft.com/office/drawing/2014/main" id="{6D51C6B1-BF65-8150-4BA2-5A21569E6016}"/>
+              </a:ext>
+            </a:extLst>
+          </p:cNvPr>
+          <p:cNvSpPr/>
+          <p:nvPr/>
+        </p:nvSpPr>
+        <p:spPr>
+          <a:xfrm>
+            <a:off x="4459161" y="2003296"/>
+            <a:ext cx="901936" cy="361112"/>
+          </a:xfrm>
+          <a:prstGeom prst="rect">
+            <a:avLst/>
+          </a:prstGeom>
+        </p:spPr>
+        <p:style>
+          <a:lnRef idx="2">
+            <a:schemeClr val="accent1">
+              <a:shade val="15000"/>
+            </a:schemeClr>
+          </a:lnRef>
+          <a:fillRef idx="1">
+            <a:schemeClr val="accent1"/>
+          </a:fillRef>
+          <a:effectRef idx="0">
+            <a:schemeClr val="accent1"/>
+          </a:effectRef>
+          <a:fontRef idx="minor">
+            <a:schemeClr val="lt1"/>
+          </a:fontRef>
+        </p:style>
+        <p:txBody>
+          <a:bodyPr rtlCol="0" anchor="ctr"/>
+          <a:lstStyle>
+            <a:defPPr>
+              <a:defRPr lang="en-US"/>
+            </a:defPPr>
+            <a:lvl1pPr marL="0" algn="l" defTabSz="914400" rtl="0" eaLnBrk="1" latinLnBrk="0" hangingPunct="1">
+              <a:defRPr sz="1800" kern="1200">
+                <a:solidFill>
+                  <a:schemeClr val="lt1"/>
+                </a:solidFill>
+                <a:latin typeface="+mn-lt"/>
+                <a:ea typeface="+mn-ea"/>
+                <a:cs typeface="+mn-cs"/>
+              </a:defRPr>
+            </a:lvl1pPr>
+            <a:lvl2pPr marL="457200" algn="l" defTabSz="914400" rtl="0" eaLnBrk="1" latinLnBrk="0" hangingPunct="1">
+              <a:defRPr sz="1800" kern="1200">
+                <a:solidFill>
+                  <a:schemeClr val="lt1"/>
+                </a:solidFill>
+                <a:latin typeface="+mn-lt"/>
+                <a:ea typeface="+mn-ea"/>
+                <a:cs typeface="+mn-cs"/>
+              </a:defRPr>
+            </a:lvl2pPr>
+            <a:lvl3pPr marL="914400" algn="l" defTabSz="914400" rtl="0" eaLnBrk="1" latinLnBrk="0" hangingPunct="1">
+              <a:defRPr sz="1800" kern="1200">
+                <a:solidFill>
+                  <a:schemeClr val="lt1"/>
+                </a:solidFill>
+                <a:latin typeface="+mn-lt"/>
+                <a:ea typeface="+mn-ea"/>
+                <a:cs typeface="+mn-cs"/>
+              </a:defRPr>
+            </a:lvl3pPr>
+            <a:lvl4pPr marL="1371600" algn="l" defTabSz="914400" rtl="0" eaLnBrk="1" latinLnBrk="0" hangingPunct="1">
+              <a:defRPr sz="1800" kern="1200">
+                <a:solidFill>
+                  <a:schemeClr val="lt1"/>
+                </a:solidFill>
+                <a:latin typeface="+mn-lt"/>
+                <a:ea typeface="+mn-ea"/>
+                <a:cs typeface="+mn-cs"/>
+              </a:defRPr>
+            </a:lvl4pPr>
+            <a:lvl5pPr marL="1828800" algn="l" defTabSz="914400" rtl="0" eaLnBrk="1" latinLnBrk="0" hangingPunct="1">
+              <a:defRPr sz="1800" kern="1200">
+                <a:solidFill>
+                  <a:schemeClr val="lt1"/>
+                </a:solidFill>
+                <a:latin typeface="+mn-lt"/>
+                <a:ea typeface="+mn-ea"/>
+                <a:cs typeface="+mn-cs"/>
+              </a:defRPr>
+            </a:lvl5pPr>
+            <a:lvl6pPr marL="2286000" algn="l" defTabSz="914400" rtl="0" eaLnBrk="1" latinLnBrk="0" hangingPunct="1">
+              <a:defRPr sz="1800" kern="1200">
+                <a:solidFill>
+                  <a:schemeClr val="lt1"/>
+                </a:solidFill>
+                <a:latin typeface="+mn-lt"/>
+                <a:ea typeface="+mn-ea"/>
+                <a:cs typeface="+mn-cs"/>
+              </a:defRPr>
+            </a:lvl6pPr>
+            <a:lvl7pPr marL="2743200" algn="l" defTabSz="914400" rtl="0" eaLnBrk="1" latinLnBrk="0" hangingPunct="1">
+              <a:defRPr sz="1800" kern="1200">
+                <a:solidFill>
+                  <a:schemeClr val="lt1"/>
+                </a:solidFill>
+                <a:latin typeface="+mn-lt"/>
+                <a:ea typeface="+mn-ea"/>
+                <a:cs typeface="+mn-cs"/>
+              </a:defRPr>
+            </a:lvl7pPr>
+            <a:lvl8pPr marL="3200400" algn="l" defTabSz="914400" rtl="0" eaLnBrk="1" latinLnBrk="0" hangingPunct="1">
+              <a:defRPr sz="1800" kern="1200">
+                <a:solidFill>
+                  <a:schemeClr val="lt1"/>
+                </a:solidFill>
+                <a:latin typeface="+mn-lt"/>
+                <a:ea typeface="+mn-ea"/>
+                <a:cs typeface="+mn-cs"/>
+              </a:defRPr>
+            </a:lvl8pPr>
+            <a:lvl9pPr marL="3657600" algn="l" defTabSz="914400" rtl="0" eaLnBrk="1" latinLnBrk="0" hangingPunct="1">
+              <a:defRPr sz="1800" kern="1200">
+                <a:solidFill>
+                  <a:schemeClr val="lt1"/>
+                </a:solidFill>
+                <a:latin typeface="+mn-lt"/>
+                <a:ea typeface="+mn-ea"/>
+                <a:cs typeface="+mn-cs"/>
+              </a:defRPr>
+            </a:lvl9pPr>
+          </a:lstStyle>
+          <a:p>
+            <a:pPr algn="ctr"/>
+            <a:r>
+              <a:rPr lang="en-US" sz="1200" dirty="0"/>
+              <a:t>SSM</a:t>
+            </a:r>
+          </a:p>
+        </p:txBody>
+      </p:sp>
+      <p:sp>
+        <p:nvSpPr>
+          <p:cNvPr id="453" name="Rectangle 452">
+            <a:extLst>
+              <a:ext uri="{FF2B5EF4-FFF2-40B4-BE49-F238E27FC236}">
+                <a16:creationId xmlns:a16="http://schemas.microsoft.com/office/drawing/2014/main" id="{45E83AEA-3BED-7643-C340-3730AE3DAB04}"/>
+              </a:ext>
+            </a:extLst>
+          </p:cNvPr>
+          <p:cNvSpPr/>
+          <p:nvPr/>
+        </p:nvSpPr>
+        <p:spPr>
+          <a:xfrm>
+            <a:off x="2993886" y="2003296"/>
+            <a:ext cx="901936" cy="361112"/>
+          </a:xfrm>
+          <a:prstGeom prst="rect">
+            <a:avLst/>
+          </a:prstGeom>
+        </p:spPr>
+        <p:style>
+          <a:lnRef idx="2">
+            <a:schemeClr val="accent1">
+              <a:shade val="15000"/>
+            </a:schemeClr>
+          </a:lnRef>
+          <a:fillRef idx="1">
+            <a:schemeClr val="accent1"/>
+          </a:fillRef>
+          <a:effectRef idx="0">
+            <a:schemeClr val="accent1"/>
+          </a:effectRef>
+          <a:fontRef idx="minor">
+            <a:schemeClr val="lt1"/>
+          </a:fontRef>
+        </p:style>
+        <p:txBody>
+          <a:bodyPr rtlCol="0" anchor="ctr"/>
+          <a:lstStyle>
+            <a:defPPr>
+              <a:defRPr lang="en-US"/>
+            </a:defPPr>
+            <a:lvl1pPr marL="0" algn="l" defTabSz="914400" rtl="0" eaLnBrk="1" latinLnBrk="0" hangingPunct="1">
+              <a:defRPr sz="1800" kern="1200">
+                <a:solidFill>
+                  <a:schemeClr val="lt1"/>
+                </a:solidFill>
+                <a:latin typeface="+mn-lt"/>
+                <a:ea typeface="+mn-ea"/>
+                <a:cs typeface="+mn-cs"/>
+              </a:defRPr>
+            </a:lvl1pPr>
+            <a:lvl2pPr marL="457200" algn="l" defTabSz="914400" rtl="0" eaLnBrk="1" latinLnBrk="0" hangingPunct="1">
+              <a:defRPr sz="1800" kern="1200">
+                <a:solidFill>
+                  <a:schemeClr val="lt1"/>
+                </a:solidFill>
+                <a:latin typeface="+mn-lt"/>
+                <a:ea typeface="+mn-ea"/>
+                <a:cs typeface="+mn-cs"/>
+              </a:defRPr>
+            </a:lvl2pPr>
+            <a:lvl3pPr marL="914400" algn="l" defTabSz="914400" rtl="0" eaLnBrk="1" latinLnBrk="0" hangingPunct="1">
+              <a:defRPr sz="1800" kern="1200">
+                <a:solidFill>
+                  <a:schemeClr val="lt1"/>
+                </a:solidFill>
+                <a:latin typeface="+mn-lt"/>
+                <a:ea typeface="+mn-ea"/>
+                <a:cs typeface="+mn-cs"/>
+              </a:defRPr>
+            </a:lvl3pPr>
+            <a:lvl4pPr marL="1371600" algn="l" defTabSz="914400" rtl="0" eaLnBrk="1" latinLnBrk="0" hangingPunct="1">
+              <a:defRPr sz="1800" kern="1200">
+                <a:solidFill>
+                  <a:schemeClr val="lt1"/>
+                </a:solidFill>
+                <a:latin typeface="+mn-lt"/>
+                <a:ea typeface="+mn-ea"/>
+                <a:cs typeface="+mn-cs"/>
+              </a:defRPr>
+            </a:lvl4pPr>
+            <a:lvl5pPr marL="1828800" algn="l" defTabSz="914400" rtl="0" eaLnBrk="1" latinLnBrk="0" hangingPunct="1">
+              <a:defRPr sz="1800" kern="1200">
+                <a:solidFill>
+                  <a:schemeClr val="lt1"/>
+                </a:solidFill>
+                <a:latin typeface="+mn-lt"/>
+                <a:ea typeface="+mn-ea"/>
+                <a:cs typeface="+mn-cs"/>
+              </a:defRPr>
+            </a:lvl5pPr>
+            <a:lvl6pPr marL="2286000" algn="l" defTabSz="914400" rtl="0" eaLnBrk="1" latinLnBrk="0" hangingPunct="1">
+              <a:defRPr sz="1800" kern="1200">
+                <a:solidFill>
+                  <a:schemeClr val="lt1"/>
+                </a:solidFill>
+                <a:latin typeface="+mn-lt"/>
+                <a:ea typeface="+mn-ea"/>
+                <a:cs typeface="+mn-cs"/>
+              </a:defRPr>
+            </a:lvl6pPr>
+            <a:lvl7pPr marL="2743200" algn="l" defTabSz="914400" rtl="0" eaLnBrk="1" latinLnBrk="0" hangingPunct="1">
+              <a:defRPr sz="1800" kern="1200">
+                <a:solidFill>
+                  <a:schemeClr val="lt1"/>
+                </a:solidFill>
+                <a:latin typeface="+mn-lt"/>
+                <a:ea typeface="+mn-ea"/>
+                <a:cs typeface="+mn-cs"/>
+              </a:defRPr>
+            </a:lvl7pPr>
+            <a:lvl8pPr marL="3200400" algn="l" defTabSz="914400" rtl="0" eaLnBrk="1" latinLnBrk="0" hangingPunct="1">
+              <a:defRPr sz="1800" kern="1200">
+                <a:solidFill>
+                  <a:schemeClr val="lt1"/>
+                </a:solidFill>
+                <a:latin typeface="+mn-lt"/>
+                <a:ea typeface="+mn-ea"/>
+                <a:cs typeface="+mn-cs"/>
+              </a:defRPr>
+            </a:lvl8pPr>
+            <a:lvl9pPr marL="3657600" algn="l" defTabSz="914400" rtl="0" eaLnBrk="1" latinLnBrk="0" hangingPunct="1">
+              <a:defRPr sz="1800" kern="1200">
+                <a:solidFill>
+                  <a:schemeClr val="lt1"/>
+                </a:solidFill>
+                <a:latin typeface="+mn-lt"/>
+                <a:ea typeface="+mn-ea"/>
+                <a:cs typeface="+mn-cs"/>
+              </a:defRPr>
+            </a:lvl9pPr>
+          </a:lstStyle>
+          <a:p>
+            <a:pPr algn="ctr"/>
+            <a:r>
+              <a:rPr lang="en-US" sz="1200" dirty="0"/>
+              <a:t>Sample</a:t>
+            </a:r>
+          </a:p>
+        </p:txBody>
+      </p:sp>
+      <p:cxnSp>
+        <p:nvCxnSpPr>
+          <p:cNvPr id="457" name="Connector: Elbow 456">
+            <a:extLst>
+              <a:ext uri="{FF2B5EF4-FFF2-40B4-BE49-F238E27FC236}">
+                <a16:creationId xmlns:a16="http://schemas.microsoft.com/office/drawing/2014/main" id="{90E7C836-BF77-DDAB-6A95-AAA613E0B2BC}"/>
+              </a:ext>
+            </a:extLst>
+          </p:cNvPr>
+          <p:cNvCxnSpPr>
+            <a:cxnSpLocks/>
+            <a:stCxn id="452" idx="0"/>
+          </p:cNvCxnSpPr>
+          <p:nvPr/>
+        </p:nvCxnSpPr>
+        <p:spPr>
+          <a:xfrm rot="5400000" flipH="1" flipV="1">
+            <a:off x="6081735" y="621078"/>
+            <a:ext cx="210612" cy="2553825"/>
+          </a:xfrm>
+          <a:prstGeom prst="bentConnector2">
+            <a:avLst/>
+          </a:prstGeom>
+          <a:ln>
+            <a:tailEnd type="triangle"/>
+          </a:ln>
+        </p:spPr>
+        <p:style>
+          <a:lnRef idx="1">
+            <a:schemeClr val="accent6"/>
+          </a:lnRef>
+          <a:fillRef idx="0">
+            <a:schemeClr val="accent6"/>
+          </a:fillRef>
+          <a:effectRef idx="0">
+            <a:schemeClr val="accent6"/>
+          </a:effectRef>
+          <a:fontRef idx="minor">
+            <a:schemeClr val="tx1"/>
+          </a:fontRef>
+        </p:style>
+      </p:cxnSp>
+      <p:cxnSp>
+        <p:nvCxnSpPr>
+          <p:cNvPr id="458" name="Straight Arrow Connector 457">
+            <a:extLst>
+              <a:ext uri="{FF2B5EF4-FFF2-40B4-BE49-F238E27FC236}">
+                <a16:creationId xmlns:a16="http://schemas.microsoft.com/office/drawing/2014/main" id="{733632CC-B0F5-782C-49AB-22B3C2181739}"/>
+              </a:ext>
+            </a:extLst>
+          </p:cNvPr>
+          <p:cNvCxnSpPr>
+            <a:cxnSpLocks/>
+            <a:stCxn id="453" idx="3"/>
+            <a:endCxn id="452" idx="1"/>
+          </p:cNvCxnSpPr>
+          <p:nvPr/>
+        </p:nvCxnSpPr>
+        <p:spPr>
+          <a:xfrm>
+            <a:off x="3895822" y="2183852"/>
+            <a:ext cx="563339" cy="0"/>
+          </a:xfrm>
+          <a:prstGeom prst="straightConnector1">
+            <a:avLst/>
+          </a:prstGeom>
+          <a:ln>
+            <a:tailEnd type="triangle"/>
+          </a:ln>
+        </p:spPr>
+        <p:style>
+          <a:lnRef idx="1">
+            <a:schemeClr val="accent6"/>
+          </a:lnRef>
+          <a:fillRef idx="0">
+            <a:schemeClr val="accent6"/>
+          </a:fillRef>
+          <a:effectRef idx="0">
+            <a:schemeClr val="accent6"/>
+          </a:effectRef>
+          <a:fontRef idx="minor">
+            <a:schemeClr val="tx1"/>
+          </a:fontRef>
+        </p:style>
+      </p:cxnSp>
+      <p:cxnSp>
+        <p:nvCxnSpPr>
+          <p:cNvPr id="459" name="Connector: Elbow 458">
+            <a:extLst>
+              <a:ext uri="{FF2B5EF4-FFF2-40B4-BE49-F238E27FC236}">
+                <a16:creationId xmlns:a16="http://schemas.microsoft.com/office/drawing/2014/main" id="{B14ACBFC-7C86-704C-F679-DB3A9D2AE57A}"/>
+              </a:ext>
+            </a:extLst>
+          </p:cNvPr>
+          <p:cNvCxnSpPr>
+            <a:cxnSpLocks/>
+            <a:stCxn id="453" idx="2"/>
+          </p:cNvCxnSpPr>
+          <p:nvPr/>
+        </p:nvCxnSpPr>
+        <p:spPr>
+          <a:xfrm rot="16200000" flipH="1">
+            <a:off x="5194607" y="614655"/>
+            <a:ext cx="519595" cy="4019100"/>
+          </a:xfrm>
+          <a:prstGeom prst="bentConnector2">
+            <a:avLst/>
+          </a:prstGeom>
+          <a:ln>
+            <a:tailEnd type="triangle"/>
+          </a:ln>
+        </p:spPr>
+        <p:style>
+          <a:lnRef idx="1">
+            <a:schemeClr val="accent2"/>
+          </a:lnRef>
+          <a:fillRef idx="0">
+            <a:schemeClr val="accent2"/>
+          </a:fillRef>
+          <a:effectRef idx="0">
+            <a:schemeClr val="accent2"/>
+          </a:effectRef>
+          <a:fontRef idx="minor">
+            <a:schemeClr val="tx1"/>
+          </a:fontRef>
+        </p:style>
+      </p:cxnSp>
+      <p:cxnSp>
+        <p:nvCxnSpPr>
+          <p:cNvPr id="462" name="Connector: Elbow 461">
+            <a:extLst>
+              <a:ext uri="{FF2B5EF4-FFF2-40B4-BE49-F238E27FC236}">
+                <a16:creationId xmlns:a16="http://schemas.microsoft.com/office/drawing/2014/main" id="{25028A7B-3B65-9059-9B3D-68C36CC2D012}"/>
+              </a:ext>
+            </a:extLst>
+          </p:cNvPr>
+          <p:cNvCxnSpPr>
+            <a:cxnSpLocks/>
+            <a:stCxn id="452" idx="2"/>
+          </p:cNvCxnSpPr>
+          <p:nvPr/>
+        </p:nvCxnSpPr>
+        <p:spPr>
+          <a:xfrm rot="16200000" flipH="1">
+            <a:off x="6096764" y="1177773"/>
+            <a:ext cx="180556" cy="2553826"/>
+          </a:xfrm>
+          <a:prstGeom prst="bentConnector2">
+            <a:avLst/>
+          </a:prstGeom>
+          <a:ln>
+            <a:tailEnd type="triangle"/>
+          </a:ln>
+        </p:spPr>
+        <p:style>
+          <a:lnRef idx="1">
+            <a:schemeClr val="accent2"/>
+          </a:lnRef>
+          <a:fillRef idx="0">
+            <a:schemeClr val="accent2"/>
+          </a:fillRef>
+          <a:effectRef idx="0">
+            <a:schemeClr val="accent2"/>
+          </a:effectRef>
+          <a:fontRef idx="minor">
+            <a:schemeClr val="tx1"/>
+          </a:fontRef>
+        </p:style>
+      </p:cxnSp>
+      <mc:AlternateContent xmlns:mc="http://schemas.openxmlformats.org/markup-compatibility/2006">
+        <mc:Choice xmlns:a14="http://schemas.microsoft.com/office/drawing/2010/main" Requires="a14">
+          <p:sp>
+            <p:nvSpPr>
+              <p:cNvPr id="463" name="TextBox 462">
+                <a:extLst>
+                  <a:ext uri="{FF2B5EF4-FFF2-40B4-BE49-F238E27FC236}">
+                    <a16:creationId xmlns:a16="http://schemas.microsoft.com/office/drawing/2014/main" id="{DC2A3643-C8A7-0D54-6D47-DD8B06818371}"/>
+                  </a:ext>
+                </a:extLst>
+              </p:cNvPr>
+              <p:cNvSpPr txBox="1"/>
+              <p:nvPr/>
+            </p:nvSpPr>
+            <p:spPr>
+              <a:xfrm>
+                <a:off x="3214783" y="2621262"/>
+                <a:ext cx="1362075" cy="291298"/>
+              </a:xfrm>
+              <a:prstGeom prst="rect">
+                <a:avLst/>
+              </a:prstGeom>
+              <a:noFill/>
+            </p:spPr>
+            <p:txBody>
+              <a:bodyPr wrap="square">
+                <a:spAutoFit/>
+              </a:bodyPr>
+              <a:lstStyle/>
+              <a:p>
+                <a:pPr/>
+                <a14:m>
+                  <m:oMathPara xmlns:m="http://schemas.openxmlformats.org/officeDocument/2006/math">
+                    <m:oMathParaPr>
+                      <m:jc m:val="centerGroup"/>
+                    </m:oMathParaPr>
+                    <m:oMath xmlns:m="http://schemas.openxmlformats.org/officeDocument/2006/math">
+                      <m:sSub>
+                        <m:sSubPr>
+                          <m:ctrlPr>
+                            <a:rPr lang="en-GB" sz="1200" b="0" i="1" smtClean="0">
+                              <a:latin typeface="Cambria Math" panose="02040503050406030204" pitchFamily="18" charset="0"/>
+                            </a:rPr>
+                          </m:ctrlPr>
+                        </m:sSubPr>
+                        <m:e>
+                          <m:r>
+                            <a:rPr lang="en-GB" sz="1200" b="0" i="1" smtClean="0">
+                              <a:latin typeface="Cambria Math" panose="02040503050406030204" pitchFamily="18" charset="0"/>
+                            </a:rPr>
+                            <m:t>1−</m:t>
+                          </m:r>
+                          <m:r>
+                            <a:rPr lang="en-GB" sz="1200" b="0" i="1" smtClean="0">
+                              <a:latin typeface="Cambria Math" panose="02040503050406030204" pitchFamily="18" charset="0"/>
+                            </a:rPr>
+                            <m:t>𝑃</m:t>
+                          </m:r>
+                        </m:e>
+                        <m:sub>
+                          <m:r>
+                            <a:rPr lang="en-GB" sz="1200" b="0" i="1" smtClean="0">
+                              <a:latin typeface="Cambria Math" panose="02040503050406030204" pitchFamily="18" charset="0"/>
+                            </a:rPr>
+                            <m:t>𝑠𝑝𝑢𝑡𝑢𝑚</m:t>
+                          </m:r>
+                        </m:sub>
+                      </m:sSub>
+                    </m:oMath>
+                  </m:oMathPara>
+                </a14:m>
+                <a:endParaRPr lang="en-GB" sz="1200" dirty="0"/>
+              </a:p>
+            </p:txBody>
+          </p:sp>
+        </mc:Choice>
+        <mc:Fallback>
+          <p:sp>
+            <p:nvSpPr>
+              <p:cNvPr id="463" name="TextBox 462">
+                <a:extLst>
+                  <a:ext uri="{FF2B5EF4-FFF2-40B4-BE49-F238E27FC236}">
+                    <a16:creationId xmlns:a16="http://schemas.microsoft.com/office/drawing/2014/main" id="{DC2A3643-C8A7-0D54-6D47-DD8B06818371}"/>
+                  </a:ext>
+                </a:extLst>
+              </p:cNvPr>
+              <p:cNvSpPr txBox="1">
+                <a:spLocks noRot="1" noChangeAspect="1" noMove="1" noResize="1" noEditPoints="1" noAdjustHandles="1" noChangeArrowheads="1" noChangeShapeType="1" noTextEdit="1"/>
+              </p:cNvSpPr>
+              <p:nvPr/>
+            </p:nvSpPr>
+            <p:spPr>
+              <a:xfrm>
+                <a:off x="3214783" y="2621262"/>
+                <a:ext cx="1362075" cy="291298"/>
+              </a:xfrm>
+              <a:prstGeom prst="rect">
+                <a:avLst/>
+              </a:prstGeom>
+              <a:blipFill>
+                <a:blip r:embed="rId6"/>
+                <a:stretch>
+                  <a:fillRect/>
+                </a:stretch>
+              </a:blipFill>
+            </p:spPr>
+            <p:txBody>
+              <a:bodyPr/>
+              <a:lstStyle/>
+              <a:p>
+                <a:r>
+                  <a:rPr lang="en-GB">
+                    <a:noFill/>
+                  </a:rPr>
+                  <a:t> </a:t>
+                </a:r>
+              </a:p>
+            </p:txBody>
+          </p:sp>
+        </mc:Fallback>
+      </mc:AlternateContent>
+      <mc:AlternateContent xmlns:mc="http://schemas.openxmlformats.org/markup-compatibility/2006">
+        <mc:Choice xmlns:a14="http://schemas.microsoft.com/office/drawing/2010/main" Requires="a14">
+          <p:sp>
+            <p:nvSpPr>
+              <p:cNvPr id="464" name="TextBox 463">
+                <a:extLst>
+                  <a:ext uri="{FF2B5EF4-FFF2-40B4-BE49-F238E27FC236}">
+                    <a16:creationId xmlns:a16="http://schemas.microsoft.com/office/drawing/2014/main" id="{26E17BE6-E6BB-BED9-3819-158C92302AC1}"/>
+                  </a:ext>
+                </a:extLst>
+              </p:cNvPr>
+              <p:cNvSpPr txBox="1"/>
+              <p:nvPr/>
+            </p:nvSpPr>
+            <p:spPr>
+              <a:xfrm>
+                <a:off x="3831540" y="1876725"/>
+                <a:ext cx="665721" cy="291298"/>
+              </a:xfrm>
+              <a:prstGeom prst="rect">
+                <a:avLst/>
+              </a:prstGeom>
+              <a:noFill/>
+            </p:spPr>
+            <p:txBody>
+              <a:bodyPr wrap="square">
+                <a:spAutoFit/>
+              </a:bodyPr>
+              <a:lstStyle/>
+              <a:p>
+                <a:pPr/>
+                <a14:m>
+                  <m:oMathPara xmlns:m="http://schemas.openxmlformats.org/officeDocument/2006/math">
+                    <m:oMathParaPr>
+                      <m:jc m:val="centerGroup"/>
+                    </m:oMathParaPr>
+                    <m:oMath xmlns:m="http://schemas.openxmlformats.org/officeDocument/2006/math">
+                      <m:sSub>
+                        <m:sSubPr>
+                          <m:ctrlPr>
+                            <a:rPr lang="en-GB" sz="1200" i="1">
+                              <a:latin typeface="Cambria Math" panose="02040503050406030204" pitchFamily="18" charset="0"/>
+                            </a:rPr>
+                          </m:ctrlPr>
+                        </m:sSubPr>
+                        <m:e>
+                          <m:r>
+                            <a:rPr lang="en-GB" sz="1200" i="1">
+                              <a:latin typeface="Cambria Math" panose="02040503050406030204" pitchFamily="18" charset="0"/>
+                            </a:rPr>
+                            <m:t>𝑃</m:t>
+                          </m:r>
+                        </m:e>
+                        <m:sub>
+                          <m:r>
+                            <a:rPr lang="en-GB" sz="1200" i="1">
+                              <a:latin typeface="Cambria Math" panose="02040503050406030204" pitchFamily="18" charset="0"/>
+                            </a:rPr>
+                            <m:t>𝑠𝑝𝑢𝑡𝑢𝑚</m:t>
+                          </m:r>
+                        </m:sub>
+                      </m:sSub>
+                    </m:oMath>
+                  </m:oMathPara>
+                </a14:m>
+                <a:endParaRPr lang="en-GB" sz="1200" dirty="0"/>
+              </a:p>
+            </p:txBody>
+          </p:sp>
+        </mc:Choice>
+        <mc:Fallback>
+          <p:sp>
+            <p:nvSpPr>
+              <p:cNvPr id="464" name="TextBox 463">
+                <a:extLst>
+                  <a:ext uri="{FF2B5EF4-FFF2-40B4-BE49-F238E27FC236}">
+                    <a16:creationId xmlns:a16="http://schemas.microsoft.com/office/drawing/2014/main" id="{26E17BE6-E6BB-BED9-3819-158C92302AC1}"/>
+                  </a:ext>
+                </a:extLst>
+              </p:cNvPr>
+              <p:cNvSpPr txBox="1">
+                <a:spLocks noRot="1" noChangeAspect="1" noMove="1" noResize="1" noEditPoints="1" noAdjustHandles="1" noChangeArrowheads="1" noChangeShapeType="1" noTextEdit="1"/>
+              </p:cNvSpPr>
+              <p:nvPr/>
+            </p:nvSpPr>
+            <p:spPr>
+              <a:xfrm>
+                <a:off x="3831540" y="1876725"/>
+                <a:ext cx="665721" cy="291298"/>
+              </a:xfrm>
+              <a:prstGeom prst="rect">
+                <a:avLst/>
+              </a:prstGeom>
+              <a:blipFill>
+                <a:blip r:embed="rId5"/>
+                <a:stretch>
+                  <a:fillRect/>
+                </a:stretch>
+              </a:blipFill>
+            </p:spPr>
+            <p:txBody>
+              <a:bodyPr/>
+              <a:lstStyle/>
+              <a:p>
+                <a:r>
+                  <a:rPr lang="en-GB">
+                    <a:noFill/>
+                  </a:rPr>
+                  <a:t> </a:t>
+                </a:r>
+              </a:p>
+            </p:txBody>
+          </p:sp>
+        </mc:Fallback>
+      </mc:AlternateContent>
+      <p:sp>
+        <p:nvSpPr>
+          <p:cNvPr id="466" name="Rectangle 465">
+            <a:extLst>
+              <a:ext uri="{FF2B5EF4-FFF2-40B4-BE49-F238E27FC236}">
+                <a16:creationId xmlns:a16="http://schemas.microsoft.com/office/drawing/2014/main" id="{BCE99A88-2F91-3802-446D-F92C6114CEC8}"/>
+              </a:ext>
+            </a:extLst>
+          </p:cNvPr>
+          <p:cNvSpPr/>
+          <p:nvPr/>
+        </p:nvSpPr>
+        <p:spPr>
+          <a:xfrm>
+            <a:off x="7536858" y="1676170"/>
+            <a:ext cx="1892063" cy="617966"/>
+          </a:xfrm>
+          <a:prstGeom prst="rect">
+            <a:avLst/>
+          </a:prstGeom>
+          <a:ln/>
+        </p:spPr>
+        <p:style>
+          <a:lnRef idx="2">
+            <a:schemeClr val="accent6"/>
+          </a:lnRef>
+          <a:fillRef idx="1">
+            <a:schemeClr val="lt1"/>
+          </a:fillRef>
+          <a:effectRef idx="0">
+            <a:schemeClr val="accent6"/>
+          </a:effectRef>
+          <a:fontRef idx="minor">
+            <a:schemeClr val="dk1"/>
+          </a:fontRef>
+        </p:style>
+        <p:txBody>
+          <a:bodyPr rtlCol="0" anchor="ctr"/>
+          <a:lstStyle/>
+          <a:p>
+            <a:pPr algn="ctr"/>
+            <a:r>
+              <a:rPr lang="en-US" sz="1400" dirty="0"/>
+              <a:t>Test positive</a:t>
+            </a:r>
+            <a:endParaRPr lang="en-GB" sz="1400" dirty="0"/>
+          </a:p>
+        </p:txBody>
+      </p:sp>
+      <p:sp>
+        <p:nvSpPr>
+          <p:cNvPr id="467" name="Rectangle 466">
+            <a:extLst>
+              <a:ext uri="{FF2B5EF4-FFF2-40B4-BE49-F238E27FC236}">
+                <a16:creationId xmlns:a16="http://schemas.microsoft.com/office/drawing/2014/main" id="{DBAFB22F-76F0-ACFB-D5BB-844453D43E2D}"/>
+              </a:ext>
+            </a:extLst>
+          </p:cNvPr>
+          <p:cNvSpPr/>
+          <p:nvPr/>
+        </p:nvSpPr>
+        <p:spPr>
+          <a:xfrm>
+            <a:off x="7536858" y="2364407"/>
+            <a:ext cx="1892063" cy="694344"/>
+          </a:xfrm>
+          <a:prstGeom prst="rect">
+            <a:avLst/>
+          </a:prstGeom>
+          <a:ln/>
+        </p:spPr>
+        <p:style>
+          <a:lnRef idx="2">
+            <a:schemeClr val="accent2"/>
+          </a:lnRef>
+          <a:fillRef idx="1">
+            <a:schemeClr val="lt1"/>
+          </a:fillRef>
+          <a:effectRef idx="0">
+            <a:schemeClr val="accent2"/>
+          </a:effectRef>
+          <a:fontRef idx="minor">
+            <a:schemeClr val="dk1"/>
+          </a:fontRef>
+        </p:style>
+        <p:txBody>
+          <a:bodyPr rtlCol="0" anchor="ctr"/>
+          <a:lstStyle/>
+          <a:p>
+            <a:pPr algn="ctr"/>
+            <a:r>
+              <a:rPr lang="en-US" sz="1400" dirty="0"/>
+              <a:t>Test negative</a:t>
+            </a:r>
+          </a:p>
+          <a:p>
+            <a:pPr algn="ctr"/>
+            <a:endParaRPr lang="en-US" sz="1400" dirty="0"/>
+          </a:p>
+          <a:p>
+            <a:pPr algn="ctr"/>
+            <a:r>
+              <a:rPr lang="en-US" sz="1400" dirty="0"/>
+              <a:t>Fail to collect sample</a:t>
+            </a:r>
+          </a:p>
+        </p:txBody>
+      </p:sp>
+      <p:cxnSp>
+        <p:nvCxnSpPr>
+          <p:cNvPr id="473" name="Straight Arrow Connector 472">
+            <a:extLst>
+              <a:ext uri="{FF2B5EF4-FFF2-40B4-BE49-F238E27FC236}">
+                <a16:creationId xmlns:a16="http://schemas.microsoft.com/office/drawing/2014/main" id="{B0BB72C5-4BA7-C701-4D8E-45D79C58AB66}"/>
+              </a:ext>
+            </a:extLst>
+          </p:cNvPr>
+          <p:cNvCxnSpPr>
+            <a:endCxn id="63" idx="1"/>
+          </p:cNvCxnSpPr>
+          <p:nvPr/>
+        </p:nvCxnSpPr>
+        <p:spPr>
+          <a:xfrm>
+            <a:off x="1047750" y="2183852"/>
+            <a:ext cx="1632846" cy="0"/>
+          </a:xfrm>
+          <a:prstGeom prst="straightConnector1">
+            <a:avLst/>
+          </a:prstGeom>
+          <a:ln>
+            <a:tailEnd type="triangle"/>
+          </a:ln>
+        </p:spPr>
+        <p:style>
+          <a:lnRef idx="3">
+            <a:schemeClr val="accent6"/>
+          </a:lnRef>
+          <a:fillRef idx="0">
+            <a:schemeClr val="accent6"/>
+          </a:fillRef>
+          <a:effectRef idx="2">
+            <a:schemeClr val="accent6"/>
+          </a:effectRef>
+          <a:fontRef idx="minor">
+            <a:schemeClr val="tx1"/>
+          </a:fontRef>
+        </p:style>
+      </p:cxnSp>
+      <p:cxnSp>
+        <p:nvCxnSpPr>
+          <p:cNvPr id="477" name="Straight Arrow Connector 476">
+            <a:extLst>
+              <a:ext uri="{FF2B5EF4-FFF2-40B4-BE49-F238E27FC236}">
+                <a16:creationId xmlns:a16="http://schemas.microsoft.com/office/drawing/2014/main" id="{7BB1FFB1-B4F9-23CB-1CE6-66F26586B82D}"/>
+              </a:ext>
+            </a:extLst>
+          </p:cNvPr>
+          <p:cNvCxnSpPr/>
+          <p:nvPr/>
+        </p:nvCxnSpPr>
+        <p:spPr>
+          <a:xfrm>
+            <a:off x="1047750" y="3658787"/>
+            <a:ext cx="1632846" cy="0"/>
+          </a:xfrm>
+          <a:prstGeom prst="straightConnector1">
+            <a:avLst/>
+          </a:prstGeom>
+          <a:ln>
+            <a:tailEnd type="triangle"/>
+          </a:ln>
+        </p:spPr>
+        <p:style>
+          <a:lnRef idx="3">
+            <a:schemeClr val="accent6"/>
+          </a:lnRef>
+          <a:fillRef idx="0">
+            <a:schemeClr val="accent6"/>
+          </a:fillRef>
+          <a:effectRef idx="2">
+            <a:schemeClr val="accent6"/>
+          </a:effectRef>
+          <a:fontRef idx="minor">
+            <a:schemeClr val="tx1"/>
+          </a:fontRef>
+        </p:style>
+      </p:cxnSp>
+      <p:cxnSp>
+        <p:nvCxnSpPr>
+          <p:cNvPr id="478" name="Straight Arrow Connector 477">
+            <a:extLst>
+              <a:ext uri="{FF2B5EF4-FFF2-40B4-BE49-F238E27FC236}">
+                <a16:creationId xmlns:a16="http://schemas.microsoft.com/office/drawing/2014/main" id="{503F5C0A-30D2-1A5B-01B8-495BB90E229F}"/>
+              </a:ext>
+            </a:extLst>
+          </p:cNvPr>
+          <p:cNvCxnSpPr/>
+          <p:nvPr/>
+        </p:nvCxnSpPr>
+        <p:spPr>
+          <a:xfrm>
+            <a:off x="1047750" y="5137837"/>
+            <a:ext cx="1632846" cy="0"/>
+          </a:xfrm>
+          <a:prstGeom prst="straightConnector1">
+            <a:avLst/>
+          </a:prstGeom>
+          <a:ln>
+            <a:tailEnd type="triangle"/>
+          </a:ln>
+        </p:spPr>
+        <p:style>
+          <a:lnRef idx="3">
+            <a:schemeClr val="accent6"/>
+          </a:lnRef>
+          <a:fillRef idx="0">
+            <a:schemeClr val="accent6"/>
+          </a:fillRef>
+          <a:effectRef idx="2">
+            <a:schemeClr val="accent6"/>
+          </a:effectRef>
+          <a:fontRef idx="minor">
+            <a:schemeClr val="tx1"/>
+          </a:fontRef>
+        </p:style>
+      </p:cxnSp>
+      <mc:AlternateContent xmlns:mc="http://schemas.openxmlformats.org/markup-compatibility/2006">
+        <mc:Choice xmlns:a14="http://schemas.microsoft.com/office/drawing/2010/main" Requires="a14">
+          <p:sp>
+            <p:nvSpPr>
+              <p:cNvPr id="480" name="TextBox 479">
+                <a:extLst>
+                  <a:ext uri="{FF2B5EF4-FFF2-40B4-BE49-F238E27FC236}">
+                    <a16:creationId xmlns:a16="http://schemas.microsoft.com/office/drawing/2014/main" id="{89C1276D-4100-87C8-7229-13B70E75A604}"/>
+                  </a:ext>
+                </a:extLst>
+              </p:cNvPr>
+              <p:cNvSpPr txBox="1"/>
+              <p:nvPr/>
+            </p:nvSpPr>
+            <p:spPr>
+              <a:xfrm>
+                <a:off x="1494362" y="3373117"/>
+                <a:ext cx="1226235" cy="276999"/>
+              </a:xfrm>
+              <a:prstGeom prst="rect">
+                <a:avLst/>
+              </a:prstGeom>
+              <a:noFill/>
+            </p:spPr>
+            <p:txBody>
+              <a:bodyPr wrap="square">
+                <a:spAutoFit/>
+              </a:bodyPr>
+              <a:lstStyle/>
+              <a:p>
+                <a:pPr/>
+                <a14:m>
+                  <m:oMathPara xmlns:m="http://schemas.openxmlformats.org/officeDocument/2006/math">
+                    <m:oMathParaPr>
+                      <m:jc m:val="centerGroup"/>
+                    </m:oMathParaPr>
+                    <m:oMath xmlns:m="http://schemas.openxmlformats.org/officeDocument/2006/math">
+                      <m:r>
+                        <a:rPr lang="en-GB" sz="1200" i="1" smtClean="0">
+                          <a:latin typeface="Cambria Math" panose="02040503050406030204" pitchFamily="18" charset="0"/>
+                        </a:rPr>
+                        <m:t>(</m:t>
+                      </m:r>
+                      <m:r>
+                        <a:rPr lang="en-GB" sz="1200" b="0" i="1" smtClean="0">
+                          <a:latin typeface="Cambria Math" panose="02040503050406030204" pitchFamily="18" charset="0"/>
+                        </a:rPr>
+                        <m:t>1−</m:t>
+                      </m:r>
+                      <m:sSub>
+                        <m:sSubPr>
+                          <m:ctrlPr>
+                            <a:rPr lang="en-GB" sz="1200" i="1" smtClean="0">
+                              <a:latin typeface="Cambria Math" panose="02040503050406030204" pitchFamily="18" charset="0"/>
+                            </a:rPr>
+                          </m:ctrlPr>
+                        </m:sSubPr>
+                        <m:e>
+                          <m:r>
+                            <a:rPr lang="en-GB" sz="1200" i="1">
+                              <a:latin typeface="Cambria Math" panose="02040503050406030204" pitchFamily="18" charset="0"/>
+                            </a:rPr>
+                            <m:t>𝑃</m:t>
+                          </m:r>
+                        </m:e>
+                        <m:sub>
+                          <m:r>
+                            <a:rPr lang="en-GB" sz="1200" b="0" i="1" smtClean="0">
+                              <a:latin typeface="Cambria Math" panose="02040503050406030204" pitchFamily="18" charset="0"/>
+                            </a:rPr>
+                            <m:t>𝑆𝑆𝑀</m:t>
+                          </m:r>
+                        </m:sub>
+                      </m:sSub>
+                      <m:r>
+                        <a:rPr lang="en-GB" sz="1200" b="0" i="1" smtClean="0">
+                          <a:latin typeface="Cambria Math" panose="02040503050406030204" pitchFamily="18" charset="0"/>
+                        </a:rPr>
+                        <m:t>)</m:t>
+                      </m:r>
+                      <m:sSub>
+                        <m:sSubPr>
+                          <m:ctrlPr>
+                            <a:rPr lang="en-GB" sz="1200" b="0" i="1" smtClean="0">
+                              <a:latin typeface="Cambria Math" panose="02040503050406030204" pitchFamily="18" charset="0"/>
+                            </a:rPr>
+                          </m:ctrlPr>
+                        </m:sSubPr>
+                        <m:e>
+                          <m:r>
+                            <a:rPr lang="en-GB" sz="1200" b="0" i="1" smtClean="0">
+                              <a:latin typeface="Cambria Math" panose="02040503050406030204" pitchFamily="18" charset="0"/>
+                            </a:rPr>
+                            <m:t>𝑃</m:t>
+                          </m:r>
+                        </m:e>
+                        <m:sub>
+                          <m:r>
+                            <a:rPr lang="en-GB" sz="1200" b="0" i="1" smtClean="0">
+                              <a:latin typeface="Cambria Math" panose="02040503050406030204" pitchFamily="18" charset="0"/>
+                            </a:rPr>
+                            <m:t>𝐶𝐵𝑁</m:t>
+                          </m:r>
+                        </m:sub>
+                      </m:sSub>
+                    </m:oMath>
+                  </m:oMathPara>
+                </a14:m>
+                <a:endParaRPr lang="en-GB" sz="1200" dirty="0"/>
+              </a:p>
+            </p:txBody>
+          </p:sp>
+        </mc:Choice>
+        <mc:Fallback>
+          <p:sp>
+            <p:nvSpPr>
+              <p:cNvPr id="480" name="TextBox 479">
+                <a:extLst>
+                  <a:ext uri="{FF2B5EF4-FFF2-40B4-BE49-F238E27FC236}">
+                    <a16:creationId xmlns:a16="http://schemas.microsoft.com/office/drawing/2014/main" id="{89C1276D-4100-87C8-7229-13B70E75A604}"/>
+                  </a:ext>
+                </a:extLst>
+              </p:cNvPr>
+              <p:cNvSpPr txBox="1">
+                <a:spLocks noRot="1" noChangeAspect="1" noMove="1" noResize="1" noEditPoints="1" noAdjustHandles="1" noChangeArrowheads="1" noChangeShapeType="1" noTextEdit="1"/>
+              </p:cNvSpPr>
+              <p:nvPr/>
+            </p:nvSpPr>
+            <p:spPr>
+              <a:xfrm>
+                <a:off x="1494362" y="3373117"/>
+                <a:ext cx="1226235" cy="276999"/>
+              </a:xfrm>
+              <a:prstGeom prst="rect">
+                <a:avLst/>
+              </a:prstGeom>
+              <a:blipFill>
+                <a:blip r:embed="rId7"/>
+                <a:stretch>
+                  <a:fillRect b="-6522"/>
+                </a:stretch>
+              </a:blipFill>
+            </p:spPr>
+            <p:txBody>
+              <a:bodyPr/>
+              <a:lstStyle/>
+              <a:p>
+                <a:r>
+                  <a:rPr lang="en-GB">
+                    <a:noFill/>
+                  </a:rPr>
+                  <a:t> </a:t>
+                </a:r>
+              </a:p>
+            </p:txBody>
+          </p:sp>
+        </mc:Fallback>
+      </mc:AlternateContent>
+      <mc:AlternateContent xmlns:mc="http://schemas.openxmlformats.org/markup-compatibility/2006">
+        <mc:Choice xmlns:a14="http://schemas.microsoft.com/office/drawing/2010/main" Requires="a14">
+          <p:sp>
+            <p:nvSpPr>
+              <p:cNvPr id="481" name="TextBox 480">
+                <a:extLst>
+                  <a:ext uri="{FF2B5EF4-FFF2-40B4-BE49-F238E27FC236}">
+                    <a16:creationId xmlns:a16="http://schemas.microsoft.com/office/drawing/2014/main" id="{5F6DCC9A-9CE0-438A-CAD9-93869A17941B}"/>
+                  </a:ext>
+                </a:extLst>
+              </p:cNvPr>
+              <p:cNvSpPr txBox="1"/>
+              <p:nvPr/>
+            </p:nvSpPr>
+            <p:spPr>
+              <a:xfrm>
+                <a:off x="1494362" y="4848053"/>
+                <a:ext cx="854760" cy="276999"/>
+              </a:xfrm>
+              <a:prstGeom prst="rect">
+                <a:avLst/>
+              </a:prstGeom>
+              <a:noFill/>
+            </p:spPr>
+            <p:txBody>
+              <a:bodyPr wrap="square">
+                <a:spAutoFit/>
+              </a:bodyPr>
+              <a:lstStyle/>
+              <a:p>
+                <a:pPr/>
+                <a14:m>
+                  <m:oMathPara xmlns:m="http://schemas.openxmlformats.org/officeDocument/2006/math">
+                    <m:oMathParaPr>
+                      <m:jc m:val="centerGroup"/>
+                    </m:oMathParaPr>
+                    <m:oMath xmlns:m="http://schemas.openxmlformats.org/officeDocument/2006/math">
+                      <m:sSub>
+                        <m:sSubPr>
+                          <m:ctrlPr>
+                            <a:rPr lang="en-GB" sz="1200" i="1" smtClean="0">
+                              <a:latin typeface="Cambria Math" panose="02040503050406030204" pitchFamily="18" charset="0"/>
+                            </a:rPr>
+                          </m:ctrlPr>
+                        </m:sSubPr>
+                        <m:e>
+                          <m:r>
+                            <a:rPr lang="en-GB" sz="1200" i="1">
+                              <a:latin typeface="Cambria Math" panose="02040503050406030204" pitchFamily="18" charset="0"/>
+                            </a:rPr>
+                            <m:t>𝑃</m:t>
+                          </m:r>
+                        </m:e>
+                        <m:sub>
+                          <m:r>
+                            <a:rPr lang="en-GB" sz="1200" b="0" i="1" smtClean="0">
+                              <a:latin typeface="Cambria Math" panose="02040503050406030204" pitchFamily="18" charset="0"/>
+                            </a:rPr>
+                            <m:t>𝑆𝑆𝑀</m:t>
+                          </m:r>
+                        </m:sub>
+                      </m:sSub>
+                      <m:sSub>
+                        <m:sSubPr>
+                          <m:ctrlPr>
+                            <a:rPr lang="en-GB" sz="1200" b="0" i="1" smtClean="0">
+                              <a:latin typeface="Cambria Math" panose="02040503050406030204" pitchFamily="18" charset="0"/>
+                            </a:rPr>
+                          </m:ctrlPr>
+                        </m:sSubPr>
+                        <m:e>
+                          <m:r>
+                            <a:rPr lang="en-GB" sz="1200" b="0" i="1" smtClean="0">
+                              <a:latin typeface="Cambria Math" panose="02040503050406030204" pitchFamily="18" charset="0"/>
+                            </a:rPr>
+                            <m:t>𝑃</m:t>
+                          </m:r>
+                        </m:e>
+                        <m:sub>
+                          <m:r>
+                            <a:rPr lang="en-GB" sz="1200" b="0" i="1" smtClean="0">
+                              <a:latin typeface="Cambria Math" panose="02040503050406030204" pitchFamily="18" charset="0"/>
+                            </a:rPr>
+                            <m:t>𝐶𝐵𝑁</m:t>
+                          </m:r>
+                        </m:sub>
+                      </m:sSub>
+                    </m:oMath>
+                  </m:oMathPara>
+                </a14:m>
+                <a:endParaRPr lang="en-GB" sz="1200" dirty="0"/>
+              </a:p>
+            </p:txBody>
+          </p:sp>
+        </mc:Choice>
+        <mc:Fallback>
+          <p:sp>
+            <p:nvSpPr>
+              <p:cNvPr id="481" name="TextBox 480">
+                <a:extLst>
+                  <a:ext uri="{FF2B5EF4-FFF2-40B4-BE49-F238E27FC236}">
+                    <a16:creationId xmlns:a16="http://schemas.microsoft.com/office/drawing/2014/main" id="{5F6DCC9A-9CE0-438A-CAD9-93869A17941B}"/>
+                  </a:ext>
+                </a:extLst>
+              </p:cNvPr>
+              <p:cNvSpPr txBox="1">
+                <a:spLocks noRot="1" noChangeAspect="1" noMove="1" noResize="1" noEditPoints="1" noAdjustHandles="1" noChangeArrowheads="1" noChangeShapeType="1" noTextEdit="1"/>
+              </p:cNvSpPr>
+              <p:nvPr/>
+            </p:nvSpPr>
+            <p:spPr>
+              <a:xfrm>
+                <a:off x="1494362" y="4848053"/>
+                <a:ext cx="854760" cy="276999"/>
+              </a:xfrm>
+              <a:prstGeom prst="rect">
+                <a:avLst/>
+              </a:prstGeom>
+              <a:blipFill>
+                <a:blip r:embed="rId8"/>
+                <a:stretch>
+                  <a:fillRect/>
+                </a:stretch>
+              </a:blipFill>
+            </p:spPr>
+            <p:txBody>
+              <a:bodyPr/>
+              <a:lstStyle/>
+              <a:p>
+                <a:r>
+                  <a:rPr lang="en-GB">
+                    <a:noFill/>
+                  </a:rPr>
+                  <a:t> </a:t>
+                </a:r>
+              </a:p>
+            </p:txBody>
+          </p:sp>
+        </mc:Fallback>
+      </mc:AlternateContent>
+      <mc:AlternateContent xmlns:mc="http://schemas.openxmlformats.org/markup-compatibility/2006">
+        <mc:Choice xmlns:a14="http://schemas.microsoft.com/office/drawing/2010/main" Requires="a14">
+          <p:sp>
+            <p:nvSpPr>
+              <p:cNvPr id="482" name="TextBox 481">
+                <a:extLst>
+                  <a:ext uri="{FF2B5EF4-FFF2-40B4-BE49-F238E27FC236}">
+                    <a16:creationId xmlns:a16="http://schemas.microsoft.com/office/drawing/2014/main" id="{68BE644E-99A7-D1B0-44EA-695AF0D88DE3}"/>
+                  </a:ext>
+                </a:extLst>
+              </p:cNvPr>
+              <p:cNvSpPr txBox="1"/>
+              <p:nvPr/>
+            </p:nvSpPr>
+            <p:spPr>
+              <a:xfrm>
+                <a:off x="1505043" y="1911306"/>
+                <a:ext cx="1226235" cy="276999"/>
+              </a:xfrm>
+              <a:prstGeom prst="rect">
+                <a:avLst/>
+              </a:prstGeom>
+              <a:noFill/>
+            </p:spPr>
+            <p:txBody>
+              <a:bodyPr wrap="square">
+                <a:spAutoFit/>
+              </a:bodyPr>
+              <a:lstStyle/>
+              <a:p>
+                <a:pPr/>
+                <a14:m>
+                  <m:oMathPara xmlns:m="http://schemas.openxmlformats.org/officeDocument/2006/math">
+                    <m:oMathParaPr>
+                      <m:jc m:val="centerGroup"/>
+                    </m:oMathParaPr>
+                    <m:oMath xmlns:m="http://schemas.openxmlformats.org/officeDocument/2006/math">
+                      <m:sSub>
+                        <m:sSubPr>
+                          <m:ctrlPr>
+                            <a:rPr lang="en-GB" sz="1200" i="1" smtClean="0">
+                              <a:latin typeface="Cambria Math" panose="02040503050406030204" pitchFamily="18" charset="0"/>
+                            </a:rPr>
+                          </m:ctrlPr>
+                        </m:sSubPr>
+                        <m:e>
+                          <m:r>
+                            <a:rPr lang="en-GB" sz="1200" i="1">
+                              <a:latin typeface="Cambria Math" panose="02040503050406030204" pitchFamily="18" charset="0"/>
+                            </a:rPr>
+                            <m:t>𝑃</m:t>
+                          </m:r>
+                        </m:e>
+                        <m:sub>
+                          <m:r>
+                            <a:rPr lang="en-GB" sz="1200" b="0" i="1" smtClean="0">
+                              <a:latin typeface="Cambria Math" panose="02040503050406030204" pitchFamily="18" charset="0"/>
+                            </a:rPr>
+                            <m:t>𝑆𝑆𝑀</m:t>
+                          </m:r>
+                        </m:sub>
+                      </m:sSub>
+                      <m:sSub>
+                        <m:sSubPr>
+                          <m:ctrlPr>
+                            <a:rPr lang="en-GB" sz="1200" b="0" i="1" smtClean="0">
+                              <a:latin typeface="Cambria Math" panose="02040503050406030204" pitchFamily="18" charset="0"/>
+                            </a:rPr>
+                          </m:ctrlPr>
+                        </m:sSubPr>
+                        <m:e>
+                          <m:r>
+                            <a:rPr lang="en-GB" sz="1200" b="0" i="1" smtClean="0">
+                              <a:latin typeface="Cambria Math" panose="02040503050406030204" pitchFamily="18" charset="0"/>
+                            </a:rPr>
+                            <m:t>(1−</m:t>
+                          </m:r>
+                          <m:r>
+                            <a:rPr lang="en-GB" sz="1200" b="0" i="1" smtClean="0">
+                              <a:latin typeface="Cambria Math" panose="02040503050406030204" pitchFamily="18" charset="0"/>
+                            </a:rPr>
+                            <m:t>𝑃</m:t>
+                          </m:r>
+                        </m:e>
+                        <m:sub>
+                          <m:r>
+                            <a:rPr lang="en-GB" sz="1200" b="0" i="1" smtClean="0">
+                              <a:latin typeface="Cambria Math" panose="02040503050406030204" pitchFamily="18" charset="0"/>
+                            </a:rPr>
+                            <m:t>𝐶𝐵𝑁</m:t>
+                          </m:r>
+                        </m:sub>
+                      </m:sSub>
+                      <m:r>
+                        <a:rPr lang="en-GB" sz="1200" b="0" i="0" smtClean="0">
+                          <a:latin typeface="Cambria Math" panose="02040503050406030204" pitchFamily="18" charset="0"/>
+                        </a:rPr>
+                        <m:t>)</m:t>
+                      </m:r>
+                    </m:oMath>
+                  </m:oMathPara>
+                </a14:m>
+                <a:endParaRPr lang="en-GB" sz="1200" dirty="0"/>
+              </a:p>
+            </p:txBody>
+          </p:sp>
+        </mc:Choice>
+        <mc:Fallback>
+          <p:sp>
+            <p:nvSpPr>
+              <p:cNvPr id="482" name="TextBox 481">
+                <a:extLst>
+                  <a:ext uri="{FF2B5EF4-FFF2-40B4-BE49-F238E27FC236}">
+                    <a16:creationId xmlns:a16="http://schemas.microsoft.com/office/drawing/2014/main" id="{68BE644E-99A7-D1B0-44EA-695AF0D88DE3}"/>
+                  </a:ext>
+                </a:extLst>
+              </p:cNvPr>
+              <p:cNvSpPr txBox="1">
+                <a:spLocks noRot="1" noChangeAspect="1" noMove="1" noResize="1" noEditPoints="1" noAdjustHandles="1" noChangeArrowheads="1" noChangeShapeType="1" noTextEdit="1"/>
+              </p:cNvSpPr>
+              <p:nvPr/>
+            </p:nvSpPr>
+            <p:spPr>
+              <a:xfrm>
+                <a:off x="1505043" y="1911306"/>
+                <a:ext cx="1226235" cy="276999"/>
+              </a:xfrm>
+              <a:prstGeom prst="rect">
+                <a:avLst/>
+              </a:prstGeom>
+              <a:blipFill>
+                <a:blip r:embed="rId9"/>
+                <a:stretch>
+                  <a:fillRect b="-8889"/>
+                </a:stretch>
+              </a:blipFill>
+            </p:spPr>
+            <p:txBody>
+              <a:bodyPr/>
+              <a:lstStyle/>
+              <a:p>
+                <a:r>
+                  <a:rPr lang="en-GB">
+                    <a:noFill/>
+                  </a:rPr>
+                  <a:t> </a:t>
+                </a:r>
+              </a:p>
+            </p:txBody>
+          </p:sp>
+        </mc:Fallback>
+      </mc:AlternateContent>
+      <p:sp>
+        <p:nvSpPr>
+          <p:cNvPr id="484" name="Rectangle 483">
+            <a:extLst>
+              <a:ext uri="{FF2B5EF4-FFF2-40B4-BE49-F238E27FC236}">
+                <a16:creationId xmlns:a16="http://schemas.microsoft.com/office/drawing/2014/main" id="{1910759A-CF28-7D60-C5F0-1A83DE6C3B74}"/>
+              </a:ext>
+            </a:extLst>
+          </p:cNvPr>
+          <p:cNvSpPr/>
+          <p:nvPr/>
+        </p:nvSpPr>
+        <p:spPr>
+          <a:xfrm rot="16200000">
+            <a:off x="-1483758" y="3500193"/>
+            <a:ext cx="4463851" cy="617923"/>
+          </a:xfrm>
+          <a:prstGeom prst="rect">
+            <a:avLst/>
+          </a:prstGeom>
+        </p:spPr>
+        <p:style>
+          <a:lnRef idx="2">
+            <a:schemeClr val="accent6"/>
+          </a:lnRef>
+          <a:fillRef idx="1">
+            <a:schemeClr val="lt1"/>
+          </a:fillRef>
+          <a:effectRef idx="0">
+            <a:schemeClr val="accent6"/>
+          </a:effectRef>
+          <a:fontRef idx="minor">
+            <a:schemeClr val="dk1"/>
+          </a:fontRef>
+        </p:style>
+        <p:txBody>
+          <a:bodyPr rtlCol="0" anchor="ctr"/>
+          <a:lstStyle/>
+          <a:p>
+            <a:pPr algn="ctr"/>
+            <a:r>
+              <a:rPr lang="en-GB" dirty="0"/>
+              <a:t>Test available</a:t>
+            </a:r>
+          </a:p>
+        </p:txBody>
+      </p:sp>
+      <mc:AlternateContent xmlns:mc="http://schemas.openxmlformats.org/markup-compatibility/2006">
+        <mc:Choice xmlns:a14="http://schemas.microsoft.com/office/drawing/2010/main" Requires="a14">
+          <p:sp>
+            <p:nvSpPr>
+              <p:cNvPr id="485" name="TextBox 484">
+                <a:extLst>
+                  <a:ext uri="{FF2B5EF4-FFF2-40B4-BE49-F238E27FC236}">
+                    <a16:creationId xmlns:a16="http://schemas.microsoft.com/office/drawing/2014/main" id="{8DFFAC9D-8E22-6DAE-169E-95510895DDE1}"/>
+                  </a:ext>
+                </a:extLst>
+              </p:cNvPr>
+              <p:cNvSpPr txBox="1"/>
+              <p:nvPr/>
+            </p:nvSpPr>
+            <p:spPr>
+              <a:xfrm>
+                <a:off x="8002802" y="6318705"/>
+                <a:ext cx="2852237" cy="276999"/>
+              </a:xfrm>
+              <a:prstGeom prst="rect">
+                <a:avLst/>
+              </a:prstGeom>
+              <a:noFill/>
+            </p:spPr>
+            <p:txBody>
+              <a:bodyPr wrap="square">
+                <a:spAutoFit/>
+              </a:bodyPr>
+              <a:lstStyle/>
+              <a:p>
+                <a:pPr/>
+                <a:r>
+                  <a:rPr lang="en-GB" sz="1200" b="0" dirty="0"/>
+                  <a:t>*Test unavailable: </a:t>
+                </a:r>
+                <a14:m>
+                  <m:oMath xmlns:m="http://schemas.openxmlformats.org/officeDocument/2006/math">
+                    <m:r>
+                      <a:rPr lang="en-GB" sz="1200" b="0" i="1" smtClean="0">
+                        <a:latin typeface="Cambria Math" panose="02040503050406030204" pitchFamily="18" charset="0"/>
+                      </a:rPr>
+                      <m:t>(1−</m:t>
+                    </m:r>
+                    <m:sSub>
+                      <m:sSubPr>
+                        <m:ctrlPr>
+                          <a:rPr lang="en-GB" sz="1200" i="1" smtClean="0">
+                            <a:latin typeface="Cambria Math" panose="02040503050406030204" pitchFamily="18" charset="0"/>
+                          </a:rPr>
+                        </m:ctrlPr>
+                      </m:sSubPr>
+                      <m:e>
+                        <m:r>
+                          <a:rPr lang="en-GB" sz="1200" i="1">
+                            <a:latin typeface="Cambria Math" panose="02040503050406030204" pitchFamily="18" charset="0"/>
+                          </a:rPr>
+                          <m:t>𝑃</m:t>
+                        </m:r>
+                      </m:e>
+                      <m:sub>
+                        <m:r>
+                          <a:rPr lang="en-GB" sz="1200" b="0" i="1" smtClean="0">
+                            <a:latin typeface="Cambria Math" panose="02040503050406030204" pitchFamily="18" charset="0"/>
+                          </a:rPr>
+                          <m:t>𝑆𝑆𝑀</m:t>
+                        </m:r>
+                      </m:sub>
+                    </m:sSub>
+                    <m:r>
+                      <a:rPr lang="en-GB" sz="1200" b="0" i="1" smtClean="0">
+                        <a:latin typeface="Cambria Math" panose="02040503050406030204" pitchFamily="18" charset="0"/>
+                      </a:rPr>
+                      <m:t>)</m:t>
+                    </m:r>
+                    <m:sSub>
+                      <m:sSubPr>
+                        <m:ctrlPr>
+                          <a:rPr lang="en-GB" sz="1200" b="0" i="1" smtClean="0">
+                            <a:latin typeface="Cambria Math" panose="02040503050406030204" pitchFamily="18" charset="0"/>
+                          </a:rPr>
+                        </m:ctrlPr>
+                      </m:sSubPr>
+                      <m:e>
+                        <m:r>
+                          <a:rPr lang="en-GB" sz="1200" b="0" i="1" smtClean="0">
+                            <a:latin typeface="Cambria Math" panose="02040503050406030204" pitchFamily="18" charset="0"/>
+                          </a:rPr>
+                          <m:t>(1−</m:t>
+                        </m:r>
+                        <m:r>
+                          <a:rPr lang="en-GB" sz="1200" b="0" i="1" smtClean="0">
+                            <a:latin typeface="Cambria Math" panose="02040503050406030204" pitchFamily="18" charset="0"/>
+                          </a:rPr>
+                          <m:t>𝑃</m:t>
+                        </m:r>
+                      </m:e>
+                      <m:sub>
+                        <m:r>
+                          <a:rPr lang="en-GB" sz="1200" b="0" i="1" smtClean="0">
+                            <a:latin typeface="Cambria Math" panose="02040503050406030204" pitchFamily="18" charset="0"/>
+                          </a:rPr>
+                          <m:t>𝐶𝐵𝑁</m:t>
+                        </m:r>
+                      </m:sub>
+                    </m:sSub>
+                    <m:r>
+                      <a:rPr lang="en-GB" sz="1200" b="0" i="0" smtClean="0">
+                        <a:latin typeface="Cambria Math" panose="02040503050406030204" pitchFamily="18" charset="0"/>
+                      </a:rPr>
+                      <m:t>)</m:t>
+                    </m:r>
+                  </m:oMath>
+                </a14:m>
+                <a:endParaRPr lang="en-GB" sz="1200" dirty="0"/>
+              </a:p>
+            </p:txBody>
+          </p:sp>
+        </mc:Choice>
+        <mc:Fallback>
+          <p:sp>
+            <p:nvSpPr>
+              <p:cNvPr id="485" name="TextBox 484">
+                <a:extLst>
+                  <a:ext uri="{FF2B5EF4-FFF2-40B4-BE49-F238E27FC236}">
+                    <a16:creationId xmlns:a16="http://schemas.microsoft.com/office/drawing/2014/main" id="{8DFFAC9D-8E22-6DAE-169E-95510895DDE1}"/>
+                  </a:ext>
+                </a:extLst>
+              </p:cNvPr>
+              <p:cNvSpPr txBox="1">
+                <a:spLocks noRot="1" noChangeAspect="1" noMove="1" noResize="1" noEditPoints="1" noAdjustHandles="1" noChangeArrowheads="1" noChangeShapeType="1" noTextEdit="1"/>
+              </p:cNvSpPr>
+              <p:nvPr/>
+            </p:nvSpPr>
+            <p:spPr>
+              <a:xfrm>
+                <a:off x="8002802" y="6318705"/>
+                <a:ext cx="2852237" cy="276999"/>
+              </a:xfrm>
+              <a:prstGeom prst="rect">
+                <a:avLst/>
+              </a:prstGeom>
+              <a:blipFill>
+                <a:blip r:embed="rId10"/>
+                <a:stretch>
+                  <a:fillRect l="-214" t="-2222" b="-17778"/>
+                </a:stretch>
+              </a:blipFill>
+            </p:spPr>
+            <p:txBody>
+              <a:bodyPr/>
+              <a:lstStyle/>
+              <a:p>
+                <a:r>
+                  <a:rPr lang="en-GB">
+                    <a:noFill/>
+                  </a:rPr>
+                  <a:t> </a:t>
+                </a:r>
+              </a:p>
+            </p:txBody>
+          </p:sp>
+        </mc:Fallback>
+      </mc:AlternateContent>
+    </p:spTree>
+    <p:extLst>
+      <p:ext uri="{BB962C8B-B14F-4D97-AF65-F5344CB8AC3E}">
+        <p14:creationId xmlns:p14="http://schemas.microsoft.com/office/powerpoint/2010/main" val="657733616"/>
       </p:ext>
     </p:extLst>
   </p:cSld>

--- a/docs/Diagnosis unbox 230907.pptx
+++ b/docs/Diagnosis unbox 230907.pptx
@@ -5284,7 +5284,7 @@
           <a:p>
             <a:fld id="{029D6229-E10E-4C76-A75C-B4819F42F1BB}" type="datetimeFigureOut">
               <a:rPr lang="en-GB" smtClean="0"/>
-              <a:t>13/09/2023</a:t>
+              <a:t>15/09/2023</a:t>
             </a:fld>
             <a:endParaRPr lang="en-GB"/>
           </a:p>
@@ -5484,7 +5484,7 @@
           <a:p>
             <a:fld id="{029D6229-E10E-4C76-A75C-B4819F42F1BB}" type="datetimeFigureOut">
               <a:rPr lang="en-GB" smtClean="0"/>
-              <a:t>13/09/2023</a:t>
+              <a:t>15/09/2023</a:t>
             </a:fld>
             <a:endParaRPr lang="en-GB"/>
           </a:p>
@@ -5694,7 +5694,7 @@
           <a:p>
             <a:fld id="{029D6229-E10E-4C76-A75C-B4819F42F1BB}" type="datetimeFigureOut">
               <a:rPr lang="en-GB" smtClean="0"/>
-              <a:t>13/09/2023</a:t>
+              <a:t>15/09/2023</a:t>
             </a:fld>
             <a:endParaRPr lang="en-GB"/>
           </a:p>
@@ -5894,7 +5894,7 @@
           <a:p>
             <a:fld id="{029D6229-E10E-4C76-A75C-B4819F42F1BB}" type="datetimeFigureOut">
               <a:rPr lang="en-GB" smtClean="0"/>
-              <a:t>13/09/2023</a:t>
+              <a:t>15/09/2023</a:t>
             </a:fld>
             <a:endParaRPr lang="en-GB"/>
           </a:p>
@@ -6170,7 +6170,7 @@
           <a:p>
             <a:fld id="{029D6229-E10E-4C76-A75C-B4819F42F1BB}" type="datetimeFigureOut">
               <a:rPr lang="en-GB" smtClean="0"/>
-              <a:t>13/09/2023</a:t>
+              <a:t>15/09/2023</a:t>
             </a:fld>
             <a:endParaRPr lang="en-GB"/>
           </a:p>
@@ -6438,7 +6438,7 @@
           <a:p>
             <a:fld id="{029D6229-E10E-4C76-A75C-B4819F42F1BB}" type="datetimeFigureOut">
               <a:rPr lang="en-GB" smtClean="0"/>
-              <a:t>13/09/2023</a:t>
+              <a:t>15/09/2023</a:t>
             </a:fld>
             <a:endParaRPr lang="en-GB"/>
           </a:p>
@@ -6853,7 +6853,7 @@
           <a:p>
             <a:fld id="{029D6229-E10E-4C76-A75C-B4819F42F1BB}" type="datetimeFigureOut">
               <a:rPr lang="en-GB" smtClean="0"/>
-              <a:t>13/09/2023</a:t>
+              <a:t>15/09/2023</a:t>
             </a:fld>
             <a:endParaRPr lang="en-GB"/>
           </a:p>
@@ -6995,7 +6995,7 @@
           <a:p>
             <a:fld id="{029D6229-E10E-4C76-A75C-B4819F42F1BB}" type="datetimeFigureOut">
               <a:rPr lang="en-GB" smtClean="0"/>
-              <a:t>13/09/2023</a:t>
+              <a:t>15/09/2023</a:t>
             </a:fld>
             <a:endParaRPr lang="en-GB"/>
           </a:p>
@@ -7108,7 +7108,7 @@
           <a:p>
             <a:fld id="{029D6229-E10E-4C76-A75C-B4819F42F1BB}" type="datetimeFigureOut">
               <a:rPr lang="en-GB" smtClean="0"/>
-              <a:t>13/09/2023</a:t>
+              <a:t>15/09/2023</a:t>
             </a:fld>
             <a:endParaRPr lang="en-GB"/>
           </a:p>
@@ -7421,7 +7421,7 @@
           <a:p>
             <a:fld id="{029D6229-E10E-4C76-A75C-B4819F42F1BB}" type="datetimeFigureOut">
               <a:rPr lang="en-GB" smtClean="0"/>
-              <a:t>13/09/2023</a:t>
+              <a:t>15/09/2023</a:t>
             </a:fld>
             <a:endParaRPr lang="en-GB"/>
           </a:p>
@@ -7710,7 +7710,7 @@
           <a:p>
             <a:fld id="{029D6229-E10E-4C76-A75C-B4819F42F1BB}" type="datetimeFigureOut">
               <a:rPr lang="en-GB" smtClean="0"/>
-              <a:t>13/09/2023</a:t>
+              <a:t>15/09/2023</a:t>
             </a:fld>
             <a:endParaRPr lang="en-GB"/>
           </a:p>
@@ -7953,7 +7953,7 @@
           <a:p>
             <a:fld id="{029D6229-E10E-4C76-A75C-B4819F42F1BB}" type="datetimeFigureOut">
               <a:rPr lang="en-GB" smtClean="0"/>
-              <a:t>13/09/2023</a:t>
+              <a:t>15/09/2023</a:t>
             </a:fld>
             <a:endParaRPr lang="en-GB"/>
           </a:p>
@@ -38809,7 +38809,13 @@
                           <a:rPr lang="en-GB" sz="1200" b="0" i="1" smtClean="0">
                             <a:latin typeface="Cambria Math" panose="02040503050406030204" pitchFamily="18" charset="0"/>
                           </a:rPr>
-                          <m:t>𝑠𝑝𝑢𝑡𝑢𝑚</m:t>
+                          <m:t>𝑠</m:t>
+                        </m:r>
+                        <m:r>
+                          <a:rPr lang="en-GB" sz="1200" b="0" i="1" smtClean="0">
+                            <a:latin typeface="Cambria Math" panose="02040503050406030204" pitchFamily="18" charset="0"/>
+                          </a:rPr>
+                          <m:t>𝑎𝑚𝑝𝑙𝑒</m:t>
                         </m:r>
                       </m:sub>
                     </m:sSub>
@@ -38851,7 +38857,13 @@
                           <a:rPr lang="en-GB" sz="1200" i="1">
                             <a:latin typeface="Cambria Math" panose="02040503050406030204" pitchFamily="18" charset="0"/>
                           </a:rPr>
-                          <m:t>𝑠𝑝𝑢𝑡𝑢𝑚</m:t>
+                          <m:t>𝑠</m:t>
+                        </m:r>
+                        <m:r>
+                          <a:rPr lang="en-GB" sz="1200" b="0" i="1" smtClean="0">
+                            <a:latin typeface="Cambria Math" panose="02040503050406030204" pitchFamily="18" charset="0"/>
+                          </a:rPr>
+                          <m:t>𝑎𝑚𝑝𝑙𝑒</m:t>
                         </m:r>
                       </m:sub>
                     </m:sSub>
@@ -38966,7 +38978,7 @@
             </p:nvSpPr>
             <p:spPr>
               <a:xfrm>
-                <a:off x="5639926" y="354821"/>
+                <a:off x="5585522" y="327061"/>
                 <a:ext cx="1744654" cy="291298"/>
               </a:xfrm>
               <a:prstGeom prst="rect">
@@ -39008,7 +39020,13 @@
                           <a:rPr lang="en-GB" sz="1200" i="1">
                             <a:latin typeface="Cambria Math" panose="02040503050406030204" pitchFamily="18" charset="0"/>
                           </a:rPr>
-                          <m:t>𝑠𝑝𝑢𝑡𝑢𝑚</m:t>
+                          <m:t>𝑠</m:t>
+                        </m:r>
+                        <m:r>
+                          <a:rPr lang="en-GB" sz="1200" b="0" i="1" smtClean="0">
+                            <a:latin typeface="Cambria Math" panose="02040503050406030204" pitchFamily="18" charset="0"/>
+                          </a:rPr>
+                          <m:t>𝑎𝑚𝑝𝑙𝑒</m:t>
                         </m:r>
                       </m:sub>
                     </m:sSub>
@@ -39067,7 +39085,7 @@
             </p:nvSpPr>
             <p:spPr>
               <a:xfrm>
-                <a:off x="5639926" y="354821"/>
+                <a:off x="5585522" y="327061"/>
                 <a:ext cx="1744654" cy="291298"/>
               </a:xfrm>
               <a:prstGeom prst="rect">
@@ -39076,7 +39094,7 @@
               <a:blipFill>
                 <a:blip r:embed="rId3"/>
                 <a:stretch>
-                  <a:fillRect b="-12500"/>
+                  <a:fillRect b="-14894"/>
                 </a:stretch>
               </a:blipFill>
             </p:spPr>
@@ -39138,8 +39156,8 @@
           </a:fontRef>
         </p:style>
       </p:cxnSp>
-      <mc:AlternateContent xmlns:mc="http://schemas.openxmlformats.org/markup-compatibility/2006">
-        <mc:Choice xmlns:a14="http://schemas.microsoft.com/office/drawing/2010/main" Requires="a14">
+      <mc:AlternateContent xmlns:mc="http://schemas.openxmlformats.org/markup-compatibility/2006" xmlns:a14="http://schemas.microsoft.com/office/drawing/2010/main">
+        <mc:Choice Requires="a14">
           <p:sp>
             <p:nvSpPr>
               <p:cNvPr id="600" name="TextBox 599">
@@ -39208,7 +39226,7 @@
             </p:txBody>
           </p:sp>
         </mc:Choice>
-        <mc:Fallback>
+        <mc:Fallback xmlns="">
           <p:sp>
             <p:nvSpPr>
               <p:cNvPr id="600" name="TextBox 599">
@@ -39253,8 +39271,8 @@
           </p:sp>
         </mc:Fallback>
       </mc:AlternateContent>
-      <mc:AlternateContent xmlns:mc="http://schemas.openxmlformats.org/markup-compatibility/2006">
-        <mc:Choice xmlns:a14="http://schemas.microsoft.com/office/drawing/2010/main" Requires="a14">
+      <mc:AlternateContent xmlns:mc="http://schemas.openxmlformats.org/markup-compatibility/2006" xmlns:a14="http://schemas.microsoft.com/office/drawing/2010/main">
+        <mc:Choice Requires="a14">
           <p:sp>
             <p:nvSpPr>
               <p:cNvPr id="601" name="TextBox 600">
@@ -39286,7 +39304,7 @@
                 <a:pPr algn="ctr"/>
                 <a:r>
                   <a:rPr lang="en-US" sz="1200" dirty="0"/>
-                  <a:t>Incorrect patient management: </a:t>
+                  <a:t>Fail to suspect TB: </a:t>
                 </a:r>
                 <a14:m>
                   <m:oMath xmlns:m="http://schemas.openxmlformats.org/officeDocument/2006/math">
@@ -39334,7 +39352,7 @@
             </p:txBody>
           </p:sp>
         </mc:Choice>
-        <mc:Fallback>
+        <mc:Fallback xmlns="">
           <p:sp>
             <p:nvSpPr>
               <p:cNvPr id="601" name="TextBox 600">
@@ -39379,8 +39397,8 @@
           </p:sp>
         </mc:Fallback>
       </mc:AlternateContent>
-      <mc:AlternateContent xmlns:mc="http://schemas.openxmlformats.org/markup-compatibility/2006">
-        <mc:Choice xmlns:a14="http://schemas.microsoft.com/office/drawing/2010/main" Requires="a14">
+      <mc:AlternateContent xmlns:mc="http://schemas.openxmlformats.org/markup-compatibility/2006" xmlns:a14="http://schemas.microsoft.com/office/drawing/2010/main">
+        <mc:Choice Requires="a14">
           <p:sp>
             <p:nvSpPr>
               <p:cNvPr id="602" name="TextBox 601">
@@ -39449,7 +39467,7 @@
             </p:txBody>
           </p:sp>
         </mc:Choice>
-        <mc:Fallback>
+        <mc:Fallback xmlns="">
           <p:sp>
             <p:nvSpPr>
               <p:cNvPr id="602" name="TextBox 601">
@@ -39494,8 +39512,8 @@
           </p:sp>
         </mc:Fallback>
       </mc:AlternateContent>
-      <mc:AlternateContent xmlns:mc="http://schemas.openxmlformats.org/markup-compatibility/2006">
-        <mc:Choice xmlns:a14="http://schemas.microsoft.com/office/drawing/2010/main" Requires="a14">
+      <mc:AlternateContent xmlns:mc="http://schemas.openxmlformats.org/markup-compatibility/2006" xmlns:a14="http://schemas.microsoft.com/office/drawing/2010/main">
+        <mc:Choice Requires="a14">
           <p:sp>
             <p:nvSpPr>
               <p:cNvPr id="604" name="TextBox 603">
@@ -39527,7 +39545,7 @@
                 <a:pPr algn="ctr"/>
                 <a:r>
                   <a:rPr lang="en-US" sz="1200" dirty="0"/>
-                  <a:t>Test positive: </a:t>
+                  <a:t>Positive: </a:t>
                 </a:r>
                 <a14:m>
                   <m:oMath xmlns:m="http://schemas.openxmlformats.org/officeDocument/2006/math">
@@ -39563,7 +39581,7 @@
             </p:txBody>
           </p:sp>
         </mc:Choice>
-        <mc:Fallback>
+        <mc:Fallback xmlns="">
           <p:sp>
             <p:nvSpPr>
               <p:cNvPr id="604" name="TextBox 603">
@@ -39608,8 +39626,8 @@
           </p:sp>
         </mc:Fallback>
       </mc:AlternateContent>
-      <mc:AlternateContent xmlns:mc="http://schemas.openxmlformats.org/markup-compatibility/2006">
-        <mc:Choice xmlns:a14="http://schemas.microsoft.com/office/drawing/2010/main" Requires="a14">
+      <mc:AlternateContent xmlns:mc="http://schemas.openxmlformats.org/markup-compatibility/2006" xmlns:a14="http://schemas.microsoft.com/office/drawing/2010/main">
+        <mc:Choice Requires="a14">
           <p:sp>
             <p:nvSpPr>
               <p:cNvPr id="613" name="TextBox 612">
@@ -39684,7 +39702,7 @@
             </p:txBody>
           </p:sp>
         </mc:Choice>
-        <mc:Fallback>
+        <mc:Fallback xmlns="">
           <p:sp>
             <p:nvSpPr>
               <p:cNvPr id="613" name="TextBox 612">
@@ -39729,8 +39747,8 @@
           </p:sp>
         </mc:Fallback>
       </mc:AlternateContent>
-      <mc:AlternateContent xmlns:mc="http://schemas.openxmlformats.org/markup-compatibility/2006">
-        <mc:Choice xmlns:a14="http://schemas.microsoft.com/office/drawing/2010/main" Requires="a14">
+      <mc:AlternateContent xmlns:mc="http://schemas.openxmlformats.org/markup-compatibility/2006" xmlns:a14="http://schemas.microsoft.com/office/drawing/2010/main">
+        <mc:Choice Requires="a14">
           <p:sp>
             <p:nvSpPr>
               <p:cNvPr id="614" name="TextBox 613">
@@ -39805,7 +39823,7 @@
             </p:txBody>
           </p:sp>
         </mc:Choice>
-        <mc:Fallback>
+        <mc:Fallback xmlns="">
           <p:sp>
             <p:nvSpPr>
               <p:cNvPr id="614" name="TextBox 613">
@@ -39933,8 +39951,8 @@
           </a:fontRef>
         </p:style>
       </p:cxnSp>
-      <mc:AlternateContent xmlns:mc="http://schemas.openxmlformats.org/markup-compatibility/2006">
-        <mc:Choice xmlns:a14="http://schemas.microsoft.com/office/drawing/2010/main" Requires="a14">
+      <mc:AlternateContent xmlns:mc="http://schemas.openxmlformats.org/markup-compatibility/2006" xmlns:a14="http://schemas.microsoft.com/office/drawing/2010/main">
+        <mc:Choice Requires="a14">
           <p:sp>
             <p:nvSpPr>
               <p:cNvPr id="27" name="TextBox 26">
@@ -39950,7 +39968,7 @@
             <p:spPr>
               <a:xfrm>
                 <a:off x="2716112" y="1996077"/>
-                <a:ext cx="2060395" cy="276999"/>
+                <a:ext cx="2575555" cy="276999"/>
               </a:xfrm>
               <a:prstGeom prst="rect">
                 <a:avLst/>
@@ -39965,7 +39983,15 @@
               <a:p>
                 <a:r>
                   <a:rPr lang="en-US" sz="1200" dirty="0"/>
-                  <a:t>Test unavailable: </a:t>
+                  <a:t>Test unavailable/</a:t>
+                </a:r>
+                <a:r>
+                  <a:rPr lang="en-US" sz="1200" dirty="0" err="1"/>
+                  <a:t>unutilised</a:t>
+                </a:r>
+                <a:r>
+                  <a:rPr lang="en-US" sz="1200" dirty="0"/>
+                  <a:t>: </a:t>
                 </a:r>
                 <a14:m>
                   <m:oMath xmlns:m="http://schemas.openxmlformats.org/officeDocument/2006/math">
@@ -40013,7 +40039,7 @@
             </p:txBody>
           </p:sp>
         </mc:Choice>
-        <mc:Fallback>
+        <mc:Fallback xmlns="">
           <p:sp>
             <p:nvSpPr>
               <p:cNvPr id="27" name="TextBox 26">
@@ -40031,7 +40057,7 @@
             <p:spPr>
               <a:xfrm>
                 <a:off x="2716112" y="1996077"/>
-                <a:ext cx="2060395" cy="276999"/>
+                <a:ext cx="2575555" cy="276999"/>
               </a:xfrm>
               <a:prstGeom prst="rect">
                 <a:avLst/>
@@ -40039,7 +40065,7 @@
               <a:blipFill>
                 <a:blip r:embed="rId10"/>
                 <a:stretch>
-                  <a:fillRect l="-296" b="-15217"/>
+                  <a:fillRect l="-237" b="-15217"/>
                 </a:stretch>
               </a:blipFill>
             </p:spPr>
@@ -40100,8 +40126,8 @@
           </a:fontRef>
         </p:style>
       </p:cxnSp>
-      <mc:AlternateContent xmlns:mc="http://schemas.openxmlformats.org/markup-compatibility/2006">
-        <mc:Choice xmlns:a14="http://schemas.microsoft.com/office/drawing/2010/main" Requires="a14">
+      <mc:AlternateContent xmlns:mc="http://schemas.openxmlformats.org/markup-compatibility/2006" xmlns:a14="http://schemas.microsoft.com/office/drawing/2010/main">
+        <mc:Choice Requires="a14">
           <p:sp>
             <p:nvSpPr>
               <p:cNvPr id="41" name="TextBox 40">
@@ -40133,7 +40159,7 @@
                 <a:pPr algn="ctr"/>
                 <a:r>
                   <a:rPr lang="en-US" sz="1200" dirty="0"/>
-                  <a:t>Test negative: </a:t>
+                  <a:t>Negative: </a:t>
                 </a:r>
                 <a14:m>
                   <m:oMath xmlns:m="http://schemas.openxmlformats.org/officeDocument/2006/math">
@@ -40175,7 +40201,7 @@
             </p:txBody>
           </p:sp>
         </mc:Choice>
-        <mc:Fallback>
+        <mc:Fallback xmlns="">
           <p:sp>
             <p:nvSpPr>
               <p:cNvPr id="41" name="TextBox 40">
@@ -40974,7 +41000,7 @@
         </p:nvSpPr>
         <p:spPr>
           <a:xfrm>
-            <a:off x="4459161" y="4957281"/>
+            <a:off x="4715693" y="4955964"/>
             <a:ext cx="901936" cy="361112"/>
           </a:xfrm>
           <a:prstGeom prst="rect">
@@ -41263,8 +41289,8 @@
         </p:nvCxnSpPr>
         <p:spPr>
           <a:xfrm>
-            <a:off x="5361097" y="5137837"/>
-            <a:ext cx="644764" cy="0"/>
+            <a:off x="5617629" y="5136520"/>
+            <a:ext cx="388232" cy="1317"/>
           </a:xfrm>
           <a:prstGeom prst="straightConnector1">
             <a:avLst/>
@@ -41305,7 +41331,7 @@
         </p:nvCxnSpPr>
         <p:spPr>
           <a:xfrm rot="5400000" flipH="1" flipV="1">
-            <a:off x="6081735" y="3575063"/>
+            <a:off x="6338267" y="3573746"/>
             <a:ext cx="210612" cy="2553825"/>
           </a:xfrm>
           <a:prstGeom prst="bentConnector2">
@@ -41347,9 +41373,9 @@
           <p:nvPr/>
         </p:nvCxnSpPr>
         <p:spPr>
-          <a:xfrm>
-            <a:off x="3895822" y="5137837"/>
-            <a:ext cx="563339" cy="0"/>
+          <a:xfrm flipV="1">
+            <a:off x="3895822" y="5136520"/>
+            <a:ext cx="819871" cy="1317"/>
           </a:xfrm>
           <a:prstGeom prst="straightConnector1">
             <a:avLst/>
@@ -41475,6 +41501,882 @@
         <p:spPr>
           <a:xfrm rot="16200000" flipH="1">
             <a:off x="6870114" y="4905107"/>
+            <a:ext cx="180556" cy="1007127"/>
+          </a:xfrm>
+          <a:prstGeom prst="bentConnector2">
+            <a:avLst/>
+          </a:prstGeom>
+          <a:ln>
+            <a:tailEnd type="triangle"/>
+          </a:ln>
+        </p:spPr>
+        <p:style>
+          <a:lnRef idx="1">
+            <a:schemeClr val="accent2"/>
+          </a:lnRef>
+          <a:fillRef idx="0">
+            <a:schemeClr val="accent2"/>
+          </a:fillRef>
+          <a:effectRef idx="0">
+            <a:schemeClr val="accent2"/>
+          </a:effectRef>
+          <a:fontRef idx="minor">
+            <a:schemeClr val="tx1"/>
+          </a:fontRef>
+        </p:style>
+      </p:cxnSp>
+      <mc:AlternateContent xmlns:mc="http://schemas.openxmlformats.org/markup-compatibility/2006" xmlns:a14="http://schemas.microsoft.com/office/drawing/2010/main">
+        <mc:Choice Requires="a14">
+          <p:sp>
+            <p:nvSpPr>
+              <p:cNvPr id="30" name="TextBox 29">
+                <a:extLst>
+                  <a:ext uri="{FF2B5EF4-FFF2-40B4-BE49-F238E27FC236}">
+                    <a16:creationId xmlns:a16="http://schemas.microsoft.com/office/drawing/2014/main" id="{3C547BD1-0D33-75D0-8B89-8974FC10DBFA}"/>
+                  </a:ext>
+                </a:extLst>
+              </p:cNvPr>
+              <p:cNvSpPr txBox="1"/>
+              <p:nvPr/>
+            </p:nvSpPr>
+            <p:spPr>
+              <a:xfrm>
+                <a:off x="3439009" y="5568593"/>
+                <a:ext cx="1362075" cy="291298"/>
+              </a:xfrm>
+              <a:prstGeom prst="rect">
+                <a:avLst/>
+              </a:prstGeom>
+              <a:noFill/>
+            </p:spPr>
+            <p:txBody>
+              <a:bodyPr wrap="square">
+                <a:spAutoFit/>
+              </a:bodyPr>
+              <a:lstStyle/>
+              <a:p>
+                <a:pPr/>
+                <a14:m>
+                  <m:oMathPara xmlns:m="http://schemas.openxmlformats.org/officeDocument/2006/math">
+                    <m:oMathParaPr>
+                      <m:jc m:val="centerGroup"/>
+                    </m:oMathParaPr>
+                    <m:oMath xmlns:m="http://schemas.openxmlformats.org/officeDocument/2006/math">
+                      <m:sSub>
+                        <m:sSubPr>
+                          <m:ctrlPr>
+                            <a:rPr lang="en-GB" sz="1200" b="0" i="1" smtClean="0">
+                              <a:latin typeface="Cambria Math" panose="02040503050406030204" pitchFamily="18" charset="0"/>
+                            </a:rPr>
+                          </m:ctrlPr>
+                        </m:sSubPr>
+                        <m:e>
+                          <m:r>
+                            <a:rPr lang="en-GB" sz="1200" b="0" i="1" smtClean="0">
+                              <a:latin typeface="Cambria Math" panose="02040503050406030204" pitchFamily="18" charset="0"/>
+                            </a:rPr>
+                            <m:t>1−</m:t>
+                          </m:r>
+                          <m:r>
+                            <a:rPr lang="en-GB" sz="1200" b="0" i="1" smtClean="0">
+                              <a:latin typeface="Cambria Math" panose="02040503050406030204" pitchFamily="18" charset="0"/>
+                            </a:rPr>
+                            <m:t>𝑃</m:t>
+                          </m:r>
+                        </m:e>
+                        <m:sub>
+                          <m:r>
+                            <a:rPr lang="en-GB" sz="1200" b="0" i="1" smtClean="0">
+                              <a:latin typeface="Cambria Math" panose="02040503050406030204" pitchFamily="18" charset="0"/>
+                            </a:rPr>
+                            <m:t>𝑠𝑎𝑚𝑝𝑙𝑒</m:t>
+                          </m:r>
+                          <m:r>
+                            <a:rPr lang="en-GB" sz="1200" b="0" i="1" smtClean="0">
+                              <a:latin typeface="Cambria Math" panose="02040503050406030204" pitchFamily="18" charset="0"/>
+                            </a:rPr>
+                            <m:t>, </m:t>
+                          </m:r>
+                          <m:r>
+                            <a:rPr lang="en-GB" sz="1200" b="0" i="1" smtClean="0">
+                              <a:latin typeface="Cambria Math" panose="02040503050406030204" pitchFamily="18" charset="0"/>
+                            </a:rPr>
+                            <m:t>𝑆𝑆𝑀</m:t>
+                          </m:r>
+                        </m:sub>
+                      </m:sSub>
+                    </m:oMath>
+                  </m:oMathPara>
+                </a14:m>
+                <a:endParaRPr lang="en-GB" sz="1200" dirty="0"/>
+              </a:p>
+            </p:txBody>
+          </p:sp>
+        </mc:Choice>
+        <mc:Fallback xmlns="">
+          <p:sp>
+            <p:nvSpPr>
+              <p:cNvPr id="30" name="TextBox 29">
+                <a:extLst>
+                  <a:ext uri="{FF2B5EF4-FFF2-40B4-BE49-F238E27FC236}">
+                    <a16:creationId xmlns:a16="http://schemas.microsoft.com/office/drawing/2014/main" id="{3C547BD1-0D33-75D0-8B89-8974FC10DBFA}"/>
+                  </a:ext>
+                </a:extLst>
+              </p:cNvPr>
+              <p:cNvSpPr txBox="1">
+                <a:spLocks noRot="1" noChangeAspect="1" noMove="1" noResize="1" noEditPoints="1" noAdjustHandles="1" noChangeArrowheads="1" noChangeShapeType="1" noTextEdit="1"/>
+              </p:cNvSpPr>
+              <p:nvPr/>
+            </p:nvSpPr>
+            <p:spPr>
+              <a:xfrm>
+                <a:off x="3439009" y="5568593"/>
+                <a:ext cx="1362075" cy="291298"/>
+              </a:xfrm>
+              <a:prstGeom prst="rect">
+                <a:avLst/>
+              </a:prstGeom>
+              <a:blipFill>
+                <a:blip r:embed="rId2"/>
+                <a:stretch>
+                  <a:fillRect/>
+                </a:stretch>
+              </a:blipFill>
+            </p:spPr>
+            <p:txBody>
+              <a:bodyPr/>
+              <a:lstStyle/>
+              <a:p>
+                <a:r>
+                  <a:rPr lang="en-GB">
+                    <a:noFill/>
+                  </a:rPr>
+                  <a:t> </a:t>
+                </a:r>
+              </a:p>
+            </p:txBody>
+          </p:sp>
+        </mc:Fallback>
+      </mc:AlternateContent>
+      <mc:AlternateContent xmlns:mc="http://schemas.openxmlformats.org/markup-compatibility/2006" xmlns:a14="http://schemas.microsoft.com/office/drawing/2010/main">
+        <mc:Choice Requires="a14">
+          <p:sp>
+            <p:nvSpPr>
+              <p:cNvPr id="34" name="TextBox 33">
+                <a:extLst>
+                  <a:ext uri="{FF2B5EF4-FFF2-40B4-BE49-F238E27FC236}">
+                    <a16:creationId xmlns:a16="http://schemas.microsoft.com/office/drawing/2014/main" id="{073D1C20-E3E2-8C3D-14EF-67EAD3B7B27C}"/>
+                  </a:ext>
+                </a:extLst>
+              </p:cNvPr>
+              <p:cNvSpPr txBox="1"/>
+              <p:nvPr/>
+            </p:nvSpPr>
+            <p:spPr>
+              <a:xfrm>
+                <a:off x="3831540" y="4830710"/>
+                <a:ext cx="665721" cy="291298"/>
+              </a:xfrm>
+              <a:prstGeom prst="rect">
+                <a:avLst/>
+              </a:prstGeom>
+              <a:noFill/>
+            </p:spPr>
+            <p:txBody>
+              <a:bodyPr wrap="square">
+                <a:spAutoFit/>
+              </a:bodyPr>
+              <a:lstStyle/>
+              <a:p>
+                <a:pPr/>
+                <a14:m>
+                  <m:oMathPara xmlns:m="http://schemas.openxmlformats.org/officeDocument/2006/math">
+                    <m:oMathParaPr>
+                      <m:jc m:val="centerGroup"/>
+                    </m:oMathParaPr>
+                    <m:oMath xmlns:m="http://schemas.openxmlformats.org/officeDocument/2006/math">
+                      <m:sSub>
+                        <m:sSubPr>
+                          <m:ctrlPr>
+                            <a:rPr lang="en-GB" sz="1200" i="1" smtClean="0">
+                              <a:latin typeface="Cambria Math" panose="02040503050406030204" pitchFamily="18" charset="0"/>
+                            </a:rPr>
+                          </m:ctrlPr>
+                        </m:sSubPr>
+                        <m:e>
+                          <m:r>
+                            <a:rPr lang="en-GB" sz="1200" i="1">
+                              <a:latin typeface="Cambria Math" panose="02040503050406030204" pitchFamily="18" charset="0"/>
+                            </a:rPr>
+                            <m:t>𝑃</m:t>
+                          </m:r>
+                        </m:e>
+                        <m:sub>
+                          <m:r>
+                            <a:rPr lang="en-GB" sz="1200" i="1">
+                              <a:latin typeface="Cambria Math" panose="02040503050406030204" pitchFamily="18" charset="0"/>
+                            </a:rPr>
+                            <m:t>𝑠</m:t>
+                          </m:r>
+                          <m:r>
+                            <a:rPr lang="en-GB" sz="1200" b="0" i="1" smtClean="0">
+                              <a:latin typeface="Cambria Math" panose="02040503050406030204" pitchFamily="18" charset="0"/>
+                            </a:rPr>
+                            <m:t>𝑎𝑚𝑝𝑙𝑒</m:t>
+                          </m:r>
+                          <m:r>
+                            <a:rPr lang="en-GB" sz="1200" b="0" i="1" smtClean="0">
+                              <a:latin typeface="Cambria Math" panose="02040503050406030204" pitchFamily="18" charset="0"/>
+                            </a:rPr>
+                            <m:t>,</m:t>
+                          </m:r>
+                          <m:r>
+                            <a:rPr lang="en-GB" sz="1200" b="0" i="1" smtClean="0">
+                              <a:latin typeface="Cambria Math" panose="02040503050406030204" pitchFamily="18" charset="0"/>
+                            </a:rPr>
+                            <m:t>𝑆𝑆𝑀</m:t>
+                          </m:r>
+                        </m:sub>
+                      </m:sSub>
+                    </m:oMath>
+                  </m:oMathPara>
+                </a14:m>
+                <a:endParaRPr lang="en-GB" sz="1200" dirty="0"/>
+              </a:p>
+            </p:txBody>
+          </p:sp>
+        </mc:Choice>
+        <mc:Fallback xmlns="">
+          <p:sp>
+            <p:nvSpPr>
+              <p:cNvPr id="34" name="TextBox 33">
+                <a:extLst>
+                  <a:ext uri="{FF2B5EF4-FFF2-40B4-BE49-F238E27FC236}">
+                    <a16:creationId xmlns:a16="http://schemas.microsoft.com/office/drawing/2014/main" id="{073D1C20-E3E2-8C3D-14EF-67EAD3B7B27C}"/>
+                  </a:ext>
+                </a:extLst>
+              </p:cNvPr>
+              <p:cNvSpPr txBox="1">
+                <a:spLocks noRot="1" noChangeAspect="1" noMove="1" noResize="1" noEditPoints="1" noAdjustHandles="1" noChangeArrowheads="1" noChangeShapeType="1" noTextEdit="1"/>
+              </p:cNvSpPr>
+              <p:nvPr/>
+            </p:nvSpPr>
+            <p:spPr>
+              <a:xfrm>
+                <a:off x="3831540" y="4830710"/>
+                <a:ext cx="665721" cy="291298"/>
+              </a:xfrm>
+              <a:prstGeom prst="rect">
+                <a:avLst/>
+              </a:prstGeom>
+              <a:blipFill>
+                <a:blip r:embed="rId3"/>
+                <a:stretch>
+                  <a:fillRect r="-28440"/>
+                </a:stretch>
+              </a:blipFill>
+            </p:spPr>
+            <p:txBody>
+              <a:bodyPr/>
+              <a:lstStyle/>
+              <a:p>
+                <a:r>
+                  <a:rPr lang="en-GB">
+                    <a:noFill/>
+                  </a:rPr>
+                  <a:t> </a:t>
+                </a:r>
+              </a:p>
+            </p:txBody>
+          </p:sp>
+        </mc:Fallback>
+      </mc:AlternateContent>
+      <p:sp>
+        <p:nvSpPr>
+          <p:cNvPr id="35" name="Rectangle 34">
+            <a:extLst>
+              <a:ext uri="{FF2B5EF4-FFF2-40B4-BE49-F238E27FC236}">
+                <a16:creationId xmlns:a16="http://schemas.microsoft.com/office/drawing/2014/main" id="{E932D627-D18B-C7E8-49EE-A0C45E5AF440}"/>
+              </a:ext>
+            </a:extLst>
+          </p:cNvPr>
+          <p:cNvSpPr/>
+          <p:nvPr/>
+        </p:nvSpPr>
+        <p:spPr>
+          <a:xfrm>
+            <a:off x="7536858" y="4630155"/>
+            <a:ext cx="1892063" cy="617966"/>
+          </a:xfrm>
+          <a:prstGeom prst="rect">
+            <a:avLst/>
+          </a:prstGeom>
+          <a:ln/>
+        </p:spPr>
+        <p:style>
+          <a:lnRef idx="2">
+            <a:schemeClr val="accent6"/>
+          </a:lnRef>
+          <a:fillRef idx="1">
+            <a:schemeClr val="lt1"/>
+          </a:fillRef>
+          <a:effectRef idx="0">
+            <a:schemeClr val="accent6"/>
+          </a:effectRef>
+          <a:fontRef idx="minor">
+            <a:schemeClr val="dk1"/>
+          </a:fontRef>
+        </p:style>
+        <p:txBody>
+          <a:bodyPr rtlCol="0" anchor="ctr"/>
+          <a:lstStyle/>
+          <a:p>
+            <a:pPr algn="ctr"/>
+            <a:r>
+              <a:rPr lang="en-US" sz="1400" dirty="0"/>
+              <a:t>Test positive</a:t>
+            </a:r>
+            <a:endParaRPr lang="en-GB" sz="1400" dirty="0"/>
+          </a:p>
+        </p:txBody>
+      </p:sp>
+      <p:sp>
+        <p:nvSpPr>
+          <p:cNvPr id="36" name="Rectangle 35">
+            <a:extLst>
+              <a:ext uri="{FF2B5EF4-FFF2-40B4-BE49-F238E27FC236}">
+                <a16:creationId xmlns:a16="http://schemas.microsoft.com/office/drawing/2014/main" id="{D5A26A6E-48CF-8C7F-A792-760B67FBF9F1}"/>
+              </a:ext>
+            </a:extLst>
+          </p:cNvPr>
+          <p:cNvSpPr/>
+          <p:nvPr/>
+        </p:nvSpPr>
+        <p:spPr>
+          <a:xfrm>
+            <a:off x="7536858" y="5318392"/>
+            <a:ext cx="1892063" cy="694344"/>
+          </a:xfrm>
+          <a:prstGeom prst="rect">
+            <a:avLst/>
+          </a:prstGeom>
+          <a:ln/>
+        </p:spPr>
+        <p:style>
+          <a:lnRef idx="2">
+            <a:schemeClr val="accent2"/>
+          </a:lnRef>
+          <a:fillRef idx="1">
+            <a:schemeClr val="lt1"/>
+          </a:fillRef>
+          <a:effectRef idx="0">
+            <a:schemeClr val="accent2"/>
+          </a:effectRef>
+          <a:fontRef idx="minor">
+            <a:schemeClr val="dk1"/>
+          </a:fontRef>
+        </p:style>
+        <p:txBody>
+          <a:bodyPr rtlCol="0" anchor="ctr"/>
+          <a:lstStyle/>
+          <a:p>
+            <a:pPr algn="ctr"/>
+            <a:r>
+              <a:rPr lang="en-US" sz="1400" dirty="0"/>
+              <a:t>Test negative</a:t>
+            </a:r>
+          </a:p>
+          <a:p>
+            <a:pPr algn="ctr"/>
+            <a:endParaRPr lang="en-US" sz="1400" dirty="0"/>
+          </a:p>
+          <a:p>
+            <a:pPr algn="ctr"/>
+            <a:r>
+              <a:rPr lang="en-US" sz="1400" dirty="0"/>
+              <a:t>Fail to collect sample</a:t>
+            </a:r>
+          </a:p>
+        </p:txBody>
+      </p:sp>
+      <p:sp>
+        <p:nvSpPr>
+          <p:cNvPr id="46" name="Rectangle 45">
+            <a:extLst>
+              <a:ext uri="{FF2B5EF4-FFF2-40B4-BE49-F238E27FC236}">
+                <a16:creationId xmlns:a16="http://schemas.microsoft.com/office/drawing/2014/main" id="{7C378566-E57D-5E8F-C6D6-B62EE4B0F803}"/>
+              </a:ext>
+            </a:extLst>
+          </p:cNvPr>
+          <p:cNvSpPr/>
+          <p:nvPr/>
+        </p:nvSpPr>
+        <p:spPr>
+          <a:xfrm>
+            <a:off x="2680596" y="3349804"/>
+            <a:ext cx="4583334" cy="617966"/>
+          </a:xfrm>
+          <a:prstGeom prst="rect">
+            <a:avLst/>
+          </a:prstGeom>
+          <a:ln>
+            <a:prstDash val="sysDot"/>
+          </a:ln>
+        </p:spPr>
+        <p:style>
+          <a:lnRef idx="2">
+            <a:schemeClr val="accent1"/>
+          </a:lnRef>
+          <a:fillRef idx="1">
+            <a:schemeClr val="lt1"/>
+          </a:fillRef>
+          <a:effectRef idx="0">
+            <a:schemeClr val="accent1"/>
+          </a:effectRef>
+          <a:fontRef idx="minor">
+            <a:schemeClr val="dk1"/>
+          </a:fontRef>
+        </p:style>
+        <p:txBody>
+          <a:bodyPr rtlCol="0" anchor="ctr"/>
+          <a:lstStyle/>
+          <a:p>
+            <a:pPr algn="ctr"/>
+            <a:endParaRPr lang="en-GB"/>
+          </a:p>
+        </p:txBody>
+      </p:sp>
+      <p:sp>
+        <p:nvSpPr>
+          <p:cNvPr id="47" name="Rectangle 46">
+            <a:extLst>
+              <a:ext uri="{FF2B5EF4-FFF2-40B4-BE49-F238E27FC236}">
+                <a16:creationId xmlns:a16="http://schemas.microsoft.com/office/drawing/2014/main" id="{F11230FE-A2EB-41B8-2D2D-711DD6B0C5DC}"/>
+              </a:ext>
+            </a:extLst>
+          </p:cNvPr>
+          <p:cNvSpPr/>
+          <p:nvPr/>
+        </p:nvSpPr>
+        <p:spPr>
+          <a:xfrm>
+            <a:off x="6005861" y="3478231"/>
+            <a:ext cx="901936" cy="361112"/>
+          </a:xfrm>
+          <a:prstGeom prst="rect">
+            <a:avLst/>
+          </a:prstGeom>
+        </p:spPr>
+        <p:style>
+          <a:lnRef idx="2">
+            <a:schemeClr val="accent1">
+              <a:shade val="15000"/>
+            </a:schemeClr>
+          </a:lnRef>
+          <a:fillRef idx="1">
+            <a:schemeClr val="accent1"/>
+          </a:fillRef>
+          <a:effectRef idx="0">
+            <a:schemeClr val="accent1"/>
+          </a:effectRef>
+          <a:fontRef idx="minor">
+            <a:schemeClr val="lt1"/>
+          </a:fontRef>
+        </p:style>
+        <p:txBody>
+          <a:bodyPr rtlCol="0" anchor="ctr"/>
+          <a:lstStyle>
+            <a:defPPr>
+              <a:defRPr lang="en-US"/>
+            </a:defPPr>
+            <a:lvl1pPr marL="0" algn="l" defTabSz="914400" rtl="0" eaLnBrk="1" latinLnBrk="0" hangingPunct="1">
+              <a:defRPr sz="1800" kern="1200">
+                <a:solidFill>
+                  <a:schemeClr val="lt1"/>
+                </a:solidFill>
+                <a:latin typeface="+mn-lt"/>
+                <a:ea typeface="+mn-ea"/>
+                <a:cs typeface="+mn-cs"/>
+              </a:defRPr>
+            </a:lvl1pPr>
+            <a:lvl2pPr marL="457200" algn="l" defTabSz="914400" rtl="0" eaLnBrk="1" latinLnBrk="0" hangingPunct="1">
+              <a:defRPr sz="1800" kern="1200">
+                <a:solidFill>
+                  <a:schemeClr val="lt1"/>
+                </a:solidFill>
+                <a:latin typeface="+mn-lt"/>
+                <a:ea typeface="+mn-ea"/>
+                <a:cs typeface="+mn-cs"/>
+              </a:defRPr>
+            </a:lvl2pPr>
+            <a:lvl3pPr marL="914400" algn="l" defTabSz="914400" rtl="0" eaLnBrk="1" latinLnBrk="0" hangingPunct="1">
+              <a:defRPr sz="1800" kern="1200">
+                <a:solidFill>
+                  <a:schemeClr val="lt1"/>
+                </a:solidFill>
+                <a:latin typeface="+mn-lt"/>
+                <a:ea typeface="+mn-ea"/>
+                <a:cs typeface="+mn-cs"/>
+              </a:defRPr>
+            </a:lvl3pPr>
+            <a:lvl4pPr marL="1371600" algn="l" defTabSz="914400" rtl="0" eaLnBrk="1" latinLnBrk="0" hangingPunct="1">
+              <a:defRPr sz="1800" kern="1200">
+                <a:solidFill>
+                  <a:schemeClr val="lt1"/>
+                </a:solidFill>
+                <a:latin typeface="+mn-lt"/>
+                <a:ea typeface="+mn-ea"/>
+                <a:cs typeface="+mn-cs"/>
+              </a:defRPr>
+            </a:lvl4pPr>
+            <a:lvl5pPr marL="1828800" algn="l" defTabSz="914400" rtl="0" eaLnBrk="1" latinLnBrk="0" hangingPunct="1">
+              <a:defRPr sz="1800" kern="1200">
+                <a:solidFill>
+                  <a:schemeClr val="lt1"/>
+                </a:solidFill>
+                <a:latin typeface="+mn-lt"/>
+                <a:ea typeface="+mn-ea"/>
+                <a:cs typeface="+mn-cs"/>
+              </a:defRPr>
+            </a:lvl5pPr>
+            <a:lvl6pPr marL="2286000" algn="l" defTabSz="914400" rtl="0" eaLnBrk="1" latinLnBrk="0" hangingPunct="1">
+              <a:defRPr sz="1800" kern="1200">
+                <a:solidFill>
+                  <a:schemeClr val="lt1"/>
+                </a:solidFill>
+                <a:latin typeface="+mn-lt"/>
+                <a:ea typeface="+mn-ea"/>
+                <a:cs typeface="+mn-cs"/>
+              </a:defRPr>
+            </a:lvl6pPr>
+            <a:lvl7pPr marL="2743200" algn="l" defTabSz="914400" rtl="0" eaLnBrk="1" latinLnBrk="0" hangingPunct="1">
+              <a:defRPr sz="1800" kern="1200">
+                <a:solidFill>
+                  <a:schemeClr val="lt1"/>
+                </a:solidFill>
+                <a:latin typeface="+mn-lt"/>
+                <a:ea typeface="+mn-ea"/>
+                <a:cs typeface="+mn-cs"/>
+              </a:defRPr>
+            </a:lvl7pPr>
+            <a:lvl8pPr marL="3200400" algn="l" defTabSz="914400" rtl="0" eaLnBrk="1" latinLnBrk="0" hangingPunct="1">
+              <a:defRPr sz="1800" kern="1200">
+                <a:solidFill>
+                  <a:schemeClr val="lt1"/>
+                </a:solidFill>
+                <a:latin typeface="+mn-lt"/>
+                <a:ea typeface="+mn-ea"/>
+                <a:cs typeface="+mn-cs"/>
+              </a:defRPr>
+            </a:lvl8pPr>
+            <a:lvl9pPr marL="3657600" algn="l" defTabSz="914400" rtl="0" eaLnBrk="1" latinLnBrk="0" hangingPunct="1">
+              <a:defRPr sz="1800" kern="1200">
+                <a:solidFill>
+                  <a:schemeClr val="lt1"/>
+                </a:solidFill>
+                <a:latin typeface="+mn-lt"/>
+                <a:ea typeface="+mn-ea"/>
+                <a:cs typeface="+mn-cs"/>
+              </a:defRPr>
+            </a:lvl9pPr>
+          </a:lstStyle>
+          <a:p>
+            <a:pPr algn="ctr"/>
+            <a:r>
+              <a:rPr lang="en-US" sz="1200" dirty="0"/>
+              <a:t>CBNAAT</a:t>
+            </a:r>
+          </a:p>
+        </p:txBody>
+      </p:sp>
+      <p:sp>
+        <p:nvSpPr>
+          <p:cNvPr id="49" name="Rectangle 48">
+            <a:extLst>
+              <a:ext uri="{FF2B5EF4-FFF2-40B4-BE49-F238E27FC236}">
+                <a16:creationId xmlns:a16="http://schemas.microsoft.com/office/drawing/2014/main" id="{4E6ADE01-1BBD-6BCD-870F-D931F278E495}"/>
+              </a:ext>
+            </a:extLst>
+          </p:cNvPr>
+          <p:cNvSpPr/>
+          <p:nvPr/>
+        </p:nvSpPr>
+        <p:spPr>
+          <a:xfrm>
+            <a:off x="2993886" y="3478231"/>
+            <a:ext cx="901936" cy="361112"/>
+          </a:xfrm>
+          <a:prstGeom prst="rect">
+            <a:avLst/>
+          </a:prstGeom>
+        </p:spPr>
+        <p:style>
+          <a:lnRef idx="2">
+            <a:schemeClr val="accent1">
+              <a:shade val="15000"/>
+            </a:schemeClr>
+          </a:lnRef>
+          <a:fillRef idx="1">
+            <a:schemeClr val="accent1"/>
+          </a:fillRef>
+          <a:effectRef idx="0">
+            <a:schemeClr val="accent1"/>
+          </a:effectRef>
+          <a:fontRef idx="minor">
+            <a:schemeClr val="lt1"/>
+          </a:fontRef>
+        </p:style>
+        <p:txBody>
+          <a:bodyPr rtlCol="0" anchor="ctr"/>
+          <a:lstStyle>
+            <a:defPPr>
+              <a:defRPr lang="en-US"/>
+            </a:defPPr>
+            <a:lvl1pPr marL="0" algn="l" defTabSz="914400" rtl="0" eaLnBrk="1" latinLnBrk="0" hangingPunct="1">
+              <a:defRPr sz="1800" kern="1200">
+                <a:solidFill>
+                  <a:schemeClr val="lt1"/>
+                </a:solidFill>
+                <a:latin typeface="+mn-lt"/>
+                <a:ea typeface="+mn-ea"/>
+                <a:cs typeface="+mn-cs"/>
+              </a:defRPr>
+            </a:lvl1pPr>
+            <a:lvl2pPr marL="457200" algn="l" defTabSz="914400" rtl="0" eaLnBrk="1" latinLnBrk="0" hangingPunct="1">
+              <a:defRPr sz="1800" kern="1200">
+                <a:solidFill>
+                  <a:schemeClr val="lt1"/>
+                </a:solidFill>
+                <a:latin typeface="+mn-lt"/>
+                <a:ea typeface="+mn-ea"/>
+                <a:cs typeface="+mn-cs"/>
+              </a:defRPr>
+            </a:lvl2pPr>
+            <a:lvl3pPr marL="914400" algn="l" defTabSz="914400" rtl="0" eaLnBrk="1" latinLnBrk="0" hangingPunct="1">
+              <a:defRPr sz="1800" kern="1200">
+                <a:solidFill>
+                  <a:schemeClr val="lt1"/>
+                </a:solidFill>
+                <a:latin typeface="+mn-lt"/>
+                <a:ea typeface="+mn-ea"/>
+                <a:cs typeface="+mn-cs"/>
+              </a:defRPr>
+            </a:lvl3pPr>
+            <a:lvl4pPr marL="1371600" algn="l" defTabSz="914400" rtl="0" eaLnBrk="1" latinLnBrk="0" hangingPunct="1">
+              <a:defRPr sz="1800" kern="1200">
+                <a:solidFill>
+                  <a:schemeClr val="lt1"/>
+                </a:solidFill>
+                <a:latin typeface="+mn-lt"/>
+                <a:ea typeface="+mn-ea"/>
+                <a:cs typeface="+mn-cs"/>
+              </a:defRPr>
+            </a:lvl4pPr>
+            <a:lvl5pPr marL="1828800" algn="l" defTabSz="914400" rtl="0" eaLnBrk="1" latinLnBrk="0" hangingPunct="1">
+              <a:defRPr sz="1800" kern="1200">
+                <a:solidFill>
+                  <a:schemeClr val="lt1"/>
+                </a:solidFill>
+                <a:latin typeface="+mn-lt"/>
+                <a:ea typeface="+mn-ea"/>
+                <a:cs typeface="+mn-cs"/>
+              </a:defRPr>
+            </a:lvl5pPr>
+            <a:lvl6pPr marL="2286000" algn="l" defTabSz="914400" rtl="0" eaLnBrk="1" latinLnBrk="0" hangingPunct="1">
+              <a:defRPr sz="1800" kern="1200">
+                <a:solidFill>
+                  <a:schemeClr val="lt1"/>
+                </a:solidFill>
+                <a:latin typeface="+mn-lt"/>
+                <a:ea typeface="+mn-ea"/>
+                <a:cs typeface="+mn-cs"/>
+              </a:defRPr>
+            </a:lvl6pPr>
+            <a:lvl7pPr marL="2743200" algn="l" defTabSz="914400" rtl="0" eaLnBrk="1" latinLnBrk="0" hangingPunct="1">
+              <a:defRPr sz="1800" kern="1200">
+                <a:solidFill>
+                  <a:schemeClr val="lt1"/>
+                </a:solidFill>
+                <a:latin typeface="+mn-lt"/>
+                <a:ea typeface="+mn-ea"/>
+                <a:cs typeface="+mn-cs"/>
+              </a:defRPr>
+            </a:lvl7pPr>
+            <a:lvl8pPr marL="3200400" algn="l" defTabSz="914400" rtl="0" eaLnBrk="1" latinLnBrk="0" hangingPunct="1">
+              <a:defRPr sz="1800" kern="1200">
+                <a:solidFill>
+                  <a:schemeClr val="lt1"/>
+                </a:solidFill>
+                <a:latin typeface="+mn-lt"/>
+                <a:ea typeface="+mn-ea"/>
+                <a:cs typeface="+mn-cs"/>
+              </a:defRPr>
+            </a:lvl8pPr>
+            <a:lvl9pPr marL="3657600" algn="l" defTabSz="914400" rtl="0" eaLnBrk="1" latinLnBrk="0" hangingPunct="1">
+              <a:defRPr sz="1800" kern="1200">
+                <a:solidFill>
+                  <a:schemeClr val="lt1"/>
+                </a:solidFill>
+                <a:latin typeface="+mn-lt"/>
+                <a:ea typeface="+mn-ea"/>
+                <a:cs typeface="+mn-cs"/>
+              </a:defRPr>
+            </a:lvl9pPr>
+          </a:lstStyle>
+          <a:p>
+            <a:pPr algn="ctr"/>
+            <a:r>
+              <a:rPr lang="en-US" sz="1200" dirty="0"/>
+              <a:t>Sample</a:t>
+            </a:r>
+          </a:p>
+        </p:txBody>
+      </p:sp>
+      <p:cxnSp>
+        <p:nvCxnSpPr>
+          <p:cNvPr id="53" name="Straight Arrow Connector 52">
+            <a:extLst>
+              <a:ext uri="{FF2B5EF4-FFF2-40B4-BE49-F238E27FC236}">
+                <a16:creationId xmlns:a16="http://schemas.microsoft.com/office/drawing/2014/main" id="{E5A2F908-7466-3809-B71C-62515F13FB1E}"/>
+              </a:ext>
+            </a:extLst>
+          </p:cNvPr>
+          <p:cNvCxnSpPr>
+            <a:cxnSpLocks/>
+            <a:stCxn id="49" idx="3"/>
+            <a:endCxn id="47" idx="1"/>
+          </p:cNvCxnSpPr>
+          <p:nvPr/>
+        </p:nvCxnSpPr>
+        <p:spPr>
+          <a:xfrm>
+            <a:off x="3895822" y="3658787"/>
+            <a:ext cx="2110039" cy="0"/>
+          </a:xfrm>
+          <a:prstGeom prst="straightConnector1">
+            <a:avLst/>
+          </a:prstGeom>
+          <a:ln>
+            <a:tailEnd type="triangle"/>
+          </a:ln>
+        </p:spPr>
+        <p:style>
+          <a:lnRef idx="1">
+            <a:schemeClr val="accent6"/>
+          </a:lnRef>
+          <a:fillRef idx="0">
+            <a:schemeClr val="accent6"/>
+          </a:fillRef>
+          <a:effectRef idx="0">
+            <a:schemeClr val="accent6"/>
+          </a:effectRef>
+          <a:fontRef idx="minor">
+            <a:schemeClr val="tx1"/>
+          </a:fontRef>
+        </p:style>
+      </p:cxnSp>
+      <p:cxnSp>
+        <p:nvCxnSpPr>
+          <p:cNvPr id="54" name="Connector: Elbow 53">
+            <a:extLst>
+              <a:ext uri="{FF2B5EF4-FFF2-40B4-BE49-F238E27FC236}">
+                <a16:creationId xmlns:a16="http://schemas.microsoft.com/office/drawing/2014/main" id="{9A1DFE98-33E3-8CED-6E66-9B5413A3E3F4}"/>
+              </a:ext>
+            </a:extLst>
+          </p:cNvPr>
+          <p:cNvCxnSpPr>
+            <a:cxnSpLocks/>
+            <a:stCxn id="49" idx="2"/>
+          </p:cNvCxnSpPr>
+          <p:nvPr/>
+        </p:nvCxnSpPr>
+        <p:spPr>
+          <a:xfrm rot="16200000" flipH="1">
+            <a:off x="5194607" y="2089590"/>
+            <a:ext cx="519595" cy="4019100"/>
+          </a:xfrm>
+          <a:prstGeom prst="bentConnector2">
+            <a:avLst/>
+          </a:prstGeom>
+          <a:ln>
+            <a:tailEnd type="triangle"/>
+          </a:ln>
+        </p:spPr>
+        <p:style>
+          <a:lnRef idx="1">
+            <a:schemeClr val="accent2"/>
+          </a:lnRef>
+          <a:fillRef idx="0">
+            <a:schemeClr val="accent2"/>
+          </a:fillRef>
+          <a:effectRef idx="0">
+            <a:schemeClr val="accent2"/>
+          </a:effectRef>
+          <a:fontRef idx="minor">
+            <a:schemeClr val="tx1"/>
+          </a:fontRef>
+        </p:style>
+      </p:cxnSp>
+      <p:cxnSp>
+        <p:nvCxnSpPr>
+          <p:cNvPr id="55" name="Straight Arrow Connector 54">
+            <a:extLst>
+              <a:ext uri="{FF2B5EF4-FFF2-40B4-BE49-F238E27FC236}">
+                <a16:creationId xmlns:a16="http://schemas.microsoft.com/office/drawing/2014/main" id="{0CC28CF4-4AF7-4EB0-EE10-6CFC0A76B40B}"/>
+              </a:ext>
+            </a:extLst>
+          </p:cNvPr>
+          <p:cNvCxnSpPr>
+            <a:cxnSpLocks/>
+            <a:stCxn id="47" idx="3"/>
+          </p:cNvCxnSpPr>
+          <p:nvPr/>
+        </p:nvCxnSpPr>
+        <p:spPr>
+          <a:xfrm>
+            <a:off x="6907797" y="3658787"/>
+            <a:ext cx="556157" cy="0"/>
+          </a:xfrm>
+          <a:prstGeom prst="straightConnector1">
+            <a:avLst/>
+          </a:prstGeom>
+          <a:ln>
+            <a:tailEnd type="triangle"/>
+          </a:ln>
+        </p:spPr>
+        <p:style>
+          <a:lnRef idx="1">
+            <a:schemeClr val="accent6"/>
+          </a:lnRef>
+          <a:fillRef idx="0">
+            <a:schemeClr val="accent6"/>
+          </a:fillRef>
+          <a:effectRef idx="0">
+            <a:schemeClr val="accent6"/>
+          </a:effectRef>
+          <a:fontRef idx="minor">
+            <a:schemeClr val="tx1"/>
+          </a:fontRef>
+        </p:style>
+      </p:cxnSp>
+      <p:cxnSp>
+        <p:nvCxnSpPr>
+          <p:cNvPr id="56" name="Connector: Elbow 55">
+            <a:extLst>
+              <a:ext uri="{FF2B5EF4-FFF2-40B4-BE49-F238E27FC236}">
+                <a16:creationId xmlns:a16="http://schemas.microsoft.com/office/drawing/2014/main" id="{D73085EC-C83E-B409-D1DF-C4321E7F4931}"/>
+              </a:ext>
+            </a:extLst>
+          </p:cNvPr>
+          <p:cNvCxnSpPr>
+            <a:cxnSpLocks/>
+            <a:stCxn id="47" idx="2"/>
+          </p:cNvCxnSpPr>
+          <p:nvPr/>
+        </p:nvCxnSpPr>
+        <p:spPr>
+          <a:xfrm rot="16200000" flipH="1">
+            <a:off x="6870114" y="3426057"/>
             <a:ext cx="180556" cy="1007127"/>
           </a:xfrm>
           <a:prstGeom prst="bentConnector2">
@@ -41503,10 +42405,10 @@
         <mc:Choice xmlns:a14="http://schemas.microsoft.com/office/drawing/2010/main" Requires="a14">
           <p:sp>
             <p:nvSpPr>
-              <p:cNvPr id="30" name="TextBox 29">
+              <p:cNvPr id="57" name="TextBox 56">
                 <a:extLst>
                   <a:ext uri="{FF2B5EF4-FFF2-40B4-BE49-F238E27FC236}">
-                    <a16:creationId xmlns:a16="http://schemas.microsoft.com/office/drawing/2014/main" id="{3C547BD1-0D33-75D0-8B89-8974FC10DBFA}"/>
+                    <a16:creationId xmlns:a16="http://schemas.microsoft.com/office/drawing/2014/main" id="{387FF9CF-809C-F257-A9D6-F38CCB310669}"/>
                   </a:ext>
                 </a:extLst>
               </p:cNvPr>
@@ -41515,7 +42417,7 @@
             </p:nvSpPr>
             <p:spPr>
               <a:xfrm>
-                <a:off x="3214783" y="5575247"/>
+                <a:off x="3444853" y="4089543"/>
                 <a:ext cx="1362075" cy="291298"/>
               </a:xfrm>
               <a:prstGeom prst="rect">
@@ -41565,851 +42467,17 @@
                             </a:rPr>
                             <m:t>𝑠𝑝𝑢𝑡𝑢𝑚</m:t>
                           </m:r>
-                        </m:sub>
-                      </m:sSub>
-                    </m:oMath>
-                  </m:oMathPara>
-                </a14:m>
-                <a:endParaRPr lang="en-GB" sz="1200" dirty="0"/>
-              </a:p>
-            </p:txBody>
-          </p:sp>
-        </mc:Choice>
-        <mc:Fallback>
-          <p:sp>
-            <p:nvSpPr>
-              <p:cNvPr id="30" name="TextBox 29">
-                <a:extLst>
-                  <a:ext uri="{FF2B5EF4-FFF2-40B4-BE49-F238E27FC236}">
-                    <a16:creationId xmlns:a16="http://schemas.microsoft.com/office/drawing/2014/main" id="{3C547BD1-0D33-75D0-8B89-8974FC10DBFA}"/>
-                  </a:ext>
-                </a:extLst>
-              </p:cNvPr>
-              <p:cNvSpPr txBox="1">
-                <a:spLocks noRot="1" noChangeAspect="1" noMove="1" noResize="1" noEditPoints="1" noAdjustHandles="1" noChangeArrowheads="1" noChangeShapeType="1" noTextEdit="1"/>
-              </p:cNvSpPr>
-              <p:nvPr/>
-            </p:nvSpPr>
-            <p:spPr>
-              <a:xfrm>
-                <a:off x="3214783" y="5575247"/>
-                <a:ext cx="1362075" cy="291298"/>
-              </a:xfrm>
-              <a:prstGeom prst="rect">
-                <a:avLst/>
-              </a:prstGeom>
-              <a:blipFill>
-                <a:blip r:embed="rId2"/>
-                <a:stretch>
-                  <a:fillRect/>
-                </a:stretch>
-              </a:blipFill>
-            </p:spPr>
-            <p:txBody>
-              <a:bodyPr/>
-              <a:lstStyle/>
-              <a:p>
-                <a:r>
-                  <a:rPr lang="en-GB">
-                    <a:noFill/>
-                  </a:rPr>
-                  <a:t> </a:t>
-                </a:r>
-              </a:p>
-            </p:txBody>
-          </p:sp>
-        </mc:Fallback>
-      </mc:AlternateContent>
-      <mc:AlternateContent xmlns:mc="http://schemas.openxmlformats.org/markup-compatibility/2006">
-        <mc:Choice xmlns:a14="http://schemas.microsoft.com/office/drawing/2010/main" Requires="a14">
-          <p:sp>
-            <p:nvSpPr>
-              <p:cNvPr id="34" name="TextBox 33">
-                <a:extLst>
-                  <a:ext uri="{FF2B5EF4-FFF2-40B4-BE49-F238E27FC236}">
-                    <a16:creationId xmlns:a16="http://schemas.microsoft.com/office/drawing/2014/main" id="{073D1C20-E3E2-8C3D-14EF-67EAD3B7B27C}"/>
-                  </a:ext>
-                </a:extLst>
-              </p:cNvPr>
-              <p:cNvSpPr txBox="1"/>
-              <p:nvPr/>
-            </p:nvSpPr>
-            <p:spPr>
-              <a:xfrm>
-                <a:off x="3831540" y="4830710"/>
-                <a:ext cx="665721" cy="291298"/>
-              </a:xfrm>
-              <a:prstGeom prst="rect">
-                <a:avLst/>
-              </a:prstGeom>
-              <a:noFill/>
-            </p:spPr>
-            <p:txBody>
-              <a:bodyPr wrap="square">
-                <a:spAutoFit/>
-              </a:bodyPr>
-              <a:lstStyle/>
-              <a:p>
-                <a:pPr/>
-                <a14:m>
-                  <m:oMathPara xmlns:m="http://schemas.openxmlformats.org/officeDocument/2006/math">
-                    <m:oMathParaPr>
-                      <m:jc m:val="centerGroup"/>
-                    </m:oMathParaPr>
-                    <m:oMath xmlns:m="http://schemas.openxmlformats.org/officeDocument/2006/math">
-                      <m:sSub>
-                        <m:sSubPr>
-                          <m:ctrlPr>
-                            <a:rPr lang="en-GB" sz="1200" i="1">
-                              <a:latin typeface="Cambria Math" panose="02040503050406030204" pitchFamily="18" charset="0"/>
-                            </a:rPr>
-                          </m:ctrlPr>
-                        </m:sSubPr>
-                        <m:e>
-                          <m:r>
-                            <a:rPr lang="en-GB" sz="1200" i="1">
-                              <a:latin typeface="Cambria Math" panose="02040503050406030204" pitchFamily="18" charset="0"/>
-                            </a:rPr>
-                            <m:t>𝑃</m:t>
-                          </m:r>
-                        </m:e>
-                        <m:sub>
-                          <m:r>
-                            <a:rPr lang="en-GB" sz="1200" i="1">
-                              <a:latin typeface="Cambria Math" panose="02040503050406030204" pitchFamily="18" charset="0"/>
-                            </a:rPr>
-                            <m:t>𝑠𝑝𝑢𝑡𝑢𝑚</m:t>
-                          </m:r>
-                        </m:sub>
-                      </m:sSub>
-                    </m:oMath>
-                  </m:oMathPara>
-                </a14:m>
-                <a:endParaRPr lang="en-GB" sz="1200" dirty="0"/>
-              </a:p>
-            </p:txBody>
-          </p:sp>
-        </mc:Choice>
-        <mc:Fallback>
-          <p:sp>
-            <p:nvSpPr>
-              <p:cNvPr id="34" name="TextBox 33">
-                <a:extLst>
-                  <a:ext uri="{FF2B5EF4-FFF2-40B4-BE49-F238E27FC236}">
-                    <a16:creationId xmlns:a16="http://schemas.microsoft.com/office/drawing/2014/main" id="{073D1C20-E3E2-8C3D-14EF-67EAD3B7B27C}"/>
-                  </a:ext>
-                </a:extLst>
-              </p:cNvPr>
-              <p:cNvSpPr txBox="1">
-                <a:spLocks noRot="1" noChangeAspect="1" noMove="1" noResize="1" noEditPoints="1" noAdjustHandles="1" noChangeArrowheads="1" noChangeShapeType="1" noTextEdit="1"/>
-              </p:cNvSpPr>
-              <p:nvPr/>
-            </p:nvSpPr>
-            <p:spPr>
-              <a:xfrm>
-                <a:off x="3831540" y="4830710"/>
-                <a:ext cx="665721" cy="291298"/>
-              </a:xfrm>
-              <a:prstGeom prst="rect">
-                <a:avLst/>
-              </a:prstGeom>
-              <a:blipFill>
-                <a:blip r:embed="rId3"/>
-                <a:stretch>
-                  <a:fillRect/>
-                </a:stretch>
-              </a:blipFill>
-            </p:spPr>
-            <p:txBody>
-              <a:bodyPr/>
-              <a:lstStyle/>
-              <a:p>
-                <a:r>
-                  <a:rPr lang="en-GB">
-                    <a:noFill/>
-                  </a:rPr>
-                  <a:t> </a:t>
-                </a:r>
-              </a:p>
-            </p:txBody>
-          </p:sp>
-        </mc:Fallback>
-      </mc:AlternateContent>
-      <p:sp>
-        <p:nvSpPr>
-          <p:cNvPr id="35" name="Rectangle 34">
-            <a:extLst>
-              <a:ext uri="{FF2B5EF4-FFF2-40B4-BE49-F238E27FC236}">
-                <a16:creationId xmlns:a16="http://schemas.microsoft.com/office/drawing/2014/main" id="{E932D627-D18B-C7E8-49EE-A0C45E5AF440}"/>
-              </a:ext>
-            </a:extLst>
-          </p:cNvPr>
-          <p:cNvSpPr/>
-          <p:nvPr/>
-        </p:nvSpPr>
-        <p:spPr>
-          <a:xfrm>
-            <a:off x="7536858" y="4630155"/>
-            <a:ext cx="1892063" cy="617966"/>
-          </a:xfrm>
-          <a:prstGeom prst="rect">
-            <a:avLst/>
-          </a:prstGeom>
-          <a:ln/>
-        </p:spPr>
-        <p:style>
-          <a:lnRef idx="2">
-            <a:schemeClr val="accent6"/>
-          </a:lnRef>
-          <a:fillRef idx="1">
-            <a:schemeClr val="lt1"/>
-          </a:fillRef>
-          <a:effectRef idx="0">
-            <a:schemeClr val="accent6"/>
-          </a:effectRef>
-          <a:fontRef idx="minor">
-            <a:schemeClr val="dk1"/>
-          </a:fontRef>
-        </p:style>
-        <p:txBody>
-          <a:bodyPr rtlCol="0" anchor="ctr"/>
-          <a:lstStyle/>
-          <a:p>
-            <a:pPr algn="ctr"/>
-            <a:r>
-              <a:rPr lang="en-US" sz="1400" dirty="0"/>
-              <a:t>Test positive</a:t>
-            </a:r>
-            <a:endParaRPr lang="en-GB" sz="1400" dirty="0"/>
-          </a:p>
-        </p:txBody>
-      </p:sp>
-      <p:sp>
-        <p:nvSpPr>
-          <p:cNvPr id="36" name="Rectangle 35">
-            <a:extLst>
-              <a:ext uri="{FF2B5EF4-FFF2-40B4-BE49-F238E27FC236}">
-                <a16:creationId xmlns:a16="http://schemas.microsoft.com/office/drawing/2014/main" id="{D5A26A6E-48CF-8C7F-A792-760B67FBF9F1}"/>
-              </a:ext>
-            </a:extLst>
-          </p:cNvPr>
-          <p:cNvSpPr/>
-          <p:nvPr/>
-        </p:nvSpPr>
-        <p:spPr>
-          <a:xfrm>
-            <a:off x="7536858" y="5318392"/>
-            <a:ext cx="1892063" cy="694344"/>
-          </a:xfrm>
-          <a:prstGeom prst="rect">
-            <a:avLst/>
-          </a:prstGeom>
-          <a:ln/>
-        </p:spPr>
-        <p:style>
-          <a:lnRef idx="2">
-            <a:schemeClr val="accent2"/>
-          </a:lnRef>
-          <a:fillRef idx="1">
-            <a:schemeClr val="lt1"/>
-          </a:fillRef>
-          <a:effectRef idx="0">
-            <a:schemeClr val="accent2"/>
-          </a:effectRef>
-          <a:fontRef idx="minor">
-            <a:schemeClr val="dk1"/>
-          </a:fontRef>
-        </p:style>
-        <p:txBody>
-          <a:bodyPr rtlCol="0" anchor="ctr"/>
-          <a:lstStyle/>
-          <a:p>
-            <a:pPr algn="ctr"/>
-            <a:r>
-              <a:rPr lang="en-US" sz="1400" dirty="0"/>
-              <a:t>Test negative</a:t>
-            </a:r>
-          </a:p>
-          <a:p>
-            <a:pPr algn="ctr"/>
-            <a:endParaRPr lang="en-US" sz="1400" dirty="0"/>
-          </a:p>
-          <a:p>
-            <a:pPr algn="ctr"/>
-            <a:r>
-              <a:rPr lang="en-US" sz="1400" dirty="0"/>
-              <a:t>Fail to collect sample</a:t>
-            </a:r>
-          </a:p>
-        </p:txBody>
-      </p:sp>
-      <p:sp>
-        <p:nvSpPr>
-          <p:cNvPr id="46" name="Rectangle 45">
-            <a:extLst>
-              <a:ext uri="{FF2B5EF4-FFF2-40B4-BE49-F238E27FC236}">
-                <a16:creationId xmlns:a16="http://schemas.microsoft.com/office/drawing/2014/main" id="{7C378566-E57D-5E8F-C6D6-B62EE4B0F803}"/>
-              </a:ext>
-            </a:extLst>
-          </p:cNvPr>
-          <p:cNvSpPr/>
-          <p:nvPr/>
-        </p:nvSpPr>
-        <p:spPr>
-          <a:xfrm>
-            <a:off x="2680596" y="3349804"/>
-            <a:ext cx="4583334" cy="617966"/>
-          </a:xfrm>
-          <a:prstGeom prst="rect">
-            <a:avLst/>
-          </a:prstGeom>
-          <a:ln>
-            <a:prstDash val="sysDot"/>
-          </a:ln>
-        </p:spPr>
-        <p:style>
-          <a:lnRef idx="2">
-            <a:schemeClr val="accent1"/>
-          </a:lnRef>
-          <a:fillRef idx="1">
-            <a:schemeClr val="lt1"/>
-          </a:fillRef>
-          <a:effectRef idx="0">
-            <a:schemeClr val="accent1"/>
-          </a:effectRef>
-          <a:fontRef idx="minor">
-            <a:schemeClr val="dk1"/>
-          </a:fontRef>
-        </p:style>
-        <p:txBody>
-          <a:bodyPr rtlCol="0" anchor="ctr"/>
-          <a:lstStyle/>
-          <a:p>
-            <a:pPr algn="ctr"/>
-            <a:endParaRPr lang="en-GB"/>
-          </a:p>
-        </p:txBody>
-      </p:sp>
-      <p:sp>
-        <p:nvSpPr>
-          <p:cNvPr id="47" name="Rectangle 46">
-            <a:extLst>
-              <a:ext uri="{FF2B5EF4-FFF2-40B4-BE49-F238E27FC236}">
-                <a16:creationId xmlns:a16="http://schemas.microsoft.com/office/drawing/2014/main" id="{F11230FE-A2EB-41B8-2D2D-711DD6B0C5DC}"/>
-              </a:ext>
-            </a:extLst>
-          </p:cNvPr>
-          <p:cNvSpPr/>
-          <p:nvPr/>
-        </p:nvSpPr>
-        <p:spPr>
-          <a:xfrm>
-            <a:off x="6005861" y="3478231"/>
-            <a:ext cx="901936" cy="361112"/>
-          </a:xfrm>
-          <a:prstGeom prst="rect">
-            <a:avLst/>
-          </a:prstGeom>
-        </p:spPr>
-        <p:style>
-          <a:lnRef idx="2">
-            <a:schemeClr val="accent1">
-              <a:shade val="15000"/>
-            </a:schemeClr>
-          </a:lnRef>
-          <a:fillRef idx="1">
-            <a:schemeClr val="accent1"/>
-          </a:fillRef>
-          <a:effectRef idx="0">
-            <a:schemeClr val="accent1"/>
-          </a:effectRef>
-          <a:fontRef idx="minor">
-            <a:schemeClr val="lt1"/>
-          </a:fontRef>
-        </p:style>
-        <p:txBody>
-          <a:bodyPr rtlCol="0" anchor="ctr"/>
-          <a:lstStyle>
-            <a:defPPr>
-              <a:defRPr lang="en-US"/>
-            </a:defPPr>
-            <a:lvl1pPr marL="0" algn="l" defTabSz="914400" rtl="0" eaLnBrk="1" latinLnBrk="0" hangingPunct="1">
-              <a:defRPr sz="1800" kern="1200">
-                <a:solidFill>
-                  <a:schemeClr val="lt1"/>
-                </a:solidFill>
-                <a:latin typeface="+mn-lt"/>
-                <a:ea typeface="+mn-ea"/>
-                <a:cs typeface="+mn-cs"/>
-              </a:defRPr>
-            </a:lvl1pPr>
-            <a:lvl2pPr marL="457200" algn="l" defTabSz="914400" rtl="0" eaLnBrk="1" latinLnBrk="0" hangingPunct="1">
-              <a:defRPr sz="1800" kern="1200">
-                <a:solidFill>
-                  <a:schemeClr val="lt1"/>
-                </a:solidFill>
-                <a:latin typeface="+mn-lt"/>
-                <a:ea typeface="+mn-ea"/>
-                <a:cs typeface="+mn-cs"/>
-              </a:defRPr>
-            </a:lvl2pPr>
-            <a:lvl3pPr marL="914400" algn="l" defTabSz="914400" rtl="0" eaLnBrk="1" latinLnBrk="0" hangingPunct="1">
-              <a:defRPr sz="1800" kern="1200">
-                <a:solidFill>
-                  <a:schemeClr val="lt1"/>
-                </a:solidFill>
-                <a:latin typeface="+mn-lt"/>
-                <a:ea typeface="+mn-ea"/>
-                <a:cs typeface="+mn-cs"/>
-              </a:defRPr>
-            </a:lvl3pPr>
-            <a:lvl4pPr marL="1371600" algn="l" defTabSz="914400" rtl="0" eaLnBrk="1" latinLnBrk="0" hangingPunct="1">
-              <a:defRPr sz="1800" kern="1200">
-                <a:solidFill>
-                  <a:schemeClr val="lt1"/>
-                </a:solidFill>
-                <a:latin typeface="+mn-lt"/>
-                <a:ea typeface="+mn-ea"/>
-                <a:cs typeface="+mn-cs"/>
-              </a:defRPr>
-            </a:lvl4pPr>
-            <a:lvl5pPr marL="1828800" algn="l" defTabSz="914400" rtl="0" eaLnBrk="1" latinLnBrk="0" hangingPunct="1">
-              <a:defRPr sz="1800" kern="1200">
-                <a:solidFill>
-                  <a:schemeClr val="lt1"/>
-                </a:solidFill>
-                <a:latin typeface="+mn-lt"/>
-                <a:ea typeface="+mn-ea"/>
-                <a:cs typeface="+mn-cs"/>
-              </a:defRPr>
-            </a:lvl5pPr>
-            <a:lvl6pPr marL="2286000" algn="l" defTabSz="914400" rtl="0" eaLnBrk="1" latinLnBrk="0" hangingPunct="1">
-              <a:defRPr sz="1800" kern="1200">
-                <a:solidFill>
-                  <a:schemeClr val="lt1"/>
-                </a:solidFill>
-                <a:latin typeface="+mn-lt"/>
-                <a:ea typeface="+mn-ea"/>
-                <a:cs typeface="+mn-cs"/>
-              </a:defRPr>
-            </a:lvl6pPr>
-            <a:lvl7pPr marL="2743200" algn="l" defTabSz="914400" rtl="0" eaLnBrk="1" latinLnBrk="0" hangingPunct="1">
-              <a:defRPr sz="1800" kern="1200">
-                <a:solidFill>
-                  <a:schemeClr val="lt1"/>
-                </a:solidFill>
-                <a:latin typeface="+mn-lt"/>
-                <a:ea typeface="+mn-ea"/>
-                <a:cs typeface="+mn-cs"/>
-              </a:defRPr>
-            </a:lvl7pPr>
-            <a:lvl8pPr marL="3200400" algn="l" defTabSz="914400" rtl="0" eaLnBrk="1" latinLnBrk="0" hangingPunct="1">
-              <a:defRPr sz="1800" kern="1200">
-                <a:solidFill>
-                  <a:schemeClr val="lt1"/>
-                </a:solidFill>
-                <a:latin typeface="+mn-lt"/>
-                <a:ea typeface="+mn-ea"/>
-                <a:cs typeface="+mn-cs"/>
-              </a:defRPr>
-            </a:lvl8pPr>
-            <a:lvl9pPr marL="3657600" algn="l" defTabSz="914400" rtl="0" eaLnBrk="1" latinLnBrk="0" hangingPunct="1">
-              <a:defRPr sz="1800" kern="1200">
-                <a:solidFill>
-                  <a:schemeClr val="lt1"/>
-                </a:solidFill>
-                <a:latin typeface="+mn-lt"/>
-                <a:ea typeface="+mn-ea"/>
-                <a:cs typeface="+mn-cs"/>
-              </a:defRPr>
-            </a:lvl9pPr>
-          </a:lstStyle>
-          <a:p>
-            <a:pPr algn="ctr"/>
-            <a:r>
-              <a:rPr lang="en-US" sz="1200" dirty="0"/>
-              <a:t>CBNAAT</a:t>
-            </a:r>
-          </a:p>
-        </p:txBody>
-      </p:sp>
-      <p:sp>
-        <p:nvSpPr>
-          <p:cNvPr id="49" name="Rectangle 48">
-            <a:extLst>
-              <a:ext uri="{FF2B5EF4-FFF2-40B4-BE49-F238E27FC236}">
-                <a16:creationId xmlns:a16="http://schemas.microsoft.com/office/drawing/2014/main" id="{4E6ADE01-1BBD-6BCD-870F-D931F278E495}"/>
-              </a:ext>
-            </a:extLst>
-          </p:cNvPr>
-          <p:cNvSpPr/>
-          <p:nvPr/>
-        </p:nvSpPr>
-        <p:spPr>
-          <a:xfrm>
-            <a:off x="2993886" y="3478231"/>
-            <a:ext cx="901936" cy="361112"/>
-          </a:xfrm>
-          <a:prstGeom prst="rect">
-            <a:avLst/>
-          </a:prstGeom>
-        </p:spPr>
-        <p:style>
-          <a:lnRef idx="2">
-            <a:schemeClr val="accent1">
-              <a:shade val="15000"/>
-            </a:schemeClr>
-          </a:lnRef>
-          <a:fillRef idx="1">
-            <a:schemeClr val="accent1"/>
-          </a:fillRef>
-          <a:effectRef idx="0">
-            <a:schemeClr val="accent1"/>
-          </a:effectRef>
-          <a:fontRef idx="minor">
-            <a:schemeClr val="lt1"/>
-          </a:fontRef>
-        </p:style>
-        <p:txBody>
-          <a:bodyPr rtlCol="0" anchor="ctr"/>
-          <a:lstStyle>
-            <a:defPPr>
-              <a:defRPr lang="en-US"/>
-            </a:defPPr>
-            <a:lvl1pPr marL="0" algn="l" defTabSz="914400" rtl="0" eaLnBrk="1" latinLnBrk="0" hangingPunct="1">
-              <a:defRPr sz="1800" kern="1200">
-                <a:solidFill>
-                  <a:schemeClr val="lt1"/>
-                </a:solidFill>
-                <a:latin typeface="+mn-lt"/>
-                <a:ea typeface="+mn-ea"/>
-                <a:cs typeface="+mn-cs"/>
-              </a:defRPr>
-            </a:lvl1pPr>
-            <a:lvl2pPr marL="457200" algn="l" defTabSz="914400" rtl="0" eaLnBrk="1" latinLnBrk="0" hangingPunct="1">
-              <a:defRPr sz="1800" kern="1200">
-                <a:solidFill>
-                  <a:schemeClr val="lt1"/>
-                </a:solidFill>
-                <a:latin typeface="+mn-lt"/>
-                <a:ea typeface="+mn-ea"/>
-                <a:cs typeface="+mn-cs"/>
-              </a:defRPr>
-            </a:lvl2pPr>
-            <a:lvl3pPr marL="914400" algn="l" defTabSz="914400" rtl="0" eaLnBrk="1" latinLnBrk="0" hangingPunct="1">
-              <a:defRPr sz="1800" kern="1200">
-                <a:solidFill>
-                  <a:schemeClr val="lt1"/>
-                </a:solidFill>
-                <a:latin typeface="+mn-lt"/>
-                <a:ea typeface="+mn-ea"/>
-                <a:cs typeface="+mn-cs"/>
-              </a:defRPr>
-            </a:lvl3pPr>
-            <a:lvl4pPr marL="1371600" algn="l" defTabSz="914400" rtl="0" eaLnBrk="1" latinLnBrk="0" hangingPunct="1">
-              <a:defRPr sz="1800" kern="1200">
-                <a:solidFill>
-                  <a:schemeClr val="lt1"/>
-                </a:solidFill>
-                <a:latin typeface="+mn-lt"/>
-                <a:ea typeface="+mn-ea"/>
-                <a:cs typeface="+mn-cs"/>
-              </a:defRPr>
-            </a:lvl4pPr>
-            <a:lvl5pPr marL="1828800" algn="l" defTabSz="914400" rtl="0" eaLnBrk="1" latinLnBrk="0" hangingPunct="1">
-              <a:defRPr sz="1800" kern="1200">
-                <a:solidFill>
-                  <a:schemeClr val="lt1"/>
-                </a:solidFill>
-                <a:latin typeface="+mn-lt"/>
-                <a:ea typeface="+mn-ea"/>
-                <a:cs typeface="+mn-cs"/>
-              </a:defRPr>
-            </a:lvl5pPr>
-            <a:lvl6pPr marL="2286000" algn="l" defTabSz="914400" rtl="0" eaLnBrk="1" latinLnBrk="0" hangingPunct="1">
-              <a:defRPr sz="1800" kern="1200">
-                <a:solidFill>
-                  <a:schemeClr val="lt1"/>
-                </a:solidFill>
-                <a:latin typeface="+mn-lt"/>
-                <a:ea typeface="+mn-ea"/>
-                <a:cs typeface="+mn-cs"/>
-              </a:defRPr>
-            </a:lvl6pPr>
-            <a:lvl7pPr marL="2743200" algn="l" defTabSz="914400" rtl="0" eaLnBrk="1" latinLnBrk="0" hangingPunct="1">
-              <a:defRPr sz="1800" kern="1200">
-                <a:solidFill>
-                  <a:schemeClr val="lt1"/>
-                </a:solidFill>
-                <a:latin typeface="+mn-lt"/>
-                <a:ea typeface="+mn-ea"/>
-                <a:cs typeface="+mn-cs"/>
-              </a:defRPr>
-            </a:lvl7pPr>
-            <a:lvl8pPr marL="3200400" algn="l" defTabSz="914400" rtl="0" eaLnBrk="1" latinLnBrk="0" hangingPunct="1">
-              <a:defRPr sz="1800" kern="1200">
-                <a:solidFill>
-                  <a:schemeClr val="lt1"/>
-                </a:solidFill>
-                <a:latin typeface="+mn-lt"/>
-                <a:ea typeface="+mn-ea"/>
-                <a:cs typeface="+mn-cs"/>
-              </a:defRPr>
-            </a:lvl8pPr>
-            <a:lvl9pPr marL="3657600" algn="l" defTabSz="914400" rtl="0" eaLnBrk="1" latinLnBrk="0" hangingPunct="1">
-              <a:defRPr sz="1800" kern="1200">
-                <a:solidFill>
-                  <a:schemeClr val="lt1"/>
-                </a:solidFill>
-                <a:latin typeface="+mn-lt"/>
-                <a:ea typeface="+mn-ea"/>
-                <a:cs typeface="+mn-cs"/>
-              </a:defRPr>
-            </a:lvl9pPr>
-          </a:lstStyle>
-          <a:p>
-            <a:pPr algn="ctr"/>
-            <a:r>
-              <a:rPr lang="en-US" sz="1200" dirty="0"/>
-              <a:t>Sample</a:t>
-            </a:r>
-          </a:p>
-        </p:txBody>
-      </p:sp>
-      <p:cxnSp>
-        <p:nvCxnSpPr>
-          <p:cNvPr id="53" name="Straight Arrow Connector 52">
-            <a:extLst>
-              <a:ext uri="{FF2B5EF4-FFF2-40B4-BE49-F238E27FC236}">
-                <a16:creationId xmlns:a16="http://schemas.microsoft.com/office/drawing/2014/main" id="{E5A2F908-7466-3809-B71C-62515F13FB1E}"/>
-              </a:ext>
-            </a:extLst>
-          </p:cNvPr>
-          <p:cNvCxnSpPr>
-            <a:cxnSpLocks/>
-            <a:stCxn id="49" idx="3"/>
-            <a:endCxn id="47" idx="1"/>
-          </p:cNvCxnSpPr>
-          <p:nvPr/>
-        </p:nvCxnSpPr>
-        <p:spPr>
-          <a:xfrm>
-            <a:off x="3895822" y="3658787"/>
-            <a:ext cx="2110039" cy="0"/>
-          </a:xfrm>
-          <a:prstGeom prst="straightConnector1">
-            <a:avLst/>
-          </a:prstGeom>
-          <a:ln>
-            <a:tailEnd type="triangle"/>
-          </a:ln>
-        </p:spPr>
-        <p:style>
-          <a:lnRef idx="1">
-            <a:schemeClr val="accent6"/>
-          </a:lnRef>
-          <a:fillRef idx="0">
-            <a:schemeClr val="accent6"/>
-          </a:fillRef>
-          <a:effectRef idx="0">
-            <a:schemeClr val="accent6"/>
-          </a:effectRef>
-          <a:fontRef idx="minor">
-            <a:schemeClr val="tx1"/>
-          </a:fontRef>
-        </p:style>
-      </p:cxnSp>
-      <p:cxnSp>
-        <p:nvCxnSpPr>
-          <p:cNvPr id="54" name="Connector: Elbow 53">
-            <a:extLst>
-              <a:ext uri="{FF2B5EF4-FFF2-40B4-BE49-F238E27FC236}">
-                <a16:creationId xmlns:a16="http://schemas.microsoft.com/office/drawing/2014/main" id="{9A1DFE98-33E3-8CED-6E66-9B5413A3E3F4}"/>
-              </a:ext>
-            </a:extLst>
-          </p:cNvPr>
-          <p:cNvCxnSpPr>
-            <a:cxnSpLocks/>
-            <a:stCxn id="49" idx="2"/>
-          </p:cNvCxnSpPr>
-          <p:nvPr/>
-        </p:nvCxnSpPr>
-        <p:spPr>
-          <a:xfrm rot="16200000" flipH="1">
-            <a:off x="5194607" y="2089590"/>
-            <a:ext cx="519595" cy="4019100"/>
-          </a:xfrm>
-          <a:prstGeom prst="bentConnector2">
-            <a:avLst/>
-          </a:prstGeom>
-          <a:ln>
-            <a:tailEnd type="triangle"/>
-          </a:ln>
-        </p:spPr>
-        <p:style>
-          <a:lnRef idx="1">
-            <a:schemeClr val="accent2"/>
-          </a:lnRef>
-          <a:fillRef idx="0">
-            <a:schemeClr val="accent2"/>
-          </a:fillRef>
-          <a:effectRef idx="0">
-            <a:schemeClr val="accent2"/>
-          </a:effectRef>
-          <a:fontRef idx="minor">
-            <a:schemeClr val="tx1"/>
-          </a:fontRef>
-        </p:style>
-      </p:cxnSp>
-      <p:cxnSp>
-        <p:nvCxnSpPr>
-          <p:cNvPr id="55" name="Straight Arrow Connector 54">
-            <a:extLst>
-              <a:ext uri="{FF2B5EF4-FFF2-40B4-BE49-F238E27FC236}">
-                <a16:creationId xmlns:a16="http://schemas.microsoft.com/office/drawing/2014/main" id="{0CC28CF4-4AF7-4EB0-EE10-6CFC0A76B40B}"/>
-              </a:ext>
-            </a:extLst>
-          </p:cNvPr>
-          <p:cNvCxnSpPr>
-            <a:cxnSpLocks/>
-            <a:stCxn id="47" idx="3"/>
-          </p:cNvCxnSpPr>
-          <p:nvPr/>
-        </p:nvCxnSpPr>
-        <p:spPr>
-          <a:xfrm>
-            <a:off x="6907797" y="3658787"/>
-            <a:ext cx="556157" cy="0"/>
-          </a:xfrm>
-          <a:prstGeom prst="straightConnector1">
-            <a:avLst/>
-          </a:prstGeom>
-          <a:ln>
-            <a:tailEnd type="triangle"/>
-          </a:ln>
-        </p:spPr>
-        <p:style>
-          <a:lnRef idx="1">
-            <a:schemeClr val="accent6"/>
-          </a:lnRef>
-          <a:fillRef idx="0">
-            <a:schemeClr val="accent6"/>
-          </a:fillRef>
-          <a:effectRef idx="0">
-            <a:schemeClr val="accent6"/>
-          </a:effectRef>
-          <a:fontRef idx="minor">
-            <a:schemeClr val="tx1"/>
-          </a:fontRef>
-        </p:style>
-      </p:cxnSp>
-      <p:cxnSp>
-        <p:nvCxnSpPr>
-          <p:cNvPr id="56" name="Connector: Elbow 55">
-            <a:extLst>
-              <a:ext uri="{FF2B5EF4-FFF2-40B4-BE49-F238E27FC236}">
-                <a16:creationId xmlns:a16="http://schemas.microsoft.com/office/drawing/2014/main" id="{D73085EC-C83E-B409-D1DF-C4321E7F4931}"/>
-              </a:ext>
-            </a:extLst>
-          </p:cNvPr>
-          <p:cNvCxnSpPr>
-            <a:cxnSpLocks/>
-            <a:stCxn id="47" idx="2"/>
-          </p:cNvCxnSpPr>
-          <p:nvPr/>
-        </p:nvCxnSpPr>
-        <p:spPr>
-          <a:xfrm rot="16200000" flipH="1">
-            <a:off x="6870114" y="3426057"/>
-            <a:ext cx="180556" cy="1007127"/>
-          </a:xfrm>
-          <a:prstGeom prst="bentConnector2">
-            <a:avLst/>
-          </a:prstGeom>
-          <a:ln>
-            <a:tailEnd type="triangle"/>
-          </a:ln>
-        </p:spPr>
-        <p:style>
-          <a:lnRef idx="1">
-            <a:schemeClr val="accent2"/>
-          </a:lnRef>
-          <a:fillRef idx="0">
-            <a:schemeClr val="accent2"/>
-          </a:fillRef>
-          <a:effectRef idx="0">
-            <a:schemeClr val="accent2"/>
-          </a:effectRef>
-          <a:fontRef idx="minor">
-            <a:schemeClr val="tx1"/>
-          </a:fontRef>
-        </p:style>
-      </p:cxnSp>
-      <mc:AlternateContent xmlns:mc="http://schemas.openxmlformats.org/markup-compatibility/2006">
-        <mc:Choice xmlns:a14="http://schemas.microsoft.com/office/drawing/2010/main" Requires="a14">
-          <p:sp>
-            <p:nvSpPr>
-              <p:cNvPr id="57" name="TextBox 56">
-                <a:extLst>
-                  <a:ext uri="{FF2B5EF4-FFF2-40B4-BE49-F238E27FC236}">
-                    <a16:creationId xmlns:a16="http://schemas.microsoft.com/office/drawing/2014/main" id="{387FF9CF-809C-F257-A9D6-F38CCB310669}"/>
-                  </a:ext>
-                </a:extLst>
-              </p:cNvPr>
-              <p:cNvSpPr txBox="1"/>
-              <p:nvPr/>
-            </p:nvSpPr>
-            <p:spPr>
-              <a:xfrm>
-                <a:off x="3214783" y="4096197"/>
-                <a:ext cx="1362075" cy="291298"/>
-              </a:xfrm>
-              <a:prstGeom prst="rect">
-                <a:avLst/>
-              </a:prstGeom>
-              <a:noFill/>
-            </p:spPr>
-            <p:txBody>
-              <a:bodyPr wrap="square">
-                <a:spAutoFit/>
-              </a:bodyPr>
-              <a:lstStyle/>
-              <a:p>
-                <a:pPr/>
-                <a14:m>
-                  <m:oMathPara xmlns:m="http://schemas.openxmlformats.org/officeDocument/2006/math">
-                    <m:oMathParaPr>
-                      <m:jc m:val="centerGroup"/>
-                    </m:oMathParaPr>
-                    <m:oMath xmlns:m="http://schemas.openxmlformats.org/officeDocument/2006/math">
-                      <m:sSub>
-                        <m:sSubPr>
-                          <m:ctrlPr>
-                            <a:rPr lang="en-GB" sz="1200" b="0" i="1" smtClean="0">
-                              <a:latin typeface="Cambria Math" panose="02040503050406030204" pitchFamily="18" charset="0"/>
-                            </a:rPr>
-                          </m:ctrlPr>
-                        </m:sSubPr>
-                        <m:e>
                           <m:r>
                             <a:rPr lang="en-GB" sz="1200" b="0" i="1" smtClean="0">
                               <a:latin typeface="Cambria Math" panose="02040503050406030204" pitchFamily="18" charset="0"/>
                             </a:rPr>
-                            <m:t>1−</m:t>
+                            <m:t>,</m:t>
                           </m:r>
                           <m:r>
                             <a:rPr lang="en-GB" sz="1200" b="0" i="1" smtClean="0">
                               <a:latin typeface="Cambria Math" panose="02040503050406030204" pitchFamily="18" charset="0"/>
                             </a:rPr>
-                            <m:t>𝑃</m:t>
-                          </m:r>
-                        </m:e>
-                        <m:sub>
-                          <m:r>
-                            <a:rPr lang="en-GB" sz="1200" b="0" i="1" smtClean="0">
-                              <a:latin typeface="Cambria Math" panose="02040503050406030204" pitchFamily="18" charset="0"/>
-                            </a:rPr>
-                            <m:t>𝑠𝑝𝑢𝑡𝑢𝑚</m:t>
+                            <m:t>𝐶𝐵𝑁</m:t>
                           </m:r>
                         </m:sub>
                       </m:sSub>
@@ -42438,7 +42506,7 @@
             </p:nvSpPr>
             <p:spPr>
               <a:xfrm>
-                <a:off x="3214783" y="4096197"/>
+                <a:off x="3444853" y="4089543"/>
                 <a:ext cx="1362075" cy="291298"/>
               </a:xfrm>
               <a:prstGeom prst="rect">
@@ -42506,7 +42574,7 @@
                       <m:sSub>
                         <m:sSubPr>
                           <m:ctrlPr>
-                            <a:rPr lang="en-GB" sz="1200" i="1">
+                            <a:rPr lang="en-GB" sz="1200" i="1" smtClean="0">
                               <a:latin typeface="Cambria Math" panose="02040503050406030204" pitchFamily="18" charset="0"/>
                             </a:rPr>
                           </m:ctrlPr>
@@ -42525,6 +42593,24 @@
                               <a:latin typeface="Cambria Math" panose="02040503050406030204" pitchFamily="18" charset="0"/>
                             </a:rPr>
                             <m:t>𝑠𝑝𝑢𝑡𝑢𝑚</m:t>
+                          </m:r>
+                          <m:r>
+                            <a:rPr lang="en-GB" sz="1200" b="0" i="1" smtClean="0">
+                              <a:latin typeface="Cambria Math" panose="02040503050406030204" pitchFamily="18" charset="0"/>
+                            </a:rPr>
+                            <m:t>,</m:t>
+                          </m:r>
+                          <m:r>
+                            <a:rPr lang="en-GB" sz="1200" b="0" i="1" smtClean="0">
+                              <a:latin typeface="Cambria Math" panose="02040503050406030204" pitchFamily="18" charset="0"/>
+                            </a:rPr>
+                            <m:t>𝐶𝐵</m:t>
+                          </m:r>
+                          <m:r>
+                            <a:rPr lang="en-GB" sz="1200" b="0" i="1" smtClean="0">
+                              <a:latin typeface="Cambria Math" panose="02040503050406030204" pitchFamily="18" charset="0"/>
+                            </a:rPr>
+                            <m:t>𝑁</m:t>
                           </m:r>
                         </m:sub>
                       </m:sSub>
@@ -42562,7 +42648,7 @@
               <a:blipFill>
                 <a:blip r:embed="rId5"/>
                 <a:stretch>
-                  <a:fillRect/>
+                  <a:fillRect r="-33028"/>
                 </a:stretch>
               </a:blipFill>
             </p:spPr>
@@ -42750,7 +42836,7 @@
         </p:nvSpPr>
         <p:spPr>
           <a:xfrm>
-            <a:off x="4459161" y="2003296"/>
+            <a:off x="4715692" y="2010482"/>
             <a:ext cx="901936" cy="361112"/>
           </a:xfrm>
           <a:prstGeom prst="rect">
@@ -43039,7 +43125,7 @@
         </p:nvCxnSpPr>
         <p:spPr>
           <a:xfrm rot="5400000" flipH="1" flipV="1">
-            <a:off x="6081735" y="621078"/>
+            <a:off x="6338266" y="628264"/>
             <a:ext cx="210612" cy="2553825"/>
           </a:xfrm>
           <a:prstGeom prst="bentConnector2">
@@ -43083,7 +43169,7 @@
         <p:spPr>
           <a:xfrm>
             <a:off x="3895822" y="2183852"/>
-            <a:ext cx="563339" cy="0"/>
+            <a:ext cx="819870" cy="7186"/>
           </a:xfrm>
           <a:prstGeom prst="straightConnector1">
             <a:avLst/>
@@ -43166,7 +43252,7 @@
         </p:nvCxnSpPr>
         <p:spPr>
           <a:xfrm rot="16200000" flipH="1">
-            <a:off x="6096764" y="1177773"/>
+            <a:off x="6353295" y="1184959"/>
             <a:ext cx="180556" cy="2553826"/>
           </a:xfrm>
           <a:prstGeom prst="bentConnector2">
@@ -43191,8 +43277,8 @@
           </a:fontRef>
         </p:style>
       </p:cxnSp>
-      <mc:AlternateContent xmlns:mc="http://schemas.openxmlformats.org/markup-compatibility/2006">
-        <mc:Choice xmlns:a14="http://schemas.microsoft.com/office/drawing/2010/main" Requires="a14">
+      <mc:AlternateContent xmlns:mc="http://schemas.openxmlformats.org/markup-compatibility/2006" xmlns:a14="http://schemas.microsoft.com/office/drawing/2010/main">
+        <mc:Choice Requires="a14">
           <p:sp>
             <p:nvSpPr>
               <p:cNvPr id="463" name="TextBox 462">
@@ -43207,7 +43293,7 @@
             </p:nvSpPr>
             <p:spPr>
               <a:xfrm>
-                <a:off x="3214783" y="2621262"/>
+                <a:off x="3439010" y="2628448"/>
                 <a:ext cx="1362075" cy="291298"/>
               </a:xfrm>
               <a:prstGeom prst="rect">
@@ -43255,7 +43341,19 @@
                             <a:rPr lang="en-GB" sz="1200" b="0" i="1" smtClean="0">
                               <a:latin typeface="Cambria Math" panose="02040503050406030204" pitchFamily="18" charset="0"/>
                             </a:rPr>
-                            <m:t>𝑠𝑝𝑢𝑡𝑢𝑚</m:t>
+                            <m:t>𝑠𝑎𝑚𝑝𝑙𝑒</m:t>
+                          </m:r>
+                          <m:r>
+                            <a:rPr lang="en-GB" sz="1200" b="0" i="1" smtClean="0">
+                              <a:latin typeface="Cambria Math" panose="02040503050406030204" pitchFamily="18" charset="0"/>
+                            </a:rPr>
+                            <m:t>,</m:t>
+                          </m:r>
+                          <m:r>
+                            <a:rPr lang="en-GB" sz="1200" b="0" i="1" smtClean="0">
+                              <a:latin typeface="Cambria Math" panose="02040503050406030204" pitchFamily="18" charset="0"/>
+                            </a:rPr>
+                            <m:t>𝑆𝑆𝑀</m:t>
                           </m:r>
                         </m:sub>
                       </m:sSub>
@@ -43267,7 +43365,7 @@
             </p:txBody>
           </p:sp>
         </mc:Choice>
-        <mc:Fallback>
+        <mc:Fallback xmlns="">
           <p:sp>
             <p:nvSpPr>
               <p:cNvPr id="463" name="TextBox 462">
@@ -43284,14 +43382,14 @@
             </p:nvSpPr>
             <p:spPr>
               <a:xfrm>
-                <a:off x="3214783" y="2621262"/>
+                <a:off x="3439010" y="2628448"/>
                 <a:ext cx="1362075" cy="291298"/>
               </a:xfrm>
               <a:prstGeom prst="rect">
                 <a:avLst/>
               </a:prstGeom>
               <a:blipFill>
-                <a:blip r:embed="rId6"/>
+                <a:blip r:embed="rId2"/>
                 <a:stretch>
                   <a:fillRect/>
                 </a:stretch>
@@ -43312,8 +43410,8 @@
           </p:sp>
         </mc:Fallback>
       </mc:AlternateContent>
-      <mc:AlternateContent xmlns:mc="http://schemas.openxmlformats.org/markup-compatibility/2006">
-        <mc:Choice xmlns:a14="http://schemas.microsoft.com/office/drawing/2010/main" Requires="a14">
+      <mc:AlternateContent xmlns:mc="http://schemas.openxmlformats.org/markup-compatibility/2006" xmlns:a14="http://schemas.microsoft.com/office/drawing/2010/main">
+        <mc:Choice Requires="a14">
           <p:sp>
             <p:nvSpPr>
               <p:cNvPr id="464" name="TextBox 463">
@@ -43352,7 +43450,7 @@
                       <m:sSub>
                         <m:sSubPr>
                           <m:ctrlPr>
-                            <a:rPr lang="en-GB" sz="1200" i="1">
+                            <a:rPr lang="en-GB" sz="1200" i="1" smtClean="0">
                               <a:latin typeface="Cambria Math" panose="02040503050406030204" pitchFamily="18" charset="0"/>
                             </a:rPr>
                           </m:ctrlPr>
@@ -43370,7 +43468,25 @@
                             <a:rPr lang="en-GB" sz="1200" i="1">
                               <a:latin typeface="Cambria Math" panose="02040503050406030204" pitchFamily="18" charset="0"/>
                             </a:rPr>
-                            <m:t>𝑠𝑝𝑢𝑡𝑢𝑚</m:t>
+                            <m:t>𝑠</m:t>
+                          </m:r>
+                          <m:r>
+                            <a:rPr lang="en-GB" sz="1200" b="0" i="1" smtClean="0">
+                              <a:latin typeface="Cambria Math" panose="02040503050406030204" pitchFamily="18" charset="0"/>
+                            </a:rPr>
+                            <m:t>𝑎𝑚𝑝𝑙𝑒</m:t>
+                          </m:r>
+                          <m:r>
+                            <a:rPr lang="en-GB" sz="1200" b="0" i="1" smtClean="0">
+                              <a:latin typeface="Cambria Math" panose="02040503050406030204" pitchFamily="18" charset="0"/>
+                            </a:rPr>
+                            <m:t>, </m:t>
+                          </m:r>
+                          <m:r>
+                            <a:rPr lang="en-GB" sz="1200" b="0" i="1" smtClean="0">
+                              <a:latin typeface="Cambria Math" panose="02040503050406030204" pitchFamily="18" charset="0"/>
+                            </a:rPr>
+                            <m:t>𝑆𝑆𝑀</m:t>
                           </m:r>
                         </m:sub>
                       </m:sSub>
@@ -43382,7 +43498,7 @@
             </p:txBody>
           </p:sp>
         </mc:Choice>
-        <mc:Fallback>
+        <mc:Fallback xmlns="">
           <p:sp>
             <p:nvSpPr>
               <p:cNvPr id="464" name="TextBox 463">
@@ -43406,9 +43522,9 @@
                 <a:avLst/>
               </a:prstGeom>
               <a:blipFill>
-                <a:blip r:embed="rId5"/>
+                <a:blip r:embed="rId6"/>
                 <a:stretch>
-                  <a:fillRect/>
+                  <a:fillRect r="-28440"/>
                 </a:stretch>
               </a:blipFill>
             </p:spPr>
@@ -43654,8 +43770,8 @@
           </a:fontRef>
         </p:style>
       </p:cxnSp>
-      <mc:AlternateContent xmlns:mc="http://schemas.openxmlformats.org/markup-compatibility/2006">
-        <mc:Choice xmlns:a14="http://schemas.microsoft.com/office/drawing/2010/main" Requires="a14">
+      <mc:AlternateContent xmlns:mc="http://schemas.openxmlformats.org/markup-compatibility/2006" xmlns:a14="http://schemas.microsoft.com/office/drawing/2010/main">
+        <mc:Choice Requires="a14">
           <p:sp>
             <p:nvSpPr>
               <p:cNvPr id="480" name="TextBox 479">
@@ -43767,7 +43883,7 @@
             </p:txBody>
           </p:sp>
         </mc:Choice>
-        <mc:Fallback>
+        <mc:Fallback xmlns="">
           <p:sp>
             <p:nvSpPr>
               <p:cNvPr id="480" name="TextBox 479">
@@ -43812,8 +43928,8 @@
           </p:sp>
         </mc:Fallback>
       </mc:AlternateContent>
-      <mc:AlternateContent xmlns:mc="http://schemas.openxmlformats.org/markup-compatibility/2006">
-        <mc:Choice xmlns:a14="http://schemas.microsoft.com/office/drawing/2010/main" Requires="a14">
+      <mc:AlternateContent xmlns:mc="http://schemas.openxmlformats.org/markup-compatibility/2006" xmlns:a14="http://schemas.microsoft.com/office/drawing/2010/main">
+        <mc:Choice Requires="a14">
           <p:sp>
             <p:nvSpPr>
               <p:cNvPr id="481" name="TextBox 480">
@@ -43907,7 +44023,7 @@
             </p:txBody>
           </p:sp>
         </mc:Choice>
-        <mc:Fallback>
+        <mc:Fallback xmlns="">
           <p:sp>
             <p:nvSpPr>
               <p:cNvPr id="481" name="TextBox 480">
@@ -43952,8 +44068,8 @@
           </p:sp>
         </mc:Fallback>
       </mc:AlternateContent>
-      <mc:AlternateContent xmlns:mc="http://schemas.openxmlformats.org/markup-compatibility/2006">
-        <mc:Choice xmlns:a14="http://schemas.microsoft.com/office/drawing/2010/main" Requires="a14">
+      <mc:AlternateContent xmlns:mc="http://schemas.openxmlformats.org/markup-compatibility/2006" xmlns:a14="http://schemas.microsoft.com/office/drawing/2010/main">
+        <mc:Choice Requires="a14">
           <p:sp>
             <p:nvSpPr>
               <p:cNvPr id="482" name="TextBox 481">
@@ -44059,7 +44175,7 @@
             </p:txBody>
           </p:sp>
         </mc:Choice>
-        <mc:Fallback>
+        <mc:Fallback xmlns="">
           <p:sp>
             <p:nvSpPr>
               <p:cNvPr id="482" name="TextBox 481">
@@ -44104,55 +44220,134 @@
           </p:sp>
         </mc:Fallback>
       </mc:AlternateContent>
-      <p:sp>
-        <p:nvSpPr>
-          <p:cNvPr id="484" name="Rectangle 483">
-            <a:extLst>
-              <a:ext uri="{FF2B5EF4-FFF2-40B4-BE49-F238E27FC236}">
-                <a16:creationId xmlns:a16="http://schemas.microsoft.com/office/drawing/2014/main" id="{1910759A-CF28-7D60-C5F0-1A83DE6C3B74}"/>
-              </a:ext>
-            </a:extLst>
-          </p:cNvPr>
-          <p:cNvSpPr/>
-          <p:nvPr/>
-        </p:nvSpPr>
-        <p:spPr>
-          <a:xfrm rot="16200000">
-            <a:off x="-1483758" y="3500193"/>
-            <a:ext cx="4463851" cy="617923"/>
-          </a:xfrm>
-          <a:prstGeom prst="rect">
-            <a:avLst/>
-          </a:prstGeom>
-        </p:spPr>
-        <p:style>
-          <a:lnRef idx="2">
-            <a:schemeClr val="accent6"/>
-          </a:lnRef>
-          <a:fillRef idx="1">
-            <a:schemeClr val="lt1"/>
-          </a:fillRef>
-          <a:effectRef idx="0">
-            <a:schemeClr val="accent6"/>
-          </a:effectRef>
-          <a:fontRef idx="minor">
-            <a:schemeClr val="dk1"/>
-          </a:fontRef>
-        </p:style>
-        <p:txBody>
-          <a:bodyPr rtlCol="0" anchor="ctr"/>
-          <a:lstStyle/>
-          <a:p>
-            <a:pPr algn="ctr"/>
-            <a:r>
-              <a:rPr lang="en-GB" dirty="0"/>
-              <a:t>Test available</a:t>
-            </a:r>
-          </a:p>
-        </p:txBody>
-      </p:sp>
-      <mc:AlternateContent xmlns:mc="http://schemas.openxmlformats.org/markup-compatibility/2006">
-        <mc:Choice xmlns:a14="http://schemas.microsoft.com/office/drawing/2010/main" Requires="a14">
+      <mc:AlternateContent xmlns:mc="http://schemas.openxmlformats.org/markup-compatibility/2006" xmlns:a14="http://schemas.microsoft.com/office/drawing/2010/main">
+        <mc:Choice Requires="a14">
+          <p:sp>
+            <p:nvSpPr>
+              <p:cNvPr id="484" name="Rectangle 483">
+                <a:extLst>
+                  <a:ext uri="{FF2B5EF4-FFF2-40B4-BE49-F238E27FC236}">
+                    <a16:creationId xmlns:a16="http://schemas.microsoft.com/office/drawing/2014/main" id="{1910759A-CF28-7D60-C5F0-1A83DE6C3B74}"/>
+                  </a:ext>
+                </a:extLst>
+              </p:cNvPr>
+              <p:cNvSpPr/>
+              <p:nvPr/>
+            </p:nvSpPr>
+            <p:spPr>
+              <a:xfrm>
+                <a:off x="327686" y="1801217"/>
+                <a:ext cx="737185" cy="3774030"/>
+              </a:xfrm>
+              <a:prstGeom prst="rect">
+                <a:avLst/>
+              </a:prstGeom>
+            </p:spPr>
+            <p:style>
+              <a:lnRef idx="2">
+                <a:schemeClr val="accent6"/>
+              </a:lnRef>
+              <a:fillRef idx="1">
+                <a:schemeClr val="lt1"/>
+              </a:fillRef>
+              <a:effectRef idx="0">
+                <a:schemeClr val="accent6"/>
+              </a:effectRef>
+              <a:fontRef idx="minor">
+                <a:schemeClr val="dk1"/>
+              </a:fontRef>
+            </p:style>
+            <p:txBody>
+              <a:bodyPr rtlCol="0" anchor="ctr"/>
+              <a:lstStyle/>
+              <a:p>
+                <a:pPr algn="ctr"/>
+                <a14:m>
+                  <m:oMathPara xmlns:m="http://schemas.openxmlformats.org/officeDocument/2006/math">
+                    <m:oMathParaPr>
+                      <m:jc m:val="centerGroup"/>
+                    </m:oMathParaPr>
+                    <m:oMath xmlns:m="http://schemas.openxmlformats.org/officeDocument/2006/math">
+                      <m:sSub>
+                        <m:sSubPr>
+                          <m:ctrlPr>
+                            <a:rPr lang="en-GB" b="0" i="1" smtClean="0">
+                              <a:latin typeface="Cambria Math" panose="02040503050406030204" pitchFamily="18" charset="0"/>
+                            </a:rPr>
+                          </m:ctrlPr>
+                        </m:sSubPr>
+                        <m:e>
+                          <m:r>
+                            <a:rPr lang="en-GB" b="0" i="1" smtClean="0">
+                              <a:latin typeface="Cambria Math" panose="02040503050406030204" pitchFamily="18" charset="0"/>
+                            </a:rPr>
+                            <m:t>𝑃</m:t>
+                          </m:r>
+                        </m:e>
+                        <m:sub>
+                          <m:r>
+                            <a:rPr lang="en-GB" b="0" i="1" smtClean="0">
+                              <a:latin typeface="Cambria Math" panose="02040503050406030204" pitchFamily="18" charset="0"/>
+                            </a:rPr>
+                            <m:t>2</m:t>
+                          </m:r>
+                        </m:sub>
+                      </m:sSub>
+                    </m:oMath>
+                  </m:oMathPara>
+                </a14:m>
+                <a:endParaRPr lang="en-GB" dirty="0"/>
+              </a:p>
+            </p:txBody>
+          </p:sp>
+        </mc:Choice>
+        <mc:Fallback xmlns="">
+          <p:sp>
+            <p:nvSpPr>
+              <p:cNvPr id="484" name="Rectangle 483">
+                <a:extLst>
+                  <a:ext uri="{FF2B5EF4-FFF2-40B4-BE49-F238E27FC236}">
+                    <a16:creationId xmlns:a16="http://schemas.microsoft.com/office/drawing/2014/main" id="{1910759A-CF28-7D60-C5F0-1A83DE6C3B74}"/>
+                  </a:ext>
+                </a:extLst>
+              </p:cNvPr>
+              <p:cNvSpPr>
+                <a:spLocks noRot="1" noChangeAspect="1" noMove="1" noResize="1" noEditPoints="1" noAdjustHandles="1" noChangeArrowheads="1" noChangeShapeType="1" noTextEdit="1"/>
+              </p:cNvSpPr>
+              <p:nvPr/>
+            </p:nvSpPr>
+            <p:spPr>
+              <a:xfrm>
+                <a:off x="327686" y="1801217"/>
+                <a:ext cx="737185" cy="3774030"/>
+              </a:xfrm>
+              <a:prstGeom prst="rect">
+                <a:avLst/>
+              </a:prstGeom>
+              <a:blipFill>
+                <a:blip r:embed="rId10"/>
+                <a:stretch>
+                  <a:fillRect/>
+                </a:stretch>
+              </a:blipFill>
+            </p:spPr>
+            <p:txBody>
+              <a:bodyPr/>
+              <a:lstStyle/>
+              <a:p>
+                <a:r>
+                  <a:rPr lang="en-GB">
+                    <a:noFill/>
+                  </a:rPr>
+                  <a:t> </a:t>
+                </a:r>
+              </a:p>
+            </p:txBody>
+          </p:sp>
+        </mc:Fallback>
+      </mc:AlternateContent>
+      <mc:AlternateContent xmlns:mc="http://schemas.openxmlformats.org/markup-compatibility/2006" xmlns:a14="http://schemas.microsoft.com/office/drawing/2010/main">
+        <mc:Choice Requires="a14">
           <p:sp>
             <p:nvSpPr>
               <p:cNvPr id="485" name="TextBox 484">
@@ -44181,7 +44376,6 @@
               </a:bodyPr>
               <a:lstStyle/>
               <a:p>
-                <a:pPr/>
                 <a:r>
                   <a:rPr lang="en-GB" sz="1200" b="0" dirty="0"/>
                   <a:t>*Test unavailable: </a:t>
@@ -44269,7 +44463,7 @@
             </p:txBody>
           </p:sp>
         </mc:Choice>
-        <mc:Fallback>
+        <mc:Fallback xmlns="">
           <p:sp>
             <p:nvSpPr>
               <p:cNvPr id="485" name="TextBox 484">
@@ -44293,7 +44487,7 @@
                 <a:avLst/>
               </a:prstGeom>
               <a:blipFill>
-                <a:blip r:embed="rId10"/>
+                <a:blip r:embed="rId11"/>
                 <a:stretch>
                   <a:fillRect l="-214" t="-2222" b="-17778"/>
                 </a:stretch>
